--- a/kickOff_presentationFile.pptx
+++ b/kickOff_presentationFile.pptx
@@ -18,10 +18,6 @@
     <p:sldId id="262" r:id="rId11"/>
     <p:sldId id="263" r:id="rId12"/>
     <p:sldId id="264" r:id="rId13"/>
-    <p:sldId id="265" r:id="rId14"/>
-    <p:sldId id="266" r:id="rId15"/>
-    <p:sldId id="267" r:id="rId16"/>
-    <p:sldId id="268" r:id="rId17"/>
   </p:sldIdLst>
   <p:sldSz cx="12192000" cy="6858000"/>
   <p:notesSz cx="6858000" cy="9144000"/>
@@ -72,7 +68,43 @@
               <a:rPr b="0" lang="en-US" sz="4400" spc="-1" strike="noStrike">
                 <a:latin typeface="Arial"/>
               </a:rPr>
-              <a:t>Click to move the slide</a:t>
+              <a:t>Clic</a:t>
+            </a:r>
+            <a:r>
+              <a:rPr b="0" lang="en-US" sz="4400" spc="-1" strike="noStrike">
+                <a:latin typeface="Arial"/>
+              </a:rPr>
+              <a:t>k to </a:t>
+            </a:r>
+            <a:r>
+              <a:rPr b="0" lang="en-US" sz="4400" spc="-1" strike="noStrike">
+                <a:latin typeface="Arial"/>
+              </a:rPr>
+              <a:t>mov</a:t>
+            </a:r>
+            <a:r>
+              <a:rPr b="0" lang="en-US" sz="4400" spc="-1" strike="noStrike">
+                <a:latin typeface="Arial"/>
+              </a:rPr>
+              <a:t>e </a:t>
+            </a:r>
+            <a:r>
+              <a:rPr b="0" lang="en-US" sz="4400" spc="-1" strike="noStrike">
+                <a:latin typeface="Arial"/>
+              </a:rPr>
+              <a:t>the </a:t>
+            </a:r>
+            <a:r>
+              <a:rPr b="0" lang="en-US" sz="4400" spc="-1" strike="noStrike">
+                <a:latin typeface="Arial"/>
+              </a:rPr>
+              <a:t>slid</a:t>
+            </a:r>
+            <a:r>
+              <a:rPr b="0" lang="en-US" sz="4400" spc="-1" strike="noStrike">
+                <a:latin typeface="Arial"/>
+              </a:rPr>
+              <a:t>e</a:t>
             </a:r>
             <a:endParaRPr b="0" lang="en-US" sz="4400" spc="-1" strike="noStrike">
               <a:latin typeface="Arial"/>
@@ -106,7 +138,13 @@
               <a:rPr b="0" lang="en-US" sz="2000" spc="-1" strike="noStrike">
                 <a:latin typeface="Arial"/>
               </a:rPr>
-              <a:t>Click to edit the notes format</a:t>
+              <a:t>Click to edit the </a:t>
+            </a:r>
+            <a:r>
+              <a:rPr b="0" lang="en-US" sz="2000" spc="-1" strike="noStrike">
+                <a:latin typeface="Arial"/>
+              </a:rPr>
+              <a:t>notes format</a:t>
             </a:r>
             <a:endParaRPr b="0" lang="en-US" sz="2000" spc="-1" strike="noStrike">
               <a:latin typeface="Arial"/>
@@ -240,7 +278,7 @@
           <a:bodyPr lIns="0" rIns="0" tIns="0" bIns="0" anchor="b"/>
           <a:p>
             <a:pPr algn="r"/>
-            <a:fld id="{9C26E74A-7217-4E2D-BE04-CA90F3641466}" type="slidenum">
+            <a:fld id="{5EDAE715-4EE6-4039-A099-C007463B6870}" type="slidenum">
               <a:rPr b="0" lang="en-US" sz="1400" spc="-1" strike="noStrike">
                 <a:latin typeface="Times New Roman"/>
               </a:rPr>
@@ -277,7 +315,7 @@
       </p:grpSpPr>
       <p:sp>
         <p:nvSpPr>
-          <p:cNvPr id="256" name="PlaceHolder 1"/>
+          <p:cNvPr id="175" name="PlaceHolder 1"/>
           <p:cNvSpPr>
             <a:spLocks noGrp="1"/>
           </p:cNvSpPr>
@@ -288,7 +326,7 @@
         <p:spPr>
           <a:xfrm>
             <a:off x="380880" y="685800"/>
-            <a:ext cx="6094800" cy="3427920"/>
+            <a:ext cx="6094440" cy="3427560"/>
           </a:xfrm>
           <a:prstGeom prst="rect">
             <a:avLst/>
@@ -297,7 +335,7 @@
       </p:sp>
       <p:sp>
         <p:nvSpPr>
-          <p:cNvPr id="257" name="PlaceHolder 2"/>
+          <p:cNvPr id="176" name="PlaceHolder 2"/>
           <p:cNvSpPr>
             <a:spLocks noGrp="1"/>
           </p:cNvSpPr>
@@ -308,7 +346,7 @@
         <p:spPr>
           <a:xfrm>
             <a:off x="685800" y="4343400"/>
-            <a:ext cx="5484960" cy="4113360"/>
+            <a:ext cx="5484600" cy="4113000"/>
           </a:xfrm>
           <a:prstGeom prst="rect">
             <a:avLst/>
@@ -325,110 +363,14 @@
       </p:sp>
       <p:sp>
         <p:nvSpPr>
-          <p:cNvPr id="258" name="CustomShape 3"/>
+          <p:cNvPr id="177" name="CustomShape 3"/>
           <p:cNvSpPr/>
           <p:nvPr/>
         </p:nvSpPr>
         <p:spPr>
           <a:xfrm>
             <a:off x="3884760" y="8685360"/>
-            <a:ext cx="2970360" cy="455760"/>
-          </a:xfrm>
-          <a:prstGeom prst="rect">
-            <a:avLst/>
-          </a:prstGeom>
-          <a:noFill/>
-          <a:ln>
-            <a:noFill/>
-          </a:ln>
-        </p:spPr>
-        <p:style>
-          <a:lnRef idx="0"/>
-          <a:fillRef idx="0"/>
-          <a:effectRef idx="0"/>
-          <a:fontRef idx="minor"/>
-        </p:style>
-      </p:sp>
-    </p:spTree>
-  </p:cSld>
-</p:notes>
-</file>
-
-<file path=ppt/notesSlides/notesSlide13.xml><?xml version="1.0" encoding="utf-8"?>
-<p:notes xmlns:a="http://schemas.openxmlformats.org/drawingml/2006/main" xmlns:p="http://schemas.openxmlformats.org/presentationml/2006/main" xmlns:r="http://schemas.openxmlformats.org/officeDocument/2006/relationships" xmlns:p14="http://schemas.microsoft.com/office/powerpoint/2010/main" xmlns:p15="http://schemas.microsoft.com/office/powerpoint/2012/main" xmlns:mc="http://schemas.openxmlformats.org/markup-compatibility/2006">
-  <p:cSld>
-    <p:spTree>
-      <p:nvGrpSpPr>
-        <p:cNvPr id="1" name=""/>
-        <p:cNvGrpSpPr/>
-        <p:nvPr/>
-      </p:nvGrpSpPr>
-      <p:grpSpPr>
-        <a:xfrm>
-          <a:off x="0" y="0"/>
-          <a:ext cx="0" cy="0"/>
-          <a:chOff x="0" y="0"/>
-          <a:chExt cx="0" cy="0"/>
-        </a:xfrm>
-      </p:grpSpPr>
-      <p:sp>
-        <p:nvSpPr>
-          <p:cNvPr id="268" name="PlaceHolder 1"/>
-          <p:cNvSpPr>
-            <a:spLocks noGrp="1"/>
-          </p:cNvSpPr>
-          <p:nvPr>
-            <p:ph type="sldImg"/>
-          </p:nvPr>
-        </p:nvSpPr>
-        <p:spPr>
-          <a:xfrm>
-            <a:off x="380880" y="685800"/>
-            <a:ext cx="6094800" cy="3427920"/>
-          </a:xfrm>
-          <a:prstGeom prst="rect">
-            <a:avLst/>
-          </a:prstGeom>
-        </p:spPr>
-      </p:sp>
-      <p:sp>
-        <p:nvSpPr>
-          <p:cNvPr id="269" name="PlaceHolder 2"/>
-          <p:cNvSpPr>
-            <a:spLocks noGrp="1"/>
-          </p:cNvSpPr>
-          <p:nvPr>
-            <p:ph type="body"/>
-          </p:nvPr>
-        </p:nvSpPr>
-        <p:spPr>
-          <a:xfrm>
-            <a:off x="685800" y="4343400"/>
-            <a:ext cx="5484960" cy="4113360"/>
-          </a:xfrm>
-          <a:prstGeom prst="rect">
-            <a:avLst/>
-          </a:prstGeom>
-        </p:spPr>
-        <p:txBody>
-          <a:bodyPr lIns="0" rIns="0" tIns="0" bIns="0"/>
-          <a:p>
-            <a:endParaRPr b="0" lang="en-US" sz="2000" spc="-1" strike="noStrike">
-              <a:latin typeface="Arial"/>
-            </a:endParaRPr>
-          </a:p>
-        </p:txBody>
-      </p:sp>
-      <p:sp>
-        <p:nvSpPr>
-          <p:cNvPr id="270" name="CustomShape 3"/>
-          <p:cNvSpPr/>
-          <p:nvPr/>
-        </p:nvSpPr>
-        <p:spPr>
-          <a:xfrm>
-            <a:off x="3884760" y="8685360"/>
-            <a:ext cx="2970360" cy="455760"/>
+            <a:ext cx="2970000" cy="455400"/>
           </a:xfrm>
           <a:prstGeom prst="rect">
             <a:avLst/>
@@ -469,7 +411,7 @@
       </p:grpSpPr>
       <p:sp>
         <p:nvSpPr>
-          <p:cNvPr id="259" name="PlaceHolder 1"/>
+          <p:cNvPr id="178" name="PlaceHolder 1"/>
           <p:cNvSpPr>
             <a:spLocks noGrp="1"/>
           </p:cNvSpPr>
@@ -480,7 +422,7 @@
         <p:spPr>
           <a:xfrm>
             <a:off x="380880" y="685800"/>
-            <a:ext cx="6094800" cy="3427920"/>
+            <a:ext cx="6094440" cy="3427560"/>
           </a:xfrm>
           <a:prstGeom prst="rect">
             <a:avLst/>
@@ -489,7 +431,7 @@
       </p:sp>
       <p:sp>
         <p:nvSpPr>
-          <p:cNvPr id="260" name="PlaceHolder 2"/>
+          <p:cNvPr id="179" name="PlaceHolder 2"/>
           <p:cNvSpPr>
             <a:spLocks noGrp="1"/>
           </p:cNvSpPr>
@@ -500,7 +442,7 @@
         <p:spPr>
           <a:xfrm>
             <a:off x="685800" y="4343400"/>
-            <a:ext cx="5484960" cy="4113360"/>
+            <a:ext cx="5484600" cy="4113000"/>
           </a:xfrm>
           <a:prstGeom prst="rect">
             <a:avLst/>
@@ -517,14 +459,14 @@
       </p:sp>
       <p:sp>
         <p:nvSpPr>
-          <p:cNvPr id="261" name="CustomShape 3"/>
+          <p:cNvPr id="180" name="CustomShape 3"/>
           <p:cNvSpPr/>
           <p:nvPr/>
         </p:nvSpPr>
         <p:spPr>
           <a:xfrm>
             <a:off x="3884760" y="8685360"/>
-            <a:ext cx="2970360" cy="455760"/>
+            <a:ext cx="2970000" cy="455400"/>
           </a:xfrm>
           <a:prstGeom prst="rect">
             <a:avLst/>
@@ -565,7 +507,7 @@
       </p:grpSpPr>
       <p:sp>
         <p:nvSpPr>
-          <p:cNvPr id="262" name="PlaceHolder 1"/>
+          <p:cNvPr id="181" name="PlaceHolder 1"/>
           <p:cNvSpPr>
             <a:spLocks noGrp="1"/>
           </p:cNvSpPr>
@@ -576,7 +518,7 @@
         <p:spPr>
           <a:xfrm>
             <a:off x="380880" y="685800"/>
-            <a:ext cx="6094800" cy="3427920"/>
+            <a:ext cx="6094440" cy="3427560"/>
           </a:xfrm>
           <a:prstGeom prst="rect">
             <a:avLst/>
@@ -585,7 +527,7 @@
       </p:sp>
       <p:sp>
         <p:nvSpPr>
-          <p:cNvPr id="263" name="PlaceHolder 2"/>
+          <p:cNvPr id="182" name="PlaceHolder 2"/>
           <p:cNvSpPr>
             <a:spLocks noGrp="1"/>
           </p:cNvSpPr>
@@ -596,7 +538,7 @@
         <p:spPr>
           <a:xfrm>
             <a:off x="685800" y="4343400"/>
-            <a:ext cx="5484960" cy="4113360"/>
+            <a:ext cx="5484600" cy="4113000"/>
           </a:xfrm>
           <a:prstGeom prst="rect">
             <a:avLst/>
@@ -613,14 +555,14 @@
       </p:sp>
       <p:sp>
         <p:nvSpPr>
-          <p:cNvPr id="264" name="CustomShape 3"/>
+          <p:cNvPr id="183" name="CustomShape 3"/>
           <p:cNvSpPr/>
           <p:nvPr/>
         </p:nvSpPr>
         <p:spPr>
           <a:xfrm>
             <a:off x="3884760" y="8685360"/>
-            <a:ext cx="2970360" cy="455760"/>
+            <a:ext cx="2970000" cy="455400"/>
           </a:xfrm>
           <a:prstGeom prst="rect">
             <a:avLst/>
@@ -661,7 +603,7 @@
       </p:grpSpPr>
       <p:sp>
         <p:nvSpPr>
-          <p:cNvPr id="265" name="PlaceHolder 1"/>
+          <p:cNvPr id="184" name="PlaceHolder 1"/>
           <p:cNvSpPr>
             <a:spLocks noGrp="1"/>
           </p:cNvSpPr>
@@ -672,7 +614,7 @@
         <p:spPr>
           <a:xfrm>
             <a:off x="380880" y="685800"/>
-            <a:ext cx="6094800" cy="3427920"/>
+            <a:ext cx="6094440" cy="3427560"/>
           </a:xfrm>
           <a:prstGeom prst="rect">
             <a:avLst/>
@@ -681,7 +623,7 @@
       </p:sp>
       <p:sp>
         <p:nvSpPr>
-          <p:cNvPr id="266" name="PlaceHolder 2"/>
+          <p:cNvPr id="185" name="PlaceHolder 2"/>
           <p:cNvSpPr>
             <a:spLocks noGrp="1"/>
           </p:cNvSpPr>
@@ -692,7 +634,7 @@
         <p:spPr>
           <a:xfrm>
             <a:off x="685800" y="4343400"/>
-            <a:ext cx="5484960" cy="4113360"/>
+            <a:ext cx="5484600" cy="4113000"/>
           </a:xfrm>
           <a:prstGeom prst="rect">
             <a:avLst/>
@@ -709,14 +651,110 @@
       </p:sp>
       <p:sp>
         <p:nvSpPr>
-          <p:cNvPr id="267" name="CustomShape 3"/>
+          <p:cNvPr id="186" name="CustomShape 3"/>
           <p:cNvSpPr/>
           <p:nvPr/>
         </p:nvSpPr>
         <p:spPr>
           <a:xfrm>
             <a:off x="3884760" y="8685360"/>
-            <a:ext cx="2970360" cy="455760"/>
+            <a:ext cx="2970000" cy="455400"/>
+          </a:xfrm>
+          <a:prstGeom prst="rect">
+            <a:avLst/>
+          </a:prstGeom>
+          <a:noFill/>
+          <a:ln>
+            <a:noFill/>
+          </a:ln>
+        </p:spPr>
+        <p:style>
+          <a:lnRef idx="0"/>
+          <a:fillRef idx="0"/>
+          <a:effectRef idx="0"/>
+          <a:fontRef idx="minor"/>
+        </p:style>
+      </p:sp>
+    </p:spTree>
+  </p:cSld>
+</p:notes>
+</file>
+
+<file path=ppt/notesSlides/notesSlide9.xml><?xml version="1.0" encoding="utf-8"?>
+<p:notes xmlns:a="http://schemas.openxmlformats.org/drawingml/2006/main" xmlns:p="http://schemas.openxmlformats.org/presentationml/2006/main" xmlns:r="http://schemas.openxmlformats.org/officeDocument/2006/relationships" xmlns:p14="http://schemas.microsoft.com/office/powerpoint/2010/main" xmlns:p15="http://schemas.microsoft.com/office/powerpoint/2012/main" xmlns:mc="http://schemas.openxmlformats.org/markup-compatibility/2006">
+  <p:cSld>
+    <p:spTree>
+      <p:nvGrpSpPr>
+        <p:cNvPr id="1" name=""/>
+        <p:cNvGrpSpPr/>
+        <p:nvPr/>
+      </p:nvGrpSpPr>
+      <p:grpSpPr>
+        <a:xfrm>
+          <a:off x="0" y="0"/>
+          <a:ext cx="0" cy="0"/>
+          <a:chOff x="0" y="0"/>
+          <a:chExt cx="0" cy="0"/>
+        </a:xfrm>
+      </p:grpSpPr>
+      <p:sp>
+        <p:nvSpPr>
+          <p:cNvPr id="187" name="PlaceHolder 1"/>
+          <p:cNvSpPr>
+            <a:spLocks noGrp="1"/>
+          </p:cNvSpPr>
+          <p:nvPr>
+            <p:ph type="sldImg"/>
+          </p:nvPr>
+        </p:nvSpPr>
+        <p:spPr>
+          <a:xfrm>
+            <a:off x="380880" y="685800"/>
+            <a:ext cx="6094440" cy="3427560"/>
+          </a:xfrm>
+          <a:prstGeom prst="rect">
+            <a:avLst/>
+          </a:prstGeom>
+        </p:spPr>
+      </p:sp>
+      <p:sp>
+        <p:nvSpPr>
+          <p:cNvPr id="188" name="PlaceHolder 2"/>
+          <p:cNvSpPr>
+            <a:spLocks noGrp="1"/>
+          </p:cNvSpPr>
+          <p:nvPr>
+            <p:ph type="body"/>
+          </p:nvPr>
+        </p:nvSpPr>
+        <p:spPr>
+          <a:xfrm>
+            <a:off x="685800" y="4343400"/>
+            <a:ext cx="5484600" cy="4113000"/>
+          </a:xfrm>
+          <a:prstGeom prst="rect">
+            <a:avLst/>
+          </a:prstGeom>
+        </p:spPr>
+        <p:txBody>
+          <a:bodyPr lIns="0" rIns="0" tIns="0" bIns="0"/>
+          <a:p>
+            <a:endParaRPr b="0" lang="en-US" sz="2000" spc="-1" strike="noStrike">
+              <a:latin typeface="Arial"/>
+            </a:endParaRPr>
+          </a:p>
+        </p:txBody>
+      </p:sp>
+      <p:sp>
+        <p:nvSpPr>
+          <p:cNvPr id="189" name="CustomShape 3"/>
+          <p:cNvSpPr/>
+          <p:nvPr/>
+        </p:nvSpPr>
+        <p:spPr>
+          <a:xfrm>
+            <a:off x="3884760" y="8685360"/>
+            <a:ext cx="2970000" cy="455400"/>
           </a:xfrm>
           <a:prstGeom prst="rect">
             <a:avLst/>
@@ -3435,7 +3473,7 @@
         <p:spPr>
           <a:xfrm>
             <a:off x="0" y="646560"/>
-            <a:ext cx="322560" cy="322560"/>
+            <a:ext cx="322200" cy="322200"/>
           </a:xfrm>
           <a:prstGeom prst="rect">
             <a:avLst/>
@@ -3461,7 +3499,7 @@
         <p:spPr>
           <a:xfrm>
             <a:off x="11868120" y="646560"/>
-            <a:ext cx="322560" cy="322560"/>
+            <a:ext cx="322200" cy="322200"/>
           </a:xfrm>
           <a:prstGeom prst="rect">
             <a:avLst/>
@@ -3487,7 +3525,7 @@
         <p:spPr>
           <a:xfrm>
             <a:off x="11868120" y="6212160"/>
-            <a:ext cx="322560" cy="322560"/>
+            <a:ext cx="322200" cy="322200"/>
           </a:xfrm>
           <a:prstGeom prst="rect">
             <a:avLst/>
@@ -3513,7 +3551,7 @@
         <p:spPr>
           <a:xfrm>
             <a:off x="-12960" y="6212160"/>
-            <a:ext cx="322560" cy="322560"/>
+            <a:ext cx="322200" cy="322200"/>
           </a:xfrm>
           <a:prstGeom prst="rect">
             <a:avLst/>
@@ -3539,7 +3577,7 @@
         <p:spPr>
           <a:xfrm>
             <a:off x="648000" y="0"/>
-            <a:ext cx="11542680" cy="646560"/>
+            <a:ext cx="11542320" cy="646200"/>
           </a:xfrm>
           <a:prstGeom prst="rect">
             <a:avLst/>
@@ -3567,7 +3605,7 @@
         <p:spPr>
           <a:xfrm>
             <a:off x="0" y="0"/>
-            <a:ext cx="646560" cy="646560"/>
+            <a:ext cx="646200" cy="646200"/>
           </a:xfrm>
           <a:prstGeom prst="rect">
             <a:avLst/>
@@ -3623,9 +3661,9 @@
         <p:grpSpPr>
           <a:xfrm>
             <a:off x="10233720" y="162000"/>
-            <a:ext cx="1632960" cy="322560"/>
+            <a:ext cx="1632600" cy="322200"/>
             <a:chOff x="10233720" y="162000"/>
-            <a:chExt cx="1632960" cy="322560"/>
+            <a:chExt cx="1632600" cy="322200"/>
           </a:xfrm>
         </p:grpSpPr>
         <p:sp>
@@ -3637,7 +3675,7 @@
           <p:spPr>
             <a:xfrm>
               <a:off x="10233720" y="171360"/>
-              <a:ext cx="66600" cy="313200"/>
+              <a:ext cx="66240" cy="312840"/>
             </a:xfrm>
             <a:custGeom>
               <a:avLst/>
@@ -3702,7 +3740,7 @@
           <p:spPr>
             <a:xfrm>
               <a:off x="10411920" y="162000"/>
-              <a:ext cx="171000" cy="245880"/>
+              <a:ext cx="170640" cy="245520"/>
             </a:xfrm>
             <a:custGeom>
               <a:avLst/>
@@ -4407,7 +4445,7 @@
           <p:spPr>
             <a:xfrm>
               <a:off x="10603800" y="238680"/>
-              <a:ext cx="77760" cy="163440"/>
+              <a:ext cx="77400" cy="163080"/>
             </a:xfrm>
             <a:custGeom>
               <a:avLst/>
@@ -4667,7 +4705,7 @@
           <p:spPr>
             <a:xfrm>
               <a:off x="10715040" y="228600"/>
-              <a:ext cx="115560" cy="177840"/>
+              <a:ext cx="115200" cy="177480"/>
             </a:xfrm>
             <a:custGeom>
               <a:avLst/>
@@ -5275,7 +5313,7 @@
           <p:spPr>
             <a:xfrm>
               <a:off x="10859040" y="162720"/>
-              <a:ext cx="86760" cy="239400"/>
+              <a:ext cx="86400" cy="239040"/>
             </a:xfrm>
             <a:custGeom>
               <a:avLst/>
@@ -5692,7 +5730,7 @@
           <p:spPr>
             <a:xfrm>
               <a:off x="11131560" y="232560"/>
-              <a:ext cx="151560" cy="172080"/>
+              <a:ext cx="151200" cy="171720"/>
             </a:xfrm>
             <a:custGeom>
               <a:avLst/>
@@ -6490,7 +6528,7 @@
           <p:spPr>
             <a:xfrm>
               <a:off x="11413440" y="184680"/>
-              <a:ext cx="100440" cy="219960"/>
+              <a:ext cx="100080" cy="219600"/>
             </a:xfrm>
             <a:custGeom>
               <a:avLst/>
@@ -6771,7 +6809,7 @@
           <p:spPr>
             <a:xfrm>
               <a:off x="11529000" y="162720"/>
-              <a:ext cx="86760" cy="239400"/>
+              <a:ext cx="86400" cy="239040"/>
             </a:xfrm>
             <a:custGeom>
               <a:avLst/>
@@ -7188,7 +7226,7 @@
           <p:spPr>
             <a:xfrm>
               <a:off x="11800800" y="171360"/>
-              <a:ext cx="65880" cy="313200"/>
+              <a:ext cx="65520" cy="312840"/>
             </a:xfrm>
             <a:custGeom>
               <a:avLst/>
@@ -7253,7 +7291,7 @@
           <p:spPr>
             <a:xfrm>
               <a:off x="11307600" y="238680"/>
-              <a:ext cx="76680" cy="163440"/>
+              <a:ext cx="76320" cy="163080"/>
             </a:xfrm>
             <a:custGeom>
               <a:avLst/>
@@ -7513,7 +7551,7 @@
           <p:spPr>
             <a:xfrm>
               <a:off x="10974240" y="353160"/>
-              <a:ext cx="47520" cy="48960"/>
+              <a:ext cx="47160" cy="48600"/>
             </a:xfrm>
             <a:custGeom>
               <a:avLst/>
@@ -7572,7 +7610,7 @@
           <p:spPr>
             <a:xfrm>
               <a:off x="10974240" y="230040"/>
-              <a:ext cx="47520" cy="48960"/>
+              <a:ext cx="47160" cy="48600"/>
             </a:xfrm>
             <a:custGeom>
               <a:avLst/>
@@ -7631,7 +7669,7 @@
           <p:spPr>
             <a:xfrm>
               <a:off x="11644200" y="353160"/>
-              <a:ext cx="48240" cy="48960"/>
+              <a:ext cx="47880" cy="48600"/>
             </a:xfrm>
             <a:custGeom>
               <a:avLst/>
@@ -7690,7 +7728,7 @@
           <p:spPr>
             <a:xfrm>
               <a:off x="11644200" y="230040"/>
-              <a:ext cx="48240" cy="48960"/>
+              <a:ext cx="47880" cy="48600"/>
             </a:xfrm>
             <a:custGeom>
               <a:avLst/>
@@ -7750,7 +7788,7 @@
         <p:spPr>
           <a:xfrm>
             <a:off x="0" y="0"/>
-            <a:ext cx="12190680" cy="2428560"/>
+            <a:ext cx="12190320" cy="2428200"/>
           </a:xfrm>
           <a:prstGeom prst="rect">
             <a:avLst/>
@@ -7780,7 +7818,7 @@
         <p:spPr>
           <a:xfrm>
             <a:off x="0" y="2430000"/>
-            <a:ext cx="970560" cy="970560"/>
+            <a:ext cx="970200" cy="970200"/>
           </a:xfrm>
           <a:prstGeom prst="rect">
             <a:avLst/>
@@ -7808,7 +7846,7 @@
         <p:spPr>
           <a:xfrm>
             <a:off x="964440" y="2430000"/>
-            <a:ext cx="11226240" cy="970560"/>
+            <a:ext cx="11225880" cy="970200"/>
           </a:xfrm>
           <a:prstGeom prst="rect">
             <a:avLst/>
@@ -7868,7 +7906,7 @@
         <p:spPr>
           <a:xfrm>
             <a:off x="6470280" y="481320"/>
-            <a:ext cx="4748040" cy="1461240"/>
+            <a:ext cx="4747680" cy="1460880"/>
           </a:xfrm>
           <a:prstGeom prst="rect">
             <a:avLst/>
@@ -8145,7 +8183,7 @@
         <p:spPr>
           <a:xfrm>
             <a:off x="0" y="646560"/>
-            <a:ext cx="322560" cy="322560"/>
+            <a:ext cx="322200" cy="322200"/>
           </a:xfrm>
           <a:prstGeom prst="rect">
             <a:avLst/>
@@ -8171,7 +8209,7 @@
         <p:spPr>
           <a:xfrm>
             <a:off x="11868120" y="646560"/>
-            <a:ext cx="322560" cy="322560"/>
+            <a:ext cx="322200" cy="322200"/>
           </a:xfrm>
           <a:prstGeom prst="rect">
             <a:avLst/>
@@ -8197,7 +8235,7 @@
         <p:spPr>
           <a:xfrm>
             <a:off x="11868120" y="6212160"/>
-            <a:ext cx="322560" cy="322560"/>
+            <a:ext cx="322200" cy="322200"/>
           </a:xfrm>
           <a:prstGeom prst="rect">
             <a:avLst/>
@@ -8223,7 +8261,7 @@
         <p:spPr>
           <a:xfrm>
             <a:off x="-12960" y="6212160"/>
-            <a:ext cx="322560" cy="322560"/>
+            <a:ext cx="322200" cy="322200"/>
           </a:xfrm>
           <a:prstGeom prst="rect">
             <a:avLst/>
@@ -8249,7 +8287,7 @@
         <p:spPr>
           <a:xfrm>
             <a:off x="648000" y="0"/>
-            <a:ext cx="11542680" cy="646560"/>
+            <a:ext cx="11542320" cy="646200"/>
           </a:xfrm>
           <a:prstGeom prst="rect">
             <a:avLst/>
@@ -8277,7 +8315,7 @@
         <p:spPr>
           <a:xfrm>
             <a:off x="0" y="0"/>
-            <a:ext cx="646560" cy="646560"/>
+            <a:ext cx="646200" cy="646200"/>
           </a:xfrm>
           <a:prstGeom prst="rect">
             <a:avLst/>
@@ -8333,9 +8371,9 @@
         <p:grpSpPr>
           <a:xfrm>
             <a:off x="10233720" y="162000"/>
-            <a:ext cx="1632960" cy="322560"/>
+            <a:ext cx="1632600" cy="322200"/>
             <a:chOff x="10233720" y="162000"/>
-            <a:chExt cx="1632960" cy="322560"/>
+            <a:chExt cx="1632600" cy="322200"/>
           </a:xfrm>
         </p:grpSpPr>
         <p:sp>
@@ -8347,7 +8385,7 @@
           <p:spPr>
             <a:xfrm>
               <a:off x="10233720" y="171360"/>
-              <a:ext cx="66600" cy="313200"/>
+              <a:ext cx="66240" cy="312840"/>
             </a:xfrm>
             <a:custGeom>
               <a:avLst/>
@@ -8412,7 +8450,7 @@
           <p:spPr>
             <a:xfrm>
               <a:off x="10411920" y="162000"/>
-              <a:ext cx="171000" cy="245880"/>
+              <a:ext cx="170640" cy="245520"/>
             </a:xfrm>
             <a:custGeom>
               <a:avLst/>
@@ -9117,7 +9155,7 @@
           <p:spPr>
             <a:xfrm>
               <a:off x="10603800" y="238680"/>
-              <a:ext cx="77760" cy="163440"/>
+              <a:ext cx="77400" cy="163080"/>
             </a:xfrm>
             <a:custGeom>
               <a:avLst/>
@@ -9377,7 +9415,7 @@
           <p:spPr>
             <a:xfrm>
               <a:off x="10715040" y="228600"/>
-              <a:ext cx="115560" cy="177840"/>
+              <a:ext cx="115200" cy="177480"/>
             </a:xfrm>
             <a:custGeom>
               <a:avLst/>
@@ -9985,7 +10023,7 @@
           <p:spPr>
             <a:xfrm>
               <a:off x="10859040" y="162720"/>
-              <a:ext cx="86760" cy="239400"/>
+              <a:ext cx="86400" cy="239040"/>
             </a:xfrm>
             <a:custGeom>
               <a:avLst/>
@@ -10402,7 +10440,7 @@
           <p:spPr>
             <a:xfrm>
               <a:off x="11131560" y="232560"/>
-              <a:ext cx="151560" cy="172080"/>
+              <a:ext cx="151200" cy="171720"/>
             </a:xfrm>
             <a:custGeom>
               <a:avLst/>
@@ -11200,7 +11238,7 @@
           <p:spPr>
             <a:xfrm>
               <a:off x="11413440" y="184680"/>
-              <a:ext cx="100440" cy="219960"/>
+              <a:ext cx="100080" cy="219600"/>
             </a:xfrm>
             <a:custGeom>
               <a:avLst/>
@@ -11481,7 +11519,7 @@
           <p:spPr>
             <a:xfrm>
               <a:off x="11529000" y="162720"/>
-              <a:ext cx="86760" cy="239400"/>
+              <a:ext cx="86400" cy="239040"/>
             </a:xfrm>
             <a:custGeom>
               <a:avLst/>
@@ -11898,7 +11936,7 @@
           <p:spPr>
             <a:xfrm>
               <a:off x="11800800" y="171360"/>
-              <a:ext cx="65880" cy="313200"/>
+              <a:ext cx="65520" cy="312840"/>
             </a:xfrm>
             <a:custGeom>
               <a:avLst/>
@@ -11963,7 +12001,7 @@
           <p:spPr>
             <a:xfrm>
               <a:off x="11307600" y="238680"/>
-              <a:ext cx="76680" cy="163440"/>
+              <a:ext cx="76320" cy="163080"/>
             </a:xfrm>
             <a:custGeom>
               <a:avLst/>
@@ -12223,7 +12261,7 @@
           <p:spPr>
             <a:xfrm>
               <a:off x="10974240" y="353160"/>
-              <a:ext cx="47520" cy="48960"/>
+              <a:ext cx="47160" cy="48600"/>
             </a:xfrm>
             <a:custGeom>
               <a:avLst/>
@@ -12282,7 +12320,7 @@
           <p:spPr>
             <a:xfrm>
               <a:off x="10974240" y="230040"/>
-              <a:ext cx="47520" cy="48960"/>
+              <a:ext cx="47160" cy="48600"/>
             </a:xfrm>
             <a:custGeom>
               <a:avLst/>
@@ -12341,7 +12379,7 @@
           <p:spPr>
             <a:xfrm>
               <a:off x="11644200" y="353160"/>
-              <a:ext cx="48240" cy="48960"/>
+              <a:ext cx="47880" cy="48600"/>
             </a:xfrm>
             <a:custGeom>
               <a:avLst/>
@@ -12400,7 +12438,7 @@
           <p:spPr>
             <a:xfrm>
               <a:off x="11644200" y="230040"/>
-              <a:ext cx="48240" cy="48960"/>
+              <a:ext cx="47880" cy="48600"/>
             </a:xfrm>
             <a:custGeom>
               <a:avLst/>
@@ -12711,7 +12749,7 @@
         <p:spPr>
           <a:xfrm>
             <a:off x="964440" y="3721320"/>
-            <a:ext cx="10254240" cy="961200"/>
+            <a:ext cx="10253880" cy="960840"/>
           </a:xfrm>
           <a:prstGeom prst="rect">
             <a:avLst/>
@@ -12745,7 +12783,7 @@
                 <a:latin typeface="Arial"/>
                 <a:ea typeface="DejaVu Sans"/>
               </a:rPr>
-              <a:t>DCAITI-Project: Thema</a:t>
+              <a:t>DCAITI-Project: rear-view mirror for cyclist on Smartphones</a:t>
             </a:r>
             <a:br/>
             <a:br/>
@@ -12764,7 +12802,7 @@
         <p:spPr>
           <a:xfrm>
             <a:off x="964440" y="4267080"/>
-            <a:ext cx="10254240" cy="961200"/>
+            <a:ext cx="10253880" cy="960840"/>
           </a:xfrm>
           <a:prstGeom prst="rect">
             <a:avLst/>
@@ -12783,7 +12821,7 @@
         <p:txBody>
           <a:bodyPr lIns="0" rIns="0" tIns="0" bIns="0"/>
           <a:p>
-            <a:pPr marL="342720" indent="-341280">
+            <a:pPr marL="342720" indent="-340920">
               <a:lnSpc>
                 <a:spcPct val="100000"/>
               </a:lnSpc>
@@ -12796,7 +12834,7 @@
             </a:endParaRPr>
           </a:p>
           <a:p>
-            <a:pPr marL="342720" indent="-341280">
+            <a:pPr marL="342720" indent="-340920">
               <a:lnSpc>
                 <a:spcPct val="100000"/>
               </a:lnSpc>
@@ -12850,7 +12888,7 @@
             </a:endParaRPr>
           </a:p>
           <a:p>
-            <a:pPr marL="342720" indent="-341280">
+            <a:pPr marL="342720" indent="-340920">
               <a:lnSpc>
                 <a:spcPct val="100000"/>
               </a:lnSpc>
@@ -12904,7 +12942,7 @@
             </a:endParaRPr>
           </a:p>
           <a:p>
-            <a:pPr marL="342720" indent="-341280">
+            <a:pPr marL="342720" indent="-340920">
               <a:lnSpc>
                 <a:spcPct val="100000"/>
               </a:lnSpc>
@@ -12960,7 +12998,7 @@
             </a:endParaRPr>
           </a:p>
           <a:p>
-            <a:pPr marL="342720" indent="-341280">
+            <a:pPr marL="342720" indent="-340920">
               <a:lnSpc>
                 <a:spcPct val="100000"/>
               </a:lnSpc>
@@ -12983,7 +13021,7 @@
         <p:spPr>
           <a:xfrm>
             <a:off x="968040" y="5205600"/>
-            <a:ext cx="10254240" cy="961200"/>
+            <a:ext cx="10253880" cy="960840"/>
           </a:xfrm>
           <a:prstGeom prst="rect">
             <a:avLst/>
@@ -13004,7 +13042,7 @@
             <a:normAutofit/>
           </a:bodyPr>
           <a:p>
-            <a:pPr marL="342720" indent="-341280">
+            <a:pPr marL="342720" indent="-340920">
               <a:lnSpc>
                 <a:spcPct val="100000"/>
               </a:lnSpc>
@@ -13017,7 +13055,7 @@
             </a:endParaRPr>
           </a:p>
           <a:p>
-            <a:pPr marL="342720" indent="-341280">
+            <a:pPr marL="342720" indent="-340920">
               <a:lnSpc>
                 <a:spcPct val="100000"/>
               </a:lnSpc>
@@ -13040,7 +13078,7 @@
             </a:endParaRPr>
           </a:p>
           <a:p>
-            <a:pPr marL="342720" indent="-341280">
+            <a:pPr marL="342720" indent="-340920">
               <a:lnSpc>
                 <a:spcPct val="100000"/>
               </a:lnSpc>
@@ -13056,14 +13094,14 @@
                 <a:latin typeface="Arial"/>
                 <a:ea typeface="DejaVu Sans"/>
               </a:rPr>
-              <a:t>Supervisor: Macus</a:t>
+              <a:t>Supervisor: Marcus Witzke</a:t>
             </a:r>
             <a:endParaRPr b="0" lang="en-US" sz="1600" spc="-1" strike="noStrike">
               <a:latin typeface="Arial"/>
             </a:endParaRPr>
           </a:p>
           <a:p>
-            <a:pPr marL="342720" indent="-341280">
+            <a:pPr marL="342720" indent="-340920">
               <a:lnSpc>
                 <a:spcPct val="100000"/>
               </a:lnSpc>
@@ -13077,7 +13115,7 @@
             </a:endParaRPr>
           </a:p>
           <a:p>
-            <a:pPr marL="342720" indent="-341280">
+            <a:pPr marL="342720" indent="-340920">
               <a:lnSpc>
                 <a:spcPct val="100000"/>
               </a:lnSpc>
@@ -13123,7 +13161,7 @@
 </p:sld>
 </file>
 
-<file path=ppt/slides/slide10.xml><?xml version="1.0" encoding="utf-8"?>
+<file path=ppt/slides/slide2.xml><?xml version="1.0" encoding="utf-8"?>
 <p:sld xmlns:a="http://schemas.openxmlformats.org/drawingml/2006/main" xmlns:p="http://schemas.openxmlformats.org/presentationml/2006/main" xmlns:r="http://schemas.openxmlformats.org/officeDocument/2006/relationships" xmlns:p14="http://schemas.microsoft.com/office/powerpoint/2010/main" xmlns:p15="http://schemas.microsoft.com/office/powerpoint/2012/main" xmlns:mc="http://schemas.openxmlformats.org/markup-compatibility/2006">
   <p:cSld>
     <p:spTree>
@@ -13142,14 +13180,14 @@
       </p:grpSpPr>
       <p:sp>
         <p:nvSpPr>
-          <p:cNvPr id="215" name="CustomShape 1"/>
+          <p:cNvPr id="134" name="CustomShape 1"/>
           <p:cNvSpPr/>
           <p:nvPr/>
         </p:nvSpPr>
         <p:spPr>
           <a:xfrm>
             <a:off x="648000" y="0"/>
-            <a:ext cx="9270720" cy="646560"/>
+            <a:ext cx="9270360" cy="646200"/>
           </a:xfrm>
           <a:prstGeom prst="rect">
             <a:avLst/>
@@ -13183,7 +13221,17 @@
                 <a:latin typeface="Arial"/>
                 <a:ea typeface="DejaVu Sans"/>
               </a:rPr>
-              <a:t>4.2. Decision of of driving strategy</a:t>
+              <a:t> </a:t>
+            </a:r>
+            <a:r>
+              <a:rPr b="1" lang="en-US" sz="2000" spc="-1" strike="noStrike">
+                <a:solidFill>
+                  <a:srgbClr val="ffffff"/>
+                </a:solidFill>
+                <a:latin typeface="Arial"/>
+                <a:ea typeface="DejaVu Sans"/>
+              </a:rPr>
+              <a:t>Overview</a:t>
             </a:r>
             <a:endParaRPr b="0" lang="en-US" sz="2000" spc="-1" strike="noStrike">
               <a:latin typeface="Arial"/>
@@ -13193,14 +13241,14 @@
       </p:sp>
       <p:sp>
         <p:nvSpPr>
-          <p:cNvPr id="216" name="CustomShape 2"/>
+          <p:cNvPr id="135" name="CustomShape 2"/>
           <p:cNvSpPr/>
           <p:nvPr/>
         </p:nvSpPr>
         <p:spPr>
           <a:xfrm>
             <a:off x="1630800" y="6534720"/>
-            <a:ext cx="9587880" cy="322560"/>
+            <a:ext cx="9587520" cy="322200"/>
           </a:xfrm>
           <a:prstGeom prst="rect">
             <a:avLst/>
@@ -13245,14 +13293,14 @@
       </p:sp>
       <p:sp>
         <p:nvSpPr>
-          <p:cNvPr id="217" name="CustomShape 3"/>
+          <p:cNvPr id="136" name="CustomShape 3"/>
           <p:cNvSpPr/>
           <p:nvPr/>
         </p:nvSpPr>
         <p:spPr>
           <a:xfrm>
             <a:off x="318960" y="6534720"/>
-            <a:ext cx="986400" cy="322560"/>
+            <a:ext cx="986040" cy="322200"/>
           </a:xfrm>
           <a:prstGeom prst="rect">
             <a:avLst/>
@@ -13294,14 +13342,14 @@
       </p:sp>
       <p:sp>
         <p:nvSpPr>
-          <p:cNvPr id="218" name="CustomShape 4"/>
+          <p:cNvPr id="137" name="CustomShape 4"/>
           <p:cNvSpPr/>
           <p:nvPr/>
         </p:nvSpPr>
         <p:spPr>
           <a:xfrm>
             <a:off x="11279520" y="6232320"/>
-            <a:ext cx="587160" cy="684360"/>
+            <a:ext cx="586800" cy="684000"/>
           </a:xfrm>
           <a:prstGeom prst="rect">
             <a:avLst/>
@@ -13320,786 +13368,204 @@
       </p:sp>
       <p:sp>
         <p:nvSpPr>
-          <p:cNvPr id="219" name="CustomShape 5"/>
+          <p:cNvPr id="138" name="CustomShape 5"/>
           <p:cNvSpPr/>
           <p:nvPr/>
         </p:nvSpPr>
         <p:spPr>
           <a:xfrm>
-            <a:off x="3580560" y="2166120"/>
-            <a:ext cx="1672920" cy="541440"/>
+            <a:off x="318960" y="970560"/>
+            <a:ext cx="11547360" cy="5239800"/>
           </a:xfrm>
-          <a:prstGeom prst="roundRect">
-            <a:avLst>
-              <a:gd name="adj" fmla="val 16667"/>
-            </a:avLst>
+          <a:prstGeom prst="rect">
+            <a:avLst/>
           </a:prstGeom>
-          <a:ln>
-            <a:round/>
+          <a:noFill/>
+          <a:ln w="9360">
+            <a:noFill/>
           </a:ln>
         </p:spPr>
         <p:style>
-          <a:lnRef idx="2">
-            <a:schemeClr val="accent1">
-              <a:shade val="50000"/>
-            </a:schemeClr>
-          </a:lnRef>
-          <a:fillRef idx="1">
-            <a:schemeClr val="accent1"/>
-          </a:fillRef>
-          <a:effectRef idx="0">
-            <a:schemeClr val="accent1"/>
-          </a:effectRef>
+          <a:lnRef idx="0"/>
+          <a:fillRef idx="0"/>
+          <a:effectRef idx="0"/>
           <a:fontRef idx="minor"/>
         </p:style>
         <p:txBody>
-          <a:bodyPr lIns="90000" rIns="90000" tIns="45000" bIns="45000" anchor="ctr"/>
-          <a:p>
-            <a:pPr algn="ctr">
+          <a:bodyPr lIns="0" rIns="0" tIns="0" bIns="0">
+            <a:normAutofit/>
+          </a:bodyPr>
+          <a:p>
+            <a:pPr>
               <a:lnSpc>
                 <a:spcPct val="100000"/>
               </a:lnSpc>
+            </a:pPr>
+            <a:endParaRPr b="0" lang="en-US" sz="1800" spc="-1" strike="noStrike">
+              <a:latin typeface="Arial"/>
+            </a:endParaRPr>
+          </a:p>
+          <a:p>
+            <a:pPr>
+              <a:lnSpc>
+                <a:spcPct val="100000"/>
+              </a:lnSpc>
+            </a:pPr>
+            <a:endParaRPr b="0" lang="en-US" sz="1800" spc="-1" strike="noStrike">
+              <a:latin typeface="Arial"/>
+            </a:endParaRPr>
+          </a:p>
+          <a:p>
+            <a:pPr lvl="1" marL="669960" indent="-397800">
+              <a:lnSpc>
+                <a:spcPct val="150000"/>
+              </a:lnSpc>
               <a:spcBef>
-                <a:spcPts val="1001"/>
+                <a:spcPts val="360"/>
               </a:spcBef>
+              <a:buClr>
+                <a:srgbClr val="003073"/>
+              </a:buClr>
+              <a:buFont typeface="Arial"/>
+              <a:buAutoNum type="romanUcPeriod"/>
             </a:pPr>
             <a:r>
-              <a:rPr b="0" lang="en-US" sz="1400" spc="-1" strike="noStrike">
+              <a:rPr b="0" lang="en-US" sz="1800" spc="-1" strike="noStrike">
                 <a:solidFill>
-                  <a:srgbClr val="ffffff"/>
+                  <a:srgbClr val="000000"/>
                 </a:solidFill>
                 <a:latin typeface="Arial"/>
                 <a:ea typeface="DejaVu Sans"/>
               </a:rPr>
-              <a:t>Signal Phase</a:t>
+              <a:t>Idea</a:t>
             </a:r>
-            <a:endParaRPr b="0" lang="en-US" sz="1400" spc="-1" strike="noStrike">
-              <a:latin typeface="Arial"/>
-            </a:endParaRPr>
-          </a:p>
-        </p:txBody>
-      </p:sp>
-      <p:grpSp>
-        <p:nvGrpSpPr>
-          <p:cNvPr id="220" name="Group 6"/>
-          <p:cNvGrpSpPr/>
-          <p:nvPr/>
-        </p:nvGrpSpPr>
-        <p:grpSpPr>
-          <a:xfrm>
-            <a:off x="9232560" y="1828800"/>
-            <a:ext cx="2450160" cy="2306520"/>
-            <a:chOff x="9232560" y="1828800"/>
-            <a:chExt cx="2450160" cy="2306520"/>
-          </a:xfrm>
-        </p:grpSpPr>
-        <p:sp>
-          <p:nvSpPr>
-            <p:cNvPr id="221" name="CustomShape 7"/>
-            <p:cNvSpPr/>
-            <p:nvPr/>
-          </p:nvSpPr>
-          <p:spPr>
-            <a:xfrm>
-              <a:off x="9232560" y="1828800"/>
-              <a:ext cx="2129040" cy="2306520"/>
-            </a:xfrm>
-            <a:prstGeom prst="roundRect">
-              <a:avLst>
-                <a:gd name="adj" fmla="val 16667"/>
-              </a:avLst>
-            </a:prstGeom>
-            <a:ln>
-              <a:round/>
-            </a:ln>
-          </p:spPr>
-          <p:style>
-            <a:lnRef idx="2">
-              <a:schemeClr val="accent1"/>
-            </a:lnRef>
-            <a:fillRef idx="1">
-              <a:schemeClr val="lt1"/>
-            </a:fillRef>
-            <a:effectRef idx="0">
-              <a:schemeClr val="accent1"/>
-            </a:effectRef>
-            <a:fontRef idx="minor"/>
-          </p:style>
-          <p:txBody>
-            <a:bodyPr lIns="90000" rIns="90000" tIns="45000" bIns="45000" anchor="ctr"/>
-            <a:p>
-              <a:pPr>
-                <a:lnSpc>
-                  <a:spcPct val="100000"/>
-                </a:lnSpc>
-                <a:spcBef>
-                  <a:spcPts val="1001"/>
-                </a:spcBef>
-              </a:pPr>
-              <a:r>
-                <a:rPr b="0" lang="en-US" sz="1400" spc="-1" strike="noStrike">
-                  <a:solidFill>
-                    <a:srgbClr val="003073"/>
-                  </a:solidFill>
-                  <a:latin typeface="Arial"/>
-                  <a:ea typeface="DejaVu Sans"/>
-                </a:rPr>
-                <a:t>Strategy </a:t>
-              </a:r>
-              <a:endParaRPr b="0" lang="en-US" sz="1400" spc="-1" strike="noStrike">
-                <a:latin typeface="Arial"/>
-              </a:endParaRPr>
-            </a:p>
-            <a:p>
-              <a:pPr>
-                <a:lnSpc>
-                  <a:spcPct val="100000"/>
-                </a:lnSpc>
-                <a:spcBef>
-                  <a:spcPts val="1001"/>
-                </a:spcBef>
-              </a:pPr>
-              <a:r>
-                <a:rPr b="0" lang="en-US" sz="1400" spc="-1" strike="noStrike">
-                  <a:solidFill>
-                    <a:srgbClr val="003073"/>
-                  </a:solidFill>
-                  <a:latin typeface="Arial"/>
-                  <a:ea typeface="DejaVu Sans"/>
-                </a:rPr>
-                <a:t>Advice</a:t>
-              </a:r>
-              <a:endParaRPr b="0" lang="en-US" sz="1400" spc="-1" strike="noStrike">
-                <a:latin typeface="Arial"/>
-              </a:endParaRPr>
-            </a:p>
-          </p:txBody>
-        </p:sp>
-        <p:pic>
-          <p:nvPicPr>
-            <p:cNvPr id="222" name="Grafik 13" descr=""/>
-            <p:cNvPicPr/>
-            <p:nvPr/>
-          </p:nvPicPr>
-          <p:blipFill>
-            <a:blip r:embed="rId1"/>
-            <a:stretch/>
-          </p:blipFill>
-          <p:spPr>
-            <a:xfrm>
-              <a:off x="10147320" y="1828800"/>
-              <a:ext cx="1535400" cy="2306520"/>
-            </a:xfrm>
-            <a:prstGeom prst="rect">
-              <a:avLst/>
-            </a:prstGeom>
-            <a:ln>
-              <a:noFill/>
-            </a:ln>
-          </p:spPr>
-        </p:pic>
-      </p:grpSp>
-      <p:grpSp>
-        <p:nvGrpSpPr>
-          <p:cNvPr id="223" name="Group 8"/>
-          <p:cNvGrpSpPr/>
-          <p:nvPr/>
-        </p:nvGrpSpPr>
-        <p:grpSpPr>
-          <a:xfrm>
-            <a:off x="6606000" y="2707560"/>
-            <a:ext cx="2129040" cy="882360"/>
-            <a:chOff x="6606000" y="2707560"/>
-            <a:chExt cx="2129040" cy="882360"/>
-          </a:xfrm>
-        </p:grpSpPr>
-        <p:sp>
-          <p:nvSpPr>
-            <p:cNvPr id="224" name="CustomShape 9"/>
-            <p:cNvSpPr/>
-            <p:nvPr/>
-          </p:nvSpPr>
-          <p:spPr>
-            <a:xfrm>
-              <a:off x="6606000" y="3157920"/>
-              <a:ext cx="2129040" cy="432000"/>
-            </a:xfrm>
-            <a:prstGeom prst="roundRect">
-              <a:avLst>
-                <a:gd name="adj" fmla="val 16667"/>
-              </a:avLst>
-            </a:prstGeom>
-            <a:ln>
-              <a:round/>
-            </a:ln>
-          </p:spPr>
-          <p:style>
-            <a:lnRef idx="2">
-              <a:schemeClr val="accent1"/>
-            </a:lnRef>
-            <a:fillRef idx="1">
-              <a:schemeClr val="lt1"/>
-            </a:fillRef>
-            <a:effectRef idx="0">
-              <a:schemeClr val="accent1"/>
-            </a:effectRef>
-            <a:fontRef idx="minor"/>
-          </p:style>
-          <p:txBody>
-            <a:bodyPr lIns="90000" rIns="90000" tIns="45000" bIns="45000" anchor="ctr"/>
-            <a:p>
-              <a:pPr algn="ctr">
-                <a:lnSpc>
-                  <a:spcPct val="100000"/>
-                </a:lnSpc>
-                <a:spcBef>
-                  <a:spcPts val="1001"/>
-                </a:spcBef>
-              </a:pPr>
-              <a:r>
-                <a:rPr b="0" lang="en-US" sz="1400" spc="-1" strike="noStrike">
-                  <a:solidFill>
-                    <a:srgbClr val="003073"/>
-                  </a:solidFill>
-                  <a:latin typeface="Arial"/>
-                  <a:ea typeface="DejaVu Sans"/>
-                </a:rPr>
-                <a:t>Signal,</a:t>
-              </a:r>
-              <a:r>
-                <a:rPr b="0" lang="en-US" sz="1400" spc="-1" strike="noStrike">
-                  <a:solidFill>
-                    <a:srgbClr val="ffffff"/>
-                  </a:solidFill>
-                  <a:latin typeface="Arial"/>
-                  <a:ea typeface="DejaVu Sans"/>
-                </a:rPr>
-                <a:t> </a:t>
-              </a:r>
-              <a:r>
-                <a:rPr b="0" lang="en-US" sz="1400" spc="-1" strike="noStrike">
-                  <a:solidFill>
-                    <a:srgbClr val="003073"/>
-                  </a:solidFill>
-                  <a:latin typeface="Arial"/>
-                  <a:ea typeface="DejaVu Sans"/>
-                </a:rPr>
-                <a:t>Position, Speed</a:t>
-              </a:r>
-              <a:endParaRPr b="0" lang="en-US" sz="1400" spc="-1" strike="noStrike">
-                <a:latin typeface="Arial"/>
-              </a:endParaRPr>
-            </a:p>
-          </p:txBody>
-        </p:sp>
-        <p:sp>
-          <p:nvSpPr>
-            <p:cNvPr id="225" name="CustomShape 10"/>
-            <p:cNvSpPr/>
-            <p:nvPr/>
-          </p:nvSpPr>
-          <p:spPr>
-            <a:xfrm>
-              <a:off x="6606000" y="2707560"/>
-              <a:ext cx="2129040" cy="541440"/>
-            </a:xfrm>
-            <a:prstGeom prst="roundRect">
-              <a:avLst>
-                <a:gd name="adj" fmla="val 16667"/>
-              </a:avLst>
-            </a:prstGeom>
-            <a:ln>
-              <a:round/>
-            </a:ln>
-          </p:spPr>
-          <p:style>
-            <a:lnRef idx="2">
-              <a:schemeClr val="accent1">
-                <a:shade val="50000"/>
-              </a:schemeClr>
-            </a:lnRef>
-            <a:fillRef idx="1">
-              <a:schemeClr val="accent1"/>
-            </a:fillRef>
-            <a:effectRef idx="0">
-              <a:schemeClr val="accent1"/>
-            </a:effectRef>
-            <a:fontRef idx="minor"/>
-          </p:style>
-          <p:txBody>
-            <a:bodyPr lIns="90000" rIns="90000" tIns="45000" bIns="45000" anchor="ctr"/>
-            <a:p>
-              <a:pPr algn="ctr">
-                <a:lnSpc>
-                  <a:spcPct val="100000"/>
-                </a:lnSpc>
-                <a:spcBef>
-                  <a:spcPts val="1001"/>
-                </a:spcBef>
-              </a:pPr>
-              <a:r>
-                <a:rPr b="0" lang="en-US" sz="1400" spc="-1" strike="noStrike">
-                  <a:solidFill>
-                    <a:srgbClr val="ffffff"/>
-                  </a:solidFill>
-                  <a:latin typeface="Arial"/>
-                  <a:ea typeface="DejaVu Sans"/>
-                </a:rPr>
-                <a:t>Strategy Definition</a:t>
-              </a:r>
-              <a:endParaRPr b="0" lang="en-US" sz="1400" spc="-1" strike="noStrike">
-                <a:latin typeface="Arial"/>
-              </a:endParaRPr>
-            </a:p>
-          </p:txBody>
-        </p:sp>
-      </p:grpSp>
-      <p:grpSp>
-        <p:nvGrpSpPr>
-          <p:cNvPr id="226" name="Group 11"/>
-          <p:cNvGrpSpPr/>
-          <p:nvPr/>
-        </p:nvGrpSpPr>
-        <p:grpSpPr>
-          <a:xfrm>
-            <a:off x="507960" y="2733120"/>
-            <a:ext cx="2329200" cy="882360"/>
-            <a:chOff x="507960" y="2733120"/>
-            <a:chExt cx="2329200" cy="882360"/>
-          </a:xfrm>
-        </p:grpSpPr>
-        <p:sp>
-          <p:nvSpPr>
-            <p:cNvPr id="227" name="CustomShape 12"/>
-            <p:cNvSpPr/>
-            <p:nvPr/>
-          </p:nvSpPr>
-          <p:spPr>
-            <a:xfrm>
-              <a:off x="507960" y="3183480"/>
-              <a:ext cx="2329200" cy="432000"/>
-            </a:xfrm>
-            <a:prstGeom prst="roundRect">
-              <a:avLst>
-                <a:gd name="adj" fmla="val 16667"/>
-              </a:avLst>
-            </a:prstGeom>
-            <a:ln>
-              <a:round/>
-            </a:ln>
-          </p:spPr>
-          <p:style>
-            <a:lnRef idx="2">
-              <a:schemeClr val="accent1"/>
-            </a:lnRef>
-            <a:fillRef idx="1">
-              <a:schemeClr val="lt1"/>
-            </a:fillRef>
-            <a:effectRef idx="0">
-              <a:schemeClr val="accent1"/>
-            </a:effectRef>
-            <a:fontRef idx="minor"/>
-          </p:style>
-          <p:txBody>
-            <a:bodyPr lIns="90000" rIns="90000" tIns="45000" bIns="45000" anchor="ctr"/>
-            <a:p>
-              <a:pPr algn="ctr">
-                <a:lnSpc>
-                  <a:spcPct val="100000"/>
-                </a:lnSpc>
-                <a:spcBef>
-                  <a:spcPts val="1001"/>
-                </a:spcBef>
-              </a:pPr>
-              <a:r>
-                <a:rPr b="0" lang="en-US" sz="1400" spc="-1" strike="noStrike">
-                  <a:solidFill>
-                    <a:srgbClr val="003073"/>
-                  </a:solidFill>
-                  <a:latin typeface="Arial"/>
-                  <a:ea typeface="DejaVu Sans"/>
-                </a:rPr>
-                <a:t>Position,</a:t>
-              </a:r>
-              <a:r>
-                <a:rPr b="0" lang="en-US" sz="1400" spc="-1" strike="noStrike">
-                  <a:solidFill>
-                    <a:srgbClr val="ffffff"/>
-                  </a:solidFill>
-                  <a:latin typeface="Arial"/>
-                  <a:ea typeface="DejaVu Sans"/>
-                </a:rPr>
-                <a:t> </a:t>
-              </a:r>
-              <a:r>
-                <a:rPr b="0" lang="en-US" sz="1400" spc="-1" strike="noStrike">
-                  <a:solidFill>
-                    <a:srgbClr val="003073"/>
-                  </a:solidFill>
-                  <a:latin typeface="Arial"/>
-                  <a:ea typeface="DejaVu Sans"/>
-                </a:rPr>
-                <a:t>Speed, Direction</a:t>
-              </a:r>
-              <a:endParaRPr b="0" lang="en-US" sz="1400" spc="-1" strike="noStrike">
-                <a:latin typeface="Arial"/>
-              </a:endParaRPr>
-            </a:p>
-          </p:txBody>
-        </p:sp>
-        <p:sp>
-          <p:nvSpPr>
-            <p:cNvPr id="228" name="CustomShape 13"/>
-            <p:cNvSpPr/>
-            <p:nvPr/>
-          </p:nvSpPr>
-          <p:spPr>
-            <a:xfrm>
-              <a:off x="507960" y="2733120"/>
-              <a:ext cx="2329200" cy="541440"/>
-            </a:xfrm>
-            <a:prstGeom prst="roundRect">
-              <a:avLst>
-                <a:gd name="adj" fmla="val 16667"/>
-              </a:avLst>
-            </a:prstGeom>
-            <a:ln>
-              <a:round/>
-            </a:ln>
-          </p:spPr>
-          <p:style>
-            <a:lnRef idx="2">
-              <a:schemeClr val="accent1">
-                <a:shade val="50000"/>
-              </a:schemeClr>
-            </a:lnRef>
-            <a:fillRef idx="1">
-              <a:schemeClr val="accent1"/>
-            </a:fillRef>
-            <a:effectRef idx="0">
-              <a:schemeClr val="accent1"/>
-            </a:effectRef>
-            <a:fontRef idx="minor"/>
-          </p:style>
-          <p:txBody>
-            <a:bodyPr lIns="90000" rIns="90000" tIns="45000" bIns="45000" anchor="ctr"/>
-            <a:p>
-              <a:pPr algn="ctr">
-                <a:lnSpc>
-                  <a:spcPct val="100000"/>
-                </a:lnSpc>
-                <a:spcBef>
-                  <a:spcPts val="1001"/>
-                </a:spcBef>
-              </a:pPr>
-              <a:r>
-                <a:rPr b="0" lang="en-US" sz="1400" spc="-1" strike="noStrike">
-                  <a:solidFill>
-                    <a:srgbClr val="ffffff"/>
-                  </a:solidFill>
-                  <a:latin typeface="Arial"/>
-                  <a:ea typeface="DejaVu Sans"/>
-                </a:rPr>
-                <a:t>User Info</a:t>
-              </a:r>
-              <a:endParaRPr b="0" lang="en-US" sz="1400" spc="-1" strike="noStrike">
-                <a:latin typeface="Arial"/>
-              </a:endParaRPr>
-            </a:p>
-          </p:txBody>
-        </p:sp>
-      </p:grpSp>
-      <p:sp>
-        <p:nvSpPr>
-          <p:cNvPr id="229" name="CustomShape 14"/>
-          <p:cNvSpPr/>
-          <p:nvPr/>
-        </p:nvSpPr>
-        <p:spPr>
-          <a:xfrm>
-            <a:off x="3580560" y="3124080"/>
-            <a:ext cx="1672920" cy="541440"/>
-          </a:xfrm>
-          <a:prstGeom prst="roundRect">
-            <a:avLst>
-              <a:gd name="adj" fmla="val 16667"/>
-            </a:avLst>
-          </a:prstGeom>
-          <a:ln>
-            <a:round/>
-          </a:ln>
-        </p:spPr>
-        <p:style>
-          <a:lnRef idx="2">
-            <a:schemeClr val="accent1">
-              <a:shade val="50000"/>
-            </a:schemeClr>
-          </a:lnRef>
-          <a:fillRef idx="1">
-            <a:schemeClr val="accent1"/>
-          </a:fillRef>
-          <a:effectRef idx="0">
-            <a:schemeClr val="accent1"/>
-          </a:effectRef>
-          <a:fontRef idx="minor"/>
-        </p:style>
-        <p:txBody>
-          <a:bodyPr lIns="90000" rIns="90000" tIns="45000" bIns="45000" anchor="ctr"/>
-          <a:p>
-            <a:pPr algn="ctr">
+            <a:endParaRPr b="0" lang="en-US" sz="1800" spc="-1" strike="noStrike">
+              <a:latin typeface="Arial"/>
+            </a:endParaRPr>
+          </a:p>
+          <a:p>
+            <a:pPr lvl="1" marL="669960" indent="-397800">
               <a:lnSpc>
-                <a:spcPct val="100000"/>
+                <a:spcPct val="150000"/>
               </a:lnSpc>
               <a:spcBef>
-                <a:spcPts val="1001"/>
+                <a:spcPts val="360"/>
               </a:spcBef>
+              <a:buClr>
+                <a:srgbClr val="003073"/>
+              </a:buClr>
+              <a:buFont typeface="Arial"/>
+              <a:buAutoNum type="romanUcPeriod"/>
             </a:pPr>
             <a:r>
-              <a:rPr b="0" lang="en-US" sz="1400" spc="-1" strike="noStrike">
+              <a:rPr b="0" lang="en-US" sz="1800" spc="-1" strike="noStrike">
                 <a:solidFill>
-                  <a:srgbClr val="ffffff"/>
+                  <a:srgbClr val="000000"/>
                 </a:solidFill>
                 <a:latin typeface="Arial"/>
                 <a:ea typeface="DejaVu Sans"/>
               </a:rPr>
-              <a:t>Signal Group</a:t>
+              <a:t>Develop Framework</a:t>
             </a:r>
-            <a:endParaRPr b="0" lang="en-US" sz="1400" spc="-1" strike="noStrike">
+            <a:endParaRPr b="0" lang="en-US" sz="1800" spc="-1" strike="noStrike">
+              <a:latin typeface="Arial"/>
+            </a:endParaRPr>
+          </a:p>
+          <a:p>
+            <a:pPr lvl="1" marL="669960" indent="-397800">
+              <a:lnSpc>
+                <a:spcPct val="150000"/>
+              </a:lnSpc>
+              <a:spcBef>
+                <a:spcPts val="360"/>
+              </a:spcBef>
+              <a:buClr>
+                <a:srgbClr val="003073"/>
+              </a:buClr>
+              <a:buFont typeface="Arial"/>
+              <a:buAutoNum type="romanUcPeriod"/>
+            </a:pPr>
+            <a:r>
+              <a:rPr b="0" lang="en-US" sz="1800" spc="-1" strike="noStrike">
+                <a:solidFill>
+                  <a:srgbClr val="000000"/>
+                </a:solidFill>
+                <a:latin typeface="Arial"/>
+                <a:ea typeface="DejaVu Sans"/>
+              </a:rPr>
+              <a:t>System Architecture</a:t>
+            </a:r>
+            <a:endParaRPr b="0" lang="en-US" sz="1800" spc="-1" strike="noStrike">
+              <a:latin typeface="Arial"/>
+            </a:endParaRPr>
+          </a:p>
+          <a:p>
+            <a:pPr lvl="1" marL="669960" indent="-397800">
+              <a:lnSpc>
+                <a:spcPct val="150000"/>
+              </a:lnSpc>
+              <a:spcBef>
+                <a:spcPts val="360"/>
+              </a:spcBef>
+              <a:buClr>
+                <a:srgbClr val="003073"/>
+              </a:buClr>
+              <a:buFont typeface="Arial"/>
+              <a:buAutoNum type="romanUcPeriod"/>
+            </a:pPr>
+            <a:r>
+              <a:rPr b="0" lang="en-US" sz="1800" spc="-1" strike="noStrike">
+                <a:solidFill>
+                  <a:srgbClr val="000000"/>
+                </a:solidFill>
+                <a:latin typeface="Arial"/>
+                <a:ea typeface="DejaVu Sans"/>
+              </a:rPr>
+              <a:t>Solution Approaches (CANBERK) </a:t>
+            </a:r>
+            <a:endParaRPr b="0" lang="en-US" sz="1800" spc="-1" strike="noStrike">
+              <a:latin typeface="Arial"/>
+            </a:endParaRPr>
+          </a:p>
+          <a:p>
+            <a:pPr lvl="1" marL="669960" indent="-397800">
+              <a:lnSpc>
+                <a:spcPct val="150000"/>
+              </a:lnSpc>
+              <a:spcBef>
+                <a:spcPts val="360"/>
+              </a:spcBef>
+              <a:buClr>
+                <a:srgbClr val="003073"/>
+              </a:buClr>
+              <a:buFont typeface="Arial"/>
+              <a:buAutoNum type="romanUcPeriod"/>
+            </a:pPr>
+            <a:r>
+              <a:rPr b="0" lang="en-US" sz="1800" spc="-1" strike="noStrike">
+                <a:solidFill>
+                  <a:srgbClr val="000000"/>
+                </a:solidFill>
+                <a:latin typeface="Arial"/>
+                <a:ea typeface="DejaVu Sans"/>
+              </a:rPr>
+              <a:t>Milestone</a:t>
+            </a:r>
+            <a:endParaRPr b="0" lang="en-US" sz="1800" spc="-1" strike="noStrike">
               <a:latin typeface="Arial"/>
             </a:endParaRPr>
           </a:p>
         </p:txBody>
-      </p:sp>
-      <p:sp>
-        <p:nvSpPr>
-          <p:cNvPr id="230" name="CustomShape 15"/>
-          <p:cNvSpPr/>
-          <p:nvPr/>
-        </p:nvSpPr>
-        <p:spPr>
-          <a:xfrm flipV="1">
-            <a:off x="2838600" y="3394080"/>
-            <a:ext cx="740520" cy="3240"/>
-          </a:xfrm>
-          <a:custGeom>
-            <a:avLst/>
-            <a:gdLst/>
-            <a:ahLst/>
-            <a:rect l="l" t="t" r="r" b="b"/>
-            <a:pathLst>
-              <a:path w="21600" h="21600">
-                <a:moveTo>
-                  <a:pt x="0" y="0"/>
-                </a:moveTo>
-                <a:lnTo>
-                  <a:pt x="21600" y="21600"/>
-                </a:lnTo>
-              </a:path>
-            </a:pathLst>
-          </a:custGeom>
-          <a:noFill/>
-          <a:ln>
-            <a:solidFill>
-              <a:srgbClr val="002e70"/>
-            </a:solidFill>
-            <a:round/>
-            <a:tailEnd len="med" type="triangle" w="med"/>
-          </a:ln>
-        </p:spPr>
-        <p:style>
-          <a:lnRef idx="1">
-            <a:schemeClr val="accent1"/>
-          </a:lnRef>
-          <a:fillRef idx="0">
-            <a:schemeClr val="accent1"/>
-          </a:fillRef>
-          <a:effectRef idx="0">
-            <a:schemeClr val="accent1"/>
-          </a:effectRef>
-          <a:fontRef idx="minor"/>
-        </p:style>
-      </p:sp>
-      <p:sp>
-        <p:nvSpPr>
-          <p:cNvPr id="231" name="CustomShape 16"/>
-          <p:cNvSpPr/>
-          <p:nvPr/>
-        </p:nvSpPr>
-        <p:spPr>
-          <a:xfrm flipH="1" flipV="1" rot="5400000">
-            <a:off x="4659480" y="602280"/>
-            <a:ext cx="24120" cy="5996520"/>
-          </a:xfrm>
-          <a:prstGeom prst="bentConnector3">
-            <a:avLst>
-              <a:gd name="adj1" fmla="val -2999825"/>
-            </a:avLst>
-          </a:prstGeom>
-          <a:noFill/>
-          <a:ln>
-            <a:solidFill>
-              <a:srgbClr val="002e70"/>
-            </a:solidFill>
-            <a:round/>
-            <a:tailEnd len="med" type="triangle" w="med"/>
-          </a:ln>
-        </p:spPr>
-        <p:style>
-          <a:lnRef idx="1">
-            <a:schemeClr val="accent1"/>
-          </a:lnRef>
-          <a:fillRef idx="0">
-            <a:schemeClr val="accent1"/>
-          </a:fillRef>
-          <a:effectRef idx="0">
-            <a:schemeClr val="accent1"/>
-          </a:effectRef>
-          <a:fontRef idx="minor"/>
-        </p:style>
-      </p:sp>
-      <p:sp>
-        <p:nvSpPr>
-          <p:cNvPr id="232" name="CustomShape 17"/>
-          <p:cNvSpPr/>
-          <p:nvPr/>
-        </p:nvSpPr>
-        <p:spPr>
-          <a:xfrm flipV="1">
-            <a:off x="5254920" y="3372480"/>
-            <a:ext cx="1349640" cy="19800"/>
-          </a:xfrm>
-          <a:custGeom>
-            <a:avLst/>
-            <a:gdLst/>
-            <a:ahLst/>
-            <a:rect l="l" t="t" r="r" b="b"/>
-            <a:pathLst>
-              <a:path w="21600" h="21600">
-                <a:moveTo>
-                  <a:pt x="0" y="0"/>
-                </a:moveTo>
-                <a:lnTo>
-                  <a:pt x="21600" y="21600"/>
-                </a:lnTo>
-              </a:path>
-            </a:pathLst>
-          </a:custGeom>
-          <a:noFill/>
-          <a:ln>
-            <a:solidFill>
-              <a:srgbClr val="002e70"/>
-            </a:solidFill>
-            <a:round/>
-            <a:tailEnd len="med" type="triangle" w="med"/>
-          </a:ln>
-        </p:spPr>
-        <p:style>
-          <a:lnRef idx="1">
-            <a:schemeClr val="accent1"/>
-          </a:lnRef>
-          <a:fillRef idx="0">
-            <a:schemeClr val="accent1"/>
-          </a:fillRef>
-          <a:effectRef idx="0">
-            <a:schemeClr val="accent1"/>
-          </a:effectRef>
-          <a:fontRef idx="minor"/>
-        </p:style>
-      </p:sp>
-      <p:sp>
-        <p:nvSpPr>
-          <p:cNvPr id="233" name="CustomShape 18"/>
-          <p:cNvSpPr/>
-          <p:nvPr/>
-        </p:nvSpPr>
-        <p:spPr>
-          <a:xfrm>
-            <a:off x="5254920" y="2437560"/>
-            <a:ext cx="654840" cy="946440"/>
-          </a:xfrm>
-          <a:prstGeom prst="bentConnector2">
-            <a:avLst/>
-          </a:prstGeom>
-          <a:noFill/>
-          <a:ln>
-            <a:solidFill>
-              <a:srgbClr val="002e70"/>
-            </a:solidFill>
-            <a:round/>
-            <a:tailEnd len="med" type="triangle" w="med"/>
-          </a:ln>
-        </p:spPr>
-        <p:style>
-          <a:lnRef idx="1">
-            <a:schemeClr val="accent1"/>
-          </a:lnRef>
-          <a:fillRef idx="0">
-            <a:schemeClr val="accent1"/>
-          </a:fillRef>
-          <a:effectRef idx="0">
-            <a:schemeClr val="accent1"/>
-          </a:effectRef>
-          <a:fontRef idx="minor"/>
-        </p:style>
-      </p:sp>
-      <p:sp>
-        <p:nvSpPr>
-          <p:cNvPr id="234" name="CustomShape 19"/>
-          <p:cNvSpPr/>
-          <p:nvPr/>
-        </p:nvSpPr>
-        <p:spPr>
-          <a:xfrm>
-            <a:off x="8736480" y="2979000"/>
-            <a:ext cx="494640" cy="2520"/>
-          </a:xfrm>
-          <a:custGeom>
-            <a:avLst/>
-            <a:gdLst/>
-            <a:ahLst/>
-            <a:rect l="l" t="t" r="r" b="b"/>
-            <a:pathLst>
-              <a:path w="21600" h="21600">
-                <a:moveTo>
-                  <a:pt x="0" y="0"/>
-                </a:moveTo>
-                <a:lnTo>
-                  <a:pt x="21600" y="21600"/>
-                </a:lnTo>
-              </a:path>
-            </a:pathLst>
-          </a:custGeom>
-          <a:noFill/>
-          <a:ln>
-            <a:solidFill>
-              <a:srgbClr val="002e70"/>
-            </a:solidFill>
-            <a:round/>
-            <a:tailEnd len="med" type="triangle" w="med"/>
-          </a:ln>
-        </p:spPr>
-        <p:style>
-          <a:lnRef idx="1">
-            <a:schemeClr val="accent1"/>
-          </a:lnRef>
-          <a:fillRef idx="0">
-            <a:schemeClr val="accent1"/>
-          </a:fillRef>
-          <a:effectRef idx="0">
-            <a:schemeClr val="accent1"/>
-          </a:effectRef>
-          <a:fontRef idx="minor"/>
-        </p:style>
       </p:sp>
     </p:spTree>
   </p:cSld>
   <p:timing>
     <p:tnLst>
       <p:par>
-        <p:cTn id="19" dur="indefinite" restart="never" nodeType="tmRoot">
+        <p:cTn id="3" dur="indefinite" restart="never" nodeType="tmRoot">
           <p:childTnLst>
             <p:seq>
-              <p:cTn id="20" dur="indefinite" nodeType="mainSeq"/>
+              <p:cTn id="4" dur="indefinite" nodeType="mainSeq"/>
               <p:prevCondLst>
                 <p:cond delay="0" evt="onPrev">
                   <p:tgtEl>
@@ -14123,7 +13589,7 @@
 </p:sld>
 </file>
 
-<file path=ppt/slides/slide11.xml><?xml version="1.0" encoding="utf-8"?>
+<file path=ppt/slides/slide3.xml><?xml version="1.0" encoding="utf-8"?>
 <p:sld xmlns:a="http://schemas.openxmlformats.org/drawingml/2006/main" xmlns:p="http://schemas.openxmlformats.org/presentationml/2006/main" xmlns:r="http://schemas.openxmlformats.org/officeDocument/2006/relationships" xmlns:p14="http://schemas.microsoft.com/office/powerpoint/2010/main" xmlns:p15="http://schemas.microsoft.com/office/powerpoint/2012/main" xmlns:mc="http://schemas.openxmlformats.org/markup-compatibility/2006">
   <p:cSld>
     <p:spTree>
@@ -14142,14 +13608,406 @@
       </p:grpSpPr>
       <p:sp>
         <p:nvSpPr>
-          <p:cNvPr id="235" name="CustomShape 1"/>
+          <p:cNvPr id="139" name="CustomShape 1"/>
+          <p:cNvSpPr/>
+          <p:nvPr/>
+        </p:nvSpPr>
+        <p:spPr>
+          <a:xfrm>
+            <a:off x="505800" y="1379520"/>
+            <a:ext cx="6040800" cy="4638600"/>
+          </a:xfrm>
+          <a:prstGeom prst="rect">
+            <a:avLst/>
+          </a:prstGeom>
+          <a:noFill/>
+          <a:ln w="9360">
+            <a:noFill/>
+          </a:ln>
+        </p:spPr>
+        <p:style>
+          <a:lnRef idx="0"/>
+          <a:fillRef idx="0"/>
+          <a:effectRef idx="0"/>
+          <a:fontRef idx="minor"/>
+        </p:style>
+        <p:txBody>
+          <a:bodyPr lIns="0" rIns="0" tIns="0" bIns="0">
+            <a:normAutofit/>
+          </a:bodyPr>
+          <a:p>
+            <a:pPr>
+              <a:lnSpc>
+                <a:spcPct val="100000"/>
+              </a:lnSpc>
+              <a:spcBef>
+                <a:spcPts val="360"/>
+              </a:spcBef>
+            </a:pPr>
+            <a:r>
+              <a:rPr b="0" lang="en-US" sz="1800" spc="-1" strike="noStrike">
+                <a:solidFill>
+                  <a:srgbClr val="000000"/>
+                </a:solidFill>
+                <a:latin typeface="Arial"/>
+                <a:ea typeface="DejaVu Sans"/>
+              </a:rPr>
+              <a:t>Object Detection &amp; Tracking:</a:t>
+            </a:r>
+            <a:endParaRPr b="0" lang="en-US" sz="1800" spc="-1" strike="noStrike">
+              <a:latin typeface="Arial"/>
+            </a:endParaRPr>
+          </a:p>
+          <a:p>
+            <a:pPr lvl="1" marL="432000" indent="-216000">
+              <a:lnSpc>
+                <a:spcPct val="100000"/>
+              </a:lnSpc>
+              <a:spcBef>
+                <a:spcPts val="360"/>
+              </a:spcBef>
+              <a:buClr>
+                <a:srgbClr val="000000"/>
+              </a:buClr>
+              <a:buSzPct val="45000"/>
+              <a:buFont typeface="Wingdings" charset="2"/>
+              <a:buChar char=""/>
+            </a:pPr>
+            <a:r>
+              <a:rPr b="0" lang="en-US" sz="1800" spc="-1" strike="noStrike">
+                <a:solidFill>
+                  <a:srgbClr val="000000"/>
+                </a:solidFill>
+                <a:latin typeface="Arial"/>
+                <a:ea typeface="DejaVu Sans"/>
+              </a:rPr>
+              <a:t>Smartphone cam</a:t>
+            </a:r>
+            <a:endParaRPr b="0" lang="en-US" sz="1800" spc="-1" strike="noStrike">
+              <a:latin typeface="Arial"/>
+            </a:endParaRPr>
+          </a:p>
+          <a:p>
+            <a:pPr lvl="1" marL="432000" indent="-216000">
+              <a:lnSpc>
+                <a:spcPct val="100000"/>
+              </a:lnSpc>
+              <a:spcBef>
+                <a:spcPts val="360"/>
+              </a:spcBef>
+              <a:buClr>
+                <a:srgbClr val="000000"/>
+              </a:buClr>
+              <a:buSzPct val="45000"/>
+              <a:buFont typeface="Wingdings" charset="2"/>
+              <a:buChar char=""/>
+            </a:pPr>
+            <a:r>
+              <a:rPr b="0" lang="en-US" sz="1800" spc="-1" strike="noStrike">
+                <a:solidFill>
+                  <a:srgbClr val="000000"/>
+                </a:solidFill>
+                <a:latin typeface="Arial"/>
+                <a:ea typeface="DejaVu Sans"/>
+              </a:rPr>
+              <a:t>Additional cam</a:t>
+            </a:r>
+            <a:endParaRPr b="0" lang="en-US" sz="1800" spc="-1" strike="noStrike">
+              <a:latin typeface="Arial"/>
+            </a:endParaRPr>
+          </a:p>
+          <a:p>
+            <a:pPr lvl="1" marL="432000" indent="-216000">
+              <a:lnSpc>
+                <a:spcPct val="100000"/>
+              </a:lnSpc>
+              <a:spcBef>
+                <a:spcPts val="360"/>
+              </a:spcBef>
+              <a:buClr>
+                <a:srgbClr val="000000"/>
+              </a:buClr>
+              <a:buSzPct val="45000"/>
+              <a:buFont typeface="Wingdings" charset="2"/>
+              <a:buChar char=""/>
+            </a:pPr>
+            <a:r>
+              <a:rPr b="0" lang="en-US" sz="1800" spc="-1" strike="noStrike">
+                <a:solidFill>
+                  <a:srgbClr val="000000"/>
+                </a:solidFill>
+                <a:latin typeface="Arial"/>
+                <a:ea typeface="DejaVu Sans"/>
+              </a:rPr>
+              <a:t>Image processing Algorithms</a:t>
+            </a:r>
+            <a:endParaRPr b="0" lang="en-US" sz="1800" spc="-1" strike="noStrike">
+              <a:latin typeface="Arial"/>
+            </a:endParaRPr>
+          </a:p>
+          <a:p>
+            <a:pPr>
+              <a:lnSpc>
+                <a:spcPct val="100000"/>
+              </a:lnSpc>
+              <a:spcBef>
+                <a:spcPts val="360"/>
+              </a:spcBef>
+            </a:pPr>
+            <a:endParaRPr b="0" lang="en-US" sz="1800" spc="-1" strike="noStrike">
+              <a:latin typeface="Arial"/>
+            </a:endParaRPr>
+          </a:p>
+          <a:p>
+            <a:pPr>
+              <a:lnSpc>
+                <a:spcPct val="100000"/>
+              </a:lnSpc>
+              <a:spcBef>
+                <a:spcPts val="360"/>
+              </a:spcBef>
+            </a:pPr>
+            <a:r>
+              <a:rPr b="0" lang="en-US" sz="1800" spc="-1" strike="noStrike">
+                <a:solidFill>
+                  <a:srgbClr val="000000"/>
+                </a:solidFill>
+                <a:latin typeface="Arial"/>
+                <a:ea typeface="DejaVu Sans"/>
+              </a:rPr>
+              <a:t>Measurement of Distance &amp; Speed:</a:t>
+            </a:r>
+            <a:endParaRPr b="0" lang="en-US" sz="1800" spc="-1" strike="noStrike">
+              <a:latin typeface="Arial"/>
+            </a:endParaRPr>
+          </a:p>
+          <a:p>
+            <a:pPr lvl="1" marL="432000" indent="-216000">
+              <a:lnSpc>
+                <a:spcPct val="100000"/>
+              </a:lnSpc>
+              <a:spcBef>
+                <a:spcPts val="360"/>
+              </a:spcBef>
+              <a:buClr>
+                <a:srgbClr val="000000"/>
+              </a:buClr>
+              <a:buSzPct val="45000"/>
+              <a:buFont typeface="Wingdings" charset="2"/>
+              <a:buChar char=""/>
+            </a:pPr>
+            <a:r>
+              <a:rPr b="0" lang="en-US" sz="1800" spc="-1" strike="noStrike">
+                <a:solidFill>
+                  <a:srgbClr val="000000"/>
+                </a:solidFill>
+                <a:latin typeface="Arial"/>
+                <a:ea typeface="DejaVu Sans"/>
+              </a:rPr>
+              <a:t>Simple smartphone cam using image processing </a:t>
+            </a:r>
+            <a:br/>
+            <a:r>
+              <a:rPr b="0" lang="en-US" sz="1800" spc="-1" strike="noStrike">
+                <a:solidFill>
+                  <a:srgbClr val="000000"/>
+                </a:solidFill>
+                <a:latin typeface="Arial"/>
+                <a:ea typeface="DejaVu Sans"/>
+              </a:rPr>
+              <a:t>algorithms</a:t>
+            </a:r>
+            <a:endParaRPr b="0" lang="en-US" sz="1800" spc="-1" strike="noStrike">
+              <a:latin typeface="Arial"/>
+            </a:endParaRPr>
+          </a:p>
+          <a:p>
+            <a:pPr lvl="1" marL="432000" indent="-216000">
+              <a:lnSpc>
+                <a:spcPct val="100000"/>
+              </a:lnSpc>
+              <a:spcBef>
+                <a:spcPts val="360"/>
+              </a:spcBef>
+              <a:buClr>
+                <a:srgbClr val="000000"/>
+              </a:buClr>
+              <a:buSzPct val="45000"/>
+              <a:buFont typeface="Wingdings" charset="2"/>
+              <a:buChar char=""/>
+            </a:pPr>
+            <a:r>
+              <a:rPr b="0" lang="en-US" sz="1800" spc="-1" strike="noStrike">
+                <a:solidFill>
+                  <a:srgbClr val="000000"/>
+                </a:solidFill>
+                <a:latin typeface="Arial"/>
+                <a:ea typeface="DejaVu Sans"/>
+              </a:rPr>
+              <a:t>LiDAR</a:t>
+            </a:r>
+            <a:endParaRPr b="0" lang="en-US" sz="1800" spc="-1" strike="noStrike">
+              <a:latin typeface="Arial"/>
+            </a:endParaRPr>
+          </a:p>
+          <a:p>
+            <a:pPr>
+              <a:lnSpc>
+                <a:spcPct val="100000"/>
+              </a:lnSpc>
+              <a:spcBef>
+                <a:spcPts val="360"/>
+              </a:spcBef>
+            </a:pPr>
+            <a:endParaRPr b="0" lang="en-US" sz="1800" spc="-1" strike="noStrike">
+              <a:latin typeface="Arial"/>
+            </a:endParaRPr>
+          </a:p>
+          <a:p>
+            <a:pPr>
+              <a:lnSpc>
+                <a:spcPct val="100000"/>
+              </a:lnSpc>
+              <a:spcBef>
+                <a:spcPts val="360"/>
+              </a:spcBef>
+            </a:pPr>
+            <a:r>
+              <a:rPr b="0" lang="en-US" sz="1800" spc="-1" strike="noStrike">
+                <a:solidFill>
+                  <a:srgbClr val="000000"/>
+                </a:solidFill>
+                <a:latin typeface="Arial"/>
+                <a:ea typeface="DejaVu Sans"/>
+              </a:rPr>
+              <a:t>Notifications &amp; Warnings</a:t>
+            </a:r>
+            <a:endParaRPr b="0" lang="en-US" sz="1800" spc="-1" strike="noStrike">
+              <a:latin typeface="Arial"/>
+            </a:endParaRPr>
+          </a:p>
+          <a:p>
+            <a:pPr lvl="1" marL="432000" indent="-216000">
+              <a:lnSpc>
+                <a:spcPct val="100000"/>
+              </a:lnSpc>
+              <a:spcBef>
+                <a:spcPts val="360"/>
+              </a:spcBef>
+              <a:buClr>
+                <a:srgbClr val="000000"/>
+              </a:buClr>
+              <a:buSzPct val="45000"/>
+              <a:buFont typeface="Wingdings" charset="2"/>
+              <a:buChar char=""/>
+            </a:pPr>
+            <a:r>
+              <a:rPr b="0" lang="en-US" sz="1800" spc="-1" strike="noStrike">
+                <a:solidFill>
+                  <a:srgbClr val="000000"/>
+                </a:solidFill>
+                <a:latin typeface="Arial"/>
+                <a:ea typeface="DejaVu Sans"/>
+              </a:rPr>
+              <a:t>When objects too close or too fast</a:t>
+            </a:r>
+            <a:endParaRPr b="0" lang="en-US" sz="1800" spc="-1" strike="noStrike">
+              <a:latin typeface="Arial"/>
+            </a:endParaRPr>
+          </a:p>
+          <a:p>
+            <a:pPr lvl="1" marL="432000" indent="-216000">
+              <a:lnSpc>
+                <a:spcPct val="100000"/>
+              </a:lnSpc>
+              <a:spcBef>
+                <a:spcPts val="360"/>
+              </a:spcBef>
+              <a:buClr>
+                <a:srgbClr val="000000"/>
+              </a:buClr>
+              <a:buSzPct val="45000"/>
+              <a:buFont typeface="Wingdings" charset="2"/>
+              <a:buChar char=""/>
+            </a:pPr>
+            <a:r>
+              <a:rPr b="0" lang="en-US" sz="1800" spc="-1" strike="noStrike">
+                <a:solidFill>
+                  <a:srgbClr val="000000"/>
+                </a:solidFill>
+                <a:latin typeface="Arial"/>
+                <a:ea typeface="DejaVu Sans"/>
+              </a:rPr>
+              <a:t>Android Notification Reciever</a:t>
+            </a:r>
+            <a:endParaRPr b="0" lang="en-US" sz="1800" spc="-1" strike="noStrike">
+              <a:latin typeface="Arial"/>
+            </a:endParaRPr>
+          </a:p>
+          <a:p>
+            <a:pPr>
+              <a:lnSpc>
+                <a:spcPct val="100000"/>
+              </a:lnSpc>
+              <a:spcBef>
+                <a:spcPts val="360"/>
+              </a:spcBef>
+            </a:pPr>
+            <a:endParaRPr b="0" lang="en-US" sz="1800" spc="-1" strike="noStrike">
+              <a:latin typeface="Arial"/>
+            </a:endParaRPr>
+          </a:p>
+          <a:p>
+            <a:pPr>
+              <a:lnSpc>
+                <a:spcPct val="100000"/>
+              </a:lnSpc>
+              <a:spcBef>
+                <a:spcPts val="360"/>
+              </a:spcBef>
+            </a:pPr>
+            <a:endParaRPr b="0" lang="en-US" sz="1800" spc="-1" strike="noStrike">
+              <a:latin typeface="Arial"/>
+            </a:endParaRPr>
+          </a:p>
+          <a:p>
+            <a:pPr>
+              <a:lnSpc>
+                <a:spcPct val="100000"/>
+              </a:lnSpc>
+              <a:spcBef>
+                <a:spcPts val="360"/>
+              </a:spcBef>
+            </a:pPr>
+            <a:endParaRPr b="0" lang="en-US" sz="1800" spc="-1" strike="noStrike">
+              <a:latin typeface="Arial"/>
+            </a:endParaRPr>
+          </a:p>
+          <a:p>
+            <a:pPr>
+              <a:lnSpc>
+                <a:spcPct val="100000"/>
+              </a:lnSpc>
+              <a:spcBef>
+                <a:spcPts val="360"/>
+              </a:spcBef>
+            </a:pPr>
+            <a:endParaRPr b="0" lang="en-US" sz="1800" spc="-1" strike="noStrike">
+              <a:latin typeface="Arial"/>
+            </a:endParaRPr>
+          </a:p>
+        </p:txBody>
+      </p:sp>
+      <p:sp>
+        <p:nvSpPr>
+          <p:cNvPr id="140" name="CustomShape 2"/>
           <p:cNvSpPr/>
           <p:nvPr/>
         </p:nvSpPr>
         <p:spPr>
           <a:xfrm>
             <a:off x="648000" y="0"/>
-            <a:ext cx="9270720" cy="646560"/>
+            <a:ext cx="9270360" cy="646200"/>
           </a:xfrm>
           <a:prstGeom prst="rect">
             <a:avLst/>
@@ -14183,7 +14041,7 @@
                 <a:latin typeface="Arial"/>
                 <a:ea typeface="DejaVu Sans"/>
               </a:rPr>
-              <a:t>4.3. Simulation and evaluation</a:t>
+              <a:t>1. Idea </a:t>
             </a:r>
             <a:endParaRPr b="0" lang="en-US" sz="2000" spc="-1" strike="noStrike">
               <a:latin typeface="Arial"/>
@@ -14193,14 +14051,14 @@
       </p:sp>
       <p:sp>
         <p:nvSpPr>
-          <p:cNvPr id="236" name="CustomShape 2"/>
+          <p:cNvPr id="141" name="CustomShape 3"/>
           <p:cNvSpPr/>
           <p:nvPr/>
         </p:nvSpPr>
         <p:spPr>
           <a:xfrm>
-            <a:off x="1630800" y="6534720"/>
-            <a:ext cx="9587880" cy="322560"/>
+            <a:off x="1638000" y="6528600"/>
+            <a:ext cx="9587520" cy="322200"/>
           </a:xfrm>
           <a:prstGeom prst="rect">
             <a:avLst/>
@@ -14245,14 +14103,14 @@
       </p:sp>
       <p:sp>
         <p:nvSpPr>
-          <p:cNvPr id="237" name="CustomShape 3"/>
+          <p:cNvPr id="142" name="CustomShape 4"/>
           <p:cNvSpPr/>
           <p:nvPr/>
         </p:nvSpPr>
         <p:spPr>
           <a:xfrm>
             <a:off x="318960" y="6534720"/>
-            <a:ext cx="986400" cy="322560"/>
+            <a:ext cx="986040" cy="322200"/>
           </a:xfrm>
           <a:prstGeom prst="rect">
             <a:avLst/>
@@ -14294,14 +14152,14 @@
       </p:sp>
       <p:sp>
         <p:nvSpPr>
-          <p:cNvPr id="238" name="CustomShape 4"/>
+          <p:cNvPr id="143" name="CustomShape 5"/>
           <p:cNvSpPr/>
           <p:nvPr/>
         </p:nvSpPr>
         <p:spPr>
           <a:xfrm>
             <a:off x="11279520" y="6232320"/>
-            <a:ext cx="587160" cy="684360"/>
+            <a:ext cx="586800" cy="684000"/>
           </a:xfrm>
           <a:prstGeom prst="rect">
             <a:avLst/>
@@ -14318,615 +14176,38 @@
           <a:fontRef idx="minor"/>
         </p:style>
       </p:sp>
-      <p:sp>
-        <p:nvSpPr>
-          <p:cNvPr id="239" name="CustomShape 5"/>
-          <p:cNvSpPr/>
+      <p:pic>
+        <p:nvPicPr>
+          <p:cNvPr id="144" name="" descr=""/>
+          <p:cNvPicPr/>
           <p:nvPr/>
-        </p:nvSpPr>
+        </p:nvPicPr>
+        <p:blipFill>
+          <a:blip r:embed="rId1"/>
+          <a:stretch/>
+        </p:blipFill>
         <p:spPr>
           <a:xfrm>
-            <a:off x="1590840" y="2770920"/>
-            <a:ext cx="1413000" cy="1149840"/>
-          </a:xfrm>
-          <a:prstGeom prst="roundRect">
-            <a:avLst>
-              <a:gd name="adj" fmla="val 16667"/>
-            </a:avLst>
-          </a:prstGeom>
-          <a:ln>
-            <a:round/>
-          </a:ln>
-        </p:spPr>
-        <p:style>
-          <a:lnRef idx="2">
-            <a:schemeClr val="accent1">
-              <a:shade val="50000"/>
-            </a:schemeClr>
-          </a:lnRef>
-          <a:fillRef idx="1">
-            <a:schemeClr val="accent1"/>
-          </a:fillRef>
-          <a:effectRef idx="0">
-            <a:schemeClr val="accent1"/>
-          </a:effectRef>
-          <a:fontRef idx="minor"/>
-        </p:style>
-        <p:txBody>
-          <a:bodyPr lIns="90000" rIns="90000" tIns="45000" bIns="45000" anchor="ctr"/>
-          <a:p>
-            <a:pPr algn="ctr">
-              <a:lnSpc>
-                <a:spcPct val="100000"/>
-              </a:lnSpc>
-              <a:spcBef>
-                <a:spcPts val="1001"/>
-              </a:spcBef>
-            </a:pPr>
-            <a:r>
-              <a:rPr b="0" lang="en-US" sz="1400" spc="-1" strike="noStrike">
-                <a:solidFill>
-                  <a:srgbClr val="ffffff"/>
-                </a:solidFill>
-                <a:latin typeface="Arial"/>
-                <a:ea typeface="DejaVu Sans"/>
-              </a:rPr>
-              <a:t>Signal</a:t>
-            </a:r>
-            <a:r>
-              <a:rPr b="1" lang="en-US" sz="1400" spc="-1" strike="noStrike">
-                <a:solidFill>
-                  <a:srgbClr val="ffffff"/>
-                </a:solidFill>
-                <a:latin typeface="Arial"/>
-                <a:ea typeface="DejaVu Sans"/>
-              </a:rPr>
-              <a:t> </a:t>
-            </a:r>
-            <a:r>
-              <a:rPr b="0" lang="en-US" sz="1400" spc="-1" strike="noStrike">
-                <a:solidFill>
-                  <a:srgbClr val="ffffff"/>
-                </a:solidFill>
-                <a:latin typeface="Arial"/>
-                <a:ea typeface="DejaVu Sans"/>
-              </a:rPr>
-              <a:t>plans</a:t>
-            </a:r>
-            <a:endParaRPr b="0" lang="en-US" sz="1400" spc="-1" strike="noStrike">
-              <a:latin typeface="Arial"/>
-            </a:endParaRPr>
-          </a:p>
-        </p:txBody>
-      </p:sp>
-      <p:sp>
-        <p:nvSpPr>
-          <p:cNvPr id="240" name="CustomShape 6"/>
-          <p:cNvSpPr/>
-          <p:nvPr/>
-        </p:nvSpPr>
-        <p:spPr>
-          <a:xfrm>
-            <a:off x="5010840" y="3573000"/>
-            <a:ext cx="1413000" cy="1149840"/>
-          </a:xfrm>
-          <a:prstGeom prst="roundRect">
-            <a:avLst>
-              <a:gd name="adj" fmla="val 16667"/>
-            </a:avLst>
-          </a:prstGeom>
-          <a:ln>
-            <a:round/>
-          </a:ln>
-        </p:spPr>
-        <p:style>
-          <a:lnRef idx="2">
-            <a:schemeClr val="accent1">
-              <a:shade val="50000"/>
-            </a:schemeClr>
-          </a:lnRef>
-          <a:fillRef idx="1">
-            <a:schemeClr val="accent1"/>
-          </a:fillRef>
-          <a:effectRef idx="0">
-            <a:schemeClr val="accent1"/>
-          </a:effectRef>
-          <a:fontRef idx="minor"/>
-        </p:style>
-        <p:txBody>
-          <a:bodyPr lIns="90000" rIns="90000" tIns="45000" bIns="45000" anchor="ctr"/>
-          <a:p>
-            <a:pPr algn="ctr">
-              <a:lnSpc>
-                <a:spcPct val="100000"/>
-              </a:lnSpc>
-              <a:spcBef>
-                <a:spcPts val="1001"/>
-              </a:spcBef>
-            </a:pPr>
-            <a:r>
-              <a:rPr b="0" lang="en-US" sz="1400" spc="-1" strike="noStrike">
-                <a:solidFill>
-                  <a:srgbClr val="ffffff"/>
-                </a:solidFill>
-                <a:latin typeface="Arial"/>
-                <a:ea typeface="DejaVu Sans"/>
-              </a:rPr>
-              <a:t>Dev-App</a:t>
-            </a:r>
-            <a:endParaRPr b="0" lang="en-US" sz="1400" spc="-1" strike="noStrike">
-              <a:latin typeface="Arial"/>
-            </a:endParaRPr>
-          </a:p>
-        </p:txBody>
-      </p:sp>
-      <p:sp>
-        <p:nvSpPr>
-          <p:cNvPr id="241" name="CustomShape 7"/>
-          <p:cNvSpPr/>
-          <p:nvPr/>
-        </p:nvSpPr>
-        <p:spPr>
-          <a:xfrm>
-            <a:off x="1590840" y="4375080"/>
-            <a:ext cx="1413000" cy="1149840"/>
-          </a:xfrm>
-          <a:prstGeom prst="roundRect">
-            <a:avLst>
-              <a:gd name="adj" fmla="val 16667"/>
-            </a:avLst>
-          </a:prstGeom>
-          <a:ln>
-            <a:round/>
-          </a:ln>
-        </p:spPr>
-        <p:style>
-          <a:lnRef idx="2">
-            <a:schemeClr val="accent1">
-              <a:shade val="50000"/>
-            </a:schemeClr>
-          </a:lnRef>
-          <a:fillRef idx="1">
-            <a:schemeClr val="accent1"/>
-          </a:fillRef>
-          <a:effectRef idx="0">
-            <a:schemeClr val="accent1"/>
-          </a:effectRef>
-          <a:fontRef idx="minor"/>
-        </p:style>
-        <p:txBody>
-          <a:bodyPr lIns="90000" rIns="90000" tIns="45000" bIns="45000" anchor="ctr"/>
-          <a:p>
-            <a:pPr algn="ctr">
-              <a:lnSpc>
-                <a:spcPct val="100000"/>
-              </a:lnSpc>
-              <a:spcBef>
-                <a:spcPts val="1001"/>
-              </a:spcBef>
-            </a:pPr>
-            <a:r>
-              <a:rPr b="0" lang="en-US" sz="1400" spc="-1" strike="noStrike">
-                <a:solidFill>
-                  <a:srgbClr val="ffffff"/>
-                </a:solidFill>
-                <a:latin typeface="Arial"/>
-                <a:ea typeface="DejaVu Sans"/>
-              </a:rPr>
-              <a:t>Generated User Info</a:t>
-            </a:r>
-            <a:endParaRPr b="0" lang="en-US" sz="1400" spc="-1" strike="noStrike">
-              <a:latin typeface="Arial"/>
-            </a:endParaRPr>
-          </a:p>
-        </p:txBody>
-      </p:sp>
-      <p:sp>
-        <p:nvSpPr>
-          <p:cNvPr id="242" name="CustomShape 8"/>
-          <p:cNvSpPr/>
-          <p:nvPr/>
-        </p:nvSpPr>
-        <p:spPr>
-          <a:xfrm>
-            <a:off x="648000" y="970560"/>
-            <a:ext cx="11218680" cy="790560"/>
+            <a:off x="7040880" y="1554480"/>
+            <a:ext cx="4885920" cy="2781000"/>
           </a:xfrm>
           <a:prstGeom prst="rect">
             <a:avLst/>
           </a:prstGeom>
-          <a:noFill/>
-          <a:ln w="9360">
+          <a:ln>
             <a:noFill/>
           </a:ln>
         </p:spPr>
-        <p:style>
-          <a:lnRef idx="0"/>
-          <a:fillRef idx="0"/>
-          <a:effectRef idx="0"/>
-          <a:fontRef idx="minor"/>
-        </p:style>
-        <p:txBody>
-          <a:bodyPr lIns="0" rIns="0" tIns="0" bIns="0">
-            <a:normAutofit/>
-          </a:bodyPr>
-          <a:p>
-            <a:pPr>
-              <a:lnSpc>
-                <a:spcPct val="100000"/>
-              </a:lnSpc>
-              <a:spcBef>
-                <a:spcPts val="380"/>
-              </a:spcBef>
-            </a:pPr>
-            <a:r>
-              <a:rPr b="0" lang="en-US" sz="1900" spc="-1" strike="noStrike">
-                <a:solidFill>
-                  <a:srgbClr val="000000"/>
-                </a:solidFill>
-                <a:latin typeface="Arial"/>
-                <a:ea typeface="DejaVu Sans"/>
-              </a:rPr>
-              <a:t>Testcases with different </a:t>
-            </a:r>
-            <a:r>
-              <a:rPr b="1" lang="en-US" sz="1900" spc="-1" strike="noStrike">
-                <a:solidFill>
-                  <a:srgbClr val="000000"/>
-                </a:solidFill>
-                <a:latin typeface="Arial"/>
-                <a:ea typeface="DejaVu Sans"/>
-              </a:rPr>
-              <a:t>signal plans </a:t>
-            </a:r>
-            <a:r>
-              <a:rPr b="0" lang="en-US" sz="1900" spc="-1" strike="noStrike">
-                <a:solidFill>
-                  <a:srgbClr val="000000"/>
-                </a:solidFill>
-                <a:latin typeface="Arial"/>
-                <a:ea typeface="DejaVu Sans"/>
-              </a:rPr>
-              <a:t>of traffic lights, </a:t>
-            </a:r>
-            <a:r>
-              <a:rPr b="1" lang="en-US" sz="1900" spc="-1" strike="noStrike">
-                <a:solidFill>
-                  <a:srgbClr val="000000"/>
-                </a:solidFill>
-                <a:latin typeface="Arial"/>
-                <a:ea typeface="DejaVu Sans"/>
-              </a:rPr>
-              <a:t>random users </a:t>
-            </a:r>
-            <a:r>
-              <a:rPr b="0" lang="en-US" sz="1900" spc="-1" strike="noStrike">
-                <a:solidFill>
-                  <a:srgbClr val="000000"/>
-                </a:solidFill>
-                <a:latin typeface="Arial"/>
-                <a:ea typeface="DejaVu Sans"/>
-              </a:rPr>
-              <a:t>(different position, direction and speed) and assertion of </a:t>
-            </a:r>
-            <a:r>
-              <a:rPr b="1" lang="en-US" sz="1900" spc="-1" strike="noStrike">
-                <a:solidFill>
-                  <a:srgbClr val="000000"/>
-                </a:solidFill>
-                <a:latin typeface="Arial"/>
-                <a:ea typeface="DejaVu Sans"/>
-              </a:rPr>
-              <a:t>driving strategies</a:t>
-            </a:r>
-            <a:endParaRPr b="0" lang="en-US" sz="1900" spc="-1" strike="noStrike">
-              <a:latin typeface="Arial"/>
-            </a:endParaRPr>
-          </a:p>
-          <a:p>
-            <a:pPr>
-              <a:lnSpc>
-                <a:spcPct val="100000"/>
-              </a:lnSpc>
-              <a:spcBef>
-                <a:spcPts val="380"/>
-              </a:spcBef>
-            </a:pPr>
-            <a:endParaRPr b="0" lang="en-US" sz="1900" spc="-1" strike="noStrike">
-              <a:latin typeface="Arial"/>
-            </a:endParaRPr>
-          </a:p>
-          <a:p>
-            <a:pPr>
-              <a:lnSpc>
-                <a:spcPct val="100000"/>
-              </a:lnSpc>
-              <a:spcBef>
-                <a:spcPts val="360"/>
-              </a:spcBef>
-            </a:pPr>
-            <a:endParaRPr b="0" lang="en-US" sz="1900" spc="-1" strike="noStrike">
-              <a:latin typeface="Arial"/>
-            </a:endParaRPr>
-          </a:p>
-        </p:txBody>
-      </p:sp>
-      <p:sp>
-        <p:nvSpPr>
-          <p:cNvPr id="243" name="CustomShape 9"/>
-          <p:cNvSpPr/>
-          <p:nvPr/>
-        </p:nvSpPr>
-        <p:spPr>
-          <a:xfrm>
-            <a:off x="3005280" y="3346200"/>
-            <a:ext cx="2004120" cy="800640"/>
-          </a:xfrm>
-          <a:custGeom>
-            <a:avLst/>
-            <a:gdLst/>
-            <a:ahLst/>
-            <a:rect l="l" t="t" r="r" b="b"/>
-            <a:pathLst>
-              <a:path w="21600" h="21600">
-                <a:moveTo>
-                  <a:pt x="0" y="0"/>
-                </a:moveTo>
-                <a:lnTo>
-                  <a:pt x="21600" y="21600"/>
-                </a:lnTo>
-              </a:path>
-            </a:pathLst>
-          </a:custGeom>
-          <a:noFill/>
-          <a:ln>
-            <a:solidFill>
-              <a:srgbClr val="002e70"/>
-            </a:solidFill>
-            <a:round/>
-            <a:tailEnd len="med" type="triangle" w="med"/>
-          </a:ln>
-        </p:spPr>
-        <p:style>
-          <a:lnRef idx="1">
-            <a:schemeClr val="accent1"/>
-          </a:lnRef>
-          <a:fillRef idx="0">
-            <a:schemeClr val="accent1"/>
-          </a:fillRef>
-          <a:effectRef idx="0">
-            <a:schemeClr val="accent1"/>
-          </a:effectRef>
-          <a:fontRef idx="minor"/>
-        </p:style>
-      </p:sp>
-      <p:sp>
-        <p:nvSpPr>
-          <p:cNvPr id="244" name="CustomShape 10"/>
-          <p:cNvSpPr/>
-          <p:nvPr/>
-        </p:nvSpPr>
-        <p:spPr>
-          <a:xfrm flipV="1">
-            <a:off x="3005280" y="4146480"/>
-            <a:ext cx="2004120" cy="800640"/>
-          </a:xfrm>
-          <a:custGeom>
-            <a:avLst/>
-            <a:gdLst/>
-            <a:ahLst/>
-            <a:rect l="l" t="t" r="r" b="b"/>
-            <a:pathLst>
-              <a:path w="21600" h="21600">
-                <a:moveTo>
-                  <a:pt x="0" y="0"/>
-                </a:moveTo>
-                <a:lnTo>
-                  <a:pt x="21600" y="21600"/>
-                </a:lnTo>
-              </a:path>
-            </a:pathLst>
-          </a:custGeom>
-          <a:noFill/>
-          <a:ln>
-            <a:solidFill>
-              <a:srgbClr val="002e70"/>
-            </a:solidFill>
-            <a:round/>
-            <a:tailEnd len="med" type="triangle" w="med"/>
-          </a:ln>
-        </p:spPr>
-        <p:style>
-          <a:lnRef idx="1">
-            <a:schemeClr val="accent1"/>
-          </a:lnRef>
-          <a:fillRef idx="0">
-            <a:schemeClr val="accent1"/>
-          </a:fillRef>
-          <a:effectRef idx="0">
-            <a:schemeClr val="accent1"/>
-          </a:effectRef>
-          <a:fontRef idx="minor"/>
-        </p:style>
-      </p:sp>
-      <p:sp>
-        <p:nvSpPr>
-          <p:cNvPr id="245" name="CustomShape 11"/>
-          <p:cNvSpPr/>
-          <p:nvPr/>
-        </p:nvSpPr>
-        <p:spPr>
-          <a:xfrm>
-            <a:off x="6425280" y="4148640"/>
-            <a:ext cx="2107440" cy="11160"/>
-          </a:xfrm>
-          <a:custGeom>
-            <a:avLst/>
-            <a:gdLst/>
-            <a:ahLst/>
-            <a:rect l="l" t="t" r="r" b="b"/>
-            <a:pathLst>
-              <a:path w="21600" h="21600">
-                <a:moveTo>
-                  <a:pt x="0" y="0"/>
-                </a:moveTo>
-                <a:lnTo>
-                  <a:pt x="21600" y="21600"/>
-                </a:lnTo>
-              </a:path>
-            </a:pathLst>
-          </a:custGeom>
-          <a:noFill/>
-          <a:ln>
-            <a:solidFill>
-              <a:srgbClr val="002e70"/>
-            </a:solidFill>
-            <a:round/>
-            <a:tailEnd len="med" type="triangle" w="med"/>
-          </a:ln>
-        </p:spPr>
-        <p:style>
-          <a:lnRef idx="1">
-            <a:schemeClr val="accent1"/>
-          </a:lnRef>
-          <a:fillRef idx="0">
-            <a:schemeClr val="accent1"/>
-          </a:fillRef>
-          <a:effectRef idx="0">
-            <a:schemeClr val="accent1"/>
-          </a:effectRef>
-          <a:fontRef idx="minor"/>
-        </p:style>
-      </p:sp>
-      <p:grpSp>
-        <p:nvGrpSpPr>
-          <p:cNvPr id="246" name="Group 12"/>
-          <p:cNvGrpSpPr/>
-          <p:nvPr/>
-        </p:nvGrpSpPr>
-        <p:grpSpPr>
-          <a:xfrm>
-            <a:off x="8534520" y="3007080"/>
-            <a:ext cx="2450160" cy="2306520"/>
-            <a:chOff x="8534520" y="3007080"/>
-            <a:chExt cx="2450160" cy="2306520"/>
-          </a:xfrm>
-        </p:grpSpPr>
-        <p:sp>
-          <p:nvSpPr>
-            <p:cNvPr id="247" name="CustomShape 13"/>
-            <p:cNvSpPr/>
-            <p:nvPr/>
-          </p:nvSpPr>
-          <p:spPr>
-            <a:xfrm>
-              <a:off x="8534520" y="3007080"/>
-              <a:ext cx="2129040" cy="2306520"/>
-            </a:xfrm>
-            <a:prstGeom prst="roundRect">
-              <a:avLst>
-                <a:gd name="adj" fmla="val 16667"/>
-              </a:avLst>
-            </a:prstGeom>
-            <a:ln>
-              <a:round/>
-            </a:ln>
-          </p:spPr>
-          <p:style>
-            <a:lnRef idx="2">
-              <a:schemeClr val="accent1"/>
-            </a:lnRef>
-            <a:fillRef idx="1">
-              <a:schemeClr val="lt1"/>
-            </a:fillRef>
-            <a:effectRef idx="0">
-              <a:schemeClr val="accent1"/>
-            </a:effectRef>
-            <a:fontRef idx="minor"/>
-          </p:style>
-          <p:txBody>
-            <a:bodyPr lIns="90000" rIns="90000" tIns="45000" bIns="45000" anchor="ctr"/>
-            <a:p>
-              <a:pPr>
-                <a:lnSpc>
-                  <a:spcPct val="100000"/>
-                </a:lnSpc>
-                <a:spcBef>
-                  <a:spcPts val="1001"/>
-                </a:spcBef>
-              </a:pPr>
-              <a:r>
-                <a:rPr b="0" lang="en-US" sz="1400" spc="-1" strike="noStrike">
-                  <a:solidFill>
-                    <a:srgbClr val="003073"/>
-                  </a:solidFill>
-                  <a:latin typeface="Arial"/>
-                  <a:ea typeface="DejaVu Sans"/>
-                </a:rPr>
-                <a:t>Strategy </a:t>
-              </a:r>
-              <a:endParaRPr b="0" lang="en-US" sz="1400" spc="-1" strike="noStrike">
-                <a:latin typeface="Arial"/>
-              </a:endParaRPr>
-            </a:p>
-            <a:p>
-              <a:pPr>
-                <a:lnSpc>
-                  <a:spcPct val="100000"/>
-                </a:lnSpc>
-                <a:spcBef>
-                  <a:spcPts val="1001"/>
-                </a:spcBef>
-              </a:pPr>
-              <a:r>
-                <a:rPr b="0" lang="en-US" sz="1400" spc="-1" strike="noStrike">
-                  <a:solidFill>
-                    <a:srgbClr val="003073"/>
-                  </a:solidFill>
-                  <a:latin typeface="Arial"/>
-                  <a:ea typeface="DejaVu Sans"/>
-                </a:rPr>
-                <a:t>Advice</a:t>
-              </a:r>
-              <a:endParaRPr b="0" lang="en-US" sz="1400" spc="-1" strike="noStrike">
-                <a:latin typeface="Arial"/>
-              </a:endParaRPr>
-            </a:p>
-          </p:txBody>
-        </p:sp>
-        <p:pic>
-          <p:nvPicPr>
-            <p:cNvPr id="248" name="Grafik 28" descr=""/>
-            <p:cNvPicPr/>
-            <p:nvPr/>
-          </p:nvPicPr>
-          <p:blipFill>
-            <a:blip r:embed="rId1"/>
-            <a:stretch/>
-          </p:blipFill>
-          <p:spPr>
-            <a:xfrm>
-              <a:off x="9449280" y="3007080"/>
-              <a:ext cx="1535400" cy="2306520"/>
-            </a:xfrm>
-            <a:prstGeom prst="rect">
-              <a:avLst/>
-            </a:prstGeom>
-            <a:ln>
-              <a:noFill/>
-            </a:ln>
-          </p:spPr>
-        </p:pic>
-      </p:grpSp>
+      </p:pic>
     </p:spTree>
   </p:cSld>
   <p:timing>
     <p:tnLst>
       <p:par>
-        <p:cTn id="21" dur="indefinite" restart="never" nodeType="tmRoot">
+        <p:cTn id="5" dur="indefinite" restart="never" nodeType="tmRoot">
           <p:childTnLst>
             <p:seq>
-              <p:cTn id="22" dur="indefinite" nodeType="mainSeq"/>
+              <p:cTn id="6" dur="indefinite" nodeType="mainSeq"/>
               <p:prevCondLst>
                 <p:cond delay="0" evt="onPrev">
                   <p:tgtEl>
@@ -14950,7 +14231,7 @@
 </p:sld>
 </file>
 
-<file path=ppt/slides/slide12.xml><?xml version="1.0" encoding="utf-8"?>
+<file path=ppt/slides/slide4.xml><?xml version="1.0" encoding="utf-8"?>
 <p:sld xmlns:a="http://schemas.openxmlformats.org/drawingml/2006/main" xmlns:p="http://schemas.openxmlformats.org/presentationml/2006/main" xmlns:r="http://schemas.openxmlformats.org/officeDocument/2006/relationships" xmlns:p14="http://schemas.microsoft.com/office/powerpoint/2010/main" xmlns:p15="http://schemas.microsoft.com/office/powerpoint/2012/main" xmlns:mc="http://schemas.openxmlformats.org/markup-compatibility/2006">
   <p:cSld>
     <p:spTree>
@@ -14969,14 +14250,143 @@
       </p:grpSpPr>
       <p:sp>
         <p:nvSpPr>
-          <p:cNvPr id="249" name="CustomShape 1"/>
+          <p:cNvPr id="145" name="CustomShape 1"/>
+          <p:cNvSpPr/>
+          <p:nvPr/>
+        </p:nvSpPr>
+        <p:spPr>
+          <a:xfrm>
+            <a:off x="318960" y="970560"/>
+            <a:ext cx="4556160" cy="5239800"/>
+          </a:xfrm>
+          <a:prstGeom prst="rect">
+            <a:avLst/>
+          </a:prstGeom>
+          <a:noFill/>
+          <a:ln w="9360">
+            <a:noFill/>
+          </a:ln>
+        </p:spPr>
+        <p:style>
+          <a:lnRef idx="0"/>
+          <a:fillRef idx="0"/>
+          <a:effectRef idx="0"/>
+          <a:fontRef idx="minor"/>
+        </p:style>
+        <p:txBody>
+          <a:bodyPr lIns="0" rIns="0" tIns="0" bIns="0"/>
+          <a:p>
+            <a:pPr>
+              <a:lnSpc>
+                <a:spcPct val="100000"/>
+              </a:lnSpc>
+              <a:spcBef>
+                <a:spcPts val="561"/>
+              </a:spcBef>
+            </a:pPr>
+            <a:r>
+              <a:rPr b="0" lang="en-US" sz="2800" spc="-1" strike="noStrike">
+                <a:solidFill>
+                  <a:srgbClr val="000000"/>
+                </a:solidFill>
+                <a:latin typeface="Arial"/>
+                <a:ea typeface="DejaVu Sans"/>
+              </a:rPr>
+              <a:t>Android Studio</a:t>
+            </a:r>
+            <a:endParaRPr b="0" lang="en-US" sz="2800" spc="-1" strike="noStrike">
+              <a:latin typeface="Arial"/>
+            </a:endParaRPr>
+          </a:p>
+          <a:p>
+            <a:pPr>
+              <a:lnSpc>
+                <a:spcPct val="100000"/>
+              </a:lnSpc>
+              <a:spcBef>
+                <a:spcPts val="400"/>
+              </a:spcBef>
+            </a:pPr>
+            <a:endParaRPr b="0" lang="en-US" sz="2800" spc="-1" strike="noStrike">
+              <a:latin typeface="Arial"/>
+            </a:endParaRPr>
+          </a:p>
+          <a:p>
+            <a:pPr>
+              <a:lnSpc>
+                <a:spcPct val="100000"/>
+              </a:lnSpc>
+              <a:spcBef>
+                <a:spcPts val="400"/>
+              </a:spcBef>
+            </a:pPr>
+            <a:r>
+              <a:rPr b="0" lang="en-US" sz="2000" spc="-1" strike="noStrike">
+                <a:solidFill>
+                  <a:srgbClr val="000000"/>
+                </a:solidFill>
+                <a:latin typeface="Arial"/>
+                <a:ea typeface="DejaVu Sans"/>
+              </a:rPr>
+              <a:t>1. Visual layout editor</a:t>
+            </a:r>
+            <a:endParaRPr b="0" lang="en-US" sz="2000" spc="-1" strike="noStrike">
+              <a:latin typeface="Arial"/>
+            </a:endParaRPr>
+          </a:p>
+          <a:p>
+            <a:pPr marL="285840" indent="-284040">
+              <a:lnSpc>
+                <a:spcPct val="100000"/>
+              </a:lnSpc>
+              <a:spcBef>
+                <a:spcPts val="360"/>
+              </a:spcBef>
+              <a:buClr>
+                <a:srgbClr val="003073"/>
+              </a:buClr>
+              <a:buFont typeface="Arial"/>
+              <a:buChar char="•"/>
+            </a:pPr>
+            <a:r>
+              <a:rPr b="0" lang="en-US" sz="1800" spc="-1" strike="noStrike">
+                <a:solidFill>
+                  <a:srgbClr val="202124"/>
+                </a:solidFill>
+                <a:latin typeface="Arial"/>
+                <a:ea typeface="DejaVu Sans"/>
+              </a:rPr>
+              <a:t>build layouts by dragging UI elements instead of writing layout XML by hand</a:t>
+            </a:r>
+            <a:endParaRPr b="0" lang="en-US" sz="1800" spc="-1" strike="noStrike">
+              <a:latin typeface="Arial"/>
+            </a:endParaRPr>
+          </a:p>
+          <a:p>
+            <a:pPr>
+              <a:lnSpc>
+                <a:spcPct val="100000"/>
+              </a:lnSpc>
+              <a:spcBef>
+                <a:spcPts val="360"/>
+              </a:spcBef>
+            </a:pPr>
+            <a:endParaRPr b="0" lang="en-US" sz="1800" spc="-1" strike="noStrike">
+              <a:latin typeface="Arial"/>
+            </a:endParaRPr>
+          </a:p>
+        </p:txBody>
+      </p:sp>
+      <p:sp>
+        <p:nvSpPr>
+          <p:cNvPr id="146" name="CustomShape 2"/>
           <p:cNvSpPr/>
           <p:nvPr/>
         </p:nvSpPr>
         <p:spPr>
           <a:xfrm>
             <a:off x="648000" y="0"/>
-            <a:ext cx="9270720" cy="646560"/>
+            <a:ext cx="9270360" cy="646200"/>
           </a:xfrm>
           <a:prstGeom prst="rect">
             <a:avLst/>
@@ -15010,7 +14420,7 @@
                 <a:latin typeface="Arial"/>
                 <a:ea typeface="DejaVu Sans"/>
               </a:rPr>
-              <a:t>5. Milestone</a:t>
+              <a:t>2. Develop Framework</a:t>
             </a:r>
             <a:endParaRPr b="0" lang="en-US" sz="2000" spc="-1" strike="noStrike">
               <a:latin typeface="Arial"/>
@@ -15020,14 +14430,14 @@
       </p:sp>
       <p:sp>
         <p:nvSpPr>
-          <p:cNvPr id="250" name="CustomShape 2"/>
+          <p:cNvPr id="147" name="CustomShape 3"/>
           <p:cNvSpPr/>
           <p:nvPr/>
         </p:nvSpPr>
         <p:spPr>
           <a:xfrm>
             <a:off x="1630800" y="6534720"/>
-            <a:ext cx="9587880" cy="322560"/>
+            <a:ext cx="9587520" cy="322200"/>
           </a:xfrm>
           <a:prstGeom prst="rect">
             <a:avLst/>
@@ -15044,9 +14454,7 @@
           <a:fontRef idx="minor"/>
         </p:style>
         <p:txBody>
-          <a:bodyPr lIns="0" rIns="0" tIns="54000" bIns="54000" anchor="ctr">
-            <a:normAutofit/>
-          </a:bodyPr>
+          <a:bodyPr lIns="0" rIns="0" tIns="54000" bIns="54000" anchor="ctr"/>
           <a:p>
             <a:pPr>
               <a:lnSpc>
@@ -15074,14 +14482,14 @@
       </p:sp>
       <p:sp>
         <p:nvSpPr>
-          <p:cNvPr id="251" name="CustomShape 3"/>
+          <p:cNvPr id="148" name="CustomShape 4"/>
           <p:cNvSpPr/>
           <p:nvPr/>
         </p:nvSpPr>
         <p:spPr>
           <a:xfrm>
             <a:off x="318960" y="6534720"/>
-            <a:ext cx="986400" cy="322560"/>
+            <a:ext cx="986040" cy="322200"/>
           </a:xfrm>
           <a:prstGeom prst="rect">
             <a:avLst/>
@@ -15098,17 +14506,12 @@
           <a:fontRef idx="minor"/>
         </p:style>
         <p:txBody>
-          <a:bodyPr lIns="0" rIns="0" tIns="54000" bIns="54000" anchor="ctr">
-            <a:normAutofit/>
-          </a:bodyPr>
+          <a:bodyPr lIns="0" rIns="0" tIns="54000" bIns="54000" anchor="ctr"/>
           <a:p>
             <a:pPr algn="ctr">
               <a:lnSpc>
                 <a:spcPct val="100000"/>
               </a:lnSpc>
-              <a:spcAft>
-                <a:spcPts val="601"/>
-              </a:spcAft>
             </a:pPr>
             <a:r>
               <a:rPr b="0" lang="en-US" sz="1200" spc="-1" strike="noStrike">
@@ -15128,14 +14531,14 @@
       </p:sp>
       <p:sp>
         <p:nvSpPr>
-          <p:cNvPr id="252" name="CustomShape 4"/>
+          <p:cNvPr id="149" name="CustomShape 5"/>
           <p:cNvSpPr/>
           <p:nvPr/>
         </p:nvSpPr>
         <p:spPr>
           <a:xfrm>
             <a:off x="11279520" y="6232320"/>
-            <a:ext cx="587160" cy="684360"/>
+            <a:ext cx="586800" cy="684000"/>
           </a:xfrm>
           <a:prstGeom prst="rect">
             <a:avLst/>
@@ -15152,9 +14555,58 @@
           <a:fontRef idx="minor"/>
         </p:style>
       </p:sp>
+      <p:sp>
+        <p:nvSpPr>
+          <p:cNvPr id="150" name="CustomShape 6"/>
+          <p:cNvSpPr/>
+          <p:nvPr/>
+        </p:nvSpPr>
+        <p:spPr>
+          <a:xfrm>
+            <a:off x="8696880" y="6527880"/>
+            <a:ext cx="2956320" cy="256320"/>
+          </a:xfrm>
+          <a:prstGeom prst="rect">
+            <a:avLst/>
+          </a:prstGeom>
+          <a:noFill/>
+          <a:ln>
+            <a:noFill/>
+          </a:ln>
+        </p:spPr>
+        <p:style>
+          <a:lnRef idx="0"/>
+          <a:fillRef idx="0"/>
+          <a:effectRef idx="0"/>
+          <a:fontRef idx="minor"/>
+        </p:style>
+        <p:txBody>
+          <a:bodyPr wrap="none" lIns="90000" rIns="90000" tIns="45000" bIns="45000"/>
+          <a:p>
+            <a:pPr>
+              <a:lnSpc>
+                <a:spcPct val="100000"/>
+              </a:lnSpc>
+            </a:pPr>
+            <a:r>
+              <a:rPr b="0" lang="en-US" sz="1100" spc="-1" strike="noStrike">
+                <a:solidFill>
+                  <a:srgbClr val="000000"/>
+                </a:solidFill>
+                <a:latin typeface="Arial"/>
+                <a:ea typeface="DejaVu Sans"/>
+              </a:rPr>
+              <a:t>Source: https://developer.android.com/studio</a:t>
+            </a:r>
+            <a:endParaRPr b="0" lang="en-US" sz="1100" spc="-1" strike="noStrike">
+              <a:latin typeface="Arial"/>
+            </a:endParaRPr>
+          </a:p>
+        </p:txBody>
+      </p:sp>
       <p:pic>
         <p:nvPicPr>
-          <p:cNvPr id="253" name="" descr=""/>
+          <p:cNvPr id="151" name="图片 7" descr=""/>
           <p:cNvPicPr/>
           <p:nvPr/>
         </p:nvPicPr>
@@ -15164,8 +14616,8 @@
         </p:blipFill>
         <p:spPr>
           <a:xfrm>
-            <a:off x="1675800" y="859320"/>
-            <a:ext cx="8905680" cy="5266800"/>
+            <a:off x="5010840" y="1371600"/>
+            <a:ext cx="6865920" cy="4485600"/>
           </a:xfrm>
           <a:prstGeom prst="rect">
             <a:avLst/>
@@ -15180,10 +14632,10 @@
   <p:timing>
     <p:tnLst>
       <p:par>
-        <p:cTn id="23" dur="indefinite" restart="never" nodeType="tmRoot">
+        <p:cTn id="7" dur="indefinite" restart="never" nodeType="tmRoot">
           <p:childTnLst>
             <p:seq>
-              <p:cTn id="24" dur="indefinite" nodeType="mainSeq"/>
+              <p:cTn id="8" dur="indefinite" nodeType="mainSeq"/>
               <p:prevCondLst>
                 <p:cond delay="0" evt="onPrev">
                   <p:tgtEl>
@@ -15207,7 +14659,7 @@
 </p:sld>
 </file>
 
-<file path=ppt/slides/slide13.xml><?xml version="1.0" encoding="utf-8"?>
+<file path=ppt/slides/slide5.xml><?xml version="1.0" encoding="utf-8"?>
 <p:sld xmlns:a="http://schemas.openxmlformats.org/drawingml/2006/main" xmlns:p="http://schemas.openxmlformats.org/presentationml/2006/main" xmlns:r="http://schemas.openxmlformats.org/officeDocument/2006/relationships" xmlns:p14="http://schemas.microsoft.com/office/powerpoint/2010/main" xmlns:p15="http://schemas.microsoft.com/office/powerpoint/2012/main" xmlns:mc="http://schemas.openxmlformats.org/markup-compatibility/2006">
   <p:cSld>
     <p:spTree>
@@ -15226,14 +14678,1313 @@
       </p:grpSpPr>
       <p:sp>
         <p:nvSpPr>
-          <p:cNvPr id="254" name="CustomShape 1"/>
+          <p:cNvPr id="152" name="CustomShape 1"/>
+          <p:cNvSpPr/>
+          <p:nvPr/>
+        </p:nvSpPr>
+        <p:spPr>
+          <a:xfrm>
+            <a:off x="318960" y="970560"/>
+            <a:ext cx="4479840" cy="5239800"/>
+          </a:xfrm>
+          <a:prstGeom prst="rect">
+            <a:avLst/>
+          </a:prstGeom>
+          <a:noFill/>
+          <a:ln w="9360">
+            <a:noFill/>
+          </a:ln>
+        </p:spPr>
+        <p:style>
+          <a:lnRef idx="0"/>
+          <a:fillRef idx="0"/>
+          <a:effectRef idx="0"/>
+          <a:fontRef idx="minor"/>
+        </p:style>
+        <p:txBody>
+          <a:bodyPr lIns="0" rIns="0" tIns="0" bIns="0"/>
+          <a:p>
+            <a:pPr>
+              <a:lnSpc>
+                <a:spcPct val="100000"/>
+              </a:lnSpc>
+              <a:spcBef>
+                <a:spcPts val="561"/>
+              </a:spcBef>
+            </a:pPr>
+            <a:r>
+              <a:rPr b="0" lang="en-US" sz="2800" spc="-1" strike="noStrike">
+                <a:solidFill>
+                  <a:srgbClr val="000000"/>
+                </a:solidFill>
+                <a:latin typeface="Arial"/>
+                <a:ea typeface="DejaVu Sans"/>
+              </a:rPr>
+              <a:t>Android Studio</a:t>
+            </a:r>
+            <a:endParaRPr b="0" lang="en-US" sz="2800" spc="-1" strike="noStrike">
+              <a:latin typeface="Arial"/>
+            </a:endParaRPr>
+          </a:p>
+          <a:p>
+            <a:pPr>
+              <a:lnSpc>
+                <a:spcPct val="100000"/>
+              </a:lnSpc>
+              <a:spcBef>
+                <a:spcPts val="400"/>
+              </a:spcBef>
+            </a:pPr>
+            <a:endParaRPr b="0" lang="en-US" sz="2800" spc="-1" strike="noStrike">
+              <a:latin typeface="Arial"/>
+            </a:endParaRPr>
+          </a:p>
+          <a:p>
+            <a:pPr>
+              <a:lnSpc>
+                <a:spcPct val="100000"/>
+              </a:lnSpc>
+              <a:spcBef>
+                <a:spcPts val="400"/>
+              </a:spcBef>
+            </a:pPr>
+            <a:r>
+              <a:rPr b="0" lang="en-US" sz="2000" spc="-1" strike="noStrike">
+                <a:solidFill>
+                  <a:srgbClr val="202124"/>
+                </a:solidFill>
+                <a:latin typeface="Roboto"/>
+                <a:ea typeface="DejaVu Sans"/>
+              </a:rPr>
+              <a:t>2. </a:t>
+            </a:r>
+            <a:r>
+              <a:rPr b="0" lang="en-US" sz="2000" spc="-1" strike="noStrike">
+                <a:solidFill>
+                  <a:srgbClr val="000000"/>
+                </a:solidFill>
+                <a:latin typeface="Arial"/>
+                <a:ea typeface="DejaVu Sans"/>
+              </a:rPr>
+              <a:t> Fast emulator</a:t>
+            </a:r>
+            <a:endParaRPr b="0" lang="en-US" sz="2000" spc="-1" strike="noStrike">
+              <a:latin typeface="Arial"/>
+            </a:endParaRPr>
+          </a:p>
+          <a:p>
+            <a:pPr marL="285840" indent="-284040">
+              <a:lnSpc>
+                <a:spcPct val="100000"/>
+              </a:lnSpc>
+              <a:spcBef>
+                <a:spcPts val="360"/>
+              </a:spcBef>
+              <a:buClr>
+                <a:srgbClr val="003073"/>
+              </a:buClr>
+              <a:buFont typeface="Arial"/>
+              <a:buChar char="•"/>
+            </a:pPr>
+            <a:r>
+              <a:rPr b="0" lang="en-US" sz="1800" spc="-1" strike="noStrike">
+                <a:solidFill>
+                  <a:srgbClr val="202124"/>
+                </a:solidFill>
+                <a:latin typeface="Arial"/>
+                <a:ea typeface="DejaVu Sans"/>
+              </a:rPr>
+              <a:t>run apps on the Android Emulator</a:t>
+            </a:r>
+            <a:endParaRPr b="0" lang="en-US" sz="1800" spc="-1" strike="noStrike">
+              <a:latin typeface="Arial"/>
+            </a:endParaRPr>
+          </a:p>
+        </p:txBody>
+      </p:sp>
+      <p:sp>
+        <p:nvSpPr>
+          <p:cNvPr id="153" name="CustomShape 2"/>
+          <p:cNvSpPr/>
+          <p:nvPr/>
+        </p:nvSpPr>
+        <p:spPr>
+          <a:xfrm>
+            <a:off x="648000" y="0"/>
+            <a:ext cx="9270360" cy="646200"/>
+          </a:xfrm>
+          <a:prstGeom prst="rect">
+            <a:avLst/>
+          </a:prstGeom>
+          <a:noFill/>
+          <a:ln w="9360">
+            <a:noFill/>
+          </a:ln>
+        </p:spPr>
+        <p:style>
+          <a:lnRef idx="0"/>
+          <a:fillRef idx="0"/>
+          <a:effectRef idx="0"/>
+          <a:fontRef idx="minor"/>
+        </p:style>
+        <p:txBody>
+          <a:bodyPr lIns="324000" rIns="324000" tIns="108000" bIns="108000" anchor="ctr">
+            <a:normAutofit/>
+          </a:bodyPr>
+          <a:p>
+            <a:pPr>
+              <a:lnSpc>
+                <a:spcPts val="2149"/>
+              </a:lnSpc>
+            </a:pPr>
+            <a:r>
+              <a:rPr b="1" lang="en-US" sz="2000" spc="-1" strike="noStrike">
+                <a:solidFill>
+                  <a:srgbClr val="ffffff"/>
+                </a:solidFill>
+                <a:latin typeface="Arial"/>
+                <a:ea typeface="DejaVu Sans"/>
+              </a:rPr>
+              <a:t>2. Develop Framework</a:t>
+            </a:r>
+            <a:endParaRPr b="0" lang="en-US" sz="2000" spc="-1" strike="noStrike">
+              <a:latin typeface="Arial"/>
+            </a:endParaRPr>
+          </a:p>
+        </p:txBody>
+      </p:sp>
+      <p:sp>
+        <p:nvSpPr>
+          <p:cNvPr id="154" name="CustomShape 3"/>
+          <p:cNvSpPr/>
+          <p:nvPr/>
+        </p:nvSpPr>
+        <p:spPr>
+          <a:xfrm>
+            <a:off x="1630800" y="6534720"/>
+            <a:ext cx="9587520" cy="322200"/>
+          </a:xfrm>
+          <a:prstGeom prst="rect">
+            <a:avLst/>
+          </a:prstGeom>
+          <a:noFill/>
+          <a:ln w="9360">
+            <a:noFill/>
+          </a:ln>
+        </p:spPr>
+        <p:style>
+          <a:lnRef idx="0"/>
+          <a:fillRef idx="0"/>
+          <a:effectRef idx="0"/>
+          <a:fontRef idx="minor"/>
+        </p:style>
+        <p:txBody>
+          <a:bodyPr lIns="0" rIns="0" tIns="54000" bIns="54000" anchor="ctr"/>
+          <a:p>
+            <a:pPr>
+              <a:lnSpc>
+                <a:spcPct val="90000"/>
+              </a:lnSpc>
+              <a:spcAft>
+                <a:spcPts val="499"/>
+              </a:spcAft>
+            </a:pPr>
+            <a:r>
+              <a:rPr b="0" lang="en-US" sz="1000" spc="-1" strike="noStrike">
+                <a:solidFill>
+                  <a:srgbClr val="595959"/>
+                </a:solidFill>
+                <a:latin typeface="Arial"/>
+                <a:ea typeface="DejaVu Sans"/>
+              </a:rPr>
+              <a:t>DCAITI -Projekt </a:t>
+            </a:r>
+            <a:endParaRPr b="0" lang="en-US" sz="1000" spc="-1" strike="noStrike">
+              <a:latin typeface="Arial"/>
+            </a:endParaRPr>
+          </a:p>
+        </p:txBody>
+      </p:sp>
+      <p:sp>
+        <p:nvSpPr>
+          <p:cNvPr id="155" name="CustomShape 4"/>
+          <p:cNvSpPr/>
+          <p:nvPr/>
+        </p:nvSpPr>
+        <p:spPr>
+          <a:xfrm>
+            <a:off x="318960" y="6534720"/>
+            <a:ext cx="986040" cy="322200"/>
+          </a:xfrm>
+          <a:prstGeom prst="rect">
+            <a:avLst/>
+          </a:prstGeom>
+          <a:noFill/>
+          <a:ln w="9360">
+            <a:noFill/>
+          </a:ln>
+        </p:spPr>
+        <p:style>
+          <a:lnRef idx="0"/>
+          <a:fillRef idx="0"/>
+          <a:effectRef idx="0"/>
+          <a:fontRef idx="minor"/>
+        </p:style>
+        <p:txBody>
+          <a:bodyPr lIns="0" rIns="0" tIns="54000" bIns="54000" anchor="ctr"/>
+          <a:p>
+            <a:pPr algn="ctr">
+              <a:lnSpc>
+                <a:spcPct val="100000"/>
+              </a:lnSpc>
+            </a:pPr>
+            <a:r>
+              <a:rPr b="0" lang="en-US" sz="1200" spc="-1" strike="noStrike">
+                <a:solidFill>
+                  <a:srgbClr val="595959"/>
+                </a:solidFill>
+                <a:latin typeface="Arial"/>
+                <a:ea typeface="DejaVu Sans"/>
+              </a:rPr>
+              <a:t>18.11.2020</a:t>
+            </a:r>
+            <a:endParaRPr b="0" lang="en-US" sz="1200" spc="-1" strike="noStrike">
+              <a:latin typeface="Arial"/>
+            </a:endParaRPr>
+          </a:p>
+        </p:txBody>
+      </p:sp>
+      <p:sp>
+        <p:nvSpPr>
+          <p:cNvPr id="156" name="CustomShape 5"/>
+          <p:cNvSpPr/>
+          <p:nvPr/>
+        </p:nvSpPr>
+        <p:spPr>
+          <a:xfrm>
+            <a:off x="11279520" y="6232320"/>
+            <a:ext cx="586800" cy="684000"/>
+          </a:xfrm>
+          <a:prstGeom prst="rect">
+            <a:avLst/>
+          </a:prstGeom>
+          <a:noFill/>
+          <a:ln w="9360">
+            <a:noFill/>
+          </a:ln>
+        </p:spPr>
+        <p:style>
+          <a:lnRef idx="0"/>
+          <a:fillRef idx="0"/>
+          <a:effectRef idx="0"/>
+          <a:fontRef idx="minor"/>
+        </p:style>
+      </p:sp>
+      <p:sp>
+        <p:nvSpPr>
+          <p:cNvPr id="157" name="CustomShape 6"/>
+          <p:cNvSpPr/>
+          <p:nvPr/>
+        </p:nvSpPr>
+        <p:spPr>
+          <a:xfrm>
+            <a:off x="8696880" y="6527880"/>
+            <a:ext cx="2956320" cy="256320"/>
+          </a:xfrm>
+          <a:prstGeom prst="rect">
+            <a:avLst/>
+          </a:prstGeom>
+          <a:noFill/>
+          <a:ln>
+            <a:noFill/>
+          </a:ln>
+        </p:spPr>
+        <p:style>
+          <a:lnRef idx="0"/>
+          <a:fillRef idx="0"/>
+          <a:effectRef idx="0"/>
+          <a:fontRef idx="minor"/>
+        </p:style>
+        <p:txBody>
+          <a:bodyPr wrap="none" lIns="90000" rIns="90000" tIns="45000" bIns="45000"/>
+          <a:p>
+            <a:pPr>
+              <a:lnSpc>
+                <a:spcPct val="100000"/>
+              </a:lnSpc>
+            </a:pPr>
+            <a:r>
+              <a:rPr b="0" lang="en-US" sz="1100" spc="-1" strike="noStrike">
+                <a:solidFill>
+                  <a:srgbClr val="000000"/>
+                </a:solidFill>
+                <a:latin typeface="Arial"/>
+                <a:ea typeface="DejaVu Sans"/>
+              </a:rPr>
+              <a:t>Source: https://developer.android.com/studio</a:t>
+            </a:r>
+            <a:endParaRPr b="0" lang="en-US" sz="1100" spc="-1" strike="noStrike">
+              <a:latin typeface="Arial"/>
+            </a:endParaRPr>
+          </a:p>
+        </p:txBody>
+      </p:sp>
+      <p:pic>
+        <p:nvPicPr>
+          <p:cNvPr id="158" name="图片 8" descr=""/>
+          <p:cNvPicPr/>
+          <p:nvPr/>
+        </p:nvPicPr>
+        <p:blipFill>
+          <a:blip r:embed="rId1"/>
+          <a:stretch/>
+        </p:blipFill>
+        <p:spPr>
+          <a:xfrm>
+            <a:off x="4495680" y="1315440"/>
+            <a:ext cx="7315200" cy="4570200"/>
+          </a:xfrm>
+          <a:prstGeom prst="rect">
+            <a:avLst/>
+          </a:prstGeom>
+          <a:ln>
+            <a:noFill/>
+          </a:ln>
+        </p:spPr>
+      </p:pic>
+    </p:spTree>
+  </p:cSld>
+  <p:timing>
+    <p:tnLst>
+      <p:par>
+        <p:cTn id="9" dur="indefinite" restart="never" nodeType="tmRoot">
+          <p:childTnLst>
+            <p:seq>
+              <p:cTn id="10" dur="indefinite" nodeType="mainSeq"/>
+              <p:prevCondLst>
+                <p:cond delay="0" evt="onPrev">
+                  <p:tgtEl>
+                    <p:sldTgt/>
+                  </p:tgtEl>
+                </p:cond>
+              </p:prevCondLst>
+              <p:nextCondLst>
+                <p:cond delay="0" evt="onNext">
+                  <p:tgtEl>
+                    <p:sldTgt/>
+                  </p:tgtEl>
+                </p:cond>
+              </p:nextCondLst>
+            </p:seq>
+          </p:childTnLst>
+        </p:cTn>
+      </p:par>
+    </p:tnLst>
+  </p:timing>
+</p:sld>
+</file>
+
+<file path=ppt/slides/slide6.xml><?xml version="1.0" encoding="utf-8"?>
+<p:sld xmlns:a="http://schemas.openxmlformats.org/drawingml/2006/main" xmlns:p="http://schemas.openxmlformats.org/presentationml/2006/main" xmlns:r="http://schemas.openxmlformats.org/officeDocument/2006/relationships" xmlns:p14="http://schemas.microsoft.com/office/powerpoint/2010/main" xmlns:p15="http://schemas.microsoft.com/office/powerpoint/2012/main" xmlns:mc="http://schemas.openxmlformats.org/markup-compatibility/2006">
+  <p:cSld>
+    <p:spTree>
+      <p:nvGrpSpPr>
+        <p:cNvPr id="1" name=""/>
+        <p:cNvGrpSpPr/>
+        <p:nvPr/>
+      </p:nvGrpSpPr>
+      <p:grpSpPr>
+        <a:xfrm>
+          <a:off x="0" y="0"/>
+          <a:ext cx="0" cy="0"/>
+          <a:chOff x="0" y="0"/>
+          <a:chExt cx="0" cy="0"/>
+        </a:xfrm>
+      </p:grpSpPr>
+      <p:sp>
+        <p:nvSpPr>
+          <p:cNvPr id="159" name="CustomShape 1"/>
+          <p:cNvSpPr/>
+          <p:nvPr/>
+        </p:nvSpPr>
+        <p:spPr>
+          <a:xfrm>
+            <a:off x="318960" y="970560"/>
+            <a:ext cx="4479840" cy="5239800"/>
+          </a:xfrm>
+          <a:prstGeom prst="rect">
+            <a:avLst/>
+          </a:prstGeom>
+          <a:noFill/>
+          <a:ln w="9360">
+            <a:noFill/>
+          </a:ln>
+        </p:spPr>
+        <p:style>
+          <a:lnRef idx="0"/>
+          <a:fillRef idx="0"/>
+          <a:effectRef idx="0"/>
+          <a:fontRef idx="minor"/>
+        </p:style>
+        <p:txBody>
+          <a:bodyPr lIns="0" rIns="0" tIns="0" bIns="0"/>
+          <a:p>
+            <a:pPr>
+              <a:lnSpc>
+                <a:spcPct val="100000"/>
+              </a:lnSpc>
+              <a:spcBef>
+                <a:spcPts val="561"/>
+              </a:spcBef>
+            </a:pPr>
+            <a:r>
+              <a:rPr b="0" lang="en-US" sz="2800" spc="-1" strike="noStrike">
+                <a:solidFill>
+                  <a:srgbClr val="000000"/>
+                </a:solidFill>
+                <a:latin typeface="Arial"/>
+                <a:ea typeface="DejaVu Sans"/>
+              </a:rPr>
+              <a:t>Android Studio</a:t>
+            </a:r>
+            <a:endParaRPr b="0" lang="en-US" sz="2800" spc="-1" strike="noStrike">
+              <a:latin typeface="Arial"/>
+            </a:endParaRPr>
+          </a:p>
+          <a:p>
+            <a:pPr>
+              <a:lnSpc>
+                <a:spcPct val="100000"/>
+              </a:lnSpc>
+              <a:spcBef>
+                <a:spcPts val="400"/>
+              </a:spcBef>
+            </a:pPr>
+            <a:endParaRPr b="0" lang="en-US" sz="2800" spc="-1" strike="noStrike">
+              <a:latin typeface="Arial"/>
+            </a:endParaRPr>
+          </a:p>
+          <a:p>
+            <a:pPr>
+              <a:lnSpc>
+                <a:spcPct val="100000"/>
+              </a:lnSpc>
+              <a:spcBef>
+                <a:spcPts val="400"/>
+              </a:spcBef>
+            </a:pPr>
+            <a:r>
+              <a:rPr b="0" lang="en-US" sz="2000" spc="-1" strike="noStrike">
+                <a:solidFill>
+                  <a:srgbClr val="000000"/>
+                </a:solidFill>
+                <a:latin typeface="Arial"/>
+                <a:ea typeface="DejaVu Sans"/>
+              </a:rPr>
+              <a:t>3. Intelligent code editor</a:t>
+            </a:r>
+            <a:endParaRPr b="0" lang="en-US" sz="2000" spc="-1" strike="noStrike">
+              <a:latin typeface="Arial"/>
+            </a:endParaRPr>
+          </a:p>
+          <a:p>
+            <a:pPr marL="285840" indent="-284040">
+              <a:lnSpc>
+                <a:spcPct val="100000"/>
+              </a:lnSpc>
+              <a:spcBef>
+                <a:spcPts val="360"/>
+              </a:spcBef>
+              <a:buClr>
+                <a:srgbClr val="003073"/>
+              </a:buClr>
+              <a:buFont typeface="Arial"/>
+              <a:buChar char="•"/>
+            </a:pPr>
+            <a:r>
+              <a:rPr b="0" lang="en-US" sz="1800" spc="-1" strike="noStrike">
+                <a:solidFill>
+                  <a:srgbClr val="000000"/>
+                </a:solidFill>
+                <a:latin typeface="Arial"/>
+                <a:ea typeface="DejaVu Sans"/>
+              </a:rPr>
+              <a:t> </a:t>
+            </a:r>
+            <a:r>
+              <a:rPr b="0" lang="en-US" sz="1800" spc="-1" strike="noStrike">
+                <a:solidFill>
+                  <a:srgbClr val="000000"/>
+                </a:solidFill>
+                <a:latin typeface="Arial"/>
+                <a:ea typeface="DejaVu Sans"/>
+              </a:rPr>
+              <a:t>based on IntelliJ IDEA</a:t>
+            </a:r>
+            <a:endParaRPr b="0" lang="en-US" sz="1800" spc="-1" strike="noStrike">
+              <a:latin typeface="Arial"/>
+            </a:endParaRPr>
+          </a:p>
+          <a:p>
+            <a:pPr marL="360">
+              <a:lnSpc>
+                <a:spcPct val="100000"/>
+              </a:lnSpc>
+              <a:spcBef>
+                <a:spcPts val="360"/>
+              </a:spcBef>
+            </a:pPr>
+            <a:r>
+              <a:rPr b="0" lang="en-US" sz="1800" spc="-1" strike="noStrike">
+                <a:solidFill>
+                  <a:srgbClr val="000000"/>
+                </a:solidFill>
+                <a:latin typeface="Arial"/>
+                <a:ea typeface="DejaVu Sans"/>
+              </a:rPr>
+              <a:t>4</a:t>
+            </a:r>
+            <a:r>
+              <a:rPr b="0" lang="en-US" sz="2000" spc="-1" strike="noStrike">
+                <a:solidFill>
+                  <a:srgbClr val="000000"/>
+                </a:solidFill>
+                <a:latin typeface="Arial"/>
+                <a:ea typeface="DejaVu Sans"/>
+              </a:rPr>
+              <a:t>. Realtime profilers</a:t>
+            </a:r>
+            <a:endParaRPr b="0" lang="en-US" sz="2000" spc="-1" strike="noStrike">
+              <a:latin typeface="Arial"/>
+            </a:endParaRPr>
+          </a:p>
+          <a:p>
+            <a:pPr marL="285840" indent="-284040">
+              <a:lnSpc>
+                <a:spcPct val="100000"/>
+              </a:lnSpc>
+              <a:spcBef>
+                <a:spcPts val="360"/>
+              </a:spcBef>
+              <a:buClr>
+                <a:srgbClr val="003073"/>
+              </a:buClr>
+              <a:buFont typeface="Arial"/>
+              <a:buChar char="•"/>
+            </a:pPr>
+            <a:r>
+              <a:rPr b="0" lang="en-US" sz="1800" spc="-1" strike="noStrike">
+                <a:solidFill>
+                  <a:srgbClr val="000000"/>
+                </a:solidFill>
+                <a:latin typeface="Arial"/>
+                <a:ea typeface="DejaVu Sans"/>
+              </a:rPr>
+              <a:t>measure app performance</a:t>
+            </a:r>
+            <a:endParaRPr b="0" lang="en-US" sz="1800" spc="-1" strike="noStrike">
+              <a:latin typeface="Arial"/>
+            </a:endParaRPr>
+          </a:p>
+        </p:txBody>
+      </p:sp>
+      <p:sp>
+        <p:nvSpPr>
+          <p:cNvPr id="160" name="CustomShape 2"/>
+          <p:cNvSpPr/>
+          <p:nvPr/>
+        </p:nvSpPr>
+        <p:spPr>
+          <a:xfrm>
+            <a:off x="648000" y="0"/>
+            <a:ext cx="9270360" cy="646200"/>
+          </a:xfrm>
+          <a:prstGeom prst="rect">
+            <a:avLst/>
+          </a:prstGeom>
+          <a:noFill/>
+          <a:ln w="9360">
+            <a:noFill/>
+          </a:ln>
+        </p:spPr>
+        <p:style>
+          <a:lnRef idx="0"/>
+          <a:fillRef idx="0"/>
+          <a:effectRef idx="0"/>
+          <a:fontRef idx="minor"/>
+        </p:style>
+        <p:txBody>
+          <a:bodyPr lIns="324000" rIns="324000" tIns="108000" bIns="108000" anchor="ctr">
+            <a:normAutofit/>
+          </a:bodyPr>
+          <a:p>
+            <a:pPr>
+              <a:lnSpc>
+                <a:spcPts val="2149"/>
+              </a:lnSpc>
+            </a:pPr>
+            <a:r>
+              <a:rPr b="1" lang="en-US" sz="2000" spc="-1" strike="noStrike">
+                <a:solidFill>
+                  <a:srgbClr val="ffffff"/>
+                </a:solidFill>
+                <a:latin typeface="Arial"/>
+                <a:ea typeface="DejaVu Sans"/>
+              </a:rPr>
+              <a:t>2. Develop Framework</a:t>
+            </a:r>
+            <a:endParaRPr b="0" lang="en-US" sz="2000" spc="-1" strike="noStrike">
+              <a:latin typeface="Arial"/>
+            </a:endParaRPr>
+          </a:p>
+        </p:txBody>
+      </p:sp>
+      <p:sp>
+        <p:nvSpPr>
+          <p:cNvPr id="161" name="CustomShape 3"/>
+          <p:cNvSpPr/>
+          <p:nvPr/>
+        </p:nvSpPr>
+        <p:spPr>
+          <a:xfrm>
+            <a:off x="1630800" y="6534720"/>
+            <a:ext cx="9587520" cy="322200"/>
+          </a:xfrm>
+          <a:prstGeom prst="rect">
+            <a:avLst/>
+          </a:prstGeom>
+          <a:noFill/>
+          <a:ln w="9360">
+            <a:noFill/>
+          </a:ln>
+        </p:spPr>
+        <p:style>
+          <a:lnRef idx="0"/>
+          <a:fillRef idx="0"/>
+          <a:effectRef idx="0"/>
+          <a:fontRef idx="minor"/>
+        </p:style>
+        <p:txBody>
+          <a:bodyPr lIns="0" rIns="0" tIns="54000" bIns="54000" anchor="ctr"/>
+          <a:p>
+            <a:pPr>
+              <a:lnSpc>
+                <a:spcPct val="90000"/>
+              </a:lnSpc>
+              <a:spcAft>
+                <a:spcPts val="499"/>
+              </a:spcAft>
+            </a:pPr>
+            <a:r>
+              <a:rPr b="0" lang="en-US" sz="1000" spc="-1" strike="noStrike">
+                <a:solidFill>
+                  <a:srgbClr val="595959"/>
+                </a:solidFill>
+                <a:latin typeface="Arial"/>
+                <a:ea typeface="DejaVu Sans"/>
+              </a:rPr>
+              <a:t>DCAITI -Projekt </a:t>
+            </a:r>
+            <a:endParaRPr b="0" lang="en-US" sz="1000" spc="-1" strike="noStrike">
+              <a:latin typeface="Arial"/>
+            </a:endParaRPr>
+          </a:p>
+        </p:txBody>
+      </p:sp>
+      <p:sp>
+        <p:nvSpPr>
+          <p:cNvPr id="162" name="CustomShape 4"/>
+          <p:cNvSpPr/>
+          <p:nvPr/>
+        </p:nvSpPr>
+        <p:spPr>
+          <a:xfrm>
+            <a:off x="318960" y="6534720"/>
+            <a:ext cx="986040" cy="322200"/>
+          </a:xfrm>
+          <a:prstGeom prst="rect">
+            <a:avLst/>
+          </a:prstGeom>
+          <a:noFill/>
+          <a:ln w="9360">
+            <a:noFill/>
+          </a:ln>
+        </p:spPr>
+        <p:style>
+          <a:lnRef idx="0"/>
+          <a:fillRef idx="0"/>
+          <a:effectRef idx="0"/>
+          <a:fontRef idx="minor"/>
+        </p:style>
+        <p:txBody>
+          <a:bodyPr lIns="0" rIns="0" tIns="54000" bIns="54000" anchor="ctr"/>
+          <a:p>
+            <a:pPr algn="ctr">
+              <a:lnSpc>
+                <a:spcPct val="100000"/>
+              </a:lnSpc>
+            </a:pPr>
+            <a:r>
+              <a:rPr b="0" lang="en-US" sz="1200" spc="-1" strike="noStrike">
+                <a:solidFill>
+                  <a:srgbClr val="595959"/>
+                </a:solidFill>
+                <a:latin typeface="Arial"/>
+                <a:ea typeface="DejaVu Sans"/>
+              </a:rPr>
+              <a:t>18.11.2020</a:t>
+            </a:r>
+            <a:endParaRPr b="0" lang="en-US" sz="1200" spc="-1" strike="noStrike">
+              <a:latin typeface="Arial"/>
+            </a:endParaRPr>
+          </a:p>
+        </p:txBody>
+      </p:sp>
+      <p:sp>
+        <p:nvSpPr>
+          <p:cNvPr id="163" name="CustomShape 5"/>
+          <p:cNvSpPr/>
+          <p:nvPr/>
+        </p:nvSpPr>
+        <p:spPr>
+          <a:xfrm>
+            <a:off x="11279520" y="6232320"/>
+            <a:ext cx="586800" cy="684000"/>
+          </a:xfrm>
+          <a:prstGeom prst="rect">
+            <a:avLst/>
+          </a:prstGeom>
+          <a:noFill/>
+          <a:ln w="9360">
+            <a:noFill/>
+          </a:ln>
+        </p:spPr>
+        <p:style>
+          <a:lnRef idx="0"/>
+          <a:fillRef idx="0"/>
+          <a:effectRef idx="0"/>
+          <a:fontRef idx="minor"/>
+        </p:style>
+      </p:sp>
+      <p:sp>
+        <p:nvSpPr>
+          <p:cNvPr id="164" name="CustomShape 6"/>
+          <p:cNvSpPr/>
+          <p:nvPr/>
+        </p:nvSpPr>
+        <p:spPr>
+          <a:xfrm>
+            <a:off x="8696880" y="6527880"/>
+            <a:ext cx="2956320" cy="256320"/>
+          </a:xfrm>
+          <a:prstGeom prst="rect">
+            <a:avLst/>
+          </a:prstGeom>
+          <a:noFill/>
+          <a:ln>
+            <a:noFill/>
+          </a:ln>
+        </p:spPr>
+        <p:style>
+          <a:lnRef idx="0"/>
+          <a:fillRef idx="0"/>
+          <a:effectRef idx="0"/>
+          <a:fontRef idx="minor"/>
+        </p:style>
+        <p:txBody>
+          <a:bodyPr wrap="none" lIns="90000" rIns="90000" tIns="45000" bIns="45000"/>
+          <a:p>
+            <a:pPr>
+              <a:lnSpc>
+                <a:spcPct val="100000"/>
+              </a:lnSpc>
+            </a:pPr>
+            <a:r>
+              <a:rPr b="0" lang="en-US" sz="1100" spc="-1" strike="noStrike">
+                <a:solidFill>
+                  <a:srgbClr val="000000"/>
+                </a:solidFill>
+                <a:latin typeface="Arial"/>
+                <a:ea typeface="DejaVu Sans"/>
+              </a:rPr>
+              <a:t>Source: https://developer.android.com/studio</a:t>
+            </a:r>
+            <a:endParaRPr b="0" lang="en-US" sz="1100" spc="-1" strike="noStrike">
+              <a:latin typeface="Arial"/>
+            </a:endParaRPr>
+          </a:p>
+        </p:txBody>
+      </p:sp>
+      <p:pic>
+        <p:nvPicPr>
+          <p:cNvPr id="165" name="Picture 2" descr=""/>
+          <p:cNvPicPr/>
+          <p:nvPr/>
+        </p:nvPicPr>
+        <p:blipFill>
+          <a:blip r:embed="rId1"/>
+          <a:stretch/>
+        </p:blipFill>
+        <p:spPr>
+          <a:xfrm>
+            <a:off x="4114800" y="884520"/>
+            <a:ext cx="7293960" cy="5513040"/>
+          </a:xfrm>
+          <a:prstGeom prst="rect">
+            <a:avLst/>
+          </a:prstGeom>
+          <a:ln>
+            <a:noFill/>
+          </a:ln>
+        </p:spPr>
+      </p:pic>
+    </p:spTree>
+  </p:cSld>
+  <p:timing>
+    <p:tnLst>
+      <p:par>
+        <p:cTn id="11" dur="indefinite" restart="never" nodeType="tmRoot">
+          <p:childTnLst>
+            <p:seq>
+              <p:cTn id="12" dur="indefinite" nodeType="mainSeq"/>
+              <p:prevCondLst>
+                <p:cond delay="0" evt="onPrev">
+                  <p:tgtEl>
+                    <p:sldTgt/>
+                  </p:tgtEl>
+                </p:cond>
+              </p:prevCondLst>
+              <p:nextCondLst>
+                <p:cond delay="0" evt="onNext">
+                  <p:tgtEl>
+                    <p:sldTgt/>
+                  </p:tgtEl>
+                </p:cond>
+              </p:nextCondLst>
+            </p:seq>
+          </p:childTnLst>
+        </p:cTn>
+      </p:par>
+    </p:tnLst>
+  </p:timing>
+</p:sld>
+</file>
+
+<file path=ppt/slides/slide7.xml><?xml version="1.0" encoding="utf-8"?>
+<p:sld xmlns:a="http://schemas.openxmlformats.org/drawingml/2006/main" xmlns:p="http://schemas.openxmlformats.org/presentationml/2006/main" xmlns:r="http://schemas.openxmlformats.org/officeDocument/2006/relationships" xmlns:p14="http://schemas.microsoft.com/office/powerpoint/2010/main" xmlns:p15="http://schemas.microsoft.com/office/powerpoint/2012/main" xmlns:mc="http://schemas.openxmlformats.org/markup-compatibility/2006">
+  <p:cSld>
+    <p:spTree>
+      <p:nvGrpSpPr>
+        <p:cNvPr id="1" name=""/>
+        <p:cNvGrpSpPr/>
+        <p:nvPr/>
+      </p:nvGrpSpPr>
+      <p:grpSpPr>
+        <a:xfrm>
+          <a:off x="0" y="0"/>
+          <a:ext cx="0" cy="0"/>
+          <a:chOff x="0" y="0"/>
+          <a:chExt cx="0" cy="0"/>
+        </a:xfrm>
+      </p:grpSpPr>
+      <p:sp>
+        <p:nvSpPr>
+          <p:cNvPr id="166" name="CustomShape 1"/>
+          <p:cNvSpPr/>
+          <p:nvPr/>
+        </p:nvSpPr>
+        <p:spPr>
+          <a:xfrm>
+            <a:off x="648000" y="0"/>
+            <a:ext cx="9270360" cy="646200"/>
+          </a:xfrm>
+          <a:prstGeom prst="rect">
+            <a:avLst/>
+          </a:prstGeom>
+          <a:noFill/>
+          <a:ln>
+            <a:noFill/>
+          </a:ln>
+        </p:spPr>
+        <p:style>
+          <a:lnRef idx="0"/>
+          <a:fillRef idx="0"/>
+          <a:effectRef idx="0"/>
+          <a:fontRef idx="minor"/>
+        </p:style>
+        <p:txBody>
+          <a:bodyPr lIns="0" rIns="0" tIns="0" bIns="0" anchor="ctr"/>
+          <a:p>
+            <a:pPr>
+              <a:lnSpc>
+                <a:spcPts val="2149"/>
+              </a:lnSpc>
+            </a:pPr>
+            <a:r>
+              <a:rPr b="1" lang="en-US" sz="2000" spc="-1" strike="noStrike">
+                <a:solidFill>
+                  <a:srgbClr val="ffffff"/>
+                </a:solidFill>
+                <a:latin typeface="Arial"/>
+                <a:ea typeface="DejaVu Sans"/>
+              </a:rPr>
+              <a:t> </a:t>
+            </a:r>
+            <a:r>
+              <a:rPr b="1" lang="en-US" sz="2000" spc="-1" strike="noStrike">
+                <a:solidFill>
+                  <a:srgbClr val="ffffff"/>
+                </a:solidFill>
+                <a:latin typeface="Arial"/>
+                <a:ea typeface="DejaVu Sans"/>
+              </a:rPr>
+              <a:t>3. System Architecture </a:t>
+            </a:r>
+            <a:endParaRPr b="0" lang="en-US" sz="2000" spc="-1" strike="noStrike">
+              <a:latin typeface="Arial"/>
+            </a:endParaRPr>
+          </a:p>
+        </p:txBody>
+      </p:sp>
+      <p:pic>
+        <p:nvPicPr>
+          <p:cNvPr id="167" name="" descr=""/>
+          <p:cNvPicPr/>
+          <p:nvPr/>
+        </p:nvPicPr>
+        <p:blipFill>
+          <a:blip r:embed="rId1"/>
+          <a:stretch/>
+        </p:blipFill>
+        <p:spPr>
+          <a:xfrm>
+            <a:off x="2128320" y="2194560"/>
+            <a:ext cx="8000640" cy="3428640"/>
+          </a:xfrm>
+          <a:prstGeom prst="rect">
+            <a:avLst/>
+          </a:prstGeom>
+          <a:ln>
+            <a:noFill/>
+          </a:ln>
+        </p:spPr>
+      </p:pic>
+    </p:spTree>
+  </p:cSld>
+  <p:timing>
+    <p:tnLst>
+      <p:par>
+        <p:cTn id="13" dur="indefinite" restart="never" nodeType="tmRoot">
+          <p:childTnLst>
+            <p:seq>
+              <p:cTn id="14" dur="indefinite" nodeType="mainSeq"/>
+              <p:prevCondLst>
+                <p:cond delay="0" evt="onPrev">
+                  <p:tgtEl>
+                    <p:sldTgt/>
+                  </p:tgtEl>
+                </p:cond>
+              </p:prevCondLst>
+              <p:nextCondLst>
+                <p:cond delay="0" evt="onNext">
+                  <p:tgtEl>
+                    <p:sldTgt/>
+                  </p:tgtEl>
+                </p:cond>
+              </p:nextCondLst>
+            </p:seq>
+          </p:childTnLst>
+        </p:cTn>
+      </p:par>
+    </p:tnLst>
+  </p:timing>
+</p:sld>
+</file>
+
+<file path=ppt/slides/slide8.xml><?xml version="1.0" encoding="utf-8"?>
+<p:sld xmlns:a="http://schemas.openxmlformats.org/drawingml/2006/main" xmlns:p="http://schemas.openxmlformats.org/presentationml/2006/main" xmlns:r="http://schemas.openxmlformats.org/officeDocument/2006/relationships" xmlns:p14="http://schemas.microsoft.com/office/powerpoint/2010/main" xmlns:p15="http://schemas.microsoft.com/office/powerpoint/2012/main" xmlns:mc="http://schemas.openxmlformats.org/markup-compatibility/2006">
+  <p:cSld>
+    <p:spTree>
+      <p:nvGrpSpPr>
+        <p:cNvPr id="1" name=""/>
+        <p:cNvGrpSpPr/>
+        <p:nvPr/>
+      </p:nvGrpSpPr>
+      <p:grpSpPr>
+        <a:xfrm>
+          <a:off x="0" y="0"/>
+          <a:ext cx="0" cy="0"/>
+          <a:chOff x="0" y="0"/>
+          <a:chExt cx="0" cy="0"/>
+        </a:xfrm>
+      </p:grpSpPr>
+      <p:sp>
+        <p:nvSpPr>
+          <p:cNvPr id="168" name="CustomShape 1"/>
+          <p:cNvSpPr/>
+          <p:nvPr/>
+        </p:nvSpPr>
+        <p:spPr>
+          <a:xfrm>
+            <a:off x="648000" y="0"/>
+            <a:ext cx="9270360" cy="646200"/>
+          </a:xfrm>
+          <a:prstGeom prst="rect">
+            <a:avLst/>
+          </a:prstGeom>
+          <a:noFill/>
+          <a:ln w="9360">
+            <a:noFill/>
+          </a:ln>
+        </p:spPr>
+        <p:style>
+          <a:lnRef idx="0"/>
+          <a:fillRef idx="0"/>
+          <a:effectRef idx="0"/>
+          <a:fontRef idx="minor"/>
+        </p:style>
+        <p:txBody>
+          <a:bodyPr lIns="324000" rIns="324000" tIns="108000" bIns="108000" anchor="ctr">
+            <a:normAutofit/>
+          </a:bodyPr>
+          <a:p>
+            <a:pPr>
+              <a:lnSpc>
+                <a:spcPts val="2149"/>
+              </a:lnSpc>
+            </a:pPr>
+            <a:r>
+              <a:rPr b="1" lang="en-US" sz="2000" spc="-1" strike="noStrike">
+                <a:solidFill>
+                  <a:srgbClr val="ffffff"/>
+                </a:solidFill>
+                <a:latin typeface="Arial"/>
+                <a:ea typeface="DejaVu Sans"/>
+              </a:rPr>
+              <a:t>5. Milestone</a:t>
+            </a:r>
+            <a:endParaRPr b="0" lang="en-US" sz="2000" spc="-1" strike="noStrike">
+              <a:latin typeface="Arial"/>
+            </a:endParaRPr>
+          </a:p>
+        </p:txBody>
+      </p:sp>
+      <p:sp>
+        <p:nvSpPr>
+          <p:cNvPr id="169" name="CustomShape 2"/>
+          <p:cNvSpPr/>
+          <p:nvPr/>
+        </p:nvSpPr>
+        <p:spPr>
+          <a:xfrm>
+            <a:off x="1630800" y="6534720"/>
+            <a:ext cx="9587520" cy="322200"/>
+          </a:xfrm>
+          <a:prstGeom prst="rect">
+            <a:avLst/>
+          </a:prstGeom>
+          <a:noFill/>
+          <a:ln w="9360">
+            <a:noFill/>
+          </a:ln>
+        </p:spPr>
+        <p:style>
+          <a:lnRef idx="0"/>
+          <a:fillRef idx="0"/>
+          <a:effectRef idx="0"/>
+          <a:fontRef idx="minor"/>
+        </p:style>
+        <p:txBody>
+          <a:bodyPr lIns="0" rIns="0" tIns="54000" bIns="54000" anchor="ctr">
+            <a:normAutofit/>
+          </a:bodyPr>
+          <a:p>
+            <a:pPr>
+              <a:lnSpc>
+                <a:spcPct val="90000"/>
+              </a:lnSpc>
+              <a:spcAft>
+                <a:spcPts val="499"/>
+              </a:spcAft>
+            </a:pPr>
+            <a:r>
+              <a:rPr b="0" lang="en-US" sz="1000" spc="-1" strike="noStrike">
+                <a:solidFill>
+                  <a:srgbClr val="595959"/>
+                </a:solidFill>
+                <a:latin typeface="Arial"/>
+                <a:ea typeface="DejaVu Sans"/>
+              </a:rPr>
+              <a:t>DCAITI -Projekt </a:t>
+            </a:r>
+            <a:endParaRPr b="0" lang="en-US" sz="1000" spc="-1" strike="noStrike">
+              <a:latin typeface="Arial"/>
+            </a:endParaRPr>
+          </a:p>
+        </p:txBody>
+      </p:sp>
+      <p:sp>
+        <p:nvSpPr>
+          <p:cNvPr id="170" name="CustomShape 3"/>
+          <p:cNvSpPr/>
+          <p:nvPr/>
+        </p:nvSpPr>
+        <p:spPr>
+          <a:xfrm>
+            <a:off x="318960" y="6534720"/>
+            <a:ext cx="986040" cy="322200"/>
+          </a:xfrm>
+          <a:prstGeom prst="rect">
+            <a:avLst/>
+          </a:prstGeom>
+          <a:noFill/>
+          <a:ln w="9360">
+            <a:noFill/>
+          </a:ln>
+        </p:spPr>
+        <p:style>
+          <a:lnRef idx="0"/>
+          <a:fillRef idx="0"/>
+          <a:effectRef idx="0"/>
+          <a:fontRef idx="minor"/>
+        </p:style>
+        <p:txBody>
+          <a:bodyPr lIns="0" rIns="0" tIns="54000" bIns="54000" anchor="ctr">
+            <a:normAutofit/>
+          </a:bodyPr>
+          <a:p>
+            <a:pPr algn="ctr">
+              <a:lnSpc>
+                <a:spcPct val="100000"/>
+              </a:lnSpc>
+              <a:spcAft>
+                <a:spcPts val="601"/>
+              </a:spcAft>
+            </a:pPr>
+            <a:r>
+              <a:rPr b="0" lang="en-US" sz="1200" spc="-1" strike="noStrike">
+                <a:solidFill>
+                  <a:srgbClr val="595959"/>
+                </a:solidFill>
+                <a:latin typeface="Arial"/>
+                <a:ea typeface="DejaVu Sans"/>
+              </a:rPr>
+              <a:t>18.11.2020</a:t>
+            </a:r>
+            <a:endParaRPr b="0" lang="en-US" sz="1200" spc="-1" strike="noStrike">
+              <a:latin typeface="Arial"/>
+            </a:endParaRPr>
+          </a:p>
+        </p:txBody>
+      </p:sp>
+      <p:sp>
+        <p:nvSpPr>
+          <p:cNvPr id="171" name="CustomShape 4"/>
+          <p:cNvSpPr/>
+          <p:nvPr/>
+        </p:nvSpPr>
+        <p:spPr>
+          <a:xfrm>
+            <a:off x="11279520" y="6232320"/>
+            <a:ext cx="586800" cy="684000"/>
+          </a:xfrm>
+          <a:prstGeom prst="rect">
+            <a:avLst/>
+          </a:prstGeom>
+          <a:noFill/>
+          <a:ln w="9360">
+            <a:noFill/>
+          </a:ln>
+        </p:spPr>
+        <p:style>
+          <a:lnRef idx="0"/>
+          <a:fillRef idx="0"/>
+          <a:effectRef idx="0"/>
+          <a:fontRef idx="minor"/>
+        </p:style>
+      </p:sp>
+      <p:pic>
+        <p:nvPicPr>
+          <p:cNvPr id="172" name="" descr=""/>
+          <p:cNvPicPr/>
+          <p:nvPr/>
+        </p:nvPicPr>
+        <p:blipFill>
+          <a:blip r:embed="rId1"/>
+          <a:stretch/>
+        </p:blipFill>
+        <p:spPr>
+          <a:xfrm>
+            <a:off x="1463040" y="914400"/>
+            <a:ext cx="8934120" cy="5495400"/>
+          </a:xfrm>
+          <a:prstGeom prst="rect">
+            <a:avLst/>
+          </a:prstGeom>
+          <a:ln>
+            <a:noFill/>
+          </a:ln>
+        </p:spPr>
+      </p:pic>
+    </p:spTree>
+  </p:cSld>
+  <p:timing>
+    <p:tnLst>
+      <p:par>
+        <p:cTn id="15" dur="indefinite" restart="never" nodeType="tmRoot">
+          <p:childTnLst>
+            <p:seq>
+              <p:cTn id="16" dur="indefinite" nodeType="mainSeq"/>
+              <p:prevCondLst>
+                <p:cond delay="0" evt="onPrev">
+                  <p:tgtEl>
+                    <p:sldTgt/>
+                  </p:tgtEl>
+                </p:cond>
+              </p:prevCondLst>
+              <p:nextCondLst>
+                <p:cond delay="0" evt="onNext">
+                  <p:tgtEl>
+                    <p:sldTgt/>
+                  </p:tgtEl>
+                </p:cond>
+              </p:nextCondLst>
+            </p:seq>
+          </p:childTnLst>
+        </p:cTn>
+      </p:par>
+    </p:tnLst>
+  </p:timing>
+</p:sld>
+</file>
+
+<file path=ppt/slides/slide9.xml><?xml version="1.0" encoding="utf-8"?>
+<p:sld xmlns:a="http://schemas.openxmlformats.org/drawingml/2006/main" xmlns:p="http://schemas.openxmlformats.org/presentationml/2006/main" xmlns:r="http://schemas.openxmlformats.org/officeDocument/2006/relationships" xmlns:p14="http://schemas.microsoft.com/office/powerpoint/2010/main" xmlns:p15="http://schemas.microsoft.com/office/powerpoint/2012/main" xmlns:mc="http://schemas.openxmlformats.org/markup-compatibility/2006">
+  <p:cSld>
+    <p:spTree>
+      <p:nvGrpSpPr>
+        <p:cNvPr id="1" name=""/>
+        <p:cNvGrpSpPr/>
+        <p:nvPr/>
+      </p:nvGrpSpPr>
+      <p:grpSpPr>
+        <a:xfrm>
+          <a:off x="0" y="0"/>
+          <a:ext cx="0" cy="0"/>
+          <a:chOff x="0" y="0"/>
+          <a:chExt cx="0" cy="0"/>
+        </a:xfrm>
+      </p:grpSpPr>
+      <p:sp>
+        <p:nvSpPr>
+          <p:cNvPr id="173" name="CustomShape 1"/>
           <p:cNvSpPr/>
           <p:nvPr/>
         </p:nvSpPr>
         <p:spPr>
           <a:xfrm>
             <a:off x="2895480" y="4114800"/>
-            <a:ext cx="6323040" cy="646560"/>
+            <a:ext cx="6322680" cy="646200"/>
           </a:xfrm>
           <a:prstGeom prst="rect">
             <a:avLst/>
@@ -15277,14 +16028,14 @@
       </p:sp>
       <p:sp>
         <p:nvSpPr>
-          <p:cNvPr id="255" name="CustomShape 2"/>
+          <p:cNvPr id="174" name="CustomShape 2"/>
           <p:cNvSpPr/>
           <p:nvPr/>
         </p:nvSpPr>
         <p:spPr>
           <a:xfrm>
             <a:off x="1143000" y="5410080"/>
-            <a:ext cx="10254240" cy="961200"/>
+            <a:ext cx="10253880" cy="960840"/>
           </a:xfrm>
           <a:prstGeom prst="rect">
             <a:avLst/>
@@ -15303,7 +16054,7 @@
         <p:txBody>
           <a:bodyPr lIns="0" rIns="0" tIns="0" bIns="0"/>
           <a:p>
-            <a:pPr marL="342720" indent="-341280">
+            <a:pPr marL="342720" indent="-340920">
               <a:lnSpc>
                 <a:spcPct val="100000"/>
               </a:lnSpc>
@@ -15316,7 +16067,7 @@
             </a:endParaRPr>
           </a:p>
           <a:p>
-            <a:pPr marL="342720" indent="-341280">
+            <a:pPr marL="342720" indent="-340920">
               <a:lnSpc>
                 <a:spcPct val="100000"/>
               </a:lnSpc>
@@ -15380,7 +16131,7 @@
             </a:endParaRPr>
           </a:p>
           <a:p>
-            <a:pPr marL="342720" indent="-341280">
+            <a:pPr marL="342720" indent="-340920">
               <a:lnSpc>
                 <a:spcPct val="100000"/>
               </a:lnSpc>
@@ -15444,7 +16195,7 @@
             </a:endParaRPr>
           </a:p>
           <a:p>
-            <a:pPr marL="342720" indent="-341280">
+            <a:pPr marL="342720" indent="-340920">
               <a:lnSpc>
                 <a:spcPct val="100000"/>
               </a:lnSpc>
@@ -15510,7 +16261,7 @@
             </a:endParaRPr>
           </a:p>
           <a:p>
-            <a:pPr marL="342720" indent="-341280">
+            <a:pPr marL="342720" indent="-340920">
               <a:lnSpc>
                 <a:spcPct val="100000"/>
               </a:lnSpc>
@@ -15523,4897 +16274,6 @@
             </a:endParaRPr>
           </a:p>
         </p:txBody>
-      </p:sp>
-    </p:spTree>
-  </p:cSld>
-  <p:timing>
-    <p:tnLst>
-      <p:par>
-        <p:cTn id="25" dur="indefinite" restart="never" nodeType="tmRoot">
-          <p:childTnLst>
-            <p:seq>
-              <p:cTn id="26" dur="indefinite" nodeType="mainSeq"/>
-              <p:prevCondLst>
-                <p:cond delay="0" evt="onPrev">
-                  <p:tgtEl>
-                    <p:sldTgt/>
-                  </p:tgtEl>
-                </p:cond>
-              </p:prevCondLst>
-              <p:nextCondLst>
-                <p:cond delay="0" evt="onNext">
-                  <p:tgtEl>
-                    <p:sldTgt/>
-                  </p:tgtEl>
-                </p:cond>
-              </p:nextCondLst>
-            </p:seq>
-          </p:childTnLst>
-        </p:cTn>
-      </p:par>
-    </p:tnLst>
-  </p:timing>
-</p:sld>
-</file>
-
-<file path=ppt/slides/slide2.xml><?xml version="1.0" encoding="utf-8"?>
-<p:sld xmlns:a="http://schemas.openxmlformats.org/drawingml/2006/main" xmlns:p="http://schemas.openxmlformats.org/presentationml/2006/main" xmlns:r="http://schemas.openxmlformats.org/officeDocument/2006/relationships" xmlns:p14="http://schemas.microsoft.com/office/powerpoint/2010/main" xmlns:p15="http://schemas.microsoft.com/office/powerpoint/2012/main" xmlns:mc="http://schemas.openxmlformats.org/markup-compatibility/2006">
-  <p:cSld>
-    <p:spTree>
-      <p:nvGrpSpPr>
-        <p:cNvPr id="1" name=""/>
-        <p:cNvGrpSpPr/>
-        <p:nvPr/>
-      </p:nvGrpSpPr>
-      <p:grpSpPr>
-        <a:xfrm>
-          <a:off x="0" y="0"/>
-          <a:ext cx="0" cy="0"/>
-          <a:chOff x="0" y="0"/>
-          <a:chExt cx="0" cy="0"/>
-        </a:xfrm>
-      </p:grpSpPr>
-      <p:sp>
-        <p:nvSpPr>
-          <p:cNvPr id="134" name="CustomShape 1"/>
-          <p:cNvSpPr/>
-          <p:nvPr/>
-        </p:nvSpPr>
-        <p:spPr>
-          <a:xfrm>
-            <a:off x="648000" y="0"/>
-            <a:ext cx="9270720" cy="646560"/>
-          </a:xfrm>
-          <a:prstGeom prst="rect">
-            <a:avLst/>
-          </a:prstGeom>
-          <a:noFill/>
-          <a:ln w="9360">
-            <a:noFill/>
-          </a:ln>
-        </p:spPr>
-        <p:style>
-          <a:lnRef idx="0"/>
-          <a:fillRef idx="0"/>
-          <a:effectRef idx="0"/>
-          <a:fontRef idx="minor"/>
-        </p:style>
-        <p:txBody>
-          <a:bodyPr lIns="324000" rIns="324000" tIns="108000" bIns="108000" anchor="ctr">
-            <a:normAutofit/>
-          </a:bodyPr>
-          <a:p>
-            <a:pPr>
-              <a:lnSpc>
-                <a:spcPts val="2149"/>
-              </a:lnSpc>
-            </a:pPr>
-            <a:r>
-              <a:rPr b="1" lang="en-US" sz="2000" spc="-1" strike="noStrike">
-                <a:solidFill>
-                  <a:srgbClr val="ffffff"/>
-                </a:solidFill>
-                <a:latin typeface="Arial"/>
-                <a:ea typeface="DejaVu Sans"/>
-              </a:rPr>
-              <a:t> </a:t>
-            </a:r>
-            <a:r>
-              <a:rPr b="1" lang="en-US" sz="2000" spc="-1" strike="noStrike">
-                <a:solidFill>
-                  <a:srgbClr val="ffffff"/>
-                </a:solidFill>
-                <a:latin typeface="Arial"/>
-                <a:ea typeface="DejaVu Sans"/>
-              </a:rPr>
-              <a:t>Overview</a:t>
-            </a:r>
-            <a:endParaRPr b="0" lang="en-US" sz="2000" spc="-1" strike="noStrike">
-              <a:latin typeface="Arial"/>
-            </a:endParaRPr>
-          </a:p>
-        </p:txBody>
-      </p:sp>
-      <p:sp>
-        <p:nvSpPr>
-          <p:cNvPr id="135" name="CustomShape 2"/>
-          <p:cNvSpPr/>
-          <p:nvPr/>
-        </p:nvSpPr>
-        <p:spPr>
-          <a:xfrm>
-            <a:off x="1630800" y="6534720"/>
-            <a:ext cx="9587880" cy="322560"/>
-          </a:xfrm>
-          <a:prstGeom prst="rect">
-            <a:avLst/>
-          </a:prstGeom>
-          <a:noFill/>
-          <a:ln w="9360">
-            <a:noFill/>
-          </a:ln>
-        </p:spPr>
-        <p:style>
-          <a:lnRef idx="0"/>
-          <a:fillRef idx="0"/>
-          <a:effectRef idx="0"/>
-          <a:fontRef idx="minor"/>
-        </p:style>
-        <p:txBody>
-          <a:bodyPr lIns="0" rIns="0" tIns="54000" bIns="54000" anchor="ctr"/>
-          <a:p>
-            <a:pPr>
-              <a:lnSpc>
-                <a:spcPct val="90000"/>
-              </a:lnSpc>
-              <a:spcAft>
-                <a:spcPts val="499"/>
-              </a:spcAft>
-            </a:pPr>
-            <a:r>
-              <a:rPr b="0" lang="en-US" sz="1000" spc="-1" strike="noStrike">
-                <a:solidFill>
-                  <a:srgbClr val="595959"/>
-                </a:solidFill>
-                <a:latin typeface="Arial"/>
-                <a:ea typeface="DejaVu Sans"/>
-              </a:rPr>
-              <a:t>DCAITI -Projekt </a:t>
-            </a:r>
-            <a:endParaRPr b="0" lang="en-US" sz="1000" spc="-1" strike="noStrike">
-              <a:latin typeface="Arial"/>
-            </a:endParaRPr>
-          </a:p>
-        </p:txBody>
-      </p:sp>
-      <p:sp>
-        <p:nvSpPr>
-          <p:cNvPr id="136" name="CustomShape 3"/>
-          <p:cNvSpPr/>
-          <p:nvPr/>
-        </p:nvSpPr>
-        <p:spPr>
-          <a:xfrm>
-            <a:off x="318960" y="6534720"/>
-            <a:ext cx="986400" cy="322560"/>
-          </a:xfrm>
-          <a:prstGeom prst="rect">
-            <a:avLst/>
-          </a:prstGeom>
-          <a:noFill/>
-          <a:ln w="9360">
-            <a:noFill/>
-          </a:ln>
-        </p:spPr>
-        <p:style>
-          <a:lnRef idx="0"/>
-          <a:fillRef idx="0"/>
-          <a:effectRef idx="0"/>
-          <a:fontRef idx="minor"/>
-        </p:style>
-        <p:txBody>
-          <a:bodyPr lIns="0" rIns="0" tIns="54000" bIns="54000" anchor="ctr"/>
-          <a:p>
-            <a:pPr algn="ctr">
-              <a:lnSpc>
-                <a:spcPct val="100000"/>
-              </a:lnSpc>
-            </a:pPr>
-            <a:r>
-              <a:rPr b="0" lang="en-US" sz="1200" spc="-1" strike="noStrike">
-                <a:solidFill>
-                  <a:srgbClr val="595959"/>
-                </a:solidFill>
-                <a:latin typeface="Arial"/>
-                <a:ea typeface="DejaVu Sans"/>
-              </a:rPr>
-              <a:t>18.11.2020</a:t>
-            </a:r>
-            <a:endParaRPr b="0" lang="en-US" sz="1200" spc="-1" strike="noStrike">
-              <a:latin typeface="Arial"/>
-            </a:endParaRPr>
-          </a:p>
-        </p:txBody>
-      </p:sp>
-      <p:sp>
-        <p:nvSpPr>
-          <p:cNvPr id="137" name="CustomShape 4"/>
-          <p:cNvSpPr/>
-          <p:nvPr/>
-        </p:nvSpPr>
-        <p:spPr>
-          <a:xfrm>
-            <a:off x="11279520" y="6232320"/>
-            <a:ext cx="587160" cy="684360"/>
-          </a:xfrm>
-          <a:prstGeom prst="rect">
-            <a:avLst/>
-          </a:prstGeom>
-          <a:noFill/>
-          <a:ln w="9360">
-            <a:noFill/>
-          </a:ln>
-        </p:spPr>
-        <p:style>
-          <a:lnRef idx="0"/>
-          <a:fillRef idx="0"/>
-          <a:effectRef idx="0"/>
-          <a:fontRef idx="minor"/>
-        </p:style>
-      </p:sp>
-      <p:sp>
-        <p:nvSpPr>
-          <p:cNvPr id="138" name="CustomShape 5"/>
-          <p:cNvSpPr/>
-          <p:nvPr/>
-        </p:nvSpPr>
-        <p:spPr>
-          <a:xfrm>
-            <a:off x="318960" y="970560"/>
-            <a:ext cx="11547720" cy="5240160"/>
-          </a:xfrm>
-          <a:prstGeom prst="rect">
-            <a:avLst/>
-          </a:prstGeom>
-          <a:noFill/>
-          <a:ln w="9360">
-            <a:noFill/>
-          </a:ln>
-        </p:spPr>
-        <p:style>
-          <a:lnRef idx="0"/>
-          <a:fillRef idx="0"/>
-          <a:effectRef idx="0"/>
-          <a:fontRef idx="minor"/>
-        </p:style>
-        <p:txBody>
-          <a:bodyPr lIns="0" rIns="0" tIns="0" bIns="0">
-            <a:normAutofit/>
-          </a:bodyPr>
-          <a:p>
-            <a:pPr>
-              <a:lnSpc>
-                <a:spcPct val="100000"/>
-              </a:lnSpc>
-            </a:pPr>
-            <a:endParaRPr b="0" lang="en-US" sz="1800" spc="-1" strike="noStrike">
-              <a:latin typeface="Arial"/>
-            </a:endParaRPr>
-          </a:p>
-          <a:p>
-            <a:pPr>
-              <a:lnSpc>
-                <a:spcPct val="100000"/>
-              </a:lnSpc>
-            </a:pPr>
-            <a:endParaRPr b="0" lang="en-US" sz="1800" spc="-1" strike="noStrike">
-              <a:latin typeface="Arial"/>
-            </a:endParaRPr>
-          </a:p>
-          <a:p>
-            <a:pPr lvl="1" marL="669960" indent="-398160">
-              <a:lnSpc>
-                <a:spcPct val="150000"/>
-              </a:lnSpc>
-              <a:spcBef>
-                <a:spcPts val="360"/>
-              </a:spcBef>
-              <a:buClr>
-                <a:srgbClr val="003073"/>
-              </a:buClr>
-              <a:buFont typeface="Arial"/>
-              <a:buAutoNum type="romanUcPeriod"/>
-            </a:pPr>
-            <a:r>
-              <a:rPr b="0" lang="en-US" sz="1800" spc="-1" strike="noStrike">
-                <a:solidFill>
-                  <a:srgbClr val="000000"/>
-                </a:solidFill>
-                <a:latin typeface="Arial"/>
-                <a:ea typeface="DejaVu Sans"/>
-              </a:rPr>
-              <a:t>Background</a:t>
-            </a:r>
-            <a:endParaRPr b="0" lang="en-US" sz="1800" spc="-1" strike="noStrike">
-              <a:latin typeface="Arial"/>
-            </a:endParaRPr>
-          </a:p>
-          <a:p>
-            <a:pPr lvl="1" marL="669960" indent="-398160">
-              <a:lnSpc>
-                <a:spcPct val="150000"/>
-              </a:lnSpc>
-              <a:spcBef>
-                <a:spcPts val="360"/>
-              </a:spcBef>
-              <a:buClr>
-                <a:srgbClr val="003073"/>
-              </a:buClr>
-              <a:buFont typeface="Arial"/>
-              <a:buAutoNum type="romanUcPeriod"/>
-            </a:pPr>
-            <a:r>
-              <a:rPr b="0" lang="en-US" sz="1800" spc="-1" strike="noStrike">
-                <a:solidFill>
-                  <a:srgbClr val="000000"/>
-                </a:solidFill>
-                <a:latin typeface="Arial"/>
-                <a:ea typeface="DejaVu Sans"/>
-              </a:rPr>
-              <a:t>Develop Framework</a:t>
-            </a:r>
-            <a:endParaRPr b="0" lang="en-US" sz="1800" spc="-1" strike="noStrike">
-              <a:latin typeface="Arial"/>
-            </a:endParaRPr>
-          </a:p>
-          <a:p>
-            <a:pPr lvl="1" marL="669960" indent="-398160">
-              <a:lnSpc>
-                <a:spcPct val="150000"/>
-              </a:lnSpc>
-              <a:spcBef>
-                <a:spcPts val="360"/>
-              </a:spcBef>
-              <a:buClr>
-                <a:srgbClr val="003073"/>
-              </a:buClr>
-              <a:buFont typeface="Arial"/>
-              <a:buAutoNum type="romanUcPeriod"/>
-            </a:pPr>
-            <a:r>
-              <a:rPr b="0" lang="en-US" sz="1800" spc="-1" strike="noStrike">
-                <a:solidFill>
-                  <a:srgbClr val="000000"/>
-                </a:solidFill>
-                <a:latin typeface="Arial"/>
-                <a:ea typeface="DejaVu Sans"/>
-              </a:rPr>
-              <a:t>System Architecture</a:t>
-            </a:r>
-            <a:endParaRPr b="0" lang="en-US" sz="1800" spc="-1" strike="noStrike">
-              <a:latin typeface="Arial"/>
-            </a:endParaRPr>
-          </a:p>
-          <a:p>
-            <a:pPr lvl="1" marL="669960" indent="-398160">
-              <a:lnSpc>
-                <a:spcPct val="150000"/>
-              </a:lnSpc>
-              <a:spcBef>
-                <a:spcPts val="360"/>
-              </a:spcBef>
-              <a:buClr>
-                <a:srgbClr val="003073"/>
-              </a:buClr>
-              <a:buFont typeface="Arial"/>
-              <a:buAutoNum type="romanUcPeriod"/>
-            </a:pPr>
-            <a:r>
-              <a:rPr b="0" lang="en-US" sz="1800" spc="-1" strike="noStrike">
-                <a:solidFill>
-                  <a:srgbClr val="000000"/>
-                </a:solidFill>
-                <a:latin typeface="Arial"/>
-                <a:ea typeface="DejaVu Sans"/>
-              </a:rPr>
-              <a:t>Tasks</a:t>
-            </a:r>
-            <a:endParaRPr b="0" lang="en-US" sz="1800" spc="-1" strike="noStrike">
-              <a:latin typeface="Arial"/>
-            </a:endParaRPr>
-          </a:p>
-          <a:p>
-            <a:pPr lvl="1" marL="669960" indent="-398160">
-              <a:lnSpc>
-                <a:spcPct val="150000"/>
-              </a:lnSpc>
-              <a:spcBef>
-                <a:spcPts val="360"/>
-              </a:spcBef>
-              <a:buClr>
-                <a:srgbClr val="003073"/>
-              </a:buClr>
-              <a:buFont typeface="Arial"/>
-              <a:buAutoNum type="romanUcPeriod"/>
-            </a:pPr>
-            <a:r>
-              <a:rPr b="0" lang="en-US" sz="1800" spc="-1" strike="noStrike">
-                <a:solidFill>
-                  <a:srgbClr val="000000"/>
-                </a:solidFill>
-                <a:latin typeface="Arial"/>
-                <a:ea typeface="DejaVu Sans"/>
-              </a:rPr>
-              <a:t>Milestone</a:t>
-            </a:r>
-            <a:endParaRPr b="0" lang="en-US" sz="1800" spc="-1" strike="noStrike">
-              <a:latin typeface="Arial"/>
-            </a:endParaRPr>
-          </a:p>
-        </p:txBody>
-      </p:sp>
-    </p:spTree>
-  </p:cSld>
-  <p:timing>
-    <p:tnLst>
-      <p:par>
-        <p:cTn id="3" dur="indefinite" restart="never" nodeType="tmRoot">
-          <p:childTnLst>
-            <p:seq>
-              <p:cTn id="4" dur="indefinite" nodeType="mainSeq"/>
-              <p:prevCondLst>
-                <p:cond delay="0" evt="onPrev">
-                  <p:tgtEl>
-                    <p:sldTgt/>
-                  </p:tgtEl>
-                </p:cond>
-              </p:prevCondLst>
-              <p:nextCondLst>
-                <p:cond delay="0" evt="onNext">
-                  <p:tgtEl>
-                    <p:sldTgt/>
-                  </p:tgtEl>
-                </p:cond>
-              </p:nextCondLst>
-            </p:seq>
-          </p:childTnLst>
-        </p:cTn>
-      </p:par>
-    </p:tnLst>
-  </p:timing>
-</p:sld>
-</file>
-
-<file path=ppt/slides/slide3.xml><?xml version="1.0" encoding="utf-8"?>
-<p:sld xmlns:a="http://schemas.openxmlformats.org/drawingml/2006/main" xmlns:p="http://schemas.openxmlformats.org/presentationml/2006/main" xmlns:r="http://schemas.openxmlformats.org/officeDocument/2006/relationships" xmlns:p14="http://schemas.microsoft.com/office/powerpoint/2010/main" xmlns:p15="http://schemas.microsoft.com/office/powerpoint/2012/main" xmlns:mc="http://schemas.openxmlformats.org/markup-compatibility/2006">
-  <p:cSld>
-    <p:spTree>
-      <p:nvGrpSpPr>
-        <p:cNvPr id="1" name=""/>
-        <p:cNvGrpSpPr/>
-        <p:nvPr/>
-      </p:nvGrpSpPr>
-      <p:grpSpPr>
-        <a:xfrm>
-          <a:off x="0" y="0"/>
-          <a:ext cx="0" cy="0"/>
-          <a:chOff x="0" y="0"/>
-          <a:chExt cx="0" cy="0"/>
-        </a:xfrm>
-      </p:grpSpPr>
-      <p:sp>
-        <p:nvSpPr>
-          <p:cNvPr id="139" name="CustomShape 1"/>
-          <p:cNvSpPr/>
-          <p:nvPr/>
-        </p:nvSpPr>
-        <p:spPr>
-          <a:xfrm>
-            <a:off x="505800" y="1379520"/>
-            <a:ext cx="6041160" cy="4638960"/>
-          </a:xfrm>
-          <a:prstGeom prst="rect">
-            <a:avLst/>
-          </a:prstGeom>
-          <a:noFill/>
-          <a:ln w="9360">
-            <a:noFill/>
-          </a:ln>
-        </p:spPr>
-        <p:style>
-          <a:lnRef idx="0"/>
-          <a:fillRef idx="0"/>
-          <a:effectRef idx="0"/>
-          <a:fontRef idx="minor"/>
-        </p:style>
-        <p:txBody>
-          <a:bodyPr lIns="0" rIns="0" tIns="0" bIns="0">
-            <a:normAutofit/>
-          </a:bodyPr>
-          <a:p>
-            <a:pPr>
-              <a:lnSpc>
-                <a:spcPct val="100000"/>
-              </a:lnSpc>
-              <a:spcBef>
-                <a:spcPts val="360"/>
-              </a:spcBef>
-            </a:pPr>
-            <a:r>
-              <a:rPr b="0" lang="en-US" sz="1800" spc="-1" strike="noStrike">
-                <a:solidFill>
-                  <a:srgbClr val="000000"/>
-                </a:solidFill>
-                <a:latin typeface="Arial"/>
-                <a:ea typeface="DejaVu Sans"/>
-              </a:rPr>
-              <a:t>GLOSA (</a:t>
-            </a:r>
-            <a:r>
-              <a:rPr b="0" i="1" lang="en-US" sz="1800" spc="-1" strike="noStrike">
-                <a:solidFill>
-                  <a:srgbClr val="000000"/>
-                </a:solidFill>
-                <a:latin typeface="Arial"/>
-                <a:ea typeface="DejaVu Sans"/>
-              </a:rPr>
-              <a:t>Green Light Optimized Speed Advisory</a:t>
-            </a:r>
-            <a:r>
-              <a:rPr b="0" lang="en-US" sz="1800" spc="-1" strike="noStrike">
-                <a:solidFill>
-                  <a:srgbClr val="000000"/>
-                </a:solidFill>
-                <a:latin typeface="Arial"/>
-                <a:ea typeface="DejaVu Sans"/>
-              </a:rPr>
-              <a:t>)</a:t>
-            </a:r>
-            <a:endParaRPr b="0" lang="en-US" sz="1800" spc="-1" strike="noStrike">
-              <a:latin typeface="Arial"/>
-            </a:endParaRPr>
-          </a:p>
-          <a:p>
-            <a:pPr marL="285840" indent="-284400">
-              <a:lnSpc>
-                <a:spcPct val="100000"/>
-              </a:lnSpc>
-              <a:spcBef>
-                <a:spcPts val="360"/>
-              </a:spcBef>
-              <a:buClr>
-                <a:srgbClr val="003073"/>
-              </a:buClr>
-              <a:buFont typeface="Arial"/>
-              <a:buChar char="•"/>
-            </a:pPr>
-            <a:r>
-              <a:rPr b="0" lang="en-US" sz="1800" spc="-1" strike="noStrike">
-                <a:solidFill>
-                  <a:srgbClr val="000000"/>
-                </a:solidFill>
-                <a:latin typeface="Arial"/>
-                <a:ea typeface="DejaVu Sans"/>
-              </a:rPr>
-              <a:t>suggests speeds to vehicles to pass through an intersection</a:t>
-            </a:r>
-            <a:endParaRPr b="0" lang="en-US" sz="1800" spc="-1" strike="noStrike">
-              <a:latin typeface="Arial"/>
-            </a:endParaRPr>
-          </a:p>
-          <a:p>
-            <a:pPr>
-              <a:lnSpc>
-                <a:spcPct val="100000"/>
-              </a:lnSpc>
-              <a:spcBef>
-                <a:spcPts val="360"/>
-              </a:spcBef>
-            </a:pPr>
-            <a:endParaRPr b="0" lang="en-US" sz="1800" spc="-1" strike="noStrike">
-              <a:latin typeface="Arial"/>
-            </a:endParaRPr>
-          </a:p>
-          <a:p>
-            <a:pPr>
-              <a:lnSpc>
-                <a:spcPct val="100000"/>
-              </a:lnSpc>
-              <a:spcBef>
-                <a:spcPts val="360"/>
-              </a:spcBef>
-            </a:pPr>
-            <a:r>
-              <a:rPr b="0" lang="en-US" sz="1800" spc="-1" strike="noStrike">
-                <a:solidFill>
-                  <a:srgbClr val="000000"/>
-                </a:solidFill>
-                <a:latin typeface="Arial"/>
-                <a:ea typeface="DejaVu Sans"/>
-              </a:rPr>
-              <a:t>RSU (</a:t>
-            </a:r>
-            <a:r>
-              <a:rPr b="0" i="1" lang="en-US" sz="1800" spc="-1" strike="noStrike">
-                <a:solidFill>
-                  <a:srgbClr val="000000"/>
-                </a:solidFill>
-                <a:latin typeface="Arial"/>
-                <a:ea typeface="DejaVu Sans"/>
-              </a:rPr>
-              <a:t>Roadside unit</a:t>
-            </a:r>
-            <a:r>
-              <a:rPr b="0" lang="en-US" sz="1800" spc="-1" strike="noStrike">
-                <a:solidFill>
-                  <a:srgbClr val="000000"/>
-                </a:solidFill>
-                <a:latin typeface="Arial"/>
-                <a:ea typeface="DejaVu Sans"/>
-              </a:rPr>
-              <a:t>)</a:t>
-            </a:r>
-            <a:endParaRPr b="0" lang="en-US" sz="1800" spc="-1" strike="noStrike">
-              <a:latin typeface="Arial"/>
-            </a:endParaRPr>
-          </a:p>
-          <a:p>
-            <a:pPr>
-              <a:lnSpc>
-                <a:spcPct val="100000"/>
-              </a:lnSpc>
-              <a:spcBef>
-                <a:spcPts val="360"/>
-              </a:spcBef>
-            </a:pPr>
-            <a:endParaRPr b="0" lang="en-US" sz="1800" spc="-1" strike="noStrike">
-              <a:latin typeface="Arial"/>
-            </a:endParaRPr>
-          </a:p>
-          <a:p>
-            <a:pPr>
-              <a:lnSpc>
-                <a:spcPct val="100000"/>
-              </a:lnSpc>
-              <a:spcBef>
-                <a:spcPts val="360"/>
-              </a:spcBef>
-            </a:pPr>
-            <a:r>
-              <a:rPr b="0" lang="en-US" sz="1800" spc="-1" strike="noStrike">
-                <a:solidFill>
-                  <a:srgbClr val="000000"/>
-                </a:solidFill>
-                <a:latin typeface="Arial"/>
-                <a:ea typeface="DejaVu Sans"/>
-              </a:rPr>
-              <a:t>SPaT (</a:t>
-            </a:r>
-            <a:r>
-              <a:rPr b="0" i="1" lang="en-US" sz="1800" spc="-1" strike="noStrike">
-                <a:solidFill>
-                  <a:srgbClr val="000000"/>
-                </a:solidFill>
-                <a:latin typeface="Arial"/>
-                <a:ea typeface="DejaVu Sans"/>
-              </a:rPr>
-              <a:t>Signal Phase and Time</a:t>
-            </a:r>
-            <a:r>
-              <a:rPr b="0" lang="en-US" sz="1800" spc="-1" strike="noStrike">
-                <a:solidFill>
-                  <a:srgbClr val="000000"/>
-                </a:solidFill>
-                <a:latin typeface="Arial"/>
-                <a:ea typeface="DejaVu Sans"/>
-              </a:rPr>
-              <a:t>) </a:t>
-            </a:r>
-            <a:endParaRPr b="0" lang="en-US" sz="1800" spc="-1" strike="noStrike">
-              <a:latin typeface="Arial"/>
-            </a:endParaRPr>
-          </a:p>
-          <a:p>
-            <a:pPr marL="285840" indent="-284400">
-              <a:lnSpc>
-                <a:spcPct val="100000"/>
-              </a:lnSpc>
-              <a:spcBef>
-                <a:spcPts val="360"/>
-              </a:spcBef>
-              <a:buClr>
-                <a:srgbClr val="003073"/>
-              </a:buClr>
-              <a:buFont typeface="Arial"/>
-              <a:buChar char="•"/>
-            </a:pPr>
-            <a:r>
-              <a:rPr b="0" lang="en-US" sz="1800" spc="-1" strike="noStrike">
-                <a:solidFill>
-                  <a:srgbClr val="000000"/>
-                </a:solidFill>
-                <a:latin typeface="Arial"/>
-                <a:ea typeface="DejaVu Sans"/>
-              </a:rPr>
-              <a:t>FOKUS Traffic Light Service</a:t>
-            </a:r>
-            <a:endParaRPr b="0" lang="en-US" sz="1800" spc="-1" strike="noStrike">
-              <a:latin typeface="Arial"/>
-            </a:endParaRPr>
-          </a:p>
-          <a:p>
-            <a:pPr>
-              <a:lnSpc>
-                <a:spcPct val="100000"/>
-              </a:lnSpc>
-              <a:spcBef>
-                <a:spcPts val="360"/>
-              </a:spcBef>
-            </a:pPr>
-            <a:endParaRPr b="0" lang="en-US" sz="1800" spc="-1" strike="noStrike">
-              <a:latin typeface="Arial"/>
-            </a:endParaRPr>
-          </a:p>
-          <a:p>
-            <a:pPr>
-              <a:lnSpc>
-                <a:spcPct val="100000"/>
-              </a:lnSpc>
-              <a:spcBef>
-                <a:spcPts val="360"/>
-              </a:spcBef>
-            </a:pPr>
-            <a:r>
-              <a:rPr b="0" lang="en-US" sz="1800" spc="-1" strike="noStrike">
-                <a:solidFill>
-                  <a:srgbClr val="000000"/>
-                </a:solidFill>
-                <a:latin typeface="Arial"/>
-                <a:ea typeface="DejaVu Sans"/>
-              </a:rPr>
-              <a:t>MAP (</a:t>
-            </a:r>
-            <a:r>
-              <a:rPr b="0" i="1" lang="en-US" sz="1800" spc="-1" strike="noStrike">
-                <a:solidFill>
-                  <a:srgbClr val="000000"/>
-                </a:solidFill>
-                <a:latin typeface="Arial"/>
-                <a:ea typeface="DejaVu Sans"/>
-              </a:rPr>
-              <a:t>Map data</a:t>
-            </a:r>
-            <a:r>
-              <a:rPr b="0" lang="en-US" sz="1800" spc="-1" strike="noStrike">
-                <a:solidFill>
-                  <a:srgbClr val="000000"/>
-                </a:solidFill>
-                <a:latin typeface="Arial"/>
-                <a:ea typeface="DejaVu Sans"/>
-              </a:rPr>
-              <a:t>) </a:t>
-            </a:r>
-            <a:endParaRPr b="0" lang="en-US" sz="1800" spc="-1" strike="noStrike">
-              <a:latin typeface="Arial"/>
-            </a:endParaRPr>
-          </a:p>
-          <a:p>
-            <a:pPr marL="285840" indent="-284400">
-              <a:lnSpc>
-                <a:spcPct val="100000"/>
-              </a:lnSpc>
-              <a:spcBef>
-                <a:spcPts val="360"/>
-              </a:spcBef>
-              <a:buClr>
-                <a:srgbClr val="003073"/>
-              </a:buClr>
-              <a:buFont typeface="Arial"/>
-              <a:buChar char="•"/>
-            </a:pPr>
-            <a:r>
-              <a:rPr b="0" lang="en-US" sz="1800" spc="-1" strike="noStrike">
-                <a:solidFill>
-                  <a:srgbClr val="000000"/>
-                </a:solidFill>
-                <a:latin typeface="Arial"/>
-                <a:ea typeface="DejaVu Sans"/>
-              </a:rPr>
-              <a:t>Topology of the intersection</a:t>
-            </a:r>
-            <a:endParaRPr b="0" lang="en-US" sz="1800" spc="-1" strike="noStrike">
-              <a:latin typeface="Arial"/>
-            </a:endParaRPr>
-          </a:p>
-          <a:p>
-            <a:pPr>
-              <a:lnSpc>
-                <a:spcPct val="100000"/>
-              </a:lnSpc>
-              <a:spcBef>
-                <a:spcPts val="360"/>
-              </a:spcBef>
-            </a:pPr>
-            <a:endParaRPr b="0" lang="en-US" sz="1800" spc="-1" strike="noStrike">
-              <a:latin typeface="Arial"/>
-            </a:endParaRPr>
-          </a:p>
-          <a:p>
-            <a:pPr>
-              <a:lnSpc>
-                <a:spcPct val="100000"/>
-              </a:lnSpc>
-              <a:spcBef>
-                <a:spcPts val="360"/>
-              </a:spcBef>
-            </a:pPr>
-            <a:r>
-              <a:rPr b="0" lang="en-US" sz="1800" spc="-1" strike="noStrike">
-                <a:solidFill>
-                  <a:srgbClr val="000000"/>
-                </a:solidFill>
-                <a:latin typeface="Arial"/>
-                <a:ea typeface="DejaVu Sans"/>
-              </a:rPr>
-              <a:t>Road Users</a:t>
-            </a:r>
-            <a:endParaRPr b="0" lang="en-US" sz="1800" spc="-1" strike="noStrike">
-              <a:latin typeface="Arial"/>
-            </a:endParaRPr>
-          </a:p>
-          <a:p>
-            <a:pPr marL="285840" indent="-284400">
-              <a:lnSpc>
-                <a:spcPct val="100000"/>
-              </a:lnSpc>
-              <a:spcBef>
-                <a:spcPts val="360"/>
-              </a:spcBef>
-              <a:buClr>
-                <a:srgbClr val="003073"/>
-              </a:buClr>
-              <a:buFont typeface="Arial"/>
-              <a:buChar char="•"/>
-            </a:pPr>
-            <a:r>
-              <a:rPr b="0" lang="en-US" sz="1800" spc="-1" strike="noStrike">
-                <a:solidFill>
-                  <a:srgbClr val="000000"/>
-                </a:solidFill>
-                <a:latin typeface="Arial"/>
-                <a:ea typeface="DejaVu Sans"/>
-              </a:rPr>
-              <a:t>car/ bicycle/ pedestrian</a:t>
-            </a:r>
-            <a:endParaRPr b="0" lang="en-US" sz="1800" spc="-1" strike="noStrike">
-              <a:latin typeface="Arial"/>
-            </a:endParaRPr>
-          </a:p>
-          <a:p>
-            <a:pPr marL="285840" indent="-284400">
-              <a:lnSpc>
-                <a:spcPct val="100000"/>
-              </a:lnSpc>
-              <a:spcBef>
-                <a:spcPts val="360"/>
-              </a:spcBef>
-              <a:buClr>
-                <a:srgbClr val="003073"/>
-              </a:buClr>
-              <a:buFont typeface="Arial"/>
-              <a:buChar char="•"/>
-            </a:pPr>
-            <a:r>
-              <a:rPr b="0" lang="en-US" sz="1800" spc="-1" strike="noStrike">
-                <a:solidFill>
-                  <a:srgbClr val="000000"/>
-                </a:solidFill>
-                <a:latin typeface="Arial"/>
-                <a:ea typeface="DejaVu Sans"/>
-              </a:rPr>
-              <a:t>receive recommendation for action</a:t>
-            </a:r>
-            <a:endParaRPr b="0" lang="en-US" sz="1800" spc="-1" strike="noStrike">
-              <a:latin typeface="Arial"/>
-            </a:endParaRPr>
-          </a:p>
-          <a:p>
-            <a:pPr>
-              <a:lnSpc>
-                <a:spcPct val="100000"/>
-              </a:lnSpc>
-              <a:spcBef>
-                <a:spcPts val="360"/>
-              </a:spcBef>
-            </a:pPr>
-            <a:endParaRPr b="0" lang="en-US" sz="1800" spc="-1" strike="noStrike">
-              <a:latin typeface="Arial"/>
-            </a:endParaRPr>
-          </a:p>
-          <a:p>
-            <a:pPr>
-              <a:lnSpc>
-                <a:spcPct val="100000"/>
-              </a:lnSpc>
-              <a:spcBef>
-                <a:spcPts val="360"/>
-              </a:spcBef>
-            </a:pPr>
-            <a:endParaRPr b="0" lang="en-US" sz="1800" spc="-1" strike="noStrike">
-              <a:latin typeface="Arial"/>
-            </a:endParaRPr>
-          </a:p>
-          <a:p>
-            <a:pPr>
-              <a:lnSpc>
-                <a:spcPct val="100000"/>
-              </a:lnSpc>
-              <a:spcBef>
-                <a:spcPts val="360"/>
-              </a:spcBef>
-            </a:pPr>
-            <a:endParaRPr b="0" lang="en-US" sz="1800" spc="-1" strike="noStrike">
-              <a:latin typeface="Arial"/>
-            </a:endParaRPr>
-          </a:p>
-          <a:p>
-            <a:pPr>
-              <a:lnSpc>
-                <a:spcPct val="100000"/>
-              </a:lnSpc>
-              <a:spcBef>
-                <a:spcPts val="360"/>
-              </a:spcBef>
-            </a:pPr>
-            <a:endParaRPr b="0" lang="en-US" sz="1800" spc="-1" strike="noStrike">
-              <a:latin typeface="Arial"/>
-            </a:endParaRPr>
-          </a:p>
-        </p:txBody>
-      </p:sp>
-      <p:sp>
-        <p:nvSpPr>
-          <p:cNvPr id="140" name="CustomShape 2"/>
-          <p:cNvSpPr/>
-          <p:nvPr/>
-        </p:nvSpPr>
-        <p:spPr>
-          <a:xfrm>
-            <a:off x="648000" y="0"/>
-            <a:ext cx="9270720" cy="646560"/>
-          </a:xfrm>
-          <a:prstGeom prst="rect">
-            <a:avLst/>
-          </a:prstGeom>
-          <a:noFill/>
-          <a:ln w="9360">
-            <a:noFill/>
-          </a:ln>
-        </p:spPr>
-        <p:style>
-          <a:lnRef idx="0"/>
-          <a:fillRef idx="0"/>
-          <a:effectRef idx="0"/>
-          <a:fontRef idx="minor"/>
-        </p:style>
-        <p:txBody>
-          <a:bodyPr lIns="324000" rIns="324000" tIns="108000" bIns="108000" anchor="ctr">
-            <a:normAutofit/>
-          </a:bodyPr>
-          <a:p>
-            <a:pPr>
-              <a:lnSpc>
-                <a:spcPts val="2149"/>
-              </a:lnSpc>
-            </a:pPr>
-            <a:r>
-              <a:rPr b="1" lang="en-US" sz="2000" spc="-1" strike="noStrike">
-                <a:solidFill>
-                  <a:srgbClr val="ffffff"/>
-                </a:solidFill>
-                <a:latin typeface="Arial"/>
-                <a:ea typeface="DejaVu Sans"/>
-              </a:rPr>
-              <a:t>1. Background</a:t>
-            </a:r>
-            <a:endParaRPr b="0" lang="en-US" sz="2000" spc="-1" strike="noStrike">
-              <a:latin typeface="Arial"/>
-            </a:endParaRPr>
-          </a:p>
-        </p:txBody>
-      </p:sp>
-      <p:sp>
-        <p:nvSpPr>
-          <p:cNvPr id="141" name="CustomShape 3"/>
-          <p:cNvSpPr/>
-          <p:nvPr/>
-        </p:nvSpPr>
-        <p:spPr>
-          <a:xfrm>
-            <a:off x="1638000" y="6528600"/>
-            <a:ext cx="9587880" cy="322560"/>
-          </a:xfrm>
-          <a:prstGeom prst="rect">
-            <a:avLst/>
-          </a:prstGeom>
-          <a:noFill/>
-          <a:ln w="9360">
-            <a:noFill/>
-          </a:ln>
-        </p:spPr>
-        <p:style>
-          <a:lnRef idx="0"/>
-          <a:fillRef idx="0"/>
-          <a:effectRef idx="0"/>
-          <a:fontRef idx="minor"/>
-        </p:style>
-        <p:txBody>
-          <a:bodyPr lIns="0" rIns="0" tIns="54000" bIns="54000" anchor="ctr"/>
-          <a:p>
-            <a:pPr>
-              <a:lnSpc>
-                <a:spcPct val="90000"/>
-              </a:lnSpc>
-              <a:spcAft>
-                <a:spcPts val="499"/>
-              </a:spcAft>
-            </a:pPr>
-            <a:r>
-              <a:rPr b="0" lang="en-US" sz="1000" spc="-1" strike="noStrike">
-                <a:solidFill>
-                  <a:srgbClr val="595959"/>
-                </a:solidFill>
-                <a:latin typeface="Arial"/>
-                <a:ea typeface="DejaVu Sans"/>
-              </a:rPr>
-              <a:t>DCAITI -Projekt </a:t>
-            </a:r>
-            <a:endParaRPr b="0" lang="en-US" sz="1000" spc="-1" strike="noStrike">
-              <a:latin typeface="Arial"/>
-            </a:endParaRPr>
-          </a:p>
-        </p:txBody>
-      </p:sp>
-      <p:sp>
-        <p:nvSpPr>
-          <p:cNvPr id="142" name="CustomShape 4"/>
-          <p:cNvSpPr/>
-          <p:nvPr/>
-        </p:nvSpPr>
-        <p:spPr>
-          <a:xfrm>
-            <a:off x="318960" y="6534720"/>
-            <a:ext cx="986400" cy="322560"/>
-          </a:xfrm>
-          <a:prstGeom prst="rect">
-            <a:avLst/>
-          </a:prstGeom>
-          <a:noFill/>
-          <a:ln w="9360">
-            <a:noFill/>
-          </a:ln>
-        </p:spPr>
-        <p:style>
-          <a:lnRef idx="0"/>
-          <a:fillRef idx="0"/>
-          <a:effectRef idx="0"/>
-          <a:fontRef idx="minor"/>
-        </p:style>
-        <p:txBody>
-          <a:bodyPr lIns="0" rIns="0" tIns="54000" bIns="54000" anchor="ctr"/>
-          <a:p>
-            <a:pPr algn="ctr">
-              <a:lnSpc>
-                <a:spcPct val="100000"/>
-              </a:lnSpc>
-            </a:pPr>
-            <a:r>
-              <a:rPr b="0" lang="en-US" sz="1200" spc="-1" strike="noStrike">
-                <a:solidFill>
-                  <a:srgbClr val="595959"/>
-                </a:solidFill>
-                <a:latin typeface="Arial"/>
-                <a:ea typeface="DejaVu Sans"/>
-              </a:rPr>
-              <a:t>18.11.2020</a:t>
-            </a:r>
-            <a:endParaRPr b="0" lang="en-US" sz="1200" spc="-1" strike="noStrike">
-              <a:latin typeface="Arial"/>
-            </a:endParaRPr>
-          </a:p>
-        </p:txBody>
-      </p:sp>
-      <p:sp>
-        <p:nvSpPr>
-          <p:cNvPr id="143" name="CustomShape 5"/>
-          <p:cNvSpPr/>
-          <p:nvPr/>
-        </p:nvSpPr>
-        <p:spPr>
-          <a:xfrm>
-            <a:off x="11279520" y="6232320"/>
-            <a:ext cx="587160" cy="684360"/>
-          </a:xfrm>
-          <a:prstGeom prst="rect">
-            <a:avLst/>
-          </a:prstGeom>
-          <a:noFill/>
-          <a:ln w="9360">
-            <a:noFill/>
-          </a:ln>
-        </p:spPr>
-        <p:style>
-          <a:lnRef idx="0"/>
-          <a:fillRef idx="0"/>
-          <a:effectRef idx="0"/>
-          <a:fontRef idx="minor"/>
-        </p:style>
-      </p:sp>
-      <p:grpSp>
-        <p:nvGrpSpPr>
-          <p:cNvPr id="144" name="Group 6"/>
-          <p:cNvGrpSpPr/>
-          <p:nvPr/>
-        </p:nvGrpSpPr>
-        <p:grpSpPr>
-          <a:xfrm>
-            <a:off x="5214960" y="2022120"/>
-            <a:ext cx="6469920" cy="3454920"/>
-            <a:chOff x="5214960" y="2022120"/>
-            <a:chExt cx="6469920" cy="3454920"/>
-          </a:xfrm>
-        </p:grpSpPr>
-        <p:grpSp>
-          <p:nvGrpSpPr>
-            <p:cNvPr id="145" name="Group 7"/>
-            <p:cNvGrpSpPr/>
-            <p:nvPr/>
-          </p:nvGrpSpPr>
-          <p:grpSpPr>
-            <a:xfrm>
-              <a:off x="5214960" y="2022120"/>
-              <a:ext cx="6469920" cy="3454920"/>
-              <a:chOff x="5214960" y="2022120"/>
-              <a:chExt cx="6469920" cy="3454920"/>
-            </a:xfrm>
-          </p:grpSpPr>
-          <p:grpSp>
-            <p:nvGrpSpPr>
-              <p:cNvPr id="146" name="Group 8"/>
-              <p:cNvGrpSpPr/>
-              <p:nvPr/>
-            </p:nvGrpSpPr>
-            <p:grpSpPr>
-              <a:xfrm>
-                <a:off x="5214960" y="2022120"/>
-                <a:ext cx="6469920" cy="3454920"/>
-                <a:chOff x="5214960" y="2022120"/>
-                <a:chExt cx="6469920" cy="3454920"/>
-              </a:xfrm>
-            </p:grpSpPr>
-            <p:pic>
-              <p:nvPicPr>
-                <p:cNvPr id="147" name="图片 16" descr=""/>
-                <p:cNvPicPr/>
-                <p:nvPr/>
-              </p:nvPicPr>
-              <p:blipFill>
-                <a:blip r:embed="rId1"/>
-                <a:stretch/>
-              </p:blipFill>
-              <p:spPr>
-                <a:xfrm>
-                  <a:off x="5214960" y="3618000"/>
-                  <a:ext cx="6044040" cy="1859040"/>
-                </a:xfrm>
-                <a:prstGeom prst="rect">
-                  <a:avLst/>
-                </a:prstGeom>
-                <a:ln>
-                  <a:noFill/>
-                </a:ln>
-              </p:spPr>
-            </p:pic>
-            <p:pic>
-              <p:nvPicPr>
-                <p:cNvPr id="148" name="图片 10" descr=""/>
-                <p:cNvPicPr/>
-                <p:nvPr/>
-              </p:nvPicPr>
-              <p:blipFill>
-                <a:blip r:embed="rId2"/>
-                <a:stretch/>
-              </p:blipFill>
-              <p:spPr>
-                <a:xfrm>
-                  <a:off x="7726680" y="2022120"/>
-                  <a:ext cx="881640" cy="1859040"/>
-                </a:xfrm>
-                <a:prstGeom prst="rect">
-                  <a:avLst/>
-                </a:prstGeom>
-                <a:ln>
-                  <a:noFill/>
-                </a:ln>
-              </p:spPr>
-            </p:pic>
-            <p:grpSp>
-              <p:nvGrpSpPr>
-                <p:cNvPr id="149" name="Group 9"/>
-                <p:cNvGrpSpPr/>
-                <p:nvPr/>
-              </p:nvGrpSpPr>
-              <p:grpSpPr>
-                <a:xfrm>
-                  <a:off x="10357560" y="2314080"/>
-                  <a:ext cx="1327320" cy="1311480"/>
-                  <a:chOff x="10357560" y="2314080"/>
-                  <a:chExt cx="1327320" cy="1311480"/>
-                </a:xfrm>
-              </p:grpSpPr>
-              <p:sp>
-                <p:nvSpPr>
-                  <p:cNvPr id="150" name="CustomShape 10"/>
-                  <p:cNvSpPr/>
-                  <p:nvPr/>
-                </p:nvSpPr>
-                <p:spPr>
-                  <a:xfrm>
-                    <a:off x="10357560" y="2314080"/>
-                    <a:ext cx="1327320" cy="1311480"/>
-                  </a:xfrm>
-                  <a:prstGeom prst="wedgeRectCallout">
-                    <a:avLst>
-                      <a:gd name="adj1" fmla="val -20833"/>
-                      <a:gd name="adj2" fmla="val 62500"/>
-                    </a:avLst>
-                  </a:prstGeom>
-                  <a:ln>
-                    <a:round/>
-                  </a:ln>
-                </p:spPr>
-                <p:style>
-                  <a:lnRef idx="2">
-                    <a:schemeClr val="dk1"/>
-                  </a:lnRef>
-                  <a:fillRef idx="1">
-                    <a:schemeClr val="lt1"/>
-                  </a:fillRef>
-                  <a:effectRef idx="0">
-                    <a:schemeClr val="dk1"/>
-                  </a:effectRef>
-                  <a:fontRef idx="minor"/>
-                </p:style>
-              </p:sp>
-              <p:pic>
-                <p:nvPicPr>
-                  <p:cNvPr id="151" name="图片 15" descr=""/>
-                  <p:cNvPicPr/>
-                  <p:nvPr/>
-                </p:nvPicPr>
-                <p:blipFill>
-                  <a:blip r:embed="rId3"/>
-                  <a:srcRect l="15313" t="2697" r="0" b="0"/>
-                  <a:stretch/>
-                </p:blipFill>
-                <p:spPr>
-                  <a:xfrm>
-                    <a:off x="10392120" y="2323800"/>
-                    <a:ext cx="1224720" cy="1280880"/>
-                  </a:xfrm>
-                  <a:prstGeom prst="rect">
-                    <a:avLst/>
-                  </a:prstGeom>
-                  <a:ln>
-                    <a:noFill/>
-                  </a:ln>
-                </p:spPr>
-              </p:pic>
-            </p:grpSp>
-          </p:grpSp>
-          <p:sp>
-            <p:nvSpPr>
-              <p:cNvPr id="152" name="CustomShape 11"/>
-              <p:cNvSpPr/>
-              <p:nvPr/>
-            </p:nvSpPr>
-            <p:spPr>
-              <a:xfrm>
-                <a:off x="8408160" y="2771280"/>
-                <a:ext cx="1796040" cy="197640"/>
-              </a:xfrm>
-              <a:prstGeom prst="rightArrow">
-                <a:avLst>
-                  <a:gd name="adj1" fmla="val 50000"/>
-                  <a:gd name="adj2" fmla="val 50000"/>
-                </a:avLst>
-              </a:prstGeom>
-              <a:ln>
-                <a:round/>
-              </a:ln>
-            </p:spPr>
-            <p:style>
-              <a:lnRef idx="2">
-                <a:schemeClr val="dk1"/>
-              </a:lnRef>
-              <a:fillRef idx="1">
-                <a:schemeClr val="lt1"/>
-              </a:fillRef>
-              <a:effectRef idx="0">
-                <a:schemeClr val="dk1"/>
-              </a:effectRef>
-              <a:fontRef idx="minor"/>
-            </p:style>
-          </p:sp>
-        </p:grpSp>
-        <p:sp>
-          <p:nvSpPr>
-            <p:cNvPr id="153" name="CustomShape 12"/>
-            <p:cNvSpPr/>
-            <p:nvPr/>
-          </p:nvSpPr>
-          <p:spPr>
-            <a:xfrm>
-              <a:off x="8611920" y="2530800"/>
-              <a:ext cx="1598760" cy="332640"/>
-            </a:xfrm>
-            <a:prstGeom prst="rect">
-              <a:avLst/>
-            </a:prstGeom>
-            <a:noFill/>
-            <a:ln>
-              <a:noFill/>
-            </a:ln>
-          </p:spPr>
-          <p:style>
-            <a:lnRef idx="0"/>
-            <a:fillRef idx="0"/>
-            <a:effectRef idx="0"/>
-            <a:fontRef idx="minor"/>
-          </p:style>
-          <p:txBody>
-            <a:bodyPr lIns="90000" rIns="90000" tIns="45000" bIns="45000"/>
-            <a:p>
-              <a:pPr>
-                <a:lnSpc>
-                  <a:spcPct val="100000"/>
-                </a:lnSpc>
-              </a:pPr>
-              <a:r>
-                <a:rPr b="0" lang="en-US" sz="1600" spc="-1" strike="noStrike">
-                  <a:solidFill>
-                    <a:srgbClr val="000000"/>
-                  </a:solidFill>
-                  <a:latin typeface="Arial"/>
-                  <a:ea typeface="DejaVu Sans"/>
-                </a:rPr>
-                <a:t>SPaT &amp; MAP</a:t>
-              </a:r>
-              <a:endParaRPr b="0" lang="en-US" sz="1600" spc="-1" strike="noStrike">
-                <a:latin typeface="Arial"/>
-              </a:endParaRPr>
-            </a:p>
-          </p:txBody>
-        </p:sp>
-        <p:sp>
-          <p:nvSpPr>
-            <p:cNvPr id="154" name="CustomShape 13"/>
-            <p:cNvSpPr/>
-            <p:nvPr/>
-          </p:nvSpPr>
-          <p:spPr>
-            <a:xfrm>
-              <a:off x="7336800" y="2596320"/>
-              <a:ext cx="786240" cy="332640"/>
-            </a:xfrm>
-            <a:prstGeom prst="rect">
-              <a:avLst/>
-            </a:prstGeom>
-            <a:noFill/>
-            <a:ln>
-              <a:noFill/>
-            </a:ln>
-          </p:spPr>
-          <p:style>
-            <a:lnRef idx="0"/>
-            <a:fillRef idx="0"/>
-            <a:effectRef idx="0"/>
-            <a:fontRef idx="minor"/>
-          </p:style>
-          <p:txBody>
-            <a:bodyPr lIns="90000" rIns="90000" tIns="45000" bIns="45000"/>
-            <a:p>
-              <a:pPr>
-                <a:lnSpc>
-                  <a:spcPct val="100000"/>
-                </a:lnSpc>
-              </a:pPr>
-              <a:r>
-                <a:rPr b="0" lang="en-US" sz="1600" spc="-1" strike="noStrike">
-                  <a:solidFill>
-                    <a:srgbClr val="000000"/>
-                  </a:solidFill>
-                  <a:latin typeface="Arial"/>
-                  <a:ea typeface="DejaVu Sans"/>
-                </a:rPr>
-                <a:t>RSU</a:t>
-              </a:r>
-              <a:endParaRPr b="0" lang="en-US" sz="1600" spc="-1" strike="noStrike">
-                <a:latin typeface="Arial"/>
-              </a:endParaRPr>
-            </a:p>
-          </p:txBody>
-        </p:sp>
-        <p:sp>
-          <p:nvSpPr>
-            <p:cNvPr id="155" name="CustomShape 14"/>
-            <p:cNvSpPr/>
-            <p:nvPr/>
-          </p:nvSpPr>
-          <p:spPr>
-            <a:xfrm>
-              <a:off x="8306640" y="2924640"/>
-              <a:ext cx="2132280" cy="332640"/>
-            </a:xfrm>
-            <a:prstGeom prst="rect">
-              <a:avLst/>
-            </a:prstGeom>
-            <a:noFill/>
-            <a:ln>
-              <a:noFill/>
-            </a:ln>
-          </p:spPr>
-          <p:style>
-            <a:lnRef idx="0"/>
-            <a:fillRef idx="0"/>
-            <a:effectRef idx="0"/>
-            <a:fontRef idx="minor"/>
-          </p:style>
-          <p:txBody>
-            <a:bodyPr lIns="90000" rIns="90000" tIns="45000" bIns="45000"/>
-            <a:p>
-              <a:pPr>
-                <a:lnSpc>
-                  <a:spcPct val="100000"/>
-                </a:lnSpc>
-              </a:pPr>
-              <a:r>
-                <a:rPr b="0" lang="en-US" sz="1600" spc="-1" strike="noStrike">
-                  <a:solidFill>
-                    <a:srgbClr val="000000"/>
-                  </a:solidFill>
-                  <a:latin typeface="Arial"/>
-                  <a:ea typeface="DejaVu Sans"/>
-                </a:rPr>
-                <a:t>via automotive WiFi</a:t>
-              </a:r>
-              <a:endParaRPr b="0" lang="en-US" sz="1600" spc="-1" strike="noStrike">
-                <a:latin typeface="Arial"/>
-              </a:endParaRPr>
-            </a:p>
-          </p:txBody>
-        </p:sp>
-      </p:grpSp>
-    </p:spTree>
-  </p:cSld>
-  <p:timing>
-    <p:tnLst>
-      <p:par>
-        <p:cTn id="5" dur="indefinite" restart="never" nodeType="tmRoot">
-          <p:childTnLst>
-            <p:seq>
-              <p:cTn id="6" dur="indefinite" nodeType="mainSeq"/>
-              <p:prevCondLst>
-                <p:cond delay="0" evt="onPrev">
-                  <p:tgtEl>
-                    <p:sldTgt/>
-                  </p:tgtEl>
-                </p:cond>
-              </p:prevCondLst>
-              <p:nextCondLst>
-                <p:cond delay="0" evt="onNext">
-                  <p:tgtEl>
-                    <p:sldTgt/>
-                  </p:tgtEl>
-                </p:cond>
-              </p:nextCondLst>
-            </p:seq>
-          </p:childTnLst>
-        </p:cTn>
-      </p:par>
-    </p:tnLst>
-  </p:timing>
-</p:sld>
-</file>
-
-<file path=ppt/slides/slide4.xml><?xml version="1.0" encoding="utf-8"?>
-<p:sld xmlns:a="http://schemas.openxmlformats.org/drawingml/2006/main" xmlns:p="http://schemas.openxmlformats.org/presentationml/2006/main" xmlns:r="http://schemas.openxmlformats.org/officeDocument/2006/relationships" xmlns:p14="http://schemas.microsoft.com/office/powerpoint/2010/main" xmlns:p15="http://schemas.microsoft.com/office/powerpoint/2012/main" xmlns:mc="http://schemas.openxmlformats.org/markup-compatibility/2006">
-  <p:cSld>
-    <p:spTree>
-      <p:nvGrpSpPr>
-        <p:cNvPr id="1" name=""/>
-        <p:cNvGrpSpPr/>
-        <p:nvPr/>
-      </p:nvGrpSpPr>
-      <p:grpSpPr>
-        <a:xfrm>
-          <a:off x="0" y="0"/>
-          <a:ext cx="0" cy="0"/>
-          <a:chOff x="0" y="0"/>
-          <a:chExt cx="0" cy="0"/>
-        </a:xfrm>
-      </p:grpSpPr>
-      <p:sp>
-        <p:nvSpPr>
-          <p:cNvPr id="156" name="CustomShape 1"/>
-          <p:cNvSpPr/>
-          <p:nvPr/>
-        </p:nvSpPr>
-        <p:spPr>
-          <a:xfrm>
-            <a:off x="318960" y="970560"/>
-            <a:ext cx="4556520" cy="5240160"/>
-          </a:xfrm>
-          <a:prstGeom prst="rect">
-            <a:avLst/>
-          </a:prstGeom>
-          <a:noFill/>
-          <a:ln w="9360">
-            <a:noFill/>
-          </a:ln>
-        </p:spPr>
-        <p:style>
-          <a:lnRef idx="0"/>
-          <a:fillRef idx="0"/>
-          <a:effectRef idx="0"/>
-          <a:fontRef idx="minor"/>
-        </p:style>
-        <p:txBody>
-          <a:bodyPr lIns="0" rIns="0" tIns="0" bIns="0"/>
-          <a:p>
-            <a:pPr>
-              <a:lnSpc>
-                <a:spcPct val="100000"/>
-              </a:lnSpc>
-              <a:spcBef>
-                <a:spcPts val="561"/>
-              </a:spcBef>
-            </a:pPr>
-            <a:r>
-              <a:rPr b="0" lang="en-US" sz="2800" spc="-1" strike="noStrike">
-                <a:solidFill>
-                  <a:srgbClr val="000000"/>
-                </a:solidFill>
-                <a:latin typeface="Arial"/>
-                <a:ea typeface="DejaVu Sans"/>
-              </a:rPr>
-              <a:t>Android Studio</a:t>
-            </a:r>
-            <a:endParaRPr b="0" lang="en-US" sz="2800" spc="-1" strike="noStrike">
-              <a:latin typeface="Arial"/>
-            </a:endParaRPr>
-          </a:p>
-          <a:p>
-            <a:pPr>
-              <a:lnSpc>
-                <a:spcPct val="100000"/>
-              </a:lnSpc>
-              <a:spcBef>
-                <a:spcPts val="400"/>
-              </a:spcBef>
-            </a:pPr>
-            <a:endParaRPr b="0" lang="en-US" sz="2800" spc="-1" strike="noStrike">
-              <a:latin typeface="Arial"/>
-            </a:endParaRPr>
-          </a:p>
-          <a:p>
-            <a:pPr>
-              <a:lnSpc>
-                <a:spcPct val="100000"/>
-              </a:lnSpc>
-              <a:spcBef>
-                <a:spcPts val="400"/>
-              </a:spcBef>
-            </a:pPr>
-            <a:r>
-              <a:rPr b="0" lang="en-US" sz="2000" spc="-1" strike="noStrike">
-                <a:solidFill>
-                  <a:srgbClr val="000000"/>
-                </a:solidFill>
-                <a:latin typeface="Arial"/>
-                <a:ea typeface="DejaVu Sans"/>
-              </a:rPr>
-              <a:t>1. Visual layout editor</a:t>
-            </a:r>
-            <a:endParaRPr b="0" lang="en-US" sz="2000" spc="-1" strike="noStrike">
-              <a:latin typeface="Arial"/>
-            </a:endParaRPr>
-          </a:p>
-          <a:p>
-            <a:pPr marL="285840" indent="-284400">
-              <a:lnSpc>
-                <a:spcPct val="100000"/>
-              </a:lnSpc>
-              <a:spcBef>
-                <a:spcPts val="360"/>
-              </a:spcBef>
-              <a:buClr>
-                <a:srgbClr val="003073"/>
-              </a:buClr>
-              <a:buFont typeface="Arial"/>
-              <a:buChar char="•"/>
-            </a:pPr>
-            <a:r>
-              <a:rPr b="0" lang="en-US" sz="1800" spc="-1" strike="noStrike">
-                <a:solidFill>
-                  <a:srgbClr val="202124"/>
-                </a:solidFill>
-                <a:latin typeface="Arial"/>
-                <a:ea typeface="DejaVu Sans"/>
-              </a:rPr>
-              <a:t>build layouts by dragging UI elements instead of writing layout XML by hand</a:t>
-            </a:r>
-            <a:endParaRPr b="0" lang="en-US" sz="1800" spc="-1" strike="noStrike">
-              <a:latin typeface="Arial"/>
-            </a:endParaRPr>
-          </a:p>
-          <a:p>
-            <a:pPr>
-              <a:lnSpc>
-                <a:spcPct val="100000"/>
-              </a:lnSpc>
-              <a:spcBef>
-                <a:spcPts val="360"/>
-              </a:spcBef>
-            </a:pPr>
-            <a:endParaRPr b="0" lang="en-US" sz="1800" spc="-1" strike="noStrike">
-              <a:latin typeface="Arial"/>
-            </a:endParaRPr>
-          </a:p>
-        </p:txBody>
-      </p:sp>
-      <p:sp>
-        <p:nvSpPr>
-          <p:cNvPr id="157" name="CustomShape 2"/>
-          <p:cNvSpPr/>
-          <p:nvPr/>
-        </p:nvSpPr>
-        <p:spPr>
-          <a:xfrm>
-            <a:off x="648000" y="0"/>
-            <a:ext cx="9270720" cy="646560"/>
-          </a:xfrm>
-          <a:prstGeom prst="rect">
-            <a:avLst/>
-          </a:prstGeom>
-          <a:noFill/>
-          <a:ln w="9360">
-            <a:noFill/>
-          </a:ln>
-        </p:spPr>
-        <p:style>
-          <a:lnRef idx="0"/>
-          <a:fillRef idx="0"/>
-          <a:effectRef idx="0"/>
-          <a:fontRef idx="minor"/>
-        </p:style>
-        <p:txBody>
-          <a:bodyPr lIns="324000" rIns="324000" tIns="108000" bIns="108000" anchor="ctr">
-            <a:normAutofit/>
-          </a:bodyPr>
-          <a:p>
-            <a:pPr>
-              <a:lnSpc>
-                <a:spcPts val="2149"/>
-              </a:lnSpc>
-            </a:pPr>
-            <a:r>
-              <a:rPr b="1" lang="en-US" sz="2000" spc="-1" strike="noStrike">
-                <a:solidFill>
-                  <a:srgbClr val="ffffff"/>
-                </a:solidFill>
-                <a:latin typeface="Arial"/>
-                <a:ea typeface="DejaVu Sans"/>
-              </a:rPr>
-              <a:t>2. Develop Framework</a:t>
-            </a:r>
-            <a:endParaRPr b="0" lang="en-US" sz="2000" spc="-1" strike="noStrike">
-              <a:latin typeface="Arial"/>
-            </a:endParaRPr>
-          </a:p>
-        </p:txBody>
-      </p:sp>
-      <p:sp>
-        <p:nvSpPr>
-          <p:cNvPr id="158" name="CustomShape 3"/>
-          <p:cNvSpPr/>
-          <p:nvPr/>
-        </p:nvSpPr>
-        <p:spPr>
-          <a:xfrm>
-            <a:off x="1630800" y="6534720"/>
-            <a:ext cx="9587880" cy="322560"/>
-          </a:xfrm>
-          <a:prstGeom prst="rect">
-            <a:avLst/>
-          </a:prstGeom>
-          <a:noFill/>
-          <a:ln w="9360">
-            <a:noFill/>
-          </a:ln>
-        </p:spPr>
-        <p:style>
-          <a:lnRef idx="0"/>
-          <a:fillRef idx="0"/>
-          <a:effectRef idx="0"/>
-          <a:fontRef idx="minor"/>
-        </p:style>
-        <p:txBody>
-          <a:bodyPr lIns="0" rIns="0" tIns="54000" bIns="54000" anchor="ctr"/>
-          <a:p>
-            <a:pPr>
-              <a:lnSpc>
-                <a:spcPct val="90000"/>
-              </a:lnSpc>
-              <a:spcAft>
-                <a:spcPts val="499"/>
-              </a:spcAft>
-            </a:pPr>
-            <a:r>
-              <a:rPr b="0" lang="en-US" sz="1000" spc="-1" strike="noStrike">
-                <a:solidFill>
-                  <a:srgbClr val="595959"/>
-                </a:solidFill>
-                <a:latin typeface="Arial"/>
-                <a:ea typeface="DejaVu Sans"/>
-              </a:rPr>
-              <a:t>DCAITI -Projekt </a:t>
-            </a:r>
-            <a:endParaRPr b="0" lang="en-US" sz="1000" spc="-1" strike="noStrike">
-              <a:latin typeface="Arial"/>
-            </a:endParaRPr>
-          </a:p>
-        </p:txBody>
-      </p:sp>
-      <p:sp>
-        <p:nvSpPr>
-          <p:cNvPr id="159" name="CustomShape 4"/>
-          <p:cNvSpPr/>
-          <p:nvPr/>
-        </p:nvSpPr>
-        <p:spPr>
-          <a:xfrm>
-            <a:off x="318960" y="6534720"/>
-            <a:ext cx="986400" cy="322560"/>
-          </a:xfrm>
-          <a:prstGeom prst="rect">
-            <a:avLst/>
-          </a:prstGeom>
-          <a:noFill/>
-          <a:ln w="9360">
-            <a:noFill/>
-          </a:ln>
-        </p:spPr>
-        <p:style>
-          <a:lnRef idx="0"/>
-          <a:fillRef idx="0"/>
-          <a:effectRef idx="0"/>
-          <a:fontRef idx="minor"/>
-        </p:style>
-        <p:txBody>
-          <a:bodyPr lIns="0" rIns="0" tIns="54000" bIns="54000" anchor="ctr"/>
-          <a:p>
-            <a:pPr algn="ctr">
-              <a:lnSpc>
-                <a:spcPct val="100000"/>
-              </a:lnSpc>
-            </a:pPr>
-            <a:r>
-              <a:rPr b="0" lang="en-US" sz="1200" spc="-1" strike="noStrike">
-                <a:solidFill>
-                  <a:srgbClr val="595959"/>
-                </a:solidFill>
-                <a:latin typeface="Arial"/>
-                <a:ea typeface="DejaVu Sans"/>
-              </a:rPr>
-              <a:t>18.11.2020</a:t>
-            </a:r>
-            <a:endParaRPr b="0" lang="en-US" sz="1200" spc="-1" strike="noStrike">
-              <a:latin typeface="Arial"/>
-            </a:endParaRPr>
-          </a:p>
-        </p:txBody>
-      </p:sp>
-      <p:sp>
-        <p:nvSpPr>
-          <p:cNvPr id="160" name="CustomShape 5"/>
-          <p:cNvSpPr/>
-          <p:nvPr/>
-        </p:nvSpPr>
-        <p:spPr>
-          <a:xfrm>
-            <a:off x="11279520" y="6232320"/>
-            <a:ext cx="587160" cy="684360"/>
-          </a:xfrm>
-          <a:prstGeom prst="rect">
-            <a:avLst/>
-          </a:prstGeom>
-          <a:noFill/>
-          <a:ln w="9360">
-            <a:noFill/>
-          </a:ln>
-        </p:spPr>
-        <p:style>
-          <a:lnRef idx="0"/>
-          <a:fillRef idx="0"/>
-          <a:effectRef idx="0"/>
-          <a:fontRef idx="minor"/>
-        </p:style>
-      </p:sp>
-      <p:sp>
-        <p:nvSpPr>
-          <p:cNvPr id="161" name="CustomShape 6"/>
-          <p:cNvSpPr/>
-          <p:nvPr/>
-        </p:nvSpPr>
-        <p:spPr>
-          <a:xfrm>
-            <a:off x="8696880" y="6527880"/>
-            <a:ext cx="2956680" cy="256680"/>
-          </a:xfrm>
-          <a:prstGeom prst="rect">
-            <a:avLst/>
-          </a:prstGeom>
-          <a:noFill/>
-          <a:ln>
-            <a:noFill/>
-          </a:ln>
-        </p:spPr>
-        <p:style>
-          <a:lnRef idx="0"/>
-          <a:fillRef idx="0"/>
-          <a:effectRef idx="0"/>
-          <a:fontRef idx="minor"/>
-        </p:style>
-        <p:txBody>
-          <a:bodyPr wrap="none" lIns="90000" rIns="90000" tIns="45000" bIns="45000"/>
-          <a:p>
-            <a:pPr>
-              <a:lnSpc>
-                <a:spcPct val="100000"/>
-              </a:lnSpc>
-            </a:pPr>
-            <a:r>
-              <a:rPr b="0" lang="en-US" sz="1100" spc="-1" strike="noStrike">
-                <a:solidFill>
-                  <a:srgbClr val="000000"/>
-                </a:solidFill>
-                <a:latin typeface="Arial"/>
-                <a:ea typeface="DejaVu Sans"/>
-              </a:rPr>
-              <a:t>Source: https://developer.android.com/studio</a:t>
-            </a:r>
-            <a:endParaRPr b="0" lang="en-US" sz="1100" spc="-1" strike="noStrike">
-              <a:latin typeface="Arial"/>
-            </a:endParaRPr>
-          </a:p>
-        </p:txBody>
-      </p:sp>
-      <p:pic>
-        <p:nvPicPr>
-          <p:cNvPr id="162" name="图片 7" descr=""/>
-          <p:cNvPicPr/>
-          <p:nvPr/>
-        </p:nvPicPr>
-        <p:blipFill>
-          <a:blip r:embed="rId1"/>
-          <a:stretch/>
-        </p:blipFill>
-        <p:spPr>
-          <a:xfrm>
-            <a:off x="5010840" y="1371600"/>
-            <a:ext cx="6866280" cy="4485960"/>
-          </a:xfrm>
-          <a:prstGeom prst="rect">
-            <a:avLst/>
-          </a:prstGeom>
-          <a:ln>
-            <a:noFill/>
-          </a:ln>
-        </p:spPr>
-      </p:pic>
-    </p:spTree>
-  </p:cSld>
-  <p:timing>
-    <p:tnLst>
-      <p:par>
-        <p:cTn id="7" dur="indefinite" restart="never" nodeType="tmRoot">
-          <p:childTnLst>
-            <p:seq>
-              <p:cTn id="8" dur="indefinite" nodeType="mainSeq"/>
-              <p:prevCondLst>
-                <p:cond delay="0" evt="onPrev">
-                  <p:tgtEl>
-                    <p:sldTgt/>
-                  </p:tgtEl>
-                </p:cond>
-              </p:prevCondLst>
-              <p:nextCondLst>
-                <p:cond delay="0" evt="onNext">
-                  <p:tgtEl>
-                    <p:sldTgt/>
-                  </p:tgtEl>
-                </p:cond>
-              </p:nextCondLst>
-            </p:seq>
-          </p:childTnLst>
-        </p:cTn>
-      </p:par>
-    </p:tnLst>
-  </p:timing>
-</p:sld>
-</file>
-
-<file path=ppt/slides/slide5.xml><?xml version="1.0" encoding="utf-8"?>
-<p:sld xmlns:a="http://schemas.openxmlformats.org/drawingml/2006/main" xmlns:p="http://schemas.openxmlformats.org/presentationml/2006/main" xmlns:r="http://schemas.openxmlformats.org/officeDocument/2006/relationships" xmlns:p14="http://schemas.microsoft.com/office/powerpoint/2010/main" xmlns:p15="http://schemas.microsoft.com/office/powerpoint/2012/main" xmlns:mc="http://schemas.openxmlformats.org/markup-compatibility/2006">
-  <p:cSld>
-    <p:spTree>
-      <p:nvGrpSpPr>
-        <p:cNvPr id="1" name=""/>
-        <p:cNvGrpSpPr/>
-        <p:nvPr/>
-      </p:nvGrpSpPr>
-      <p:grpSpPr>
-        <a:xfrm>
-          <a:off x="0" y="0"/>
-          <a:ext cx="0" cy="0"/>
-          <a:chOff x="0" y="0"/>
-          <a:chExt cx="0" cy="0"/>
-        </a:xfrm>
-      </p:grpSpPr>
-      <p:sp>
-        <p:nvSpPr>
-          <p:cNvPr id="163" name="CustomShape 1"/>
-          <p:cNvSpPr/>
-          <p:nvPr/>
-        </p:nvSpPr>
-        <p:spPr>
-          <a:xfrm>
-            <a:off x="318960" y="970560"/>
-            <a:ext cx="4480200" cy="5240160"/>
-          </a:xfrm>
-          <a:prstGeom prst="rect">
-            <a:avLst/>
-          </a:prstGeom>
-          <a:noFill/>
-          <a:ln w="9360">
-            <a:noFill/>
-          </a:ln>
-        </p:spPr>
-        <p:style>
-          <a:lnRef idx="0"/>
-          <a:fillRef idx="0"/>
-          <a:effectRef idx="0"/>
-          <a:fontRef idx="minor"/>
-        </p:style>
-        <p:txBody>
-          <a:bodyPr lIns="0" rIns="0" tIns="0" bIns="0"/>
-          <a:p>
-            <a:pPr>
-              <a:lnSpc>
-                <a:spcPct val="100000"/>
-              </a:lnSpc>
-              <a:spcBef>
-                <a:spcPts val="561"/>
-              </a:spcBef>
-            </a:pPr>
-            <a:r>
-              <a:rPr b="0" lang="en-US" sz="2800" spc="-1" strike="noStrike">
-                <a:solidFill>
-                  <a:srgbClr val="000000"/>
-                </a:solidFill>
-                <a:latin typeface="Arial"/>
-                <a:ea typeface="DejaVu Sans"/>
-              </a:rPr>
-              <a:t>Android Studio</a:t>
-            </a:r>
-            <a:endParaRPr b="0" lang="en-US" sz="2800" spc="-1" strike="noStrike">
-              <a:latin typeface="Arial"/>
-            </a:endParaRPr>
-          </a:p>
-          <a:p>
-            <a:pPr>
-              <a:lnSpc>
-                <a:spcPct val="100000"/>
-              </a:lnSpc>
-              <a:spcBef>
-                <a:spcPts val="400"/>
-              </a:spcBef>
-            </a:pPr>
-            <a:endParaRPr b="0" lang="en-US" sz="2800" spc="-1" strike="noStrike">
-              <a:latin typeface="Arial"/>
-            </a:endParaRPr>
-          </a:p>
-          <a:p>
-            <a:pPr>
-              <a:lnSpc>
-                <a:spcPct val="100000"/>
-              </a:lnSpc>
-              <a:spcBef>
-                <a:spcPts val="400"/>
-              </a:spcBef>
-            </a:pPr>
-            <a:r>
-              <a:rPr b="0" lang="en-US" sz="2000" spc="-1" strike="noStrike">
-                <a:solidFill>
-                  <a:srgbClr val="202124"/>
-                </a:solidFill>
-                <a:latin typeface="Roboto"/>
-                <a:ea typeface="DejaVu Sans"/>
-              </a:rPr>
-              <a:t>2. </a:t>
-            </a:r>
-            <a:r>
-              <a:rPr b="0" lang="en-US" sz="2000" spc="-1" strike="noStrike">
-                <a:solidFill>
-                  <a:srgbClr val="000000"/>
-                </a:solidFill>
-                <a:latin typeface="Arial"/>
-                <a:ea typeface="DejaVu Sans"/>
-              </a:rPr>
-              <a:t> Fast emulator</a:t>
-            </a:r>
-            <a:endParaRPr b="0" lang="en-US" sz="2000" spc="-1" strike="noStrike">
-              <a:latin typeface="Arial"/>
-            </a:endParaRPr>
-          </a:p>
-          <a:p>
-            <a:pPr marL="285840" indent="-284400">
-              <a:lnSpc>
-                <a:spcPct val="100000"/>
-              </a:lnSpc>
-              <a:spcBef>
-                <a:spcPts val="360"/>
-              </a:spcBef>
-              <a:buClr>
-                <a:srgbClr val="003073"/>
-              </a:buClr>
-              <a:buFont typeface="Arial"/>
-              <a:buChar char="•"/>
-            </a:pPr>
-            <a:r>
-              <a:rPr b="0" lang="en-US" sz="1800" spc="-1" strike="noStrike">
-                <a:solidFill>
-                  <a:srgbClr val="202124"/>
-                </a:solidFill>
-                <a:latin typeface="Arial"/>
-                <a:ea typeface="DejaVu Sans"/>
-              </a:rPr>
-              <a:t>run apps on the Android Emulator</a:t>
-            </a:r>
-            <a:endParaRPr b="0" lang="en-US" sz="1800" spc="-1" strike="noStrike">
-              <a:latin typeface="Arial"/>
-            </a:endParaRPr>
-          </a:p>
-        </p:txBody>
-      </p:sp>
-      <p:sp>
-        <p:nvSpPr>
-          <p:cNvPr id="164" name="CustomShape 2"/>
-          <p:cNvSpPr/>
-          <p:nvPr/>
-        </p:nvSpPr>
-        <p:spPr>
-          <a:xfrm>
-            <a:off x="648000" y="0"/>
-            <a:ext cx="9270720" cy="646560"/>
-          </a:xfrm>
-          <a:prstGeom prst="rect">
-            <a:avLst/>
-          </a:prstGeom>
-          <a:noFill/>
-          <a:ln w="9360">
-            <a:noFill/>
-          </a:ln>
-        </p:spPr>
-        <p:style>
-          <a:lnRef idx="0"/>
-          <a:fillRef idx="0"/>
-          <a:effectRef idx="0"/>
-          <a:fontRef idx="minor"/>
-        </p:style>
-        <p:txBody>
-          <a:bodyPr lIns="324000" rIns="324000" tIns="108000" bIns="108000" anchor="ctr">
-            <a:normAutofit/>
-          </a:bodyPr>
-          <a:p>
-            <a:pPr>
-              <a:lnSpc>
-                <a:spcPts val="2149"/>
-              </a:lnSpc>
-            </a:pPr>
-            <a:r>
-              <a:rPr b="1" lang="en-US" sz="2000" spc="-1" strike="noStrike">
-                <a:solidFill>
-                  <a:srgbClr val="ffffff"/>
-                </a:solidFill>
-                <a:latin typeface="Arial"/>
-                <a:ea typeface="DejaVu Sans"/>
-              </a:rPr>
-              <a:t>2. Develop Framework</a:t>
-            </a:r>
-            <a:endParaRPr b="0" lang="en-US" sz="2000" spc="-1" strike="noStrike">
-              <a:latin typeface="Arial"/>
-            </a:endParaRPr>
-          </a:p>
-        </p:txBody>
-      </p:sp>
-      <p:sp>
-        <p:nvSpPr>
-          <p:cNvPr id="165" name="CustomShape 3"/>
-          <p:cNvSpPr/>
-          <p:nvPr/>
-        </p:nvSpPr>
-        <p:spPr>
-          <a:xfrm>
-            <a:off x="1630800" y="6534720"/>
-            <a:ext cx="9587880" cy="322560"/>
-          </a:xfrm>
-          <a:prstGeom prst="rect">
-            <a:avLst/>
-          </a:prstGeom>
-          <a:noFill/>
-          <a:ln w="9360">
-            <a:noFill/>
-          </a:ln>
-        </p:spPr>
-        <p:style>
-          <a:lnRef idx="0"/>
-          <a:fillRef idx="0"/>
-          <a:effectRef idx="0"/>
-          <a:fontRef idx="minor"/>
-        </p:style>
-        <p:txBody>
-          <a:bodyPr lIns="0" rIns="0" tIns="54000" bIns="54000" anchor="ctr"/>
-          <a:p>
-            <a:pPr>
-              <a:lnSpc>
-                <a:spcPct val="90000"/>
-              </a:lnSpc>
-              <a:spcAft>
-                <a:spcPts val="499"/>
-              </a:spcAft>
-            </a:pPr>
-            <a:r>
-              <a:rPr b="0" lang="en-US" sz="1000" spc="-1" strike="noStrike">
-                <a:solidFill>
-                  <a:srgbClr val="595959"/>
-                </a:solidFill>
-                <a:latin typeface="Arial"/>
-                <a:ea typeface="DejaVu Sans"/>
-              </a:rPr>
-              <a:t>DCAITI -Projekt </a:t>
-            </a:r>
-            <a:endParaRPr b="0" lang="en-US" sz="1000" spc="-1" strike="noStrike">
-              <a:latin typeface="Arial"/>
-            </a:endParaRPr>
-          </a:p>
-        </p:txBody>
-      </p:sp>
-      <p:sp>
-        <p:nvSpPr>
-          <p:cNvPr id="166" name="CustomShape 4"/>
-          <p:cNvSpPr/>
-          <p:nvPr/>
-        </p:nvSpPr>
-        <p:spPr>
-          <a:xfrm>
-            <a:off x="318960" y="6534720"/>
-            <a:ext cx="986400" cy="322560"/>
-          </a:xfrm>
-          <a:prstGeom prst="rect">
-            <a:avLst/>
-          </a:prstGeom>
-          <a:noFill/>
-          <a:ln w="9360">
-            <a:noFill/>
-          </a:ln>
-        </p:spPr>
-        <p:style>
-          <a:lnRef idx="0"/>
-          <a:fillRef idx="0"/>
-          <a:effectRef idx="0"/>
-          <a:fontRef idx="minor"/>
-        </p:style>
-        <p:txBody>
-          <a:bodyPr lIns="0" rIns="0" tIns="54000" bIns="54000" anchor="ctr"/>
-          <a:p>
-            <a:pPr algn="ctr">
-              <a:lnSpc>
-                <a:spcPct val="100000"/>
-              </a:lnSpc>
-            </a:pPr>
-            <a:r>
-              <a:rPr b="0" lang="en-US" sz="1200" spc="-1" strike="noStrike">
-                <a:solidFill>
-                  <a:srgbClr val="595959"/>
-                </a:solidFill>
-                <a:latin typeface="Arial"/>
-                <a:ea typeface="DejaVu Sans"/>
-              </a:rPr>
-              <a:t>18.11.2020</a:t>
-            </a:r>
-            <a:endParaRPr b="0" lang="en-US" sz="1200" spc="-1" strike="noStrike">
-              <a:latin typeface="Arial"/>
-            </a:endParaRPr>
-          </a:p>
-        </p:txBody>
-      </p:sp>
-      <p:sp>
-        <p:nvSpPr>
-          <p:cNvPr id="167" name="CustomShape 5"/>
-          <p:cNvSpPr/>
-          <p:nvPr/>
-        </p:nvSpPr>
-        <p:spPr>
-          <a:xfrm>
-            <a:off x="11279520" y="6232320"/>
-            <a:ext cx="587160" cy="684360"/>
-          </a:xfrm>
-          <a:prstGeom prst="rect">
-            <a:avLst/>
-          </a:prstGeom>
-          <a:noFill/>
-          <a:ln w="9360">
-            <a:noFill/>
-          </a:ln>
-        </p:spPr>
-        <p:style>
-          <a:lnRef idx="0"/>
-          <a:fillRef idx="0"/>
-          <a:effectRef idx="0"/>
-          <a:fontRef idx="minor"/>
-        </p:style>
-      </p:sp>
-      <p:sp>
-        <p:nvSpPr>
-          <p:cNvPr id="168" name="CustomShape 6"/>
-          <p:cNvSpPr/>
-          <p:nvPr/>
-        </p:nvSpPr>
-        <p:spPr>
-          <a:xfrm>
-            <a:off x="8696880" y="6527880"/>
-            <a:ext cx="2956680" cy="256680"/>
-          </a:xfrm>
-          <a:prstGeom prst="rect">
-            <a:avLst/>
-          </a:prstGeom>
-          <a:noFill/>
-          <a:ln>
-            <a:noFill/>
-          </a:ln>
-        </p:spPr>
-        <p:style>
-          <a:lnRef idx="0"/>
-          <a:fillRef idx="0"/>
-          <a:effectRef idx="0"/>
-          <a:fontRef idx="minor"/>
-        </p:style>
-        <p:txBody>
-          <a:bodyPr wrap="none" lIns="90000" rIns="90000" tIns="45000" bIns="45000"/>
-          <a:p>
-            <a:pPr>
-              <a:lnSpc>
-                <a:spcPct val="100000"/>
-              </a:lnSpc>
-            </a:pPr>
-            <a:r>
-              <a:rPr b="0" lang="en-US" sz="1100" spc="-1" strike="noStrike">
-                <a:solidFill>
-                  <a:srgbClr val="000000"/>
-                </a:solidFill>
-                <a:latin typeface="Arial"/>
-                <a:ea typeface="DejaVu Sans"/>
-              </a:rPr>
-              <a:t>Source: https://developer.android.com/studio</a:t>
-            </a:r>
-            <a:endParaRPr b="0" lang="en-US" sz="1100" spc="-1" strike="noStrike">
-              <a:latin typeface="Arial"/>
-            </a:endParaRPr>
-          </a:p>
-        </p:txBody>
-      </p:sp>
-      <p:pic>
-        <p:nvPicPr>
-          <p:cNvPr id="169" name="图片 8" descr=""/>
-          <p:cNvPicPr/>
-          <p:nvPr/>
-        </p:nvPicPr>
-        <p:blipFill>
-          <a:blip r:embed="rId1"/>
-          <a:stretch/>
-        </p:blipFill>
-        <p:spPr>
-          <a:xfrm>
-            <a:off x="4495680" y="1315440"/>
-            <a:ext cx="7315560" cy="4570560"/>
-          </a:xfrm>
-          <a:prstGeom prst="rect">
-            <a:avLst/>
-          </a:prstGeom>
-          <a:ln>
-            <a:noFill/>
-          </a:ln>
-        </p:spPr>
-      </p:pic>
-    </p:spTree>
-  </p:cSld>
-  <p:timing>
-    <p:tnLst>
-      <p:par>
-        <p:cTn id="9" dur="indefinite" restart="never" nodeType="tmRoot">
-          <p:childTnLst>
-            <p:seq>
-              <p:cTn id="10" dur="indefinite" nodeType="mainSeq"/>
-              <p:prevCondLst>
-                <p:cond delay="0" evt="onPrev">
-                  <p:tgtEl>
-                    <p:sldTgt/>
-                  </p:tgtEl>
-                </p:cond>
-              </p:prevCondLst>
-              <p:nextCondLst>
-                <p:cond delay="0" evt="onNext">
-                  <p:tgtEl>
-                    <p:sldTgt/>
-                  </p:tgtEl>
-                </p:cond>
-              </p:nextCondLst>
-            </p:seq>
-          </p:childTnLst>
-        </p:cTn>
-      </p:par>
-    </p:tnLst>
-  </p:timing>
-</p:sld>
-</file>
-
-<file path=ppt/slides/slide6.xml><?xml version="1.0" encoding="utf-8"?>
-<p:sld xmlns:a="http://schemas.openxmlformats.org/drawingml/2006/main" xmlns:p="http://schemas.openxmlformats.org/presentationml/2006/main" xmlns:r="http://schemas.openxmlformats.org/officeDocument/2006/relationships" xmlns:p14="http://schemas.microsoft.com/office/powerpoint/2010/main" xmlns:p15="http://schemas.microsoft.com/office/powerpoint/2012/main" xmlns:mc="http://schemas.openxmlformats.org/markup-compatibility/2006">
-  <p:cSld>
-    <p:spTree>
-      <p:nvGrpSpPr>
-        <p:cNvPr id="1" name=""/>
-        <p:cNvGrpSpPr/>
-        <p:nvPr/>
-      </p:nvGrpSpPr>
-      <p:grpSpPr>
-        <a:xfrm>
-          <a:off x="0" y="0"/>
-          <a:ext cx="0" cy="0"/>
-          <a:chOff x="0" y="0"/>
-          <a:chExt cx="0" cy="0"/>
-        </a:xfrm>
-      </p:grpSpPr>
-      <p:sp>
-        <p:nvSpPr>
-          <p:cNvPr id="170" name="CustomShape 1"/>
-          <p:cNvSpPr/>
-          <p:nvPr/>
-        </p:nvSpPr>
-        <p:spPr>
-          <a:xfrm>
-            <a:off x="318960" y="970560"/>
-            <a:ext cx="4480200" cy="5240160"/>
-          </a:xfrm>
-          <a:prstGeom prst="rect">
-            <a:avLst/>
-          </a:prstGeom>
-          <a:noFill/>
-          <a:ln w="9360">
-            <a:noFill/>
-          </a:ln>
-        </p:spPr>
-        <p:style>
-          <a:lnRef idx="0"/>
-          <a:fillRef idx="0"/>
-          <a:effectRef idx="0"/>
-          <a:fontRef idx="minor"/>
-        </p:style>
-        <p:txBody>
-          <a:bodyPr lIns="0" rIns="0" tIns="0" bIns="0"/>
-          <a:p>
-            <a:pPr>
-              <a:lnSpc>
-                <a:spcPct val="100000"/>
-              </a:lnSpc>
-              <a:spcBef>
-                <a:spcPts val="561"/>
-              </a:spcBef>
-            </a:pPr>
-            <a:r>
-              <a:rPr b="0" lang="en-US" sz="2800" spc="-1" strike="noStrike">
-                <a:solidFill>
-                  <a:srgbClr val="000000"/>
-                </a:solidFill>
-                <a:latin typeface="Arial"/>
-                <a:ea typeface="DejaVu Sans"/>
-              </a:rPr>
-              <a:t>Android Studio</a:t>
-            </a:r>
-            <a:endParaRPr b="0" lang="en-US" sz="2800" spc="-1" strike="noStrike">
-              <a:latin typeface="Arial"/>
-            </a:endParaRPr>
-          </a:p>
-          <a:p>
-            <a:pPr>
-              <a:lnSpc>
-                <a:spcPct val="100000"/>
-              </a:lnSpc>
-              <a:spcBef>
-                <a:spcPts val="400"/>
-              </a:spcBef>
-            </a:pPr>
-            <a:endParaRPr b="0" lang="en-US" sz="2800" spc="-1" strike="noStrike">
-              <a:latin typeface="Arial"/>
-            </a:endParaRPr>
-          </a:p>
-          <a:p>
-            <a:pPr>
-              <a:lnSpc>
-                <a:spcPct val="100000"/>
-              </a:lnSpc>
-              <a:spcBef>
-                <a:spcPts val="400"/>
-              </a:spcBef>
-            </a:pPr>
-            <a:r>
-              <a:rPr b="0" lang="en-US" sz="2000" spc="-1" strike="noStrike">
-                <a:solidFill>
-                  <a:srgbClr val="000000"/>
-                </a:solidFill>
-                <a:latin typeface="Arial"/>
-                <a:ea typeface="DejaVu Sans"/>
-              </a:rPr>
-              <a:t>3. Intelligent code editor</a:t>
-            </a:r>
-            <a:endParaRPr b="0" lang="en-US" sz="2000" spc="-1" strike="noStrike">
-              <a:latin typeface="Arial"/>
-            </a:endParaRPr>
-          </a:p>
-          <a:p>
-            <a:pPr marL="285840" indent="-284400">
-              <a:lnSpc>
-                <a:spcPct val="100000"/>
-              </a:lnSpc>
-              <a:spcBef>
-                <a:spcPts val="360"/>
-              </a:spcBef>
-              <a:buClr>
-                <a:srgbClr val="003073"/>
-              </a:buClr>
-              <a:buFont typeface="Arial"/>
-              <a:buChar char="•"/>
-            </a:pPr>
-            <a:r>
-              <a:rPr b="0" lang="en-US" sz="1800" spc="-1" strike="noStrike">
-                <a:solidFill>
-                  <a:srgbClr val="000000"/>
-                </a:solidFill>
-                <a:latin typeface="Arial"/>
-                <a:ea typeface="DejaVu Sans"/>
-              </a:rPr>
-              <a:t> </a:t>
-            </a:r>
-            <a:r>
-              <a:rPr b="0" lang="en-US" sz="1800" spc="-1" strike="noStrike">
-                <a:solidFill>
-                  <a:srgbClr val="000000"/>
-                </a:solidFill>
-                <a:latin typeface="Arial"/>
-                <a:ea typeface="DejaVu Sans"/>
-              </a:rPr>
-              <a:t>based on IntelliJ IDEA</a:t>
-            </a:r>
-            <a:endParaRPr b="0" lang="en-US" sz="1800" spc="-1" strike="noStrike">
-              <a:latin typeface="Arial"/>
-            </a:endParaRPr>
-          </a:p>
-          <a:p>
-            <a:pPr marL="360">
-              <a:lnSpc>
-                <a:spcPct val="100000"/>
-              </a:lnSpc>
-              <a:spcBef>
-                <a:spcPts val="360"/>
-              </a:spcBef>
-            </a:pPr>
-            <a:r>
-              <a:rPr b="0" lang="en-US" sz="1800" spc="-1" strike="noStrike">
-                <a:solidFill>
-                  <a:srgbClr val="000000"/>
-                </a:solidFill>
-                <a:latin typeface="Arial"/>
-                <a:ea typeface="DejaVu Sans"/>
-              </a:rPr>
-              <a:t>4</a:t>
-            </a:r>
-            <a:r>
-              <a:rPr b="0" lang="en-US" sz="2000" spc="-1" strike="noStrike">
-                <a:solidFill>
-                  <a:srgbClr val="000000"/>
-                </a:solidFill>
-                <a:latin typeface="Arial"/>
-                <a:ea typeface="DejaVu Sans"/>
-              </a:rPr>
-              <a:t>. Realtime profilers</a:t>
-            </a:r>
-            <a:endParaRPr b="0" lang="en-US" sz="2000" spc="-1" strike="noStrike">
-              <a:latin typeface="Arial"/>
-            </a:endParaRPr>
-          </a:p>
-          <a:p>
-            <a:pPr marL="285840" indent="-284400">
-              <a:lnSpc>
-                <a:spcPct val="100000"/>
-              </a:lnSpc>
-              <a:spcBef>
-                <a:spcPts val="360"/>
-              </a:spcBef>
-              <a:buClr>
-                <a:srgbClr val="003073"/>
-              </a:buClr>
-              <a:buFont typeface="Arial"/>
-              <a:buChar char="•"/>
-            </a:pPr>
-            <a:r>
-              <a:rPr b="0" lang="en-US" sz="1800" spc="-1" strike="noStrike">
-                <a:solidFill>
-                  <a:srgbClr val="000000"/>
-                </a:solidFill>
-                <a:latin typeface="Arial"/>
-                <a:ea typeface="DejaVu Sans"/>
-              </a:rPr>
-              <a:t>measure app performance</a:t>
-            </a:r>
-            <a:endParaRPr b="0" lang="en-US" sz="1800" spc="-1" strike="noStrike">
-              <a:latin typeface="Arial"/>
-            </a:endParaRPr>
-          </a:p>
-        </p:txBody>
-      </p:sp>
-      <p:sp>
-        <p:nvSpPr>
-          <p:cNvPr id="171" name="CustomShape 2"/>
-          <p:cNvSpPr/>
-          <p:nvPr/>
-        </p:nvSpPr>
-        <p:spPr>
-          <a:xfrm>
-            <a:off x="648000" y="0"/>
-            <a:ext cx="9270720" cy="646560"/>
-          </a:xfrm>
-          <a:prstGeom prst="rect">
-            <a:avLst/>
-          </a:prstGeom>
-          <a:noFill/>
-          <a:ln w="9360">
-            <a:noFill/>
-          </a:ln>
-        </p:spPr>
-        <p:style>
-          <a:lnRef idx="0"/>
-          <a:fillRef idx="0"/>
-          <a:effectRef idx="0"/>
-          <a:fontRef idx="minor"/>
-        </p:style>
-        <p:txBody>
-          <a:bodyPr lIns="324000" rIns="324000" tIns="108000" bIns="108000" anchor="ctr">
-            <a:normAutofit/>
-          </a:bodyPr>
-          <a:p>
-            <a:pPr>
-              <a:lnSpc>
-                <a:spcPts val="2149"/>
-              </a:lnSpc>
-            </a:pPr>
-            <a:r>
-              <a:rPr b="1" lang="en-US" sz="2000" spc="-1" strike="noStrike">
-                <a:solidFill>
-                  <a:srgbClr val="ffffff"/>
-                </a:solidFill>
-                <a:latin typeface="Arial"/>
-                <a:ea typeface="DejaVu Sans"/>
-              </a:rPr>
-              <a:t>2. Develop Framework</a:t>
-            </a:r>
-            <a:endParaRPr b="0" lang="en-US" sz="2000" spc="-1" strike="noStrike">
-              <a:latin typeface="Arial"/>
-            </a:endParaRPr>
-          </a:p>
-        </p:txBody>
-      </p:sp>
-      <p:sp>
-        <p:nvSpPr>
-          <p:cNvPr id="172" name="CustomShape 3"/>
-          <p:cNvSpPr/>
-          <p:nvPr/>
-        </p:nvSpPr>
-        <p:spPr>
-          <a:xfrm>
-            <a:off x="1630800" y="6534720"/>
-            <a:ext cx="9587880" cy="322560"/>
-          </a:xfrm>
-          <a:prstGeom prst="rect">
-            <a:avLst/>
-          </a:prstGeom>
-          <a:noFill/>
-          <a:ln w="9360">
-            <a:noFill/>
-          </a:ln>
-        </p:spPr>
-        <p:style>
-          <a:lnRef idx="0"/>
-          <a:fillRef idx="0"/>
-          <a:effectRef idx="0"/>
-          <a:fontRef idx="minor"/>
-        </p:style>
-        <p:txBody>
-          <a:bodyPr lIns="0" rIns="0" tIns="54000" bIns="54000" anchor="ctr"/>
-          <a:p>
-            <a:pPr>
-              <a:lnSpc>
-                <a:spcPct val="90000"/>
-              </a:lnSpc>
-              <a:spcAft>
-                <a:spcPts val="499"/>
-              </a:spcAft>
-            </a:pPr>
-            <a:r>
-              <a:rPr b="0" lang="en-US" sz="1000" spc="-1" strike="noStrike">
-                <a:solidFill>
-                  <a:srgbClr val="595959"/>
-                </a:solidFill>
-                <a:latin typeface="Arial"/>
-                <a:ea typeface="DejaVu Sans"/>
-              </a:rPr>
-              <a:t>DCAITI -Projekt </a:t>
-            </a:r>
-            <a:endParaRPr b="0" lang="en-US" sz="1000" spc="-1" strike="noStrike">
-              <a:latin typeface="Arial"/>
-            </a:endParaRPr>
-          </a:p>
-        </p:txBody>
-      </p:sp>
-      <p:sp>
-        <p:nvSpPr>
-          <p:cNvPr id="173" name="CustomShape 4"/>
-          <p:cNvSpPr/>
-          <p:nvPr/>
-        </p:nvSpPr>
-        <p:spPr>
-          <a:xfrm>
-            <a:off x="318960" y="6534720"/>
-            <a:ext cx="986400" cy="322560"/>
-          </a:xfrm>
-          <a:prstGeom prst="rect">
-            <a:avLst/>
-          </a:prstGeom>
-          <a:noFill/>
-          <a:ln w="9360">
-            <a:noFill/>
-          </a:ln>
-        </p:spPr>
-        <p:style>
-          <a:lnRef idx="0"/>
-          <a:fillRef idx="0"/>
-          <a:effectRef idx="0"/>
-          <a:fontRef idx="minor"/>
-        </p:style>
-        <p:txBody>
-          <a:bodyPr lIns="0" rIns="0" tIns="54000" bIns="54000" anchor="ctr"/>
-          <a:p>
-            <a:pPr algn="ctr">
-              <a:lnSpc>
-                <a:spcPct val="100000"/>
-              </a:lnSpc>
-            </a:pPr>
-            <a:r>
-              <a:rPr b="0" lang="en-US" sz="1200" spc="-1" strike="noStrike">
-                <a:solidFill>
-                  <a:srgbClr val="595959"/>
-                </a:solidFill>
-                <a:latin typeface="Arial"/>
-                <a:ea typeface="DejaVu Sans"/>
-              </a:rPr>
-              <a:t>18.11.2020</a:t>
-            </a:r>
-            <a:endParaRPr b="0" lang="en-US" sz="1200" spc="-1" strike="noStrike">
-              <a:latin typeface="Arial"/>
-            </a:endParaRPr>
-          </a:p>
-        </p:txBody>
-      </p:sp>
-      <p:sp>
-        <p:nvSpPr>
-          <p:cNvPr id="174" name="CustomShape 5"/>
-          <p:cNvSpPr/>
-          <p:nvPr/>
-        </p:nvSpPr>
-        <p:spPr>
-          <a:xfrm>
-            <a:off x="11279520" y="6232320"/>
-            <a:ext cx="587160" cy="684360"/>
-          </a:xfrm>
-          <a:prstGeom prst="rect">
-            <a:avLst/>
-          </a:prstGeom>
-          <a:noFill/>
-          <a:ln w="9360">
-            <a:noFill/>
-          </a:ln>
-        </p:spPr>
-        <p:style>
-          <a:lnRef idx="0"/>
-          <a:fillRef idx="0"/>
-          <a:effectRef idx="0"/>
-          <a:fontRef idx="minor"/>
-        </p:style>
-      </p:sp>
-      <p:sp>
-        <p:nvSpPr>
-          <p:cNvPr id="175" name="CustomShape 6"/>
-          <p:cNvSpPr/>
-          <p:nvPr/>
-        </p:nvSpPr>
-        <p:spPr>
-          <a:xfrm>
-            <a:off x="8696880" y="6527880"/>
-            <a:ext cx="2956680" cy="256680"/>
-          </a:xfrm>
-          <a:prstGeom prst="rect">
-            <a:avLst/>
-          </a:prstGeom>
-          <a:noFill/>
-          <a:ln>
-            <a:noFill/>
-          </a:ln>
-        </p:spPr>
-        <p:style>
-          <a:lnRef idx="0"/>
-          <a:fillRef idx="0"/>
-          <a:effectRef idx="0"/>
-          <a:fontRef idx="minor"/>
-        </p:style>
-        <p:txBody>
-          <a:bodyPr wrap="none" lIns="90000" rIns="90000" tIns="45000" bIns="45000"/>
-          <a:p>
-            <a:pPr>
-              <a:lnSpc>
-                <a:spcPct val="100000"/>
-              </a:lnSpc>
-            </a:pPr>
-            <a:r>
-              <a:rPr b="0" lang="en-US" sz="1100" spc="-1" strike="noStrike">
-                <a:solidFill>
-                  <a:srgbClr val="000000"/>
-                </a:solidFill>
-                <a:latin typeface="Arial"/>
-                <a:ea typeface="DejaVu Sans"/>
-              </a:rPr>
-              <a:t>Source: https://developer.android.com/studio</a:t>
-            </a:r>
-            <a:endParaRPr b="0" lang="en-US" sz="1100" spc="-1" strike="noStrike">
-              <a:latin typeface="Arial"/>
-            </a:endParaRPr>
-          </a:p>
-        </p:txBody>
-      </p:sp>
-      <p:pic>
-        <p:nvPicPr>
-          <p:cNvPr id="176" name="Picture 2" descr=""/>
-          <p:cNvPicPr/>
-          <p:nvPr/>
-        </p:nvPicPr>
-        <p:blipFill>
-          <a:blip r:embed="rId1"/>
-          <a:stretch/>
-        </p:blipFill>
-        <p:spPr>
-          <a:xfrm>
-            <a:off x="4114800" y="884520"/>
-            <a:ext cx="7294320" cy="5513400"/>
-          </a:xfrm>
-          <a:prstGeom prst="rect">
-            <a:avLst/>
-          </a:prstGeom>
-          <a:ln>
-            <a:noFill/>
-          </a:ln>
-        </p:spPr>
-      </p:pic>
-    </p:spTree>
-  </p:cSld>
-  <p:timing>
-    <p:tnLst>
-      <p:par>
-        <p:cTn id="11" dur="indefinite" restart="never" nodeType="tmRoot">
-          <p:childTnLst>
-            <p:seq>
-              <p:cTn id="12" dur="indefinite" nodeType="mainSeq"/>
-              <p:prevCondLst>
-                <p:cond delay="0" evt="onPrev">
-                  <p:tgtEl>
-                    <p:sldTgt/>
-                  </p:tgtEl>
-                </p:cond>
-              </p:prevCondLst>
-              <p:nextCondLst>
-                <p:cond delay="0" evt="onNext">
-                  <p:tgtEl>
-                    <p:sldTgt/>
-                  </p:tgtEl>
-                </p:cond>
-              </p:nextCondLst>
-            </p:seq>
-          </p:childTnLst>
-        </p:cTn>
-      </p:par>
-    </p:tnLst>
-  </p:timing>
-</p:sld>
-</file>
-
-<file path=ppt/slides/slide7.xml><?xml version="1.0" encoding="utf-8"?>
-<p:sld xmlns:a="http://schemas.openxmlformats.org/drawingml/2006/main" xmlns:p="http://schemas.openxmlformats.org/presentationml/2006/main" xmlns:r="http://schemas.openxmlformats.org/officeDocument/2006/relationships" xmlns:p14="http://schemas.microsoft.com/office/powerpoint/2010/main" xmlns:p15="http://schemas.microsoft.com/office/powerpoint/2012/main" xmlns:mc="http://schemas.openxmlformats.org/markup-compatibility/2006">
-  <p:cSld>
-    <p:spTree>
-      <p:nvGrpSpPr>
-        <p:cNvPr id="1" name=""/>
-        <p:cNvGrpSpPr/>
-        <p:nvPr/>
-      </p:nvGrpSpPr>
-      <p:grpSpPr>
-        <a:xfrm>
-          <a:off x="0" y="0"/>
-          <a:ext cx="0" cy="0"/>
-          <a:chOff x="0" y="0"/>
-          <a:chExt cx="0" cy="0"/>
-        </a:xfrm>
-      </p:grpSpPr>
-      <p:sp>
-        <p:nvSpPr>
-          <p:cNvPr id="177" name="CustomShape 1"/>
-          <p:cNvSpPr/>
-          <p:nvPr/>
-        </p:nvSpPr>
-        <p:spPr>
-          <a:xfrm>
-            <a:off x="648000" y="0"/>
-            <a:ext cx="9270720" cy="646560"/>
-          </a:xfrm>
-          <a:prstGeom prst="rect">
-            <a:avLst/>
-          </a:prstGeom>
-          <a:noFill/>
-          <a:ln>
-            <a:noFill/>
-          </a:ln>
-        </p:spPr>
-        <p:style>
-          <a:lnRef idx="0"/>
-          <a:fillRef idx="0"/>
-          <a:effectRef idx="0"/>
-          <a:fontRef idx="minor"/>
-        </p:style>
-        <p:txBody>
-          <a:bodyPr lIns="0" rIns="0" tIns="0" bIns="0" anchor="ctr"/>
-          <a:p>
-            <a:pPr>
-              <a:lnSpc>
-                <a:spcPts val="2149"/>
-              </a:lnSpc>
-            </a:pPr>
-            <a:r>
-              <a:rPr b="1" lang="en-US" sz="2000" spc="-1" strike="noStrike">
-                <a:solidFill>
-                  <a:srgbClr val="ffffff"/>
-                </a:solidFill>
-                <a:latin typeface="Arial"/>
-                <a:ea typeface="DejaVu Sans"/>
-              </a:rPr>
-              <a:t> </a:t>
-            </a:r>
-            <a:r>
-              <a:rPr b="1" lang="en-US" sz="2000" spc="-1" strike="noStrike">
-                <a:solidFill>
-                  <a:srgbClr val="ffffff"/>
-                </a:solidFill>
-                <a:latin typeface="Arial"/>
-                <a:ea typeface="DejaVu Sans"/>
-              </a:rPr>
-              <a:t>3. System Architecture </a:t>
-            </a:r>
-            <a:endParaRPr b="0" lang="en-US" sz="2000" spc="-1" strike="noStrike">
-              <a:latin typeface="Arial"/>
-            </a:endParaRPr>
-          </a:p>
-        </p:txBody>
-      </p:sp>
-      <p:pic>
-        <p:nvPicPr>
-          <p:cNvPr id="178" name="Grafik 180" descr=""/>
-          <p:cNvPicPr/>
-          <p:nvPr/>
-        </p:nvPicPr>
-        <p:blipFill>
-          <a:blip r:embed="rId1"/>
-          <a:stretch/>
-        </p:blipFill>
-        <p:spPr>
-          <a:xfrm>
-            <a:off x="1391040" y="2590560"/>
-            <a:ext cx="9032040" cy="3260520"/>
-          </a:xfrm>
-          <a:prstGeom prst="rect">
-            <a:avLst/>
-          </a:prstGeom>
-          <a:ln>
-            <a:noFill/>
-          </a:ln>
-        </p:spPr>
-      </p:pic>
-    </p:spTree>
-  </p:cSld>
-  <p:timing>
-    <p:tnLst>
-      <p:par>
-        <p:cTn id="13" dur="indefinite" restart="never" nodeType="tmRoot">
-          <p:childTnLst>
-            <p:seq>
-              <p:cTn id="14" dur="indefinite" nodeType="mainSeq"/>
-              <p:prevCondLst>
-                <p:cond delay="0" evt="onPrev">
-                  <p:tgtEl>
-                    <p:sldTgt/>
-                  </p:tgtEl>
-                </p:cond>
-              </p:prevCondLst>
-              <p:nextCondLst>
-                <p:cond delay="0" evt="onNext">
-                  <p:tgtEl>
-                    <p:sldTgt/>
-                  </p:tgtEl>
-                </p:cond>
-              </p:nextCondLst>
-            </p:seq>
-          </p:childTnLst>
-        </p:cTn>
-      </p:par>
-    </p:tnLst>
-  </p:timing>
-</p:sld>
-</file>
-
-<file path=ppt/slides/slide8.xml><?xml version="1.0" encoding="utf-8"?>
-<p:sld xmlns:a="http://schemas.openxmlformats.org/drawingml/2006/main" xmlns:p="http://schemas.openxmlformats.org/presentationml/2006/main" xmlns:r="http://schemas.openxmlformats.org/officeDocument/2006/relationships" xmlns:p14="http://schemas.microsoft.com/office/powerpoint/2010/main" xmlns:p15="http://schemas.microsoft.com/office/powerpoint/2012/main" xmlns:mc="http://schemas.openxmlformats.org/markup-compatibility/2006">
-  <p:cSld>
-    <p:spTree>
-      <p:nvGrpSpPr>
-        <p:cNvPr id="1" name=""/>
-        <p:cNvGrpSpPr/>
-        <p:nvPr/>
-      </p:nvGrpSpPr>
-      <p:grpSpPr>
-        <a:xfrm>
-          <a:off x="0" y="0"/>
-          <a:ext cx="0" cy="0"/>
-          <a:chOff x="0" y="0"/>
-          <a:chExt cx="0" cy="0"/>
-        </a:xfrm>
-      </p:grpSpPr>
-      <p:sp>
-        <p:nvSpPr>
-          <p:cNvPr id="179" name="CustomShape 1"/>
-          <p:cNvSpPr/>
-          <p:nvPr/>
-        </p:nvSpPr>
-        <p:spPr>
-          <a:xfrm>
-            <a:off x="648000" y="0"/>
-            <a:ext cx="9270720" cy="646560"/>
-          </a:xfrm>
-          <a:prstGeom prst="rect">
-            <a:avLst/>
-          </a:prstGeom>
-          <a:noFill/>
-          <a:ln w="9360">
-            <a:noFill/>
-          </a:ln>
-        </p:spPr>
-        <p:style>
-          <a:lnRef idx="0"/>
-          <a:fillRef idx="0"/>
-          <a:effectRef idx="0"/>
-          <a:fontRef idx="minor"/>
-        </p:style>
-        <p:txBody>
-          <a:bodyPr lIns="324000" rIns="324000" tIns="108000" bIns="108000" anchor="ctr">
-            <a:normAutofit/>
-          </a:bodyPr>
-          <a:p>
-            <a:pPr>
-              <a:lnSpc>
-                <a:spcPts val="2149"/>
-              </a:lnSpc>
-            </a:pPr>
-            <a:r>
-              <a:rPr b="1" lang="en-US" sz="2000" spc="-1" strike="noStrike">
-                <a:solidFill>
-                  <a:srgbClr val="ffffff"/>
-                </a:solidFill>
-                <a:latin typeface="Arial"/>
-                <a:ea typeface="DejaVu Sans"/>
-              </a:rPr>
-              <a:t>4. Tasks</a:t>
-            </a:r>
-            <a:endParaRPr b="0" lang="en-US" sz="2000" spc="-1" strike="noStrike">
-              <a:latin typeface="Arial"/>
-            </a:endParaRPr>
-          </a:p>
-        </p:txBody>
-      </p:sp>
-      <p:sp>
-        <p:nvSpPr>
-          <p:cNvPr id="180" name="CustomShape 2"/>
-          <p:cNvSpPr/>
-          <p:nvPr/>
-        </p:nvSpPr>
-        <p:spPr>
-          <a:xfrm>
-            <a:off x="1630800" y="6534720"/>
-            <a:ext cx="9587880" cy="322560"/>
-          </a:xfrm>
-          <a:prstGeom prst="rect">
-            <a:avLst/>
-          </a:prstGeom>
-          <a:noFill/>
-          <a:ln w="9360">
-            <a:noFill/>
-          </a:ln>
-        </p:spPr>
-        <p:style>
-          <a:lnRef idx="0"/>
-          <a:fillRef idx="0"/>
-          <a:effectRef idx="0"/>
-          <a:fontRef idx="minor"/>
-        </p:style>
-        <p:txBody>
-          <a:bodyPr lIns="0" rIns="0" tIns="54000" bIns="54000" anchor="ctr"/>
-          <a:p>
-            <a:pPr>
-              <a:lnSpc>
-                <a:spcPct val="90000"/>
-              </a:lnSpc>
-              <a:spcAft>
-                <a:spcPts val="499"/>
-              </a:spcAft>
-            </a:pPr>
-            <a:r>
-              <a:rPr b="0" lang="en-US" sz="1000" spc="-1" strike="noStrike">
-                <a:solidFill>
-                  <a:srgbClr val="595959"/>
-                </a:solidFill>
-                <a:latin typeface="Arial"/>
-                <a:ea typeface="DejaVu Sans"/>
-              </a:rPr>
-              <a:t>DCAITI -Projekt </a:t>
-            </a:r>
-            <a:endParaRPr b="0" lang="en-US" sz="1000" spc="-1" strike="noStrike">
-              <a:latin typeface="Arial"/>
-            </a:endParaRPr>
-          </a:p>
-        </p:txBody>
-      </p:sp>
-      <p:sp>
-        <p:nvSpPr>
-          <p:cNvPr id="181" name="CustomShape 3"/>
-          <p:cNvSpPr/>
-          <p:nvPr/>
-        </p:nvSpPr>
-        <p:spPr>
-          <a:xfrm>
-            <a:off x="318960" y="6534720"/>
-            <a:ext cx="986400" cy="322560"/>
-          </a:xfrm>
-          <a:prstGeom prst="rect">
-            <a:avLst/>
-          </a:prstGeom>
-          <a:noFill/>
-          <a:ln w="9360">
-            <a:noFill/>
-          </a:ln>
-        </p:spPr>
-        <p:style>
-          <a:lnRef idx="0"/>
-          <a:fillRef idx="0"/>
-          <a:effectRef idx="0"/>
-          <a:fontRef idx="minor"/>
-        </p:style>
-        <p:txBody>
-          <a:bodyPr lIns="0" rIns="0" tIns="54000" bIns="54000" anchor="ctr"/>
-          <a:p>
-            <a:pPr algn="ctr">
-              <a:lnSpc>
-                <a:spcPct val="100000"/>
-              </a:lnSpc>
-            </a:pPr>
-            <a:r>
-              <a:rPr b="0" lang="en-US" sz="1200" spc="-1" strike="noStrike">
-                <a:solidFill>
-                  <a:srgbClr val="595959"/>
-                </a:solidFill>
-                <a:latin typeface="Arial"/>
-                <a:ea typeface="DejaVu Sans"/>
-              </a:rPr>
-              <a:t>18.11.2020</a:t>
-            </a:r>
-            <a:endParaRPr b="0" lang="en-US" sz="1200" spc="-1" strike="noStrike">
-              <a:latin typeface="Arial"/>
-            </a:endParaRPr>
-          </a:p>
-        </p:txBody>
-      </p:sp>
-      <p:sp>
-        <p:nvSpPr>
-          <p:cNvPr id="182" name="CustomShape 4"/>
-          <p:cNvSpPr/>
-          <p:nvPr/>
-        </p:nvSpPr>
-        <p:spPr>
-          <a:xfrm>
-            <a:off x="11279520" y="6232320"/>
-            <a:ext cx="587160" cy="684360"/>
-          </a:xfrm>
-          <a:prstGeom prst="rect">
-            <a:avLst/>
-          </a:prstGeom>
-          <a:noFill/>
-          <a:ln w="9360">
-            <a:noFill/>
-          </a:ln>
-        </p:spPr>
-        <p:style>
-          <a:lnRef idx="0"/>
-          <a:fillRef idx="0"/>
-          <a:effectRef idx="0"/>
-          <a:fontRef idx="minor"/>
-        </p:style>
-      </p:sp>
-      <p:grpSp>
-        <p:nvGrpSpPr>
-          <p:cNvPr id="183" name="Group 5"/>
-          <p:cNvGrpSpPr/>
-          <p:nvPr/>
-        </p:nvGrpSpPr>
-        <p:grpSpPr>
-          <a:xfrm>
-            <a:off x="686520" y="1600560"/>
-            <a:ext cx="8813880" cy="3655080"/>
-            <a:chOff x="686520" y="1600560"/>
-            <a:chExt cx="8813880" cy="3655080"/>
-          </a:xfrm>
-        </p:grpSpPr>
-        <p:sp>
-          <p:nvSpPr>
-            <p:cNvPr id="184" name="CustomShape 6"/>
-            <p:cNvSpPr/>
-            <p:nvPr/>
-          </p:nvSpPr>
-          <p:spPr>
-            <a:xfrm rot="5400000">
-              <a:off x="483840" y="1803960"/>
-              <a:ext cx="1349280" cy="944280"/>
-            </a:xfrm>
-            <a:prstGeom prst="chevron">
-              <a:avLst>
-                <a:gd name="adj" fmla="val 50000"/>
-              </a:avLst>
-            </a:prstGeom>
-            <a:solidFill>
-              <a:schemeClr val="lt1">
-                <a:hueOff val="0"/>
-                <a:satOff val="0"/>
-                <a:lumOff val="0"/>
-                <a:alphaOff val="0"/>
-              </a:schemeClr>
-            </a:solidFill>
-            <a:ln>
-              <a:solidFill>
-                <a:schemeClr val="accent5">
-                  <a:shade val="80000"/>
-                  <a:hueOff val="0"/>
-                  <a:satOff val="0"/>
-                  <a:lumOff val="0"/>
-                  <a:alphaOff val="0"/>
-                </a:schemeClr>
-              </a:solidFill>
-              <a:round/>
-            </a:ln>
-          </p:spPr>
-          <p:style>
-            <a:lnRef idx="2"/>
-            <a:fillRef idx="0"/>
-            <a:effectRef idx="0"/>
-            <a:fontRef idx="minor"/>
-          </p:style>
-        </p:sp>
-        <p:sp>
-          <p:nvSpPr>
-            <p:cNvPr id="185" name="CustomShape 7"/>
-            <p:cNvSpPr/>
-            <p:nvPr/>
-          </p:nvSpPr>
-          <p:spPr>
-            <a:xfrm rot="5400000">
-              <a:off x="5136120" y="-1885680"/>
-              <a:ext cx="877680" cy="7850520"/>
-            </a:xfrm>
-            <a:prstGeom prst="round2SameRect">
-              <a:avLst>
-                <a:gd name="adj1" fmla="val 16667"/>
-                <a:gd name="adj2" fmla="val 0"/>
-              </a:avLst>
-            </a:prstGeom>
-            <a:solidFill>
-              <a:schemeClr val="accent5">
-                <a:alpha val="90000"/>
-                <a:tint val="40000"/>
-                <a:hueOff val="0"/>
-                <a:satOff val="0"/>
-                <a:lumOff val="0"/>
-                <a:alphaOff val="0"/>
-              </a:schemeClr>
-            </a:solidFill>
-            <a:ln>
-              <a:solidFill>
-                <a:schemeClr val="accent5">
-                  <a:hueOff val="0"/>
-                  <a:satOff val="0"/>
-                  <a:lumOff val="0"/>
-                  <a:alphaOff val="0"/>
-                </a:schemeClr>
-              </a:solidFill>
-              <a:round/>
-            </a:ln>
-          </p:spPr>
-          <p:style>
-            <a:lnRef idx="2"/>
-            <a:fillRef idx="0"/>
-            <a:effectRef idx="0"/>
-            <a:fontRef idx="minor"/>
-          </p:style>
-          <p:txBody>
-            <a:bodyPr lIns="128160" rIns="11520" tIns="11520" bIns="11520" anchor="ctr" rot="-5400000"/>
-            <a:p>
-              <a:pPr lvl="1" marL="171360" indent="-170640">
-                <a:lnSpc>
-                  <a:spcPct val="90000"/>
-                </a:lnSpc>
-                <a:spcAft>
-                  <a:spcPts val="269"/>
-                </a:spcAft>
-                <a:buClr>
-                  <a:srgbClr val="000000"/>
-                </a:buClr>
-                <a:buFont typeface="Symbol"/>
-                <a:buChar char=""/>
-              </a:pPr>
-              <a:r>
-                <a:rPr b="0" lang="en-US" sz="1800" spc="-1" strike="noStrike">
-                  <a:solidFill>
-                    <a:srgbClr val="000000"/>
-                  </a:solidFill>
-                  <a:latin typeface="Arial"/>
-                  <a:ea typeface="DejaVu Sans"/>
-                </a:rPr>
-                <a:t>Request, analysis and visualization of traffic lights information</a:t>
-              </a:r>
-              <a:endParaRPr b="0" lang="en-US" sz="1800" spc="-1" strike="noStrike">
-                <a:latin typeface="Arial"/>
-              </a:endParaRPr>
-            </a:p>
-          </p:txBody>
-        </p:sp>
-        <p:sp>
-          <p:nvSpPr>
-            <p:cNvPr id="186" name="CustomShape 8"/>
-            <p:cNvSpPr/>
-            <p:nvPr/>
-          </p:nvSpPr>
-          <p:spPr>
-            <a:xfrm rot="5400000">
-              <a:off x="489600" y="2945880"/>
-              <a:ext cx="1349280" cy="944280"/>
-            </a:xfrm>
-            <a:prstGeom prst="chevron">
-              <a:avLst>
-                <a:gd name="adj" fmla="val 50000"/>
-              </a:avLst>
-            </a:prstGeom>
-            <a:solidFill>
-              <a:schemeClr val="lt1">
-                <a:hueOff val="0"/>
-                <a:satOff val="0"/>
-                <a:lumOff val="0"/>
-                <a:alphaOff val="0"/>
-              </a:schemeClr>
-            </a:solidFill>
-            <a:ln>
-              <a:solidFill>
-                <a:schemeClr val="accent5">
-                  <a:shade val="80000"/>
-                  <a:hueOff val="0"/>
-                  <a:satOff val="0"/>
-                  <a:lumOff val="0"/>
-                  <a:alphaOff val="0"/>
-                </a:schemeClr>
-              </a:solidFill>
-              <a:round/>
-            </a:ln>
-          </p:spPr>
-          <p:style>
-            <a:lnRef idx="2"/>
-            <a:fillRef idx="0"/>
-            <a:effectRef idx="0"/>
-            <a:fontRef idx="minor"/>
-          </p:style>
-        </p:sp>
-        <p:sp>
-          <p:nvSpPr>
-            <p:cNvPr id="187" name="CustomShape 9"/>
-            <p:cNvSpPr/>
-            <p:nvPr/>
-          </p:nvSpPr>
-          <p:spPr>
-            <a:xfrm rot="5400000">
-              <a:off x="5127480" y="-741960"/>
-              <a:ext cx="876960" cy="7868880"/>
-            </a:xfrm>
-            <a:prstGeom prst="round2SameRect">
-              <a:avLst>
-                <a:gd name="adj1" fmla="val 16667"/>
-                <a:gd name="adj2" fmla="val 0"/>
-              </a:avLst>
-            </a:prstGeom>
-            <a:solidFill>
-              <a:schemeClr val="accent5">
-                <a:alpha val="90000"/>
-                <a:tint val="40000"/>
-                <a:hueOff val="0"/>
-                <a:satOff val="0"/>
-                <a:lumOff val="0"/>
-                <a:alphaOff val="0"/>
-              </a:schemeClr>
-            </a:solidFill>
-            <a:ln>
-              <a:solidFill>
-                <a:schemeClr val="accent5">
-                  <a:hueOff val="0"/>
-                  <a:satOff val="0"/>
-                  <a:lumOff val="0"/>
-                  <a:alphaOff val="0"/>
-                </a:schemeClr>
-              </a:solidFill>
-              <a:round/>
-            </a:ln>
-          </p:spPr>
-          <p:style>
-            <a:lnRef idx="2"/>
-            <a:fillRef idx="0"/>
-            <a:effectRef idx="0"/>
-            <a:fontRef idx="minor"/>
-          </p:style>
-          <p:txBody>
-            <a:bodyPr lIns="128160" rIns="11520" tIns="11520" bIns="11520" anchor="ctr" rot="-5400000"/>
-            <a:p>
-              <a:pPr lvl="1" marL="171360" indent="-170640">
-                <a:lnSpc>
-                  <a:spcPct val="90000"/>
-                </a:lnSpc>
-                <a:spcAft>
-                  <a:spcPts val="269"/>
-                </a:spcAft>
-                <a:buClr>
-                  <a:srgbClr val="000000"/>
-                </a:buClr>
-                <a:buFont typeface="Symbol"/>
-                <a:buChar char=""/>
-              </a:pPr>
-              <a:r>
-                <a:rPr b="0" lang="en-US" sz="1800" spc="-1" strike="noStrike">
-                  <a:solidFill>
-                    <a:srgbClr val="000000"/>
-                  </a:solidFill>
-                  <a:latin typeface="Arial"/>
-                  <a:ea typeface="DejaVu Sans"/>
-                </a:rPr>
-                <a:t>Decision of driving strategy</a:t>
-              </a:r>
-              <a:endParaRPr b="0" lang="en-US" sz="1800" spc="-1" strike="noStrike">
-                <a:latin typeface="Arial"/>
-              </a:endParaRPr>
-            </a:p>
-          </p:txBody>
-        </p:sp>
-        <p:sp>
-          <p:nvSpPr>
-            <p:cNvPr id="188" name="CustomShape 10"/>
-            <p:cNvSpPr/>
-            <p:nvPr/>
-          </p:nvSpPr>
-          <p:spPr>
-            <a:xfrm rot="5400000">
-              <a:off x="483840" y="4108680"/>
-              <a:ext cx="1349280" cy="944280"/>
-            </a:xfrm>
-            <a:prstGeom prst="chevron">
-              <a:avLst>
-                <a:gd name="adj" fmla="val 50000"/>
-              </a:avLst>
-            </a:prstGeom>
-            <a:solidFill>
-              <a:schemeClr val="lt1">
-                <a:hueOff val="0"/>
-                <a:satOff val="0"/>
-                <a:lumOff val="0"/>
-                <a:alphaOff val="0"/>
-              </a:schemeClr>
-            </a:solidFill>
-            <a:ln>
-              <a:solidFill>
-                <a:schemeClr val="accent5">
-                  <a:shade val="80000"/>
-                  <a:hueOff val="0"/>
-                  <a:satOff val="0"/>
-                  <a:lumOff val="0"/>
-                  <a:alphaOff val="0"/>
-                </a:schemeClr>
-              </a:solidFill>
-              <a:round/>
-            </a:ln>
-          </p:spPr>
-          <p:style>
-            <a:lnRef idx="2"/>
-            <a:fillRef idx="0"/>
-            <a:effectRef idx="0"/>
-            <a:fontRef idx="minor"/>
-          </p:style>
-        </p:sp>
-        <p:sp>
-          <p:nvSpPr>
-            <p:cNvPr id="189" name="CustomShape 11"/>
-            <p:cNvSpPr/>
-            <p:nvPr/>
-          </p:nvSpPr>
-          <p:spPr>
-            <a:xfrm rot="5400000">
-              <a:off x="5127480" y="409680"/>
-              <a:ext cx="876960" cy="7868880"/>
-            </a:xfrm>
-            <a:prstGeom prst="round2SameRect">
-              <a:avLst>
-                <a:gd name="adj1" fmla="val 16667"/>
-                <a:gd name="adj2" fmla="val 0"/>
-              </a:avLst>
-            </a:prstGeom>
-            <a:solidFill>
-              <a:schemeClr val="accent5">
-                <a:alpha val="90000"/>
-                <a:tint val="40000"/>
-                <a:hueOff val="0"/>
-                <a:satOff val="0"/>
-                <a:lumOff val="0"/>
-                <a:alphaOff val="0"/>
-              </a:schemeClr>
-            </a:solidFill>
-            <a:ln>
-              <a:solidFill>
-                <a:schemeClr val="accent5">
-                  <a:hueOff val="0"/>
-                  <a:satOff val="0"/>
-                  <a:lumOff val="0"/>
-                  <a:alphaOff val="0"/>
-                </a:schemeClr>
-              </a:solidFill>
-              <a:round/>
-            </a:ln>
-          </p:spPr>
-          <p:style>
-            <a:lnRef idx="2"/>
-            <a:fillRef idx="0"/>
-            <a:effectRef idx="0"/>
-            <a:fontRef idx="minor"/>
-          </p:style>
-          <p:txBody>
-            <a:bodyPr lIns="128160" rIns="11520" tIns="11520" bIns="11520" anchor="ctr" rot="-5400000"/>
-            <a:p>
-              <a:pPr lvl="1" marL="171360" indent="-170640">
-                <a:lnSpc>
-                  <a:spcPct val="90000"/>
-                </a:lnSpc>
-                <a:spcAft>
-                  <a:spcPts val="269"/>
-                </a:spcAft>
-                <a:buClr>
-                  <a:srgbClr val="000000"/>
-                </a:buClr>
-                <a:buFont typeface="Symbol"/>
-                <a:buChar char=""/>
-              </a:pPr>
-              <a:r>
-                <a:rPr b="0" lang="en-US" sz="1800" spc="-1" strike="noStrike">
-                  <a:solidFill>
-                    <a:srgbClr val="000000"/>
-                  </a:solidFill>
-                  <a:latin typeface="Arial"/>
-                  <a:ea typeface="DejaVu Sans"/>
-                </a:rPr>
-                <a:t>Simulation and evaluation</a:t>
-              </a:r>
-              <a:endParaRPr b="0" lang="en-US" sz="1800" spc="-1" strike="noStrike">
-                <a:latin typeface="Arial"/>
-              </a:endParaRPr>
-            </a:p>
-          </p:txBody>
-        </p:sp>
-      </p:grpSp>
-      <p:grpSp>
-        <p:nvGrpSpPr>
-          <p:cNvPr id="190" name="Group 12"/>
-          <p:cNvGrpSpPr/>
-          <p:nvPr/>
-        </p:nvGrpSpPr>
-        <p:grpSpPr>
-          <a:xfrm>
-            <a:off x="0" y="0"/>
-            <a:ext cx="36000" cy="36000"/>
-            <a:chOff x="0" y="0"/>
-            <a:chExt cx="36000" cy="36000"/>
-          </a:xfrm>
-        </p:grpSpPr>
-      </p:grpSp>
-    </p:spTree>
-  </p:cSld>
-  <p:timing>
-    <p:tnLst>
-      <p:par>
-        <p:cTn id="15" dur="indefinite" restart="never" nodeType="tmRoot">
-          <p:childTnLst>
-            <p:seq>
-              <p:cTn id="16" dur="indefinite" nodeType="mainSeq"/>
-              <p:prevCondLst>
-                <p:cond delay="0" evt="onPrev">
-                  <p:tgtEl>
-                    <p:sldTgt/>
-                  </p:tgtEl>
-                </p:cond>
-              </p:prevCondLst>
-              <p:nextCondLst>
-                <p:cond delay="0" evt="onNext">
-                  <p:tgtEl>
-                    <p:sldTgt/>
-                  </p:tgtEl>
-                </p:cond>
-              </p:nextCondLst>
-            </p:seq>
-          </p:childTnLst>
-        </p:cTn>
-      </p:par>
-    </p:tnLst>
-  </p:timing>
-</p:sld>
-</file>
-
-<file path=ppt/slides/slide9.xml><?xml version="1.0" encoding="utf-8"?>
-<p:sld xmlns:a="http://schemas.openxmlformats.org/drawingml/2006/main" xmlns:p="http://schemas.openxmlformats.org/presentationml/2006/main" xmlns:r="http://schemas.openxmlformats.org/officeDocument/2006/relationships" xmlns:p14="http://schemas.microsoft.com/office/powerpoint/2010/main" xmlns:p15="http://schemas.microsoft.com/office/powerpoint/2012/main" xmlns:mc="http://schemas.openxmlformats.org/markup-compatibility/2006">
-  <p:cSld>
-    <p:spTree>
-      <p:nvGrpSpPr>
-        <p:cNvPr id="1" name=""/>
-        <p:cNvGrpSpPr/>
-        <p:nvPr/>
-      </p:nvGrpSpPr>
-      <p:grpSpPr>
-        <a:xfrm>
-          <a:off x="0" y="0"/>
-          <a:ext cx="0" cy="0"/>
-          <a:chOff x="0" y="0"/>
-          <a:chExt cx="0" cy="0"/>
-        </a:xfrm>
-      </p:grpSpPr>
-      <p:sp>
-        <p:nvSpPr>
-          <p:cNvPr id="191" name="CustomShape 1"/>
-          <p:cNvSpPr/>
-          <p:nvPr/>
-        </p:nvSpPr>
-        <p:spPr>
-          <a:xfrm>
-            <a:off x="648000" y="0"/>
-            <a:ext cx="9270720" cy="646560"/>
-          </a:xfrm>
-          <a:prstGeom prst="rect">
-            <a:avLst/>
-          </a:prstGeom>
-          <a:noFill/>
-          <a:ln w="9360">
-            <a:noFill/>
-          </a:ln>
-        </p:spPr>
-        <p:style>
-          <a:lnRef idx="2"/>
-          <a:fillRef idx="0"/>
-          <a:effectRef idx="0"/>
-          <a:fontRef idx="minor"/>
-        </p:style>
-        <p:txBody>
-          <a:bodyPr lIns="324000" rIns="324000" tIns="108000" bIns="108000" anchor="ctr">
-            <a:normAutofit/>
-          </a:bodyPr>
-          <a:p>
-            <a:pPr>
-              <a:lnSpc>
-                <a:spcPts val="2149"/>
-              </a:lnSpc>
-            </a:pPr>
-            <a:r>
-              <a:rPr b="1" lang="en-US" sz="2000" spc="-1" strike="noStrike">
-                <a:solidFill>
-                  <a:srgbClr val="ffffff"/>
-                </a:solidFill>
-                <a:latin typeface="Arial"/>
-                <a:ea typeface="DejaVu Sans"/>
-              </a:rPr>
-              <a:t>4.1. Request, analysis and visualization of traffic lights information</a:t>
-            </a:r>
-            <a:endParaRPr b="0" lang="en-US" sz="2000" spc="-1" strike="noStrike">
-              <a:latin typeface="Arial"/>
-            </a:endParaRPr>
-          </a:p>
-        </p:txBody>
-      </p:sp>
-      <p:sp>
-        <p:nvSpPr>
-          <p:cNvPr id="192" name="CustomShape 2"/>
-          <p:cNvSpPr/>
-          <p:nvPr/>
-        </p:nvSpPr>
-        <p:spPr>
-          <a:xfrm>
-            <a:off x="1630800" y="6534720"/>
-            <a:ext cx="9587880" cy="322560"/>
-          </a:xfrm>
-          <a:prstGeom prst="rect">
-            <a:avLst/>
-          </a:prstGeom>
-          <a:noFill/>
-          <a:ln w="9360">
-            <a:noFill/>
-          </a:ln>
-        </p:spPr>
-        <p:style>
-          <a:lnRef idx="0"/>
-          <a:fillRef idx="0"/>
-          <a:effectRef idx="0"/>
-          <a:fontRef idx="minor"/>
-        </p:style>
-        <p:txBody>
-          <a:bodyPr lIns="0" rIns="0" tIns="54000" bIns="54000" anchor="ctr"/>
-          <a:p>
-            <a:pPr>
-              <a:lnSpc>
-                <a:spcPct val="90000"/>
-              </a:lnSpc>
-              <a:spcAft>
-                <a:spcPts val="499"/>
-              </a:spcAft>
-            </a:pPr>
-            <a:r>
-              <a:rPr b="0" lang="en-US" sz="1000" spc="-1" strike="noStrike">
-                <a:solidFill>
-                  <a:srgbClr val="595959"/>
-                </a:solidFill>
-                <a:latin typeface="Arial"/>
-                <a:ea typeface="DejaVu Sans"/>
-              </a:rPr>
-              <a:t>DCAITI -Projekt </a:t>
-            </a:r>
-            <a:endParaRPr b="0" lang="en-US" sz="1000" spc="-1" strike="noStrike">
-              <a:latin typeface="Arial"/>
-            </a:endParaRPr>
-          </a:p>
-        </p:txBody>
-      </p:sp>
-      <p:sp>
-        <p:nvSpPr>
-          <p:cNvPr id="193" name="CustomShape 3"/>
-          <p:cNvSpPr/>
-          <p:nvPr/>
-        </p:nvSpPr>
-        <p:spPr>
-          <a:xfrm>
-            <a:off x="318960" y="6534720"/>
-            <a:ext cx="986400" cy="322560"/>
-          </a:xfrm>
-          <a:prstGeom prst="rect">
-            <a:avLst/>
-          </a:prstGeom>
-          <a:noFill/>
-          <a:ln w="9360">
-            <a:noFill/>
-          </a:ln>
-        </p:spPr>
-        <p:style>
-          <a:lnRef idx="0"/>
-          <a:fillRef idx="0"/>
-          <a:effectRef idx="0"/>
-          <a:fontRef idx="minor"/>
-        </p:style>
-        <p:txBody>
-          <a:bodyPr lIns="0" rIns="0" tIns="54000" bIns="54000" anchor="ctr"/>
-          <a:p>
-            <a:pPr algn="ctr">
-              <a:lnSpc>
-                <a:spcPct val="100000"/>
-              </a:lnSpc>
-            </a:pPr>
-            <a:r>
-              <a:rPr b="0" lang="en-US" sz="1200" spc="-1" strike="noStrike">
-                <a:solidFill>
-                  <a:srgbClr val="595959"/>
-                </a:solidFill>
-                <a:latin typeface="Arial"/>
-                <a:ea typeface="DejaVu Sans"/>
-              </a:rPr>
-              <a:t>18.11.2020</a:t>
-            </a:r>
-            <a:endParaRPr b="0" lang="en-US" sz="1200" spc="-1" strike="noStrike">
-              <a:latin typeface="Arial"/>
-            </a:endParaRPr>
-          </a:p>
-        </p:txBody>
-      </p:sp>
-      <p:sp>
-        <p:nvSpPr>
-          <p:cNvPr id="194" name="CustomShape 4"/>
-          <p:cNvSpPr/>
-          <p:nvPr/>
-        </p:nvSpPr>
-        <p:spPr>
-          <a:xfrm>
-            <a:off x="11279520" y="6232320"/>
-            <a:ext cx="587160" cy="684360"/>
-          </a:xfrm>
-          <a:prstGeom prst="rect">
-            <a:avLst/>
-          </a:prstGeom>
-          <a:noFill/>
-          <a:ln w="9360">
-            <a:noFill/>
-          </a:ln>
-        </p:spPr>
-        <p:style>
-          <a:lnRef idx="0"/>
-          <a:fillRef idx="0"/>
-          <a:effectRef idx="0"/>
-          <a:fontRef idx="minor"/>
-        </p:style>
-      </p:sp>
-      <p:sp>
-        <p:nvSpPr>
-          <p:cNvPr id="195" name="CustomShape 5"/>
-          <p:cNvSpPr/>
-          <p:nvPr/>
-        </p:nvSpPr>
-        <p:spPr>
-          <a:xfrm>
-            <a:off x="648000" y="1857600"/>
-            <a:ext cx="1413000" cy="1149840"/>
-          </a:xfrm>
-          <a:prstGeom prst="roundRect">
-            <a:avLst>
-              <a:gd name="adj" fmla="val 16667"/>
-            </a:avLst>
-          </a:prstGeom>
-          <a:solidFill>
-            <a:schemeClr val="accent5">
-              <a:alpha val="90000"/>
-              <a:tint val="40000"/>
-              <a:hueOff val="0"/>
-              <a:satOff val="0"/>
-              <a:lumOff val="0"/>
-              <a:alphaOff val="0"/>
-            </a:schemeClr>
-          </a:solidFill>
-          <a:ln>
-            <a:solidFill>
-              <a:schemeClr val="accent5">
-                <a:hueOff val="0"/>
-                <a:satOff val="0"/>
-                <a:lumOff val="0"/>
-                <a:alphaOff val="0"/>
-              </a:schemeClr>
-            </a:solidFill>
-            <a:round/>
-          </a:ln>
-        </p:spPr>
-        <p:style>
-          <a:lnRef idx="2">
-            <a:schemeClr val="accent1">
-              <a:shade val="50000"/>
-            </a:schemeClr>
-          </a:lnRef>
-          <a:fillRef idx="1">
-            <a:schemeClr val="accent1"/>
-          </a:fillRef>
-          <a:effectRef idx="0">
-            <a:schemeClr val="accent1"/>
-          </a:effectRef>
-          <a:fontRef idx="minor"/>
-        </p:style>
-        <p:txBody>
-          <a:bodyPr lIns="90000" rIns="90000" tIns="45000" bIns="45000" anchor="ctr"/>
-          <a:p>
-            <a:pPr algn="ctr">
-              <a:lnSpc>
-                <a:spcPct val="100000"/>
-              </a:lnSpc>
-              <a:spcBef>
-                <a:spcPts val="1001"/>
-              </a:spcBef>
-            </a:pPr>
-            <a:r>
-              <a:rPr b="0" lang="en-US" sz="1400" spc="-1" strike="noStrike">
-                <a:solidFill>
-                  <a:srgbClr val="000000"/>
-                </a:solidFill>
-                <a:latin typeface="Arial"/>
-                <a:ea typeface="DejaVu Sans"/>
-              </a:rPr>
-              <a:t>REST-API</a:t>
-            </a:r>
-            <a:br/>
-            <a:r>
-              <a:rPr b="0" lang="en-US" sz="1400" spc="-1" strike="noStrike">
-                <a:solidFill>
-                  <a:srgbClr val="000000"/>
-                </a:solidFill>
-                <a:latin typeface="Arial"/>
-                <a:ea typeface="DejaVu Sans"/>
-              </a:rPr>
-              <a:t>(RSU)</a:t>
-            </a:r>
-            <a:endParaRPr b="0" lang="en-US" sz="1400" spc="-1" strike="noStrike">
-              <a:latin typeface="Arial"/>
-            </a:endParaRPr>
-          </a:p>
-        </p:txBody>
-      </p:sp>
-      <p:sp>
-        <p:nvSpPr>
-          <p:cNvPr id="196" name="CustomShape 6"/>
-          <p:cNvSpPr/>
-          <p:nvPr/>
-        </p:nvSpPr>
-        <p:spPr>
-          <a:xfrm>
-            <a:off x="3276720" y="1857600"/>
-            <a:ext cx="2132280" cy="1149840"/>
-          </a:xfrm>
-          <a:prstGeom prst="roundRect">
-            <a:avLst>
-              <a:gd name="adj" fmla="val 16667"/>
-            </a:avLst>
-          </a:prstGeom>
-          <a:ln>
-            <a:round/>
-          </a:ln>
-        </p:spPr>
-        <p:style>
-          <a:lnRef idx="2">
-            <a:schemeClr val="accent1">
-              <a:shade val="50000"/>
-            </a:schemeClr>
-          </a:lnRef>
-          <a:fillRef idx="1">
-            <a:schemeClr val="accent1"/>
-          </a:fillRef>
-          <a:effectRef idx="0">
-            <a:schemeClr val="accent1"/>
-          </a:effectRef>
-          <a:fontRef idx="minor"/>
-        </p:style>
-        <p:txBody>
-          <a:bodyPr lIns="90000" rIns="90000" tIns="45000" bIns="45000" anchor="ctr"/>
-          <a:p>
-            <a:pPr algn="ctr">
-              <a:lnSpc>
-                <a:spcPct val="100000"/>
-              </a:lnSpc>
-              <a:spcBef>
-                <a:spcPts val="1001"/>
-              </a:spcBef>
-            </a:pPr>
-            <a:r>
-              <a:rPr b="0" lang="en-US" sz="1400" spc="-1" strike="noStrike">
-                <a:solidFill>
-                  <a:srgbClr val="ffffff"/>
-                </a:solidFill>
-                <a:latin typeface="Arial"/>
-                <a:ea typeface="DejaVu Sans"/>
-              </a:rPr>
-              <a:t>Client</a:t>
-            </a:r>
-            <a:endParaRPr b="0" lang="en-US" sz="1400" spc="-1" strike="noStrike">
-              <a:latin typeface="Arial"/>
-            </a:endParaRPr>
-          </a:p>
-          <a:p>
-            <a:pPr algn="ctr">
-              <a:lnSpc>
-                <a:spcPct val="100000"/>
-              </a:lnSpc>
-              <a:spcBef>
-                <a:spcPts val="1001"/>
-              </a:spcBef>
-            </a:pPr>
-            <a:r>
-              <a:rPr b="0" lang="en-US" sz="1400" spc="-1" strike="noStrike">
-                <a:solidFill>
-                  <a:srgbClr val="ffffff"/>
-                </a:solidFill>
-                <a:latin typeface="Arial"/>
-                <a:ea typeface="DejaVu Sans"/>
-              </a:rPr>
-              <a:t>(e.g. Volley, Retrofit)</a:t>
-            </a:r>
-            <a:endParaRPr b="0" lang="en-US" sz="1400" spc="-1" strike="noStrike">
-              <a:latin typeface="Arial"/>
-            </a:endParaRPr>
-          </a:p>
-        </p:txBody>
-      </p:sp>
-      <p:sp>
-        <p:nvSpPr>
-          <p:cNvPr id="197" name="CustomShape 7"/>
-          <p:cNvSpPr/>
-          <p:nvPr/>
-        </p:nvSpPr>
-        <p:spPr>
-          <a:xfrm>
-            <a:off x="8763120" y="1600200"/>
-            <a:ext cx="3103560" cy="4630680"/>
-          </a:xfrm>
-          <a:prstGeom prst="roundRect">
-            <a:avLst>
-              <a:gd name="adj" fmla="val 16667"/>
-            </a:avLst>
-          </a:prstGeom>
-          <a:ln>
-            <a:round/>
-          </a:ln>
-        </p:spPr>
-        <p:style>
-          <a:lnRef idx="2">
-            <a:schemeClr val="accent1"/>
-          </a:lnRef>
-          <a:fillRef idx="1">
-            <a:schemeClr val="lt1"/>
-          </a:fillRef>
-          <a:effectRef idx="0">
-            <a:schemeClr val="accent1"/>
-          </a:effectRef>
-          <a:fontRef idx="minor"/>
-        </p:style>
-        <p:txBody>
-          <a:bodyPr lIns="90000" rIns="90000" tIns="45000" bIns="45000" anchor="ctr"/>
-          <a:p>
-            <a:pPr>
-              <a:lnSpc>
-                <a:spcPct val="100000"/>
-              </a:lnSpc>
-              <a:spcBef>
-                <a:spcPts val="1001"/>
-              </a:spcBef>
-            </a:pPr>
-            <a:r>
-              <a:rPr b="0" lang="en-US" sz="1400" spc="-1" strike="noStrike">
-                <a:solidFill>
-                  <a:srgbClr val="003073"/>
-                </a:solidFill>
-                <a:latin typeface="Arial"/>
-                <a:ea typeface="DejaVu Sans"/>
-              </a:rPr>
-              <a:t>GUI</a:t>
-            </a:r>
-            <a:endParaRPr b="0" lang="en-US" sz="1400" spc="-1" strike="noStrike">
-              <a:latin typeface="Arial"/>
-            </a:endParaRPr>
-          </a:p>
-        </p:txBody>
-      </p:sp>
-      <p:pic>
-        <p:nvPicPr>
-          <p:cNvPr id="198" name="Grafik 14" descr=""/>
-          <p:cNvPicPr/>
-          <p:nvPr/>
-        </p:nvPicPr>
-        <p:blipFill>
-          <a:blip r:embed="rId1"/>
-          <a:stretch/>
-        </p:blipFill>
-        <p:spPr>
-          <a:xfrm>
-            <a:off x="9466560" y="1857600"/>
-            <a:ext cx="2275560" cy="1149840"/>
-          </a:xfrm>
-          <a:prstGeom prst="rect">
-            <a:avLst/>
-          </a:prstGeom>
-          <a:ln>
-            <a:noFill/>
-          </a:ln>
-        </p:spPr>
-      </p:pic>
-      <p:pic>
-        <p:nvPicPr>
-          <p:cNvPr id="199" name="Grafik 15" descr=""/>
-          <p:cNvPicPr/>
-          <p:nvPr/>
-        </p:nvPicPr>
-        <p:blipFill>
-          <a:blip r:embed="rId2"/>
-          <a:stretch/>
-        </p:blipFill>
-        <p:spPr>
-          <a:xfrm>
-            <a:off x="9495360" y="3623400"/>
-            <a:ext cx="2247120" cy="2295000"/>
-          </a:xfrm>
-          <a:prstGeom prst="rect">
-            <a:avLst/>
-          </a:prstGeom>
-          <a:ln>
-            <a:noFill/>
-          </a:ln>
-        </p:spPr>
-      </p:pic>
-      <p:sp>
-        <p:nvSpPr>
-          <p:cNvPr id="200" name="CustomShape 8"/>
-          <p:cNvSpPr/>
-          <p:nvPr/>
-        </p:nvSpPr>
-        <p:spPr>
-          <a:xfrm>
-            <a:off x="599400" y="3825360"/>
-            <a:ext cx="1461600" cy="1149840"/>
-          </a:xfrm>
-          <a:prstGeom prst="roundRect">
-            <a:avLst>
-              <a:gd name="adj" fmla="val 16667"/>
-            </a:avLst>
-          </a:prstGeom>
-          <a:ln>
-            <a:round/>
-          </a:ln>
-        </p:spPr>
-        <p:style>
-          <a:lnRef idx="2">
-            <a:schemeClr val="accent1">
-              <a:shade val="50000"/>
-            </a:schemeClr>
-          </a:lnRef>
-          <a:fillRef idx="1">
-            <a:schemeClr val="accent1"/>
-          </a:fillRef>
-          <a:effectRef idx="0">
-            <a:schemeClr val="accent1"/>
-          </a:effectRef>
-          <a:fontRef idx="minor"/>
-        </p:style>
-        <p:txBody>
-          <a:bodyPr lIns="90000" rIns="90000" tIns="45000" bIns="45000" anchor="ctr"/>
-          <a:p>
-            <a:pPr algn="ctr">
-              <a:lnSpc>
-                <a:spcPct val="100000"/>
-              </a:lnSpc>
-              <a:spcBef>
-                <a:spcPts val="1001"/>
-              </a:spcBef>
-            </a:pPr>
-            <a:r>
-              <a:rPr b="0" lang="en-US" sz="1400" spc="-1" strike="noStrike">
-                <a:solidFill>
-                  <a:srgbClr val="ffffff"/>
-                </a:solidFill>
-                <a:latin typeface="Arial"/>
-                <a:ea typeface="DejaVu Sans"/>
-              </a:rPr>
-              <a:t>Map</a:t>
-            </a:r>
-            <a:r>
-              <a:rPr b="1" lang="en-US" sz="1400" spc="-1" strike="noStrike">
-                <a:solidFill>
-                  <a:srgbClr val="ffffff"/>
-                </a:solidFill>
-                <a:latin typeface="Arial"/>
-                <a:ea typeface="DejaVu Sans"/>
-              </a:rPr>
-              <a:t> </a:t>
-            </a:r>
-            <a:r>
-              <a:rPr b="0" lang="en-US" sz="1400" spc="-1" strike="noStrike">
-                <a:solidFill>
-                  <a:srgbClr val="ffffff"/>
-                </a:solidFill>
-                <a:latin typeface="Arial"/>
-                <a:ea typeface="DejaVu Sans"/>
-              </a:rPr>
-              <a:t>Resource</a:t>
-            </a:r>
-            <a:endParaRPr b="0" lang="en-US" sz="1400" spc="-1" strike="noStrike">
-              <a:latin typeface="Arial"/>
-            </a:endParaRPr>
-          </a:p>
-          <a:p>
-            <a:pPr algn="ctr">
-              <a:lnSpc>
-                <a:spcPct val="100000"/>
-              </a:lnSpc>
-              <a:spcBef>
-                <a:spcPts val="1001"/>
-              </a:spcBef>
-            </a:pPr>
-            <a:r>
-              <a:rPr b="0" lang="en-US" sz="1400" spc="-1" strike="noStrike">
-                <a:solidFill>
-                  <a:srgbClr val="ffffff"/>
-                </a:solidFill>
-                <a:latin typeface="Arial"/>
-                <a:ea typeface="DejaVu Sans"/>
-              </a:rPr>
-              <a:t>(csv, kml)</a:t>
-            </a:r>
-            <a:endParaRPr b="0" lang="en-US" sz="1400" spc="-1" strike="noStrike">
-              <a:latin typeface="Arial"/>
-            </a:endParaRPr>
-          </a:p>
-        </p:txBody>
-      </p:sp>
-      <p:sp>
-        <p:nvSpPr>
-          <p:cNvPr id="201" name="CustomShape 9"/>
-          <p:cNvSpPr/>
-          <p:nvPr/>
-        </p:nvSpPr>
-        <p:spPr>
-          <a:xfrm>
-            <a:off x="3348000" y="3859560"/>
-            <a:ext cx="2132280" cy="1149840"/>
-          </a:xfrm>
-          <a:prstGeom prst="roundRect">
-            <a:avLst>
-              <a:gd name="adj" fmla="val 16667"/>
-            </a:avLst>
-          </a:prstGeom>
-          <a:ln>
-            <a:round/>
-          </a:ln>
-        </p:spPr>
-        <p:style>
-          <a:lnRef idx="2">
-            <a:schemeClr val="accent1">
-              <a:shade val="50000"/>
-            </a:schemeClr>
-          </a:lnRef>
-          <a:fillRef idx="1">
-            <a:schemeClr val="accent1"/>
-          </a:fillRef>
-          <a:effectRef idx="0">
-            <a:schemeClr val="accent1"/>
-          </a:effectRef>
-          <a:fontRef idx="minor"/>
-        </p:style>
-        <p:txBody>
-          <a:bodyPr lIns="90000" rIns="90000" tIns="45000" bIns="45000" anchor="ctr"/>
-          <a:p>
-            <a:pPr algn="ctr">
-              <a:lnSpc>
-                <a:spcPct val="100000"/>
-              </a:lnSpc>
-              <a:spcBef>
-                <a:spcPts val="1001"/>
-              </a:spcBef>
-            </a:pPr>
-            <a:r>
-              <a:rPr b="0" lang="en-US" sz="1400" spc="-1" strike="noStrike">
-                <a:solidFill>
-                  <a:srgbClr val="ffffff"/>
-                </a:solidFill>
-                <a:latin typeface="Arial"/>
-                <a:ea typeface="DejaVu Sans"/>
-              </a:rPr>
-              <a:t>Google Maps Android API</a:t>
-            </a:r>
-            <a:endParaRPr b="0" lang="en-US" sz="1400" spc="-1" strike="noStrike">
-              <a:latin typeface="Arial"/>
-            </a:endParaRPr>
-          </a:p>
-        </p:txBody>
-      </p:sp>
-      <p:sp>
-        <p:nvSpPr>
-          <p:cNvPr id="202" name="CustomShape 10"/>
-          <p:cNvSpPr/>
-          <p:nvPr/>
-        </p:nvSpPr>
-        <p:spPr>
-          <a:xfrm>
-            <a:off x="5989320" y="1864800"/>
-            <a:ext cx="1365120" cy="1149840"/>
-          </a:xfrm>
-          <a:prstGeom prst="roundRect">
-            <a:avLst>
-              <a:gd name="adj" fmla="val 16667"/>
-            </a:avLst>
-          </a:prstGeom>
-          <a:ln>
-            <a:round/>
-          </a:ln>
-        </p:spPr>
-        <p:style>
-          <a:lnRef idx="2">
-            <a:schemeClr val="accent1">
-              <a:shade val="50000"/>
-            </a:schemeClr>
-          </a:lnRef>
-          <a:fillRef idx="1">
-            <a:schemeClr val="accent1"/>
-          </a:fillRef>
-          <a:effectRef idx="0">
-            <a:schemeClr val="accent1"/>
-          </a:effectRef>
-          <a:fontRef idx="minor"/>
-        </p:style>
-        <p:txBody>
-          <a:bodyPr lIns="90000" rIns="90000" tIns="45000" bIns="45000" anchor="ctr"/>
-          <a:p>
-            <a:pPr algn="ctr">
-              <a:lnSpc>
-                <a:spcPct val="100000"/>
-              </a:lnSpc>
-              <a:spcBef>
-                <a:spcPts val="1001"/>
-              </a:spcBef>
-            </a:pPr>
-            <a:r>
-              <a:rPr b="0" lang="en-US" sz="1400" spc="-1" strike="noStrike">
-                <a:solidFill>
-                  <a:srgbClr val="ffffff"/>
-                </a:solidFill>
-                <a:latin typeface="Arial"/>
-                <a:ea typeface="DejaVu Sans"/>
-              </a:rPr>
-              <a:t>SPaT Parser</a:t>
-            </a:r>
-            <a:endParaRPr b="0" lang="en-US" sz="1400" spc="-1" strike="noStrike">
-              <a:latin typeface="Arial"/>
-            </a:endParaRPr>
-          </a:p>
-        </p:txBody>
-      </p:sp>
-      <p:sp>
-        <p:nvSpPr>
-          <p:cNvPr id="203" name="CustomShape 11"/>
-          <p:cNvSpPr/>
-          <p:nvPr/>
-        </p:nvSpPr>
-        <p:spPr>
-          <a:xfrm flipV="1">
-            <a:off x="2062440" y="2586240"/>
-            <a:ext cx="1227240" cy="1080"/>
-          </a:xfrm>
-          <a:custGeom>
-            <a:avLst/>
-            <a:gdLst/>
-            <a:ahLst/>
-            <a:rect l="l" t="t" r="r" b="b"/>
-            <a:pathLst>
-              <a:path w="21600" h="21600">
-                <a:moveTo>
-                  <a:pt x="0" y="0"/>
-                </a:moveTo>
-                <a:lnTo>
-                  <a:pt x="21600" y="21600"/>
-                </a:lnTo>
-              </a:path>
-            </a:pathLst>
-          </a:custGeom>
-          <a:noFill/>
-          <a:ln>
-            <a:solidFill>
-              <a:srgbClr val="002e70"/>
-            </a:solidFill>
-            <a:round/>
-            <a:tailEnd len="med" type="triangle" w="med"/>
-          </a:ln>
-        </p:spPr>
-        <p:style>
-          <a:lnRef idx="1">
-            <a:schemeClr val="accent1"/>
-          </a:lnRef>
-          <a:fillRef idx="0">
-            <a:schemeClr val="accent1"/>
-          </a:fillRef>
-          <a:effectRef idx="0">
-            <a:schemeClr val="accent1"/>
-          </a:effectRef>
-          <a:fontRef idx="minor"/>
-        </p:style>
-      </p:sp>
-      <p:sp>
-        <p:nvSpPr>
-          <p:cNvPr id="204" name="CustomShape 12"/>
-          <p:cNvSpPr/>
-          <p:nvPr/>
-        </p:nvSpPr>
-        <p:spPr>
-          <a:xfrm flipH="1">
-            <a:off x="2061000" y="2286000"/>
-            <a:ext cx="1212840" cy="360"/>
-          </a:xfrm>
-          <a:custGeom>
-            <a:avLst/>
-            <a:gdLst/>
-            <a:ahLst/>
-            <a:rect l="l" t="t" r="r" b="b"/>
-            <a:pathLst>
-              <a:path w="21600" h="21600">
-                <a:moveTo>
-                  <a:pt x="0" y="0"/>
-                </a:moveTo>
-                <a:lnTo>
-                  <a:pt x="21600" y="21600"/>
-                </a:lnTo>
-              </a:path>
-            </a:pathLst>
-          </a:custGeom>
-          <a:noFill/>
-          <a:ln>
-            <a:solidFill>
-              <a:srgbClr val="002e70"/>
-            </a:solidFill>
-            <a:round/>
-            <a:tailEnd len="med" type="triangle" w="med"/>
-          </a:ln>
-        </p:spPr>
-        <p:style>
-          <a:lnRef idx="1">
-            <a:schemeClr val="accent1"/>
-          </a:lnRef>
-          <a:fillRef idx="0">
-            <a:schemeClr val="accent1"/>
-          </a:fillRef>
-          <a:effectRef idx="0">
-            <a:schemeClr val="accent1"/>
-          </a:effectRef>
-          <a:fontRef idx="minor"/>
-        </p:style>
-      </p:sp>
-      <p:sp>
-        <p:nvSpPr>
-          <p:cNvPr id="205" name="CustomShape 13"/>
-          <p:cNvSpPr/>
-          <p:nvPr/>
-        </p:nvSpPr>
-        <p:spPr>
-          <a:xfrm>
-            <a:off x="2137320" y="1857600"/>
-            <a:ext cx="1149120" cy="454320"/>
-          </a:xfrm>
-          <a:prstGeom prst="rect">
-            <a:avLst/>
-          </a:prstGeom>
-          <a:noFill/>
-          <a:ln>
-            <a:noFill/>
-          </a:ln>
-        </p:spPr>
-        <p:style>
-          <a:lnRef idx="0"/>
-          <a:fillRef idx="0"/>
-          <a:effectRef idx="0"/>
-          <a:fontRef idx="minor"/>
-        </p:style>
-        <p:txBody>
-          <a:bodyPr wrap="none" lIns="90000" rIns="90000" tIns="45000" bIns="45000"/>
-          <a:p>
-            <a:pPr>
-              <a:lnSpc>
-                <a:spcPct val="100000"/>
-              </a:lnSpc>
-            </a:pPr>
-            <a:r>
-              <a:rPr b="0" lang="en-US" sz="1200" spc="-1" strike="noStrike">
-                <a:solidFill>
-                  <a:srgbClr val="000000"/>
-                </a:solidFill>
-                <a:latin typeface="Arial"/>
-                <a:ea typeface="DejaVu Sans"/>
-              </a:rPr>
-              <a:t>Https Request</a:t>
-            </a:r>
-            <a:br/>
-            <a:r>
-              <a:rPr b="0" lang="en-US" sz="1200" spc="-1" strike="noStrike">
-                <a:solidFill>
-                  <a:srgbClr val="000000"/>
-                </a:solidFill>
-                <a:latin typeface="Arial"/>
-                <a:ea typeface="DejaVu Sans"/>
-              </a:rPr>
-              <a:t>GET</a:t>
-            </a:r>
-            <a:endParaRPr b="0" lang="en-US" sz="1200" spc="-1" strike="noStrike">
-              <a:latin typeface="Arial"/>
-            </a:endParaRPr>
-          </a:p>
-        </p:txBody>
-      </p:sp>
-      <p:sp>
-        <p:nvSpPr>
-          <p:cNvPr id="206" name="CustomShape 14"/>
-          <p:cNvSpPr/>
-          <p:nvPr/>
-        </p:nvSpPr>
-        <p:spPr>
-          <a:xfrm>
-            <a:off x="2022840" y="2618640"/>
-            <a:ext cx="1268640" cy="271800"/>
-          </a:xfrm>
-          <a:prstGeom prst="rect">
-            <a:avLst/>
-          </a:prstGeom>
-          <a:noFill/>
-          <a:ln>
-            <a:noFill/>
-          </a:ln>
-        </p:spPr>
-        <p:style>
-          <a:lnRef idx="0"/>
-          <a:fillRef idx="0"/>
-          <a:effectRef idx="0"/>
-          <a:fontRef idx="minor"/>
-        </p:style>
-        <p:txBody>
-          <a:bodyPr wrap="none" lIns="90000" rIns="90000" tIns="45000" bIns="45000"/>
-          <a:p>
-            <a:pPr>
-              <a:lnSpc>
-                <a:spcPct val="100000"/>
-              </a:lnSpc>
-            </a:pPr>
-            <a:r>
-              <a:rPr b="0" lang="en-US" sz="1200" spc="-1" strike="noStrike">
-                <a:solidFill>
-                  <a:srgbClr val="000000"/>
-                </a:solidFill>
-                <a:latin typeface="Arial"/>
-                <a:ea typeface="DejaVu Sans"/>
-              </a:rPr>
-              <a:t>Https Response</a:t>
-            </a:r>
-            <a:endParaRPr b="0" lang="en-US" sz="1200" spc="-1" strike="noStrike">
-              <a:latin typeface="Arial"/>
-            </a:endParaRPr>
-          </a:p>
-        </p:txBody>
-      </p:sp>
-      <p:sp>
-        <p:nvSpPr>
-          <p:cNvPr id="207" name="CustomShape 15"/>
-          <p:cNvSpPr/>
-          <p:nvPr/>
-        </p:nvSpPr>
-        <p:spPr>
-          <a:xfrm>
-            <a:off x="5413320" y="2133720"/>
-            <a:ext cx="586800" cy="271800"/>
-          </a:xfrm>
-          <a:prstGeom prst="rect">
-            <a:avLst/>
-          </a:prstGeom>
-          <a:noFill/>
-          <a:ln>
-            <a:noFill/>
-          </a:ln>
-        </p:spPr>
-        <p:style>
-          <a:lnRef idx="0"/>
-          <a:fillRef idx="0"/>
-          <a:effectRef idx="0"/>
-          <a:fontRef idx="minor"/>
-        </p:style>
-        <p:txBody>
-          <a:bodyPr wrap="none" lIns="90000" rIns="90000" tIns="45000" bIns="45000"/>
-          <a:p>
-            <a:pPr>
-              <a:lnSpc>
-                <a:spcPct val="100000"/>
-              </a:lnSpc>
-            </a:pPr>
-            <a:r>
-              <a:rPr b="0" lang="en-US" sz="1200" spc="-1" strike="noStrike">
-                <a:solidFill>
-                  <a:srgbClr val="000000"/>
-                </a:solidFill>
-                <a:latin typeface="Arial"/>
-                <a:ea typeface="DejaVu Sans"/>
-              </a:rPr>
-              <a:t>JSON</a:t>
-            </a:r>
-            <a:endParaRPr b="0" lang="en-US" sz="1200" spc="-1" strike="noStrike">
-              <a:latin typeface="Arial"/>
-            </a:endParaRPr>
-          </a:p>
-        </p:txBody>
-      </p:sp>
-      <p:sp>
-        <p:nvSpPr>
-          <p:cNvPr id="208" name="CustomShape 16"/>
-          <p:cNvSpPr/>
-          <p:nvPr/>
-        </p:nvSpPr>
-        <p:spPr>
-          <a:xfrm>
-            <a:off x="5410080" y="2433240"/>
-            <a:ext cx="577800" cy="5760"/>
-          </a:xfrm>
-          <a:custGeom>
-            <a:avLst/>
-            <a:gdLst/>
-            <a:ahLst/>
-            <a:rect l="l" t="t" r="r" b="b"/>
-            <a:pathLst>
-              <a:path w="21600" h="21600">
-                <a:moveTo>
-                  <a:pt x="0" y="0"/>
-                </a:moveTo>
-                <a:lnTo>
-                  <a:pt x="21600" y="21600"/>
-                </a:lnTo>
-              </a:path>
-            </a:pathLst>
-          </a:custGeom>
-          <a:noFill/>
-          <a:ln>
-            <a:solidFill>
-              <a:srgbClr val="002e70"/>
-            </a:solidFill>
-            <a:round/>
-            <a:tailEnd len="med" type="triangle" w="med"/>
-          </a:ln>
-        </p:spPr>
-        <p:style>
-          <a:lnRef idx="1">
-            <a:schemeClr val="accent1"/>
-          </a:lnRef>
-          <a:fillRef idx="0">
-            <a:schemeClr val="accent1"/>
-          </a:fillRef>
-          <a:effectRef idx="0">
-            <a:schemeClr val="accent1"/>
-          </a:effectRef>
-          <a:fontRef idx="minor"/>
-        </p:style>
-      </p:sp>
-      <p:sp>
-        <p:nvSpPr>
-          <p:cNvPr id="209" name="CustomShape 17"/>
-          <p:cNvSpPr/>
-          <p:nvPr/>
-        </p:nvSpPr>
-        <p:spPr>
-          <a:xfrm flipV="1">
-            <a:off x="7355880" y="2431080"/>
-            <a:ext cx="2109600" cy="5760"/>
-          </a:xfrm>
-          <a:custGeom>
-            <a:avLst/>
-            <a:gdLst/>
-            <a:ahLst/>
-            <a:rect l="l" t="t" r="r" b="b"/>
-            <a:pathLst>
-              <a:path w="21600" h="21600">
-                <a:moveTo>
-                  <a:pt x="0" y="0"/>
-                </a:moveTo>
-                <a:lnTo>
-                  <a:pt x="21600" y="21600"/>
-                </a:lnTo>
-              </a:path>
-            </a:pathLst>
-          </a:custGeom>
-          <a:noFill/>
-          <a:ln>
-            <a:solidFill>
-              <a:srgbClr val="002e70"/>
-            </a:solidFill>
-            <a:round/>
-            <a:tailEnd len="med" type="triangle" w="med"/>
-          </a:ln>
-        </p:spPr>
-        <p:style>
-          <a:lnRef idx="1">
-            <a:schemeClr val="accent1"/>
-          </a:lnRef>
-          <a:fillRef idx="0">
-            <a:schemeClr val="accent1"/>
-          </a:fillRef>
-          <a:effectRef idx="0">
-            <a:schemeClr val="accent1"/>
-          </a:effectRef>
-          <a:fontRef idx="minor"/>
-        </p:style>
-      </p:sp>
-      <p:sp>
-        <p:nvSpPr>
-          <p:cNvPr id="210" name="CustomShape 18"/>
-          <p:cNvSpPr/>
-          <p:nvPr/>
-        </p:nvSpPr>
-        <p:spPr>
-          <a:xfrm>
-            <a:off x="7319880" y="2161440"/>
-            <a:ext cx="1522800" cy="271800"/>
-          </a:xfrm>
-          <a:prstGeom prst="rect">
-            <a:avLst/>
-          </a:prstGeom>
-          <a:noFill/>
-          <a:ln>
-            <a:noFill/>
-          </a:ln>
-        </p:spPr>
-        <p:style>
-          <a:lnRef idx="0"/>
-          <a:fillRef idx="0"/>
-          <a:effectRef idx="0"/>
-          <a:fontRef idx="minor"/>
-        </p:style>
-        <p:txBody>
-          <a:bodyPr wrap="none" lIns="90000" rIns="90000" tIns="45000" bIns="45000"/>
-          <a:p>
-            <a:pPr>
-              <a:lnSpc>
-                <a:spcPct val="100000"/>
-              </a:lnSpc>
-            </a:pPr>
-            <a:r>
-              <a:rPr b="0" lang="en-US" sz="1200" spc="-1" strike="noStrike">
-                <a:solidFill>
-                  <a:srgbClr val="000000"/>
-                </a:solidFill>
-                <a:latin typeface="Arial"/>
-                <a:ea typeface="DejaVu Sans"/>
-              </a:rPr>
-              <a:t>Traffic Lights Phase</a:t>
-            </a:r>
-            <a:endParaRPr b="0" lang="en-US" sz="1200" spc="-1" strike="noStrike">
-              <a:latin typeface="Arial"/>
-            </a:endParaRPr>
-          </a:p>
-        </p:txBody>
-      </p:sp>
-      <p:sp>
-        <p:nvSpPr>
-          <p:cNvPr id="211" name="CustomShape 19"/>
-          <p:cNvSpPr/>
-          <p:nvPr/>
-        </p:nvSpPr>
-        <p:spPr>
-          <a:xfrm flipV="1">
-            <a:off x="2090880" y="4451760"/>
-            <a:ext cx="1227240" cy="1080"/>
-          </a:xfrm>
-          <a:custGeom>
-            <a:avLst/>
-            <a:gdLst/>
-            <a:ahLst/>
-            <a:rect l="l" t="t" r="r" b="b"/>
-            <a:pathLst>
-              <a:path w="21600" h="21600">
-                <a:moveTo>
-                  <a:pt x="0" y="0"/>
-                </a:moveTo>
-                <a:lnTo>
-                  <a:pt x="21600" y="21600"/>
-                </a:lnTo>
-              </a:path>
-            </a:pathLst>
-          </a:custGeom>
-          <a:noFill/>
-          <a:ln>
-            <a:solidFill>
-              <a:srgbClr val="002e70"/>
-            </a:solidFill>
-            <a:round/>
-            <a:tailEnd len="med" type="triangle" w="med"/>
-          </a:ln>
-        </p:spPr>
-        <p:style>
-          <a:lnRef idx="1">
-            <a:schemeClr val="accent1"/>
-          </a:lnRef>
-          <a:fillRef idx="0">
-            <a:schemeClr val="accent1"/>
-          </a:fillRef>
-          <a:effectRef idx="0">
-            <a:schemeClr val="accent1"/>
-          </a:effectRef>
-          <a:fontRef idx="minor"/>
-        </p:style>
-      </p:sp>
-      <p:sp>
-        <p:nvSpPr>
-          <p:cNvPr id="212" name="CustomShape 20"/>
-          <p:cNvSpPr/>
-          <p:nvPr/>
-        </p:nvSpPr>
-        <p:spPr>
-          <a:xfrm>
-            <a:off x="5481720" y="4401000"/>
-            <a:ext cx="4012200" cy="360"/>
-          </a:xfrm>
-          <a:custGeom>
-            <a:avLst/>
-            <a:gdLst/>
-            <a:ahLst/>
-            <a:rect l="l" t="t" r="r" b="b"/>
-            <a:pathLst>
-              <a:path w="21600" h="21600">
-                <a:moveTo>
-                  <a:pt x="0" y="0"/>
-                </a:moveTo>
-                <a:lnTo>
-                  <a:pt x="21600" y="21600"/>
-                </a:lnTo>
-              </a:path>
-            </a:pathLst>
-          </a:custGeom>
-          <a:noFill/>
-          <a:ln>
-            <a:solidFill>
-              <a:srgbClr val="002e70"/>
-            </a:solidFill>
-            <a:round/>
-            <a:tailEnd len="med" type="triangle" w="med"/>
-          </a:ln>
-        </p:spPr>
-        <p:style>
-          <a:lnRef idx="1">
-            <a:schemeClr val="accent1"/>
-          </a:lnRef>
-          <a:fillRef idx="0">
-            <a:schemeClr val="accent1"/>
-          </a:fillRef>
-          <a:effectRef idx="0">
-            <a:schemeClr val="accent1"/>
-          </a:effectRef>
-          <a:fontRef idx="minor"/>
-        </p:style>
-      </p:sp>
-      <p:sp>
-        <p:nvSpPr>
-          <p:cNvPr id="213" name="CustomShape 21"/>
-          <p:cNvSpPr/>
-          <p:nvPr/>
-        </p:nvSpPr>
-        <p:spPr>
-          <a:xfrm>
-            <a:off x="6322320" y="4129200"/>
-            <a:ext cx="1284840" cy="271800"/>
-          </a:xfrm>
-          <a:prstGeom prst="rect">
-            <a:avLst/>
-          </a:prstGeom>
-          <a:noFill/>
-          <a:ln>
-            <a:noFill/>
-          </a:ln>
-        </p:spPr>
-        <p:style>
-          <a:lnRef idx="0"/>
-          <a:fillRef idx="0"/>
-          <a:effectRef idx="0"/>
-          <a:fontRef idx="minor"/>
-        </p:style>
-        <p:txBody>
-          <a:bodyPr wrap="none" lIns="90000" rIns="90000" tIns="45000" bIns="45000"/>
-          <a:p>
-            <a:pPr>
-              <a:lnSpc>
-                <a:spcPct val="100000"/>
-              </a:lnSpc>
-            </a:pPr>
-            <a:r>
-              <a:rPr b="0" lang="en-US" sz="1200" spc="-1" strike="noStrike">
-                <a:solidFill>
-                  <a:srgbClr val="000000"/>
-                </a:solidFill>
-                <a:latin typeface="Arial"/>
-                <a:ea typeface="DejaVu Sans"/>
-              </a:rPr>
-              <a:t>Map Information</a:t>
-            </a:r>
-            <a:endParaRPr b="0" lang="en-US" sz="1200" spc="-1" strike="noStrike">
-              <a:latin typeface="Arial"/>
-            </a:endParaRPr>
-          </a:p>
-        </p:txBody>
-      </p:sp>
-      <p:sp>
-        <p:nvSpPr>
-          <p:cNvPr id="214" name="CustomShape 22"/>
-          <p:cNvSpPr/>
-          <p:nvPr/>
-        </p:nvSpPr>
-        <p:spPr>
-          <a:xfrm>
-            <a:off x="10605240" y="3008880"/>
-            <a:ext cx="12960" cy="613440"/>
-          </a:xfrm>
-          <a:custGeom>
-            <a:avLst/>
-            <a:gdLst/>
-            <a:ahLst/>
-            <a:rect l="l" t="t" r="r" b="b"/>
-            <a:pathLst>
-              <a:path w="21600" h="21600">
-                <a:moveTo>
-                  <a:pt x="0" y="0"/>
-                </a:moveTo>
-                <a:lnTo>
-                  <a:pt x="21600" y="21600"/>
-                </a:lnTo>
-              </a:path>
-            </a:pathLst>
-          </a:custGeom>
-          <a:noFill/>
-          <a:ln>
-            <a:solidFill>
-              <a:srgbClr val="002e70"/>
-            </a:solidFill>
-            <a:round/>
-            <a:tailEnd len="med" type="triangle" w="med"/>
-          </a:ln>
-        </p:spPr>
-        <p:style>
-          <a:lnRef idx="1">
-            <a:schemeClr val="accent1"/>
-          </a:lnRef>
-          <a:fillRef idx="0">
-            <a:schemeClr val="accent1"/>
-          </a:fillRef>
-          <a:effectRef idx="0">
-            <a:schemeClr val="accent1"/>
-          </a:effectRef>
-          <a:fontRef idx="minor"/>
-        </p:style>
       </p:sp>
     </p:spTree>
   </p:cSld>

--- a/kickOff_presentationFile.pptx
+++ b/kickOff_presentationFile.pptx
@@ -68,43 +68,7 @@
               <a:rPr b="0" lang="en-US" sz="4400" spc="-1" strike="noStrike">
                 <a:latin typeface="Arial"/>
               </a:rPr>
-              <a:t>Clic</a:t>
-            </a:r>
-            <a:r>
-              <a:rPr b="0" lang="en-US" sz="4400" spc="-1" strike="noStrike">
-                <a:latin typeface="Arial"/>
-              </a:rPr>
-              <a:t>k to </a:t>
-            </a:r>
-            <a:r>
-              <a:rPr b="0" lang="en-US" sz="4400" spc="-1" strike="noStrike">
-                <a:latin typeface="Arial"/>
-              </a:rPr>
-              <a:t>mov</a:t>
-            </a:r>
-            <a:r>
-              <a:rPr b="0" lang="en-US" sz="4400" spc="-1" strike="noStrike">
-                <a:latin typeface="Arial"/>
-              </a:rPr>
-              <a:t>e </a:t>
-            </a:r>
-            <a:r>
-              <a:rPr b="0" lang="en-US" sz="4400" spc="-1" strike="noStrike">
-                <a:latin typeface="Arial"/>
-              </a:rPr>
-              <a:t>the </a:t>
-            </a:r>
-            <a:r>
-              <a:rPr b="0" lang="en-US" sz="4400" spc="-1" strike="noStrike">
-                <a:latin typeface="Arial"/>
-              </a:rPr>
-              <a:t>slid</a:t>
-            </a:r>
-            <a:r>
-              <a:rPr b="0" lang="en-US" sz="4400" spc="-1" strike="noStrike">
-                <a:latin typeface="Arial"/>
-              </a:rPr>
-              <a:t>e</a:t>
+              <a:t>Click to move the slide</a:t>
             </a:r>
             <a:endParaRPr b="0" lang="en-US" sz="4400" spc="-1" strike="noStrike">
               <a:latin typeface="Arial"/>
@@ -138,13 +102,7 @@
               <a:rPr b="0" lang="en-US" sz="2000" spc="-1" strike="noStrike">
                 <a:latin typeface="Arial"/>
               </a:rPr>
-              <a:t>Click to edit the </a:t>
-            </a:r>
-            <a:r>
-              <a:rPr b="0" lang="en-US" sz="2000" spc="-1" strike="noStrike">
-                <a:latin typeface="Arial"/>
-              </a:rPr>
-              <a:t>notes format</a:t>
+              <a:t>Click to edit the notes format</a:t>
             </a:r>
             <a:endParaRPr b="0" lang="en-US" sz="2000" spc="-1" strike="noStrike">
               <a:latin typeface="Arial"/>
@@ -278,7 +236,7 @@
           <a:bodyPr lIns="0" rIns="0" tIns="0" bIns="0" anchor="b"/>
           <a:p>
             <a:pPr algn="r"/>
-            <a:fld id="{5EDAE715-4EE6-4039-A099-C007463B6870}" type="slidenum">
+            <a:fld id="{C4D9069D-7868-45B7-B5B7-E3159D5ED23D}" type="slidenum">
               <a:rPr b="0" lang="en-US" sz="1400" spc="-1" strike="noStrike">
                 <a:latin typeface="Times New Roman"/>
               </a:rPr>
@@ -326,7 +284,7 @@
         <p:spPr>
           <a:xfrm>
             <a:off x="380880" y="685800"/>
-            <a:ext cx="6094440" cy="3427560"/>
+            <a:ext cx="6094080" cy="3427200"/>
           </a:xfrm>
           <a:prstGeom prst="rect">
             <a:avLst/>
@@ -346,7 +304,7 @@
         <p:spPr>
           <a:xfrm>
             <a:off x="685800" y="4343400"/>
-            <a:ext cx="5484600" cy="4113000"/>
+            <a:ext cx="5484240" cy="4112640"/>
           </a:xfrm>
           <a:prstGeom prst="rect">
             <a:avLst/>
@@ -370,7 +328,7 @@
         <p:spPr>
           <a:xfrm>
             <a:off x="3884760" y="8685360"/>
-            <a:ext cx="2970000" cy="455400"/>
+            <a:ext cx="2969640" cy="455040"/>
           </a:xfrm>
           <a:prstGeom prst="rect">
             <a:avLst/>
@@ -422,7 +380,7 @@
         <p:spPr>
           <a:xfrm>
             <a:off x="380880" y="685800"/>
-            <a:ext cx="6094440" cy="3427560"/>
+            <a:ext cx="6094080" cy="3427200"/>
           </a:xfrm>
           <a:prstGeom prst="rect">
             <a:avLst/>
@@ -442,7 +400,7 @@
         <p:spPr>
           <a:xfrm>
             <a:off x="685800" y="4343400"/>
-            <a:ext cx="5484600" cy="4113000"/>
+            <a:ext cx="5484240" cy="4112640"/>
           </a:xfrm>
           <a:prstGeom prst="rect">
             <a:avLst/>
@@ -466,7 +424,7 @@
         <p:spPr>
           <a:xfrm>
             <a:off x="3884760" y="8685360"/>
-            <a:ext cx="2970000" cy="455400"/>
+            <a:ext cx="2969640" cy="455040"/>
           </a:xfrm>
           <a:prstGeom prst="rect">
             <a:avLst/>
@@ -518,7 +476,7 @@
         <p:spPr>
           <a:xfrm>
             <a:off x="380880" y="685800"/>
-            <a:ext cx="6094440" cy="3427560"/>
+            <a:ext cx="6094080" cy="3427200"/>
           </a:xfrm>
           <a:prstGeom prst="rect">
             <a:avLst/>
@@ -538,7 +496,7 @@
         <p:spPr>
           <a:xfrm>
             <a:off x="685800" y="4343400"/>
-            <a:ext cx="5484600" cy="4113000"/>
+            <a:ext cx="5484240" cy="4112640"/>
           </a:xfrm>
           <a:prstGeom prst="rect">
             <a:avLst/>
@@ -562,7 +520,7 @@
         <p:spPr>
           <a:xfrm>
             <a:off x="3884760" y="8685360"/>
-            <a:ext cx="2970000" cy="455400"/>
+            <a:ext cx="2969640" cy="455040"/>
           </a:xfrm>
           <a:prstGeom prst="rect">
             <a:avLst/>
@@ -614,7 +572,7 @@
         <p:spPr>
           <a:xfrm>
             <a:off x="380880" y="685800"/>
-            <a:ext cx="6094440" cy="3427560"/>
+            <a:ext cx="6094080" cy="3427200"/>
           </a:xfrm>
           <a:prstGeom prst="rect">
             <a:avLst/>
@@ -634,7 +592,7 @@
         <p:spPr>
           <a:xfrm>
             <a:off x="685800" y="4343400"/>
-            <a:ext cx="5484600" cy="4113000"/>
+            <a:ext cx="5484240" cy="4112640"/>
           </a:xfrm>
           <a:prstGeom prst="rect">
             <a:avLst/>
@@ -658,7 +616,7 @@
         <p:spPr>
           <a:xfrm>
             <a:off x="3884760" y="8685360"/>
-            <a:ext cx="2970000" cy="455400"/>
+            <a:ext cx="2969640" cy="455040"/>
           </a:xfrm>
           <a:prstGeom prst="rect">
             <a:avLst/>
@@ -710,7 +668,7 @@
         <p:spPr>
           <a:xfrm>
             <a:off x="380880" y="685800"/>
-            <a:ext cx="6094440" cy="3427560"/>
+            <a:ext cx="6094080" cy="3427200"/>
           </a:xfrm>
           <a:prstGeom prst="rect">
             <a:avLst/>
@@ -730,7 +688,7 @@
         <p:spPr>
           <a:xfrm>
             <a:off x="685800" y="4343400"/>
-            <a:ext cx="5484600" cy="4113000"/>
+            <a:ext cx="5484240" cy="4112640"/>
           </a:xfrm>
           <a:prstGeom prst="rect">
             <a:avLst/>
@@ -754,7 +712,7 @@
         <p:spPr>
           <a:xfrm>
             <a:off x="3884760" y="8685360"/>
-            <a:ext cx="2970000" cy="455400"/>
+            <a:ext cx="2969640" cy="455040"/>
           </a:xfrm>
           <a:prstGeom prst="rect">
             <a:avLst/>
@@ -3473,7 +3431,7 @@
         <p:spPr>
           <a:xfrm>
             <a:off x="0" y="646560"/>
-            <a:ext cx="322200" cy="322200"/>
+            <a:ext cx="321840" cy="321840"/>
           </a:xfrm>
           <a:prstGeom prst="rect">
             <a:avLst/>
@@ -3499,7 +3457,7 @@
         <p:spPr>
           <a:xfrm>
             <a:off x="11868120" y="646560"/>
-            <a:ext cx="322200" cy="322200"/>
+            <a:ext cx="321840" cy="321840"/>
           </a:xfrm>
           <a:prstGeom prst="rect">
             <a:avLst/>
@@ -3525,7 +3483,7 @@
         <p:spPr>
           <a:xfrm>
             <a:off x="11868120" y="6212160"/>
-            <a:ext cx="322200" cy="322200"/>
+            <a:ext cx="321840" cy="321840"/>
           </a:xfrm>
           <a:prstGeom prst="rect">
             <a:avLst/>
@@ -3551,7 +3509,7 @@
         <p:spPr>
           <a:xfrm>
             <a:off x="-12960" y="6212160"/>
-            <a:ext cx="322200" cy="322200"/>
+            <a:ext cx="321840" cy="321840"/>
           </a:xfrm>
           <a:prstGeom prst="rect">
             <a:avLst/>
@@ -3577,7 +3535,7 @@
         <p:spPr>
           <a:xfrm>
             <a:off x="648000" y="0"/>
-            <a:ext cx="11542320" cy="646200"/>
+            <a:ext cx="11541960" cy="645840"/>
           </a:xfrm>
           <a:prstGeom prst="rect">
             <a:avLst/>
@@ -3605,7 +3563,7 @@
         <p:spPr>
           <a:xfrm>
             <a:off x="0" y="0"/>
-            <a:ext cx="646200" cy="646200"/>
+            <a:ext cx="645840" cy="645840"/>
           </a:xfrm>
           <a:prstGeom prst="rect">
             <a:avLst/>
@@ -3661,9 +3619,9 @@
         <p:grpSpPr>
           <a:xfrm>
             <a:off x="10233720" y="162000"/>
-            <a:ext cx="1632600" cy="322200"/>
+            <a:ext cx="1632240" cy="321840"/>
             <a:chOff x="10233720" y="162000"/>
-            <a:chExt cx="1632600" cy="322200"/>
+            <a:chExt cx="1632240" cy="321840"/>
           </a:xfrm>
         </p:grpSpPr>
         <p:sp>
@@ -3675,7 +3633,7 @@
           <p:spPr>
             <a:xfrm>
               <a:off x="10233720" y="171360"/>
-              <a:ext cx="66240" cy="312840"/>
+              <a:ext cx="65880" cy="312480"/>
             </a:xfrm>
             <a:custGeom>
               <a:avLst/>
@@ -3740,7 +3698,7 @@
           <p:spPr>
             <a:xfrm>
               <a:off x="10411920" y="162000"/>
-              <a:ext cx="170640" cy="245520"/>
+              <a:ext cx="170280" cy="245160"/>
             </a:xfrm>
             <a:custGeom>
               <a:avLst/>
@@ -4445,7 +4403,7 @@
           <p:spPr>
             <a:xfrm>
               <a:off x="10603800" y="238680"/>
-              <a:ext cx="77400" cy="163080"/>
+              <a:ext cx="77040" cy="162720"/>
             </a:xfrm>
             <a:custGeom>
               <a:avLst/>
@@ -4705,7 +4663,7 @@
           <p:spPr>
             <a:xfrm>
               <a:off x="10715040" y="228600"/>
-              <a:ext cx="115200" cy="177480"/>
+              <a:ext cx="114840" cy="177120"/>
             </a:xfrm>
             <a:custGeom>
               <a:avLst/>
@@ -5313,7 +5271,7 @@
           <p:spPr>
             <a:xfrm>
               <a:off x="10859040" y="162720"/>
-              <a:ext cx="86400" cy="239040"/>
+              <a:ext cx="86040" cy="238680"/>
             </a:xfrm>
             <a:custGeom>
               <a:avLst/>
@@ -5730,7 +5688,7 @@
           <p:spPr>
             <a:xfrm>
               <a:off x="11131560" y="232560"/>
-              <a:ext cx="151200" cy="171720"/>
+              <a:ext cx="150840" cy="171360"/>
             </a:xfrm>
             <a:custGeom>
               <a:avLst/>
@@ -6528,7 +6486,7 @@
           <p:spPr>
             <a:xfrm>
               <a:off x="11413440" y="184680"/>
-              <a:ext cx="100080" cy="219600"/>
+              <a:ext cx="99720" cy="219240"/>
             </a:xfrm>
             <a:custGeom>
               <a:avLst/>
@@ -6809,7 +6767,7 @@
           <p:spPr>
             <a:xfrm>
               <a:off x="11529000" y="162720"/>
-              <a:ext cx="86400" cy="239040"/>
+              <a:ext cx="86040" cy="238680"/>
             </a:xfrm>
             <a:custGeom>
               <a:avLst/>
@@ -7226,7 +7184,7 @@
           <p:spPr>
             <a:xfrm>
               <a:off x="11800800" y="171360"/>
-              <a:ext cx="65520" cy="312840"/>
+              <a:ext cx="65160" cy="312480"/>
             </a:xfrm>
             <a:custGeom>
               <a:avLst/>
@@ -7291,7 +7249,7 @@
           <p:spPr>
             <a:xfrm>
               <a:off x="11307600" y="238680"/>
-              <a:ext cx="76320" cy="163080"/>
+              <a:ext cx="75960" cy="162720"/>
             </a:xfrm>
             <a:custGeom>
               <a:avLst/>
@@ -7551,7 +7509,7 @@
           <p:spPr>
             <a:xfrm>
               <a:off x="10974240" y="353160"/>
-              <a:ext cx="47160" cy="48600"/>
+              <a:ext cx="46800" cy="48240"/>
             </a:xfrm>
             <a:custGeom>
               <a:avLst/>
@@ -7610,7 +7568,7 @@
           <p:spPr>
             <a:xfrm>
               <a:off x="10974240" y="230040"/>
-              <a:ext cx="47160" cy="48600"/>
+              <a:ext cx="46800" cy="48240"/>
             </a:xfrm>
             <a:custGeom>
               <a:avLst/>
@@ -7669,7 +7627,7 @@
           <p:spPr>
             <a:xfrm>
               <a:off x="11644200" y="353160"/>
-              <a:ext cx="47880" cy="48600"/>
+              <a:ext cx="47520" cy="48240"/>
             </a:xfrm>
             <a:custGeom>
               <a:avLst/>
@@ -7728,7 +7686,7 @@
           <p:spPr>
             <a:xfrm>
               <a:off x="11644200" y="230040"/>
-              <a:ext cx="47880" cy="48600"/>
+              <a:ext cx="47520" cy="48240"/>
             </a:xfrm>
             <a:custGeom>
               <a:avLst/>
@@ -7788,7 +7746,7 @@
         <p:spPr>
           <a:xfrm>
             <a:off x="0" y="0"/>
-            <a:ext cx="12190320" cy="2428200"/>
+            <a:ext cx="12189960" cy="2427840"/>
           </a:xfrm>
           <a:prstGeom prst="rect">
             <a:avLst/>
@@ -7818,7 +7776,7 @@
         <p:spPr>
           <a:xfrm>
             <a:off x="0" y="2430000"/>
-            <a:ext cx="970200" cy="970200"/>
+            <a:ext cx="969840" cy="969840"/>
           </a:xfrm>
           <a:prstGeom prst="rect">
             <a:avLst/>
@@ -7846,7 +7804,7 @@
         <p:spPr>
           <a:xfrm>
             <a:off x="964440" y="2430000"/>
-            <a:ext cx="11225880" cy="970200"/>
+            <a:ext cx="11225520" cy="969840"/>
           </a:xfrm>
           <a:prstGeom prst="rect">
             <a:avLst/>
@@ -7906,7 +7864,7 @@
         <p:spPr>
           <a:xfrm>
             <a:off x="6470280" y="481320"/>
-            <a:ext cx="4747680" cy="1460880"/>
+            <a:ext cx="4747320" cy="1460520"/>
           </a:xfrm>
           <a:prstGeom prst="rect">
             <a:avLst/>
@@ -8183,7 +8141,7 @@
         <p:spPr>
           <a:xfrm>
             <a:off x="0" y="646560"/>
-            <a:ext cx="322200" cy="322200"/>
+            <a:ext cx="321840" cy="321840"/>
           </a:xfrm>
           <a:prstGeom prst="rect">
             <a:avLst/>
@@ -8209,7 +8167,7 @@
         <p:spPr>
           <a:xfrm>
             <a:off x="11868120" y="646560"/>
-            <a:ext cx="322200" cy="322200"/>
+            <a:ext cx="321840" cy="321840"/>
           </a:xfrm>
           <a:prstGeom prst="rect">
             <a:avLst/>
@@ -8235,7 +8193,7 @@
         <p:spPr>
           <a:xfrm>
             <a:off x="11868120" y="6212160"/>
-            <a:ext cx="322200" cy="322200"/>
+            <a:ext cx="321840" cy="321840"/>
           </a:xfrm>
           <a:prstGeom prst="rect">
             <a:avLst/>
@@ -8261,7 +8219,7 @@
         <p:spPr>
           <a:xfrm>
             <a:off x="-12960" y="6212160"/>
-            <a:ext cx="322200" cy="322200"/>
+            <a:ext cx="321840" cy="321840"/>
           </a:xfrm>
           <a:prstGeom prst="rect">
             <a:avLst/>
@@ -8287,7 +8245,7 @@
         <p:spPr>
           <a:xfrm>
             <a:off x="648000" y="0"/>
-            <a:ext cx="11542320" cy="646200"/>
+            <a:ext cx="11541960" cy="645840"/>
           </a:xfrm>
           <a:prstGeom prst="rect">
             <a:avLst/>
@@ -8315,7 +8273,7 @@
         <p:spPr>
           <a:xfrm>
             <a:off x="0" y="0"/>
-            <a:ext cx="646200" cy="646200"/>
+            <a:ext cx="645840" cy="645840"/>
           </a:xfrm>
           <a:prstGeom prst="rect">
             <a:avLst/>
@@ -8371,9 +8329,9 @@
         <p:grpSpPr>
           <a:xfrm>
             <a:off x="10233720" y="162000"/>
-            <a:ext cx="1632600" cy="322200"/>
+            <a:ext cx="1632240" cy="321840"/>
             <a:chOff x="10233720" y="162000"/>
-            <a:chExt cx="1632600" cy="322200"/>
+            <a:chExt cx="1632240" cy="321840"/>
           </a:xfrm>
         </p:grpSpPr>
         <p:sp>
@@ -8385,7 +8343,7 @@
           <p:spPr>
             <a:xfrm>
               <a:off x="10233720" y="171360"/>
-              <a:ext cx="66240" cy="312840"/>
+              <a:ext cx="65880" cy="312480"/>
             </a:xfrm>
             <a:custGeom>
               <a:avLst/>
@@ -8450,7 +8408,7 @@
           <p:spPr>
             <a:xfrm>
               <a:off x="10411920" y="162000"/>
-              <a:ext cx="170640" cy="245520"/>
+              <a:ext cx="170280" cy="245160"/>
             </a:xfrm>
             <a:custGeom>
               <a:avLst/>
@@ -9155,7 +9113,7 @@
           <p:spPr>
             <a:xfrm>
               <a:off x="10603800" y="238680"/>
-              <a:ext cx="77400" cy="163080"/>
+              <a:ext cx="77040" cy="162720"/>
             </a:xfrm>
             <a:custGeom>
               <a:avLst/>
@@ -9415,7 +9373,7 @@
           <p:spPr>
             <a:xfrm>
               <a:off x="10715040" y="228600"/>
-              <a:ext cx="115200" cy="177480"/>
+              <a:ext cx="114840" cy="177120"/>
             </a:xfrm>
             <a:custGeom>
               <a:avLst/>
@@ -10023,7 +9981,7 @@
           <p:spPr>
             <a:xfrm>
               <a:off x="10859040" y="162720"/>
-              <a:ext cx="86400" cy="239040"/>
+              <a:ext cx="86040" cy="238680"/>
             </a:xfrm>
             <a:custGeom>
               <a:avLst/>
@@ -10440,7 +10398,7 @@
           <p:spPr>
             <a:xfrm>
               <a:off x="11131560" y="232560"/>
-              <a:ext cx="151200" cy="171720"/>
+              <a:ext cx="150840" cy="171360"/>
             </a:xfrm>
             <a:custGeom>
               <a:avLst/>
@@ -11238,7 +11196,7 @@
           <p:spPr>
             <a:xfrm>
               <a:off x="11413440" y="184680"/>
-              <a:ext cx="100080" cy="219600"/>
+              <a:ext cx="99720" cy="219240"/>
             </a:xfrm>
             <a:custGeom>
               <a:avLst/>
@@ -11519,7 +11477,7 @@
           <p:spPr>
             <a:xfrm>
               <a:off x="11529000" y="162720"/>
-              <a:ext cx="86400" cy="239040"/>
+              <a:ext cx="86040" cy="238680"/>
             </a:xfrm>
             <a:custGeom>
               <a:avLst/>
@@ -11936,7 +11894,7 @@
           <p:spPr>
             <a:xfrm>
               <a:off x="11800800" y="171360"/>
-              <a:ext cx="65520" cy="312840"/>
+              <a:ext cx="65160" cy="312480"/>
             </a:xfrm>
             <a:custGeom>
               <a:avLst/>
@@ -12001,7 +11959,7 @@
           <p:spPr>
             <a:xfrm>
               <a:off x="11307600" y="238680"/>
-              <a:ext cx="76320" cy="163080"/>
+              <a:ext cx="75960" cy="162720"/>
             </a:xfrm>
             <a:custGeom>
               <a:avLst/>
@@ -12261,7 +12219,7 @@
           <p:spPr>
             <a:xfrm>
               <a:off x="10974240" y="353160"/>
-              <a:ext cx="47160" cy="48600"/>
+              <a:ext cx="46800" cy="48240"/>
             </a:xfrm>
             <a:custGeom>
               <a:avLst/>
@@ -12320,7 +12278,7 @@
           <p:spPr>
             <a:xfrm>
               <a:off x="10974240" y="230040"/>
-              <a:ext cx="47160" cy="48600"/>
+              <a:ext cx="46800" cy="48240"/>
             </a:xfrm>
             <a:custGeom>
               <a:avLst/>
@@ -12379,7 +12337,7 @@
           <p:spPr>
             <a:xfrm>
               <a:off x="11644200" y="353160"/>
-              <a:ext cx="47880" cy="48600"/>
+              <a:ext cx="47520" cy="48240"/>
             </a:xfrm>
             <a:custGeom>
               <a:avLst/>
@@ -12438,7 +12396,7 @@
           <p:spPr>
             <a:xfrm>
               <a:off x="11644200" y="230040"/>
-              <a:ext cx="47880" cy="48600"/>
+              <a:ext cx="47520" cy="48240"/>
             </a:xfrm>
             <a:custGeom>
               <a:avLst/>
@@ -12749,7 +12707,7 @@
         <p:spPr>
           <a:xfrm>
             <a:off x="964440" y="3721320"/>
-            <a:ext cx="10253880" cy="960840"/>
+            <a:ext cx="10253520" cy="960480"/>
           </a:xfrm>
           <a:prstGeom prst="rect">
             <a:avLst/>
@@ -12802,7 +12760,7 @@
         <p:spPr>
           <a:xfrm>
             <a:off x="964440" y="4267080"/>
-            <a:ext cx="10253880" cy="960840"/>
+            <a:ext cx="10253520" cy="960480"/>
           </a:xfrm>
           <a:prstGeom prst="rect">
             <a:avLst/>
@@ -12821,7 +12779,7 @@
         <p:txBody>
           <a:bodyPr lIns="0" rIns="0" tIns="0" bIns="0"/>
           <a:p>
-            <a:pPr marL="342720" indent="-340920">
+            <a:pPr marL="342720" indent="-340560">
               <a:lnSpc>
                 <a:spcPct val="100000"/>
               </a:lnSpc>
@@ -12834,7 +12792,7 @@
             </a:endParaRPr>
           </a:p>
           <a:p>
-            <a:pPr marL="342720" indent="-340920">
+            <a:pPr marL="342720" indent="-340560">
               <a:lnSpc>
                 <a:spcPct val="100000"/>
               </a:lnSpc>
@@ -12888,7 +12846,7 @@
             </a:endParaRPr>
           </a:p>
           <a:p>
-            <a:pPr marL="342720" indent="-340920">
+            <a:pPr marL="342720" indent="-340560">
               <a:lnSpc>
                 <a:spcPct val="100000"/>
               </a:lnSpc>
@@ -12942,7 +12900,7 @@
             </a:endParaRPr>
           </a:p>
           <a:p>
-            <a:pPr marL="342720" indent="-340920">
+            <a:pPr marL="342720" indent="-340560">
               <a:lnSpc>
                 <a:spcPct val="100000"/>
               </a:lnSpc>
@@ -12998,7 +12956,7 @@
             </a:endParaRPr>
           </a:p>
           <a:p>
-            <a:pPr marL="342720" indent="-340920">
+            <a:pPr marL="342720" indent="-340560">
               <a:lnSpc>
                 <a:spcPct val="100000"/>
               </a:lnSpc>
@@ -13021,7 +12979,7 @@
         <p:spPr>
           <a:xfrm>
             <a:off x="968040" y="5205600"/>
-            <a:ext cx="10253880" cy="960840"/>
+            <a:ext cx="10253520" cy="960480"/>
           </a:xfrm>
           <a:prstGeom prst="rect">
             <a:avLst/>
@@ -13042,7 +13000,7 @@
             <a:normAutofit/>
           </a:bodyPr>
           <a:p>
-            <a:pPr marL="342720" indent="-340920">
+            <a:pPr marL="342720" indent="-340560">
               <a:lnSpc>
                 <a:spcPct val="100000"/>
               </a:lnSpc>
@@ -13055,7 +13013,7 @@
             </a:endParaRPr>
           </a:p>
           <a:p>
-            <a:pPr marL="342720" indent="-340920">
+            <a:pPr marL="342720" indent="-340560">
               <a:lnSpc>
                 <a:spcPct val="100000"/>
               </a:lnSpc>
@@ -13078,7 +13036,7 @@
             </a:endParaRPr>
           </a:p>
           <a:p>
-            <a:pPr marL="342720" indent="-340920">
+            <a:pPr marL="342720" indent="-340560">
               <a:lnSpc>
                 <a:spcPct val="100000"/>
               </a:lnSpc>
@@ -13101,7 +13059,7 @@
             </a:endParaRPr>
           </a:p>
           <a:p>
-            <a:pPr marL="342720" indent="-340920">
+            <a:pPr marL="342720" indent="-340560">
               <a:lnSpc>
                 <a:spcPct val="100000"/>
               </a:lnSpc>
@@ -13115,7 +13073,7 @@
             </a:endParaRPr>
           </a:p>
           <a:p>
-            <a:pPr marL="342720" indent="-340920">
+            <a:pPr marL="342720" indent="-340560">
               <a:lnSpc>
                 <a:spcPct val="100000"/>
               </a:lnSpc>
@@ -13187,7 +13145,7 @@
         <p:spPr>
           <a:xfrm>
             <a:off x="648000" y="0"/>
-            <a:ext cx="9270360" cy="646200"/>
+            <a:ext cx="9270000" cy="645840"/>
           </a:xfrm>
           <a:prstGeom prst="rect">
             <a:avLst/>
@@ -13248,7 +13206,7 @@
         <p:spPr>
           <a:xfrm>
             <a:off x="1630800" y="6534720"/>
-            <a:ext cx="9587520" cy="322200"/>
+            <a:ext cx="9587160" cy="321840"/>
           </a:xfrm>
           <a:prstGeom prst="rect">
             <a:avLst/>
@@ -13300,7 +13258,7 @@
         <p:spPr>
           <a:xfrm>
             <a:off x="318960" y="6534720"/>
-            <a:ext cx="986040" cy="322200"/>
+            <a:ext cx="985680" cy="321840"/>
           </a:xfrm>
           <a:prstGeom prst="rect">
             <a:avLst/>
@@ -13349,7 +13307,7 @@
         <p:spPr>
           <a:xfrm>
             <a:off x="11279520" y="6232320"/>
-            <a:ext cx="586800" cy="684000"/>
+            <a:ext cx="586440" cy="683640"/>
           </a:xfrm>
           <a:prstGeom prst="rect">
             <a:avLst/>
@@ -13375,7 +13333,7 @@
         <p:spPr>
           <a:xfrm>
             <a:off x="318960" y="970560"/>
-            <a:ext cx="11547360" cy="5239800"/>
+            <a:ext cx="11547000" cy="5239440"/>
           </a:xfrm>
           <a:prstGeom prst="rect">
             <a:avLst/>
@@ -13416,7 +13374,7 @@
             </a:endParaRPr>
           </a:p>
           <a:p>
-            <a:pPr lvl="1" marL="669960" indent="-397800">
+            <a:pPr lvl="1" marL="669960" indent="-397440">
               <a:lnSpc>
                 <a:spcPct val="150000"/>
               </a:lnSpc>
@@ -13444,7 +13402,7 @@
             </a:endParaRPr>
           </a:p>
           <a:p>
-            <a:pPr lvl="1" marL="669960" indent="-397800">
+            <a:pPr lvl="1" marL="669960" indent="-397440">
               <a:lnSpc>
                 <a:spcPct val="150000"/>
               </a:lnSpc>
@@ -13472,7 +13430,7 @@
             </a:endParaRPr>
           </a:p>
           <a:p>
-            <a:pPr lvl="1" marL="669960" indent="-397800">
+            <a:pPr lvl="1" marL="669960" indent="-397440">
               <a:lnSpc>
                 <a:spcPct val="150000"/>
               </a:lnSpc>
@@ -13500,7 +13458,7 @@
             </a:endParaRPr>
           </a:p>
           <a:p>
-            <a:pPr lvl="1" marL="669960" indent="-397800">
+            <a:pPr lvl="1" marL="669960" indent="-397440">
               <a:lnSpc>
                 <a:spcPct val="150000"/>
               </a:lnSpc>
@@ -13528,7 +13486,7 @@
             </a:endParaRPr>
           </a:p>
           <a:p>
-            <a:pPr lvl="1" marL="669960" indent="-397800">
+            <a:pPr lvl="1" marL="669960" indent="-397440">
               <a:lnSpc>
                 <a:spcPct val="150000"/>
               </a:lnSpc>
@@ -13615,7 +13573,7 @@
         <p:spPr>
           <a:xfrm>
             <a:off x="505800" y="1379520"/>
-            <a:ext cx="6040800" cy="4638600"/>
+            <a:ext cx="6040440" cy="4638240"/>
           </a:xfrm>
           <a:prstGeom prst="rect">
             <a:avLst/>
@@ -13659,7 +13617,7 @@
             </a:endParaRPr>
           </a:p>
           <a:p>
-            <a:pPr lvl="1" marL="432000" indent="-216000">
+            <a:pPr lvl="1" marL="432000" indent="-215640">
               <a:lnSpc>
                 <a:spcPct val="100000"/>
               </a:lnSpc>
@@ -13688,7 +13646,7 @@
             </a:endParaRPr>
           </a:p>
           <a:p>
-            <a:pPr lvl="1" marL="432000" indent="-216000">
+            <a:pPr lvl="1" marL="432000" indent="-215640">
               <a:lnSpc>
                 <a:spcPct val="100000"/>
               </a:lnSpc>
@@ -13717,7 +13675,7 @@
             </a:endParaRPr>
           </a:p>
           <a:p>
-            <a:pPr lvl="1" marL="432000" indent="-216000">
+            <a:pPr lvl="1" marL="432000" indent="-215640">
               <a:lnSpc>
                 <a:spcPct val="100000"/>
               </a:lnSpc>
@@ -13782,7 +13740,7 @@
             </a:endParaRPr>
           </a:p>
           <a:p>
-            <a:pPr lvl="1" marL="432000" indent="-216000">
+            <a:pPr lvl="1" marL="432000" indent="-215640">
               <a:lnSpc>
                 <a:spcPct val="100000"/>
               </a:lnSpc>
@@ -13822,7 +13780,7 @@
             </a:endParaRPr>
           </a:p>
           <a:p>
-            <a:pPr lvl="1" marL="432000" indent="-216000">
+            <a:pPr lvl="1" marL="432000" indent="-215640">
               <a:lnSpc>
                 <a:spcPct val="100000"/>
               </a:lnSpc>
@@ -13887,7 +13845,7 @@
             </a:endParaRPr>
           </a:p>
           <a:p>
-            <a:pPr lvl="1" marL="432000" indent="-216000">
+            <a:pPr lvl="1" marL="432000" indent="-215640">
               <a:lnSpc>
                 <a:spcPct val="100000"/>
               </a:lnSpc>
@@ -13916,7 +13874,7 @@
             </a:endParaRPr>
           </a:p>
           <a:p>
-            <a:pPr lvl="1" marL="432000" indent="-216000">
+            <a:pPr lvl="1" marL="432000" indent="-215640">
               <a:lnSpc>
                 <a:spcPct val="100000"/>
               </a:lnSpc>
@@ -14007,7 +13965,7 @@
         <p:spPr>
           <a:xfrm>
             <a:off x="648000" y="0"/>
-            <a:ext cx="9270360" cy="646200"/>
+            <a:ext cx="9270000" cy="645840"/>
           </a:xfrm>
           <a:prstGeom prst="rect">
             <a:avLst/>
@@ -14058,7 +14016,7 @@
         <p:spPr>
           <a:xfrm>
             <a:off x="1638000" y="6528600"/>
-            <a:ext cx="9587520" cy="322200"/>
+            <a:ext cx="9587160" cy="321840"/>
           </a:xfrm>
           <a:prstGeom prst="rect">
             <a:avLst/>
@@ -14110,7 +14068,7 @@
         <p:spPr>
           <a:xfrm>
             <a:off x="318960" y="6534720"/>
-            <a:ext cx="986040" cy="322200"/>
+            <a:ext cx="985680" cy="321840"/>
           </a:xfrm>
           <a:prstGeom prst="rect">
             <a:avLst/>
@@ -14159,7 +14117,7 @@
         <p:spPr>
           <a:xfrm>
             <a:off x="11279520" y="6232320"/>
-            <a:ext cx="586800" cy="684000"/>
+            <a:ext cx="586440" cy="683640"/>
           </a:xfrm>
           <a:prstGeom prst="rect">
             <a:avLst/>
@@ -14189,7 +14147,7 @@
         <p:spPr>
           <a:xfrm>
             <a:off x="7040880" y="1554480"/>
-            <a:ext cx="4885920" cy="2781000"/>
+            <a:ext cx="4885560" cy="2780640"/>
           </a:xfrm>
           <a:prstGeom prst="rect">
             <a:avLst/>
@@ -14257,7 +14215,7 @@
         <p:spPr>
           <a:xfrm>
             <a:off x="318960" y="970560"/>
-            <a:ext cx="4556160" cy="5239800"/>
+            <a:ext cx="4555800" cy="5239440"/>
           </a:xfrm>
           <a:prstGeom prst="rect">
             <a:avLst/>
@@ -14335,7 +14293,7 @@
             </a:endParaRPr>
           </a:p>
           <a:p>
-            <a:pPr marL="285840" indent="-284040">
+            <a:pPr marL="285840" indent="-283680">
               <a:lnSpc>
                 <a:spcPct val="100000"/>
               </a:lnSpc>
@@ -14386,7 +14344,7 @@
         <p:spPr>
           <a:xfrm>
             <a:off x="648000" y="0"/>
-            <a:ext cx="9270360" cy="646200"/>
+            <a:ext cx="9270000" cy="645840"/>
           </a:xfrm>
           <a:prstGeom prst="rect">
             <a:avLst/>
@@ -14437,7 +14395,7 @@
         <p:spPr>
           <a:xfrm>
             <a:off x="1630800" y="6534720"/>
-            <a:ext cx="9587520" cy="322200"/>
+            <a:ext cx="9587160" cy="321840"/>
           </a:xfrm>
           <a:prstGeom prst="rect">
             <a:avLst/>
@@ -14489,7 +14447,7 @@
         <p:spPr>
           <a:xfrm>
             <a:off x="318960" y="6534720"/>
-            <a:ext cx="986040" cy="322200"/>
+            <a:ext cx="985680" cy="321840"/>
           </a:xfrm>
           <a:prstGeom prst="rect">
             <a:avLst/>
@@ -14538,7 +14496,7 @@
         <p:spPr>
           <a:xfrm>
             <a:off x="11279520" y="6232320"/>
-            <a:ext cx="586800" cy="684000"/>
+            <a:ext cx="586440" cy="683640"/>
           </a:xfrm>
           <a:prstGeom prst="rect">
             <a:avLst/>
@@ -14564,7 +14522,7 @@
         <p:spPr>
           <a:xfrm>
             <a:off x="8696880" y="6527880"/>
-            <a:ext cx="2956320" cy="256320"/>
+            <a:ext cx="2955960" cy="255960"/>
           </a:xfrm>
           <a:prstGeom prst="rect">
             <a:avLst/>
@@ -14617,7 +14575,7 @@
         <p:spPr>
           <a:xfrm>
             <a:off x="5010840" y="1371600"/>
-            <a:ext cx="6865920" cy="4485600"/>
+            <a:ext cx="6865560" cy="4485240"/>
           </a:xfrm>
           <a:prstGeom prst="rect">
             <a:avLst/>
@@ -14685,7 +14643,7 @@
         <p:spPr>
           <a:xfrm>
             <a:off x="318960" y="970560"/>
-            <a:ext cx="4479840" cy="5239800"/>
+            <a:ext cx="4479480" cy="5239440"/>
           </a:xfrm>
           <a:prstGeom prst="rect">
             <a:avLst/>
@@ -14773,7 +14731,7 @@
             </a:endParaRPr>
           </a:p>
           <a:p>
-            <a:pPr marL="285840" indent="-284040">
+            <a:pPr marL="285840" indent="-283680">
               <a:lnSpc>
                 <a:spcPct val="100000"/>
               </a:lnSpc>
@@ -14811,7 +14769,7 @@
         <p:spPr>
           <a:xfrm>
             <a:off x="648000" y="0"/>
-            <a:ext cx="9270360" cy="646200"/>
+            <a:ext cx="9270000" cy="645840"/>
           </a:xfrm>
           <a:prstGeom prst="rect">
             <a:avLst/>
@@ -14862,7 +14820,7 @@
         <p:spPr>
           <a:xfrm>
             <a:off x="1630800" y="6534720"/>
-            <a:ext cx="9587520" cy="322200"/>
+            <a:ext cx="9587160" cy="321840"/>
           </a:xfrm>
           <a:prstGeom prst="rect">
             <a:avLst/>
@@ -14914,7 +14872,7 @@
         <p:spPr>
           <a:xfrm>
             <a:off x="318960" y="6534720"/>
-            <a:ext cx="986040" cy="322200"/>
+            <a:ext cx="985680" cy="321840"/>
           </a:xfrm>
           <a:prstGeom prst="rect">
             <a:avLst/>
@@ -14963,7 +14921,7 @@
         <p:spPr>
           <a:xfrm>
             <a:off x="11279520" y="6232320"/>
-            <a:ext cx="586800" cy="684000"/>
+            <a:ext cx="586440" cy="683640"/>
           </a:xfrm>
           <a:prstGeom prst="rect">
             <a:avLst/>
@@ -14989,7 +14947,7 @@
         <p:spPr>
           <a:xfrm>
             <a:off x="8696880" y="6527880"/>
-            <a:ext cx="2956320" cy="256320"/>
+            <a:ext cx="2955960" cy="255960"/>
           </a:xfrm>
           <a:prstGeom prst="rect">
             <a:avLst/>
@@ -15042,7 +15000,7 @@
         <p:spPr>
           <a:xfrm>
             <a:off x="4495680" y="1315440"/>
-            <a:ext cx="7315200" cy="4570200"/>
+            <a:ext cx="7314840" cy="4569840"/>
           </a:xfrm>
           <a:prstGeom prst="rect">
             <a:avLst/>
@@ -15110,7 +15068,7 @@
         <p:spPr>
           <a:xfrm>
             <a:off x="318960" y="970560"/>
-            <a:ext cx="4479840" cy="5239800"/>
+            <a:ext cx="4479480" cy="5239440"/>
           </a:xfrm>
           <a:prstGeom prst="rect">
             <a:avLst/>
@@ -15188,7 +15146,7 @@
             </a:endParaRPr>
           </a:p>
           <a:p>
-            <a:pPr marL="285840" indent="-284040">
+            <a:pPr marL="285840" indent="-283680">
               <a:lnSpc>
                 <a:spcPct val="100000"/>
               </a:lnSpc>
@@ -15259,7 +15217,7 @@
             </a:endParaRPr>
           </a:p>
           <a:p>
-            <a:pPr marL="285840" indent="-284040">
+            <a:pPr marL="285840" indent="-283680">
               <a:lnSpc>
                 <a:spcPct val="100000"/>
               </a:lnSpc>
@@ -15297,7 +15255,7 @@
         <p:spPr>
           <a:xfrm>
             <a:off x="648000" y="0"/>
-            <a:ext cx="9270360" cy="646200"/>
+            <a:ext cx="9270000" cy="645840"/>
           </a:xfrm>
           <a:prstGeom prst="rect">
             <a:avLst/>
@@ -15348,7 +15306,7 @@
         <p:spPr>
           <a:xfrm>
             <a:off x="1630800" y="6534720"/>
-            <a:ext cx="9587520" cy="322200"/>
+            <a:ext cx="9587160" cy="321840"/>
           </a:xfrm>
           <a:prstGeom prst="rect">
             <a:avLst/>
@@ -15400,7 +15358,7 @@
         <p:spPr>
           <a:xfrm>
             <a:off x="318960" y="6534720"/>
-            <a:ext cx="986040" cy="322200"/>
+            <a:ext cx="985680" cy="321840"/>
           </a:xfrm>
           <a:prstGeom prst="rect">
             <a:avLst/>
@@ -15449,7 +15407,7 @@
         <p:spPr>
           <a:xfrm>
             <a:off x="11279520" y="6232320"/>
-            <a:ext cx="586800" cy="684000"/>
+            <a:ext cx="586440" cy="683640"/>
           </a:xfrm>
           <a:prstGeom prst="rect">
             <a:avLst/>
@@ -15475,7 +15433,7 @@
         <p:spPr>
           <a:xfrm>
             <a:off x="8696880" y="6527880"/>
-            <a:ext cx="2956320" cy="256320"/>
+            <a:ext cx="2955960" cy="255960"/>
           </a:xfrm>
           <a:prstGeom prst="rect">
             <a:avLst/>
@@ -15528,7 +15486,7 @@
         <p:spPr>
           <a:xfrm>
             <a:off x="4114800" y="884520"/>
-            <a:ext cx="7293960" cy="5513040"/>
+            <a:ext cx="7293600" cy="5512680"/>
           </a:xfrm>
           <a:prstGeom prst="rect">
             <a:avLst/>
@@ -15596,7 +15554,7 @@
         <p:spPr>
           <a:xfrm>
             <a:off x="648000" y="0"/>
-            <a:ext cx="9270360" cy="646200"/>
+            <a:ext cx="9270000" cy="645840"/>
           </a:xfrm>
           <a:prstGeom prst="rect">
             <a:avLst/>
@@ -15659,7 +15617,7 @@
         <p:spPr>
           <a:xfrm>
             <a:off x="2128320" y="2194560"/>
-            <a:ext cx="8000640" cy="3428640"/>
+            <a:ext cx="8000280" cy="3428280"/>
           </a:xfrm>
           <a:prstGeom prst="rect">
             <a:avLst/>
@@ -15727,7 +15685,7 @@
         <p:spPr>
           <a:xfrm>
             <a:off x="648000" y="0"/>
-            <a:ext cx="9270360" cy="646200"/>
+            <a:ext cx="9270000" cy="645840"/>
           </a:xfrm>
           <a:prstGeom prst="rect">
             <a:avLst/>
@@ -15778,7 +15736,7 @@
         <p:spPr>
           <a:xfrm>
             <a:off x="1630800" y="6534720"/>
-            <a:ext cx="9587520" cy="322200"/>
+            <a:ext cx="9587160" cy="321840"/>
           </a:xfrm>
           <a:prstGeom prst="rect">
             <a:avLst/>
@@ -15832,7 +15790,7 @@
         <p:spPr>
           <a:xfrm>
             <a:off x="318960" y="6534720"/>
-            <a:ext cx="986040" cy="322200"/>
+            <a:ext cx="985680" cy="321840"/>
           </a:xfrm>
           <a:prstGeom prst="rect">
             <a:avLst/>
@@ -15886,7 +15844,7 @@
         <p:spPr>
           <a:xfrm>
             <a:off x="11279520" y="6232320"/>
-            <a:ext cx="586800" cy="684000"/>
+            <a:ext cx="586440" cy="683640"/>
           </a:xfrm>
           <a:prstGeom prst="rect">
             <a:avLst/>
@@ -15915,8 +15873,8 @@
         </p:blipFill>
         <p:spPr>
           <a:xfrm>
-            <a:off x="1463040" y="914400"/>
-            <a:ext cx="8934120" cy="5495400"/>
+            <a:off x="1572120" y="886320"/>
+            <a:ext cx="8943480" cy="5514480"/>
           </a:xfrm>
           <a:prstGeom prst="rect">
             <a:avLst/>
@@ -15984,7 +15942,7 @@
         <p:spPr>
           <a:xfrm>
             <a:off x="2895480" y="4114800"/>
-            <a:ext cx="6322680" cy="646200"/>
+            <a:ext cx="6322320" cy="645840"/>
           </a:xfrm>
           <a:prstGeom prst="rect">
             <a:avLst/>
@@ -16035,7 +15993,7 @@
         <p:spPr>
           <a:xfrm>
             <a:off x="1143000" y="5410080"/>
-            <a:ext cx="10253880" cy="960840"/>
+            <a:ext cx="10253520" cy="960480"/>
           </a:xfrm>
           <a:prstGeom prst="rect">
             <a:avLst/>
@@ -16054,7 +16012,7 @@
         <p:txBody>
           <a:bodyPr lIns="0" rIns="0" tIns="0" bIns="0"/>
           <a:p>
-            <a:pPr marL="342720" indent="-340920">
+            <a:pPr marL="342720" indent="-340560">
               <a:lnSpc>
                 <a:spcPct val="100000"/>
               </a:lnSpc>
@@ -16067,7 +16025,7 @@
             </a:endParaRPr>
           </a:p>
           <a:p>
-            <a:pPr marL="342720" indent="-340920">
+            <a:pPr marL="342720" indent="-340560">
               <a:lnSpc>
                 <a:spcPct val="100000"/>
               </a:lnSpc>
@@ -16131,7 +16089,7 @@
             </a:endParaRPr>
           </a:p>
           <a:p>
-            <a:pPr marL="342720" indent="-340920">
+            <a:pPr marL="342720" indent="-340560">
               <a:lnSpc>
                 <a:spcPct val="100000"/>
               </a:lnSpc>
@@ -16195,7 +16153,7 @@
             </a:endParaRPr>
           </a:p>
           <a:p>
-            <a:pPr marL="342720" indent="-340920">
+            <a:pPr marL="342720" indent="-340560">
               <a:lnSpc>
                 <a:spcPct val="100000"/>
               </a:lnSpc>
@@ -16261,7 +16219,7 @@
             </a:endParaRPr>
           </a:p>
           <a:p>
-            <a:pPr marL="342720" indent="-340920">
+            <a:pPr marL="342720" indent="-340560">
               <a:lnSpc>
                 <a:spcPct val="100000"/>
               </a:lnSpc>
